--- a/introduccion-mcp.pptx
+++ b/introduccion-mcp.pptx
@@ -5,7 +5,7 @@
     <p:sldMasterId id="2147483660" r:id="rId1"/>
   </p:sldMasterIdLst>
   <p:notesMasterIdLst>
-    <p:notesMasterId r:id="rId37"/>
+    <p:notesMasterId r:id="rId46"/>
   </p:notesMasterIdLst>
   <p:sldIdLst>
     <p:sldId id="380" r:id="rId2"/>
@@ -17,32 +17,41 @@
     <p:sldId id="258" r:id="rId8"/>
     <p:sldId id="369" r:id="rId9"/>
     <p:sldId id="367" r:id="rId10"/>
-    <p:sldId id="362" r:id="rId11"/>
-    <p:sldId id="368" r:id="rId12"/>
-    <p:sldId id="384" r:id="rId13"/>
-    <p:sldId id="370" r:id="rId14"/>
-    <p:sldId id="386" r:id="rId15"/>
-    <p:sldId id="361" r:id="rId16"/>
-    <p:sldId id="372" r:id="rId17"/>
-    <p:sldId id="373" r:id="rId18"/>
-    <p:sldId id="2076136803" r:id="rId19"/>
-    <p:sldId id="375" r:id="rId20"/>
-    <p:sldId id="262" r:id="rId21"/>
-    <p:sldId id="364" r:id="rId22"/>
-    <p:sldId id="363" r:id="rId23"/>
-    <p:sldId id="388" r:id="rId24"/>
-    <p:sldId id="382" r:id="rId25"/>
-    <p:sldId id="378" r:id="rId26"/>
-    <p:sldId id="390" r:id="rId27"/>
-    <p:sldId id="376" r:id="rId28"/>
-    <p:sldId id="377" r:id="rId29"/>
-    <p:sldId id="2076136806" r:id="rId30"/>
-    <p:sldId id="2076136808" r:id="rId31"/>
-    <p:sldId id="2076136809" r:id="rId32"/>
-    <p:sldId id="2076136807" r:id="rId33"/>
-    <p:sldId id="379" r:id="rId34"/>
-    <p:sldId id="318" r:id="rId35"/>
-    <p:sldId id="2030" r:id="rId36"/>
+    <p:sldId id="2076136813" r:id="rId11"/>
+    <p:sldId id="362" r:id="rId12"/>
+    <p:sldId id="368" r:id="rId13"/>
+    <p:sldId id="384" r:id="rId14"/>
+    <p:sldId id="370" r:id="rId15"/>
+    <p:sldId id="386" r:id="rId16"/>
+    <p:sldId id="361" r:id="rId17"/>
+    <p:sldId id="372" r:id="rId18"/>
+    <p:sldId id="373" r:id="rId19"/>
+    <p:sldId id="2076136803" r:id="rId20"/>
+    <p:sldId id="375" r:id="rId21"/>
+    <p:sldId id="262" r:id="rId22"/>
+    <p:sldId id="364" r:id="rId23"/>
+    <p:sldId id="363" r:id="rId24"/>
+    <p:sldId id="388" r:id="rId25"/>
+    <p:sldId id="382" r:id="rId26"/>
+    <p:sldId id="378" r:id="rId27"/>
+    <p:sldId id="390" r:id="rId28"/>
+    <p:sldId id="2076136814" r:id="rId29"/>
+    <p:sldId id="376" r:id="rId30"/>
+    <p:sldId id="377" r:id="rId31"/>
+    <p:sldId id="2076136815" r:id="rId32"/>
+    <p:sldId id="2076136806" r:id="rId33"/>
+    <p:sldId id="2076136808" r:id="rId34"/>
+    <p:sldId id="2076136810" r:id="rId35"/>
+    <p:sldId id="2076136817" r:id="rId36"/>
+    <p:sldId id="2076136816" r:id="rId37"/>
+    <p:sldId id="2076136811" r:id="rId38"/>
+    <p:sldId id="2076136812" r:id="rId39"/>
+    <p:sldId id="2076136818" r:id="rId40"/>
+    <p:sldId id="2076136809" r:id="rId41"/>
+    <p:sldId id="2076136807" r:id="rId42"/>
+    <p:sldId id="379" r:id="rId43"/>
+    <p:sldId id="318" r:id="rId44"/>
+    <p:sldId id="2030" r:id="rId45"/>
   </p:sldIdLst>
   <p:sldSz cx="12192000" cy="6858000"/>
   <p:notesSz cx="6858000" cy="9144000"/>
@@ -159,6 +168,7 @@
             <p14:sldId id="258"/>
             <p14:sldId id="369"/>
             <p14:sldId id="367"/>
+            <p14:sldId id="2076136813"/>
           </p14:sldIdLst>
         </p14:section>
         <p14:section name="¿Qué?" id="{066A23B8-FB0C-2146-9691-B640301100A7}">
@@ -184,10 +194,18 @@
             <p14:sldId id="382"/>
             <p14:sldId id="378"/>
             <p14:sldId id="390"/>
+            <p14:sldId id="2076136814"/>
             <p14:sldId id="376"/>
             <p14:sldId id="377"/>
+            <p14:sldId id="2076136815"/>
             <p14:sldId id="2076136806"/>
             <p14:sldId id="2076136808"/>
+            <p14:sldId id="2076136810"/>
+            <p14:sldId id="2076136817"/>
+            <p14:sldId id="2076136816"/>
+            <p14:sldId id="2076136811"/>
+            <p14:sldId id="2076136812"/>
+            <p14:sldId id="2076136818"/>
             <p14:sldId id="2076136809"/>
             <p14:sldId id="2076136807"/>
             <p14:sldId id="379"/>
@@ -1237,7 +1255,7 @@
           <a:p>
             <a:fld id="{65097B6B-FF96-F443-AED4-FFB28983C4F8}" type="slidenum">
               <a:rPr lang="en-US" smtClean="0"/>
-              <a:t>26</a:t>
+              <a:t>27</a:t>
             </a:fld>
             <a:endParaRPr lang="en-US"/>
           </a:p>
@@ -1345,7 +1363,7 @@
           <a:p>
             <a:fld id="{B59DFEC3-DDF1-47FC-A429-F37F4C396648}" type="slidenum">
               <a:rPr lang="en-US" smtClean="0"/>
-              <a:t>34</a:t>
+              <a:t>43</a:t>
             </a:fld>
             <a:endParaRPr lang="en-US"/>
           </a:p>
@@ -4931,6 +4949,141 @@
     <p:bg>
       <p:bgPr>
         <a:solidFill>
+          <a:srgbClr val="00B050"/>
+        </a:solidFill>
+        <a:effectLst/>
+      </p:bgPr>
+    </p:bg>
+    <p:spTree>
+      <p:nvGrpSpPr>
+        <p:cNvPr id="1" name="">
+          <a:extLst>
+            <a:ext uri="{FF2B5EF4-FFF2-40B4-BE49-F238E27FC236}">
+              <a16:creationId xmlns:a16="http://schemas.microsoft.com/office/drawing/2014/main" id="{B59B440E-B9CA-128B-04A4-AF2C26AD4904}"/>
+            </a:ext>
+          </a:extLst>
+        </p:cNvPr>
+        <p:cNvGrpSpPr/>
+        <p:nvPr/>
+      </p:nvGrpSpPr>
+      <p:grpSpPr>
+        <a:xfrm>
+          <a:off x="0" y="0"/>
+          <a:ext cx="0" cy="0"/>
+          <a:chOff x="0" y="0"/>
+          <a:chExt cx="0" cy="0"/>
+        </a:xfrm>
+      </p:grpSpPr>
+      <p:sp>
+        <p:nvSpPr>
+          <p:cNvPr id="2" name="Title 1">
+            <a:extLst>
+              <a:ext uri="{FF2B5EF4-FFF2-40B4-BE49-F238E27FC236}">
+                <a16:creationId xmlns:a16="http://schemas.microsoft.com/office/drawing/2014/main" id="{4E090ED8-C832-F6C1-F9AD-F4669EDC5E75}"/>
+              </a:ext>
+            </a:extLst>
+          </p:cNvPr>
+          <p:cNvSpPr>
+            <a:spLocks noGrp="1"/>
+          </p:cNvSpPr>
+          <p:nvPr>
+            <p:ph type="title"/>
+          </p:nvPr>
+        </p:nvSpPr>
+        <p:spPr>
+          <a:xfrm>
+            <a:off x="3043403" y="1924319"/>
+            <a:ext cx="6105194" cy="3009362"/>
+          </a:xfrm>
+        </p:spPr>
+        <p:txBody>
+          <a:bodyPr vert="horz" lIns="91440" tIns="45720" rIns="91440" bIns="45720" rtlCol="0" anchor="b">
+            <a:normAutofit fontScale="90000"/>
+          </a:bodyPr>
+          <a:lstStyle/>
+          <a:p>
+            <a:r>
+              <a:rPr lang="en-US" altLang="zh-CN" sz="6000" b="1" dirty="0">
+                <a:solidFill>
+                  <a:srgbClr val="FFFFFF"/>
+                </a:solidFill>
+              </a:rPr>
+              <a:t>DEMO:</a:t>
+            </a:r>
+            <a:br>
+              <a:rPr lang="en-US" altLang="zh-CN" sz="6000" dirty="0">
+                <a:solidFill>
+                  <a:srgbClr val="FFFFFF"/>
+                </a:solidFill>
+              </a:rPr>
+            </a:br>
+            <a:r>
+              <a:rPr lang="en-US" altLang="zh-CN" sz="6000" dirty="0" err="1">
+                <a:solidFill>
+                  <a:srgbClr val="FFFFFF"/>
+                </a:solidFill>
+              </a:rPr>
+              <a:t>Usando</a:t>
+            </a:r>
+            <a:r>
+              <a:rPr lang="en-US" altLang="zh-CN" sz="6000" dirty="0">
+                <a:solidFill>
+                  <a:srgbClr val="FFFFFF"/>
+                </a:solidFill>
+              </a:rPr>
+              <a:t> GitHub Copilot y </a:t>
+            </a:r>
+            <a:r>
+              <a:rPr lang="en-US" altLang="zh-CN" sz="6000" dirty="0" err="1">
+                <a:solidFill>
+                  <a:srgbClr val="FFFFFF"/>
+                </a:solidFill>
+              </a:rPr>
+              <a:t>alcanzando</a:t>
+            </a:r>
+            <a:r>
+              <a:rPr lang="en-US" altLang="zh-CN" sz="6000" dirty="0">
+                <a:solidFill>
+                  <a:srgbClr val="FFFFFF"/>
+                </a:solidFill>
+              </a:rPr>
+              <a:t> </a:t>
+            </a:r>
+            <a:r>
+              <a:rPr lang="en-US" altLang="zh-CN" sz="6000" dirty="0" err="1">
+                <a:solidFill>
+                  <a:srgbClr val="FFFFFF"/>
+                </a:solidFill>
+              </a:rPr>
+              <a:t>límites</a:t>
+            </a:r>
+            <a:endParaRPr lang="en-US" altLang="zh-CN" sz="6000" dirty="0">
+              <a:solidFill>
+                <a:srgbClr val="FFFFFF"/>
+              </a:solidFill>
+            </a:endParaRPr>
+          </a:p>
+        </p:txBody>
+      </p:sp>
+    </p:spTree>
+    <p:extLst>
+      <p:ext uri="{BB962C8B-B14F-4D97-AF65-F5344CB8AC3E}">
+        <p14:creationId xmlns:p14="http://schemas.microsoft.com/office/powerpoint/2010/main" val="578369991"/>
+      </p:ext>
+    </p:extLst>
+  </p:cSld>
+  <p:clrMapOvr>
+    <a:masterClrMapping/>
+  </p:clrMapOvr>
+</p:sld>
+</file>
+
+<file path=ppt/slides/slide11.xml><?xml version="1.0" encoding="utf-8"?>
+<p:sld xmlns:a="http://schemas.openxmlformats.org/drawingml/2006/main" xmlns:r="http://schemas.openxmlformats.org/officeDocument/2006/relationships" xmlns:p="http://schemas.openxmlformats.org/presentationml/2006/main">
+  <p:cSld>
+    <p:bg>
+      <p:bgPr>
+        <a:solidFill>
           <a:srgbClr val="2B84D2"/>
         </a:solidFill>
         <a:effectLst/>
@@ -5064,7 +5217,7 @@
 </p:sld>
 </file>
 
-<file path=ppt/slides/slide11.xml><?xml version="1.0" encoding="utf-8"?>
+<file path=ppt/slides/slide12.xml><?xml version="1.0" encoding="utf-8"?>
 <p:sld xmlns:a="http://schemas.openxmlformats.org/drawingml/2006/main" xmlns:r="http://schemas.openxmlformats.org/officeDocument/2006/relationships" xmlns:p="http://schemas.openxmlformats.org/presentationml/2006/main">
   <p:cSld>
     <p:spTree>
@@ -6141,7 +6294,7 @@
 </p:sld>
 </file>
 
-<file path=ppt/slides/slide12.xml><?xml version="1.0" encoding="utf-8"?>
+<file path=ppt/slides/slide13.xml><?xml version="1.0" encoding="utf-8"?>
 <p:sld xmlns:a="http://schemas.openxmlformats.org/drawingml/2006/main" xmlns:r="http://schemas.openxmlformats.org/officeDocument/2006/relationships" xmlns:p="http://schemas.openxmlformats.org/presentationml/2006/main">
   <p:cSld>
     <p:spTree>
@@ -6505,7 +6658,7 @@
 </p:sld>
 </file>
 
-<file path=ppt/slides/slide13.xml><?xml version="1.0" encoding="utf-8"?>
+<file path=ppt/slides/slide14.xml><?xml version="1.0" encoding="utf-8"?>
 <p:sld xmlns:a="http://schemas.openxmlformats.org/drawingml/2006/main" xmlns:r="http://schemas.openxmlformats.org/officeDocument/2006/relationships" xmlns:p="http://schemas.openxmlformats.org/presentationml/2006/main">
   <p:cSld>
     <p:spTree>
@@ -6565,7 +6718,7 @@
 </p:sld>
 </file>
 
-<file path=ppt/slides/slide14.xml><?xml version="1.0" encoding="utf-8"?>
+<file path=ppt/slides/slide15.xml><?xml version="1.0" encoding="utf-8"?>
 <p:sld xmlns:a="http://schemas.openxmlformats.org/drawingml/2006/main" xmlns:r="http://schemas.openxmlformats.org/officeDocument/2006/relationships" xmlns:p="http://schemas.openxmlformats.org/presentationml/2006/main">
   <p:cSld>
     <p:spTree>
@@ -7044,7 +7197,7 @@
 </p:sld>
 </file>
 
-<file path=ppt/slides/slide15.xml><?xml version="1.0" encoding="utf-8"?>
+<file path=ppt/slides/slide16.xml><?xml version="1.0" encoding="utf-8"?>
 <p:sld xmlns:a="http://schemas.openxmlformats.org/drawingml/2006/main" xmlns:r="http://schemas.openxmlformats.org/officeDocument/2006/relationships" xmlns:p="http://schemas.openxmlformats.org/presentationml/2006/main">
   <p:cSld>
     <p:spTree>
@@ -7146,7 +7299,7 @@
 </p:sld>
 </file>
 
-<file path=ppt/slides/slide16.xml><?xml version="1.0" encoding="utf-8"?>
+<file path=ppt/slides/slide17.xml><?xml version="1.0" encoding="utf-8"?>
 <p:sld xmlns:a="http://schemas.openxmlformats.org/drawingml/2006/main" xmlns:r="http://schemas.openxmlformats.org/officeDocument/2006/relationships" xmlns:p="http://schemas.openxmlformats.org/presentationml/2006/main">
   <p:cSld>
     <p:spTree>
@@ -7747,7 +7900,7 @@
 </p:sld>
 </file>
 
-<file path=ppt/slides/slide17.xml><?xml version="1.0" encoding="utf-8"?>
+<file path=ppt/slides/slide18.xml><?xml version="1.0" encoding="utf-8"?>
 <p:sld xmlns:a="http://schemas.openxmlformats.org/drawingml/2006/main" xmlns:r="http://schemas.openxmlformats.org/officeDocument/2006/relationships" xmlns:p="http://schemas.openxmlformats.org/presentationml/2006/main">
   <p:cSld>
     <p:spTree>
@@ -8080,7 +8233,7 @@
 </p:sld>
 </file>
 
-<file path=ppt/slides/slide18.xml><?xml version="1.0" encoding="utf-8"?>
+<file path=ppt/slides/slide19.xml><?xml version="1.0" encoding="utf-8"?>
 <p:sld xmlns:a="http://schemas.openxmlformats.org/drawingml/2006/main" xmlns:r="http://schemas.openxmlformats.org/officeDocument/2006/relationships" xmlns:p="http://schemas.openxmlformats.org/presentationml/2006/main">
   <p:cSld>
     <p:spTree>
@@ -8542,7 +8695,341 @@
 </p:sld>
 </file>
 
-<file path=ppt/slides/slide19.xml><?xml version="1.0" encoding="utf-8"?>
+<file path=ppt/slides/slide2.xml><?xml version="1.0" encoding="utf-8"?>
+<p:sld xmlns:a="http://schemas.openxmlformats.org/drawingml/2006/main" xmlns:r="http://schemas.openxmlformats.org/officeDocument/2006/relationships" xmlns:p="http://schemas.openxmlformats.org/presentationml/2006/main">
+  <p:cSld>
+    <p:spTree>
+      <p:nvGrpSpPr>
+        <p:cNvPr id="1" name=""/>
+        <p:cNvGrpSpPr/>
+        <p:nvPr/>
+      </p:nvGrpSpPr>
+      <p:grpSpPr>
+        <a:xfrm>
+          <a:off x="0" y="0"/>
+          <a:ext cx="0" cy="0"/>
+          <a:chOff x="0" y="0"/>
+          <a:chExt cx="0" cy="0"/>
+        </a:xfrm>
+      </p:grpSpPr>
+      <p:sp>
+        <p:nvSpPr>
+          <p:cNvPr id="2" name="Text Placeholder 1"/>
+          <p:cNvSpPr>
+            <a:spLocks noGrp="1"/>
+          </p:cNvSpPr>
+          <p:nvPr>
+            <p:ph type="body" sz="quarter" idx="10"/>
+          </p:nvPr>
+        </p:nvSpPr>
+        <p:spPr>
+          <a:xfrm>
+            <a:off x="269240" y="1189495"/>
+            <a:ext cx="11655841" cy="1292662"/>
+          </a:xfrm>
+        </p:spPr>
+        <p:txBody>
+          <a:bodyPr/>
+          <a:lstStyle/>
+          <a:p>
+            <a:r>
+              <a:rPr lang="es-ES" sz="4000" dirty="0"/>
+              <a:t>Software </a:t>
+            </a:r>
+            <a:r>
+              <a:rPr lang="es-ES" sz="4000" dirty="0" err="1"/>
+              <a:t>Engineer</a:t>
+            </a:r>
+            <a:r>
+              <a:rPr lang="es-ES" sz="4000" dirty="0"/>
+              <a:t> at Microsoft</a:t>
+            </a:r>
+          </a:p>
+        </p:txBody>
+      </p:sp>
+      <p:sp>
+        <p:nvSpPr>
+          <p:cNvPr id="3" name="Title 2"/>
+          <p:cNvSpPr>
+            <a:spLocks noGrp="1"/>
+          </p:cNvSpPr>
+          <p:nvPr>
+            <p:ph type="title"/>
+          </p:nvPr>
+        </p:nvSpPr>
+        <p:spPr/>
+        <p:txBody>
+          <a:bodyPr/>
+          <a:lstStyle/>
+          <a:p>
+            <a:r>
+              <a:rPr lang="es-ES" dirty="0"/>
+              <a:t>Javier Suárez Ruiz</a:t>
+            </a:r>
+          </a:p>
+        </p:txBody>
+      </p:sp>
+      <p:sp>
+        <p:nvSpPr>
+          <p:cNvPr id="6" name="Text Placeholder 4"/>
+          <p:cNvSpPr>
+            <a:spLocks noGrp="1"/>
+          </p:cNvSpPr>
+          <p:nvPr/>
+        </p:nvSpPr>
+        <p:spPr>
+          <a:xfrm>
+            <a:off x="269240" y="4377014"/>
+            <a:ext cx="11369585" cy="1383541"/>
+          </a:xfrm>
+          <a:prstGeom prst="rect">
+            <a:avLst/>
+          </a:prstGeom>
+        </p:spPr>
+        <p:txBody>
+          <a:bodyPr vert="horz" lIns="119507" tIns="0" rIns="119507" bIns="59755" rtlCol="0">
+            <a:normAutofit/>
+          </a:bodyPr>
+          <a:lstStyle>
+            <a:lvl1pPr marL="0" indent="0" algn="l" defTabSz="914400" rtl="0" eaLnBrk="1" latinLnBrk="0" hangingPunct="1">
+              <a:spcBef>
+                <a:spcPct val="20000"/>
+              </a:spcBef>
+              <a:buFont typeface="Arial" pitchFamily="34" charset="0"/>
+              <a:buNone/>
+              <a:defRPr sz="2800" kern="1200">
+                <a:solidFill>
+                  <a:schemeClr val="bg1"/>
+                </a:solidFill>
+                <a:latin typeface="+mn-lt"/>
+                <a:ea typeface="+mn-ea"/>
+                <a:cs typeface="+mn-cs"/>
+              </a:defRPr>
+            </a:lvl1pPr>
+            <a:lvl2pPr marL="0" indent="0" algn="l" defTabSz="914400" rtl="0" eaLnBrk="1" latinLnBrk="0" hangingPunct="1">
+              <a:spcBef>
+                <a:spcPct val="20000"/>
+              </a:spcBef>
+              <a:buFont typeface="Arial" pitchFamily="34" charset="0"/>
+              <a:buNone/>
+              <a:defRPr sz="1600" kern="1200">
+                <a:solidFill>
+                  <a:schemeClr val="tx2"/>
+                </a:solidFill>
+                <a:latin typeface="+mn-lt"/>
+                <a:ea typeface="+mn-ea"/>
+                <a:cs typeface="+mn-cs"/>
+              </a:defRPr>
+            </a:lvl2pPr>
+            <a:lvl3pPr marL="447675" indent="-180975" algn="l" defTabSz="914400" rtl="0" eaLnBrk="1" latinLnBrk="0" hangingPunct="1">
+              <a:spcBef>
+                <a:spcPct val="20000"/>
+              </a:spcBef>
+              <a:buClr>
+                <a:schemeClr val="bg2"/>
+              </a:buClr>
+              <a:buSzPct val="120000"/>
+              <a:buFont typeface="Arial" pitchFamily="34" charset="0"/>
+              <a:buChar char="•"/>
+              <a:defRPr sz="1600" kern="1200">
+                <a:solidFill>
+                  <a:schemeClr val="tx2"/>
+                </a:solidFill>
+                <a:latin typeface="+mn-lt"/>
+                <a:ea typeface="+mn-ea"/>
+                <a:cs typeface="+mn-cs"/>
+              </a:defRPr>
+            </a:lvl3pPr>
+            <a:lvl4pPr marL="714375" indent="-266700" algn="l" defTabSz="914400" rtl="0" eaLnBrk="1" latinLnBrk="0" hangingPunct="1">
+              <a:spcBef>
+                <a:spcPct val="20000"/>
+              </a:spcBef>
+              <a:buClr>
+                <a:schemeClr val="bg2"/>
+              </a:buClr>
+              <a:buFont typeface="Arial" pitchFamily="34" charset="0"/>
+              <a:buChar char="–"/>
+              <a:defRPr sz="1600" kern="1200">
+                <a:solidFill>
+                  <a:schemeClr val="tx2"/>
+                </a:solidFill>
+                <a:latin typeface="+mn-lt"/>
+                <a:ea typeface="+mn-ea"/>
+                <a:cs typeface="+mn-cs"/>
+              </a:defRPr>
+            </a:lvl4pPr>
+            <a:lvl5pPr marL="990600" indent="-276225" algn="l" defTabSz="914400" rtl="0" eaLnBrk="1" latinLnBrk="0" hangingPunct="1">
+              <a:spcBef>
+                <a:spcPct val="20000"/>
+              </a:spcBef>
+              <a:buClr>
+                <a:schemeClr val="bg2"/>
+              </a:buClr>
+              <a:buFont typeface="Arial" pitchFamily="34" charset="0"/>
+              <a:buChar char="»"/>
+              <a:defRPr sz="1600" kern="1200">
+                <a:solidFill>
+                  <a:schemeClr val="tx2"/>
+                </a:solidFill>
+                <a:latin typeface="+mn-lt"/>
+                <a:ea typeface="+mn-ea"/>
+                <a:cs typeface="+mn-cs"/>
+              </a:defRPr>
+            </a:lvl5pPr>
+            <a:lvl6pPr marL="2514600" indent="-228600" algn="l" defTabSz="914400" rtl="0" eaLnBrk="1" latinLnBrk="0" hangingPunct="1">
+              <a:spcBef>
+                <a:spcPct val="20000"/>
+              </a:spcBef>
+              <a:buFont typeface="Arial" pitchFamily="34" charset="0"/>
+              <a:buChar char="•"/>
+              <a:defRPr sz="2000" kern="1200">
+                <a:solidFill>
+                  <a:schemeClr val="tx1"/>
+                </a:solidFill>
+                <a:latin typeface="+mn-lt"/>
+                <a:ea typeface="+mn-ea"/>
+                <a:cs typeface="+mn-cs"/>
+              </a:defRPr>
+            </a:lvl6pPr>
+            <a:lvl7pPr marL="2971800" indent="-228600" algn="l" defTabSz="914400" rtl="0" eaLnBrk="1" latinLnBrk="0" hangingPunct="1">
+              <a:spcBef>
+                <a:spcPct val="20000"/>
+              </a:spcBef>
+              <a:buFont typeface="Arial" pitchFamily="34" charset="0"/>
+              <a:buChar char="•"/>
+              <a:defRPr sz="2000" kern="1200">
+                <a:solidFill>
+                  <a:schemeClr val="tx1"/>
+                </a:solidFill>
+                <a:latin typeface="+mn-lt"/>
+                <a:ea typeface="+mn-ea"/>
+                <a:cs typeface="+mn-cs"/>
+              </a:defRPr>
+            </a:lvl7pPr>
+            <a:lvl8pPr marL="3429000" indent="-228600" algn="l" defTabSz="914400" rtl="0" eaLnBrk="1" latinLnBrk="0" hangingPunct="1">
+              <a:spcBef>
+                <a:spcPct val="20000"/>
+              </a:spcBef>
+              <a:buFont typeface="Arial" pitchFamily="34" charset="0"/>
+              <a:buChar char="•"/>
+              <a:defRPr sz="2000" kern="1200">
+                <a:solidFill>
+                  <a:schemeClr val="tx1"/>
+                </a:solidFill>
+                <a:latin typeface="+mn-lt"/>
+                <a:ea typeface="+mn-ea"/>
+                <a:cs typeface="+mn-cs"/>
+              </a:defRPr>
+            </a:lvl8pPr>
+            <a:lvl9pPr marL="3886200" indent="-228600" algn="l" defTabSz="914400" rtl="0" eaLnBrk="1" latinLnBrk="0" hangingPunct="1">
+              <a:spcBef>
+                <a:spcPct val="20000"/>
+              </a:spcBef>
+              <a:buFont typeface="Arial" pitchFamily="34" charset="0"/>
+              <a:buChar char="•"/>
+              <a:defRPr sz="2000" kern="1200">
+                <a:solidFill>
+                  <a:schemeClr val="tx1"/>
+                </a:solidFill>
+                <a:latin typeface="+mn-lt"/>
+                <a:ea typeface="+mn-ea"/>
+                <a:cs typeface="+mn-cs"/>
+              </a:defRPr>
+            </a:lvl9pPr>
+          </a:lstStyle>
+          <a:p>
+            <a:pPr marL="373423" indent="-373423">
+              <a:buFont typeface="Arial" panose="020B0604020202020204" pitchFamily="34" charset="0"/>
+              <a:buChar char="•"/>
+            </a:pPr>
+            <a:r>
+              <a:rPr lang="en-US" sz="3600" dirty="0">
+                <a:solidFill>
+                  <a:schemeClr val="bg2">
+                    <a:lumMod val="25000"/>
+                  </a:schemeClr>
+                </a:solidFill>
+              </a:rPr>
+              <a:t>Email: </a:t>
+            </a:r>
+            <a:r>
+              <a:rPr lang="en-US" sz="3600" dirty="0">
+                <a:solidFill>
+                  <a:schemeClr val="bg2">
+                    <a:lumMod val="25000"/>
+                  </a:schemeClr>
+                </a:solidFill>
+                <a:hlinkClick r:id="rId3"/>
+              </a:rPr>
+              <a:t>javiersuarezruiz@hotmail.com</a:t>
+            </a:r>
+            <a:endParaRPr lang="en-US" sz="3600" dirty="0">
+              <a:solidFill>
+                <a:schemeClr val="bg2">
+                  <a:lumMod val="25000"/>
+                </a:schemeClr>
+              </a:solidFill>
+            </a:endParaRPr>
+          </a:p>
+          <a:p>
+            <a:pPr marL="373423" indent="-373423">
+              <a:buFont typeface="Arial" panose="020B0604020202020204" pitchFamily="34" charset="0"/>
+              <a:buChar char="•"/>
+            </a:pPr>
+            <a:r>
+              <a:rPr lang="en-US" sz="3600" dirty="0">
+                <a:solidFill>
+                  <a:schemeClr val="bg2">
+                    <a:lumMod val="25000"/>
+                  </a:schemeClr>
+                </a:solidFill>
+              </a:rPr>
+              <a:t>Twitter: @</a:t>
+            </a:r>
+            <a:r>
+              <a:rPr lang="en-US" sz="3600" dirty="0" err="1">
+                <a:solidFill>
+                  <a:schemeClr val="bg2">
+                    <a:lumMod val="25000"/>
+                  </a:schemeClr>
+                </a:solidFill>
+              </a:rPr>
+              <a:t>jsuarezruiz</a:t>
+            </a:r>
+            <a:endParaRPr lang="en-US" sz="3600" dirty="0">
+              <a:solidFill>
+                <a:schemeClr val="bg2">
+                  <a:lumMod val="25000"/>
+                </a:schemeClr>
+              </a:solidFill>
+            </a:endParaRPr>
+          </a:p>
+          <a:p>
+            <a:endParaRPr lang="en-US" sz="1961" dirty="0">
+              <a:solidFill>
+                <a:schemeClr val="accent1"/>
+              </a:solidFill>
+            </a:endParaRPr>
+          </a:p>
+        </p:txBody>
+      </p:sp>
+    </p:spTree>
+    <p:extLst>
+      <p:ext uri="{BB962C8B-B14F-4D97-AF65-F5344CB8AC3E}">
+        <p14:creationId xmlns:p14="http://schemas.microsoft.com/office/powerpoint/2010/main" val="3019238701"/>
+      </p:ext>
+    </p:extLst>
+  </p:cSld>
+  <p:clrMapOvr>
+    <a:masterClrMapping/>
+  </p:clrMapOvr>
+  <p:transition>
+    <p:fade/>
+  </p:transition>
+</p:sld>
+</file>
+
+<file path=ppt/slides/slide20.xml><?xml version="1.0" encoding="utf-8"?>
 <p:sld xmlns:a="http://schemas.openxmlformats.org/drawingml/2006/main" xmlns:r="http://schemas.openxmlformats.org/officeDocument/2006/relationships" xmlns:p="http://schemas.openxmlformats.org/presentationml/2006/main">
   <p:cSld>
     <p:spTree>
@@ -8981,341 +9468,7 @@
 </p:sld>
 </file>
 
-<file path=ppt/slides/slide2.xml><?xml version="1.0" encoding="utf-8"?>
-<p:sld xmlns:a="http://schemas.openxmlformats.org/drawingml/2006/main" xmlns:r="http://schemas.openxmlformats.org/officeDocument/2006/relationships" xmlns:p="http://schemas.openxmlformats.org/presentationml/2006/main">
-  <p:cSld>
-    <p:spTree>
-      <p:nvGrpSpPr>
-        <p:cNvPr id="1" name=""/>
-        <p:cNvGrpSpPr/>
-        <p:nvPr/>
-      </p:nvGrpSpPr>
-      <p:grpSpPr>
-        <a:xfrm>
-          <a:off x="0" y="0"/>
-          <a:ext cx="0" cy="0"/>
-          <a:chOff x="0" y="0"/>
-          <a:chExt cx="0" cy="0"/>
-        </a:xfrm>
-      </p:grpSpPr>
-      <p:sp>
-        <p:nvSpPr>
-          <p:cNvPr id="2" name="Text Placeholder 1"/>
-          <p:cNvSpPr>
-            <a:spLocks noGrp="1"/>
-          </p:cNvSpPr>
-          <p:nvPr>
-            <p:ph type="body" sz="quarter" idx="10"/>
-          </p:nvPr>
-        </p:nvSpPr>
-        <p:spPr>
-          <a:xfrm>
-            <a:off x="269240" y="1189495"/>
-            <a:ext cx="11655841" cy="1292662"/>
-          </a:xfrm>
-        </p:spPr>
-        <p:txBody>
-          <a:bodyPr/>
-          <a:lstStyle/>
-          <a:p>
-            <a:r>
-              <a:rPr lang="es-ES" sz="4000" dirty="0"/>
-              <a:t>Software </a:t>
-            </a:r>
-            <a:r>
-              <a:rPr lang="es-ES" sz="4000" dirty="0" err="1"/>
-              <a:t>Engineer</a:t>
-            </a:r>
-            <a:r>
-              <a:rPr lang="es-ES" sz="4000" dirty="0"/>
-              <a:t> at Microsoft</a:t>
-            </a:r>
-          </a:p>
-        </p:txBody>
-      </p:sp>
-      <p:sp>
-        <p:nvSpPr>
-          <p:cNvPr id="3" name="Title 2"/>
-          <p:cNvSpPr>
-            <a:spLocks noGrp="1"/>
-          </p:cNvSpPr>
-          <p:nvPr>
-            <p:ph type="title"/>
-          </p:nvPr>
-        </p:nvSpPr>
-        <p:spPr/>
-        <p:txBody>
-          <a:bodyPr/>
-          <a:lstStyle/>
-          <a:p>
-            <a:r>
-              <a:rPr lang="es-ES" dirty="0"/>
-              <a:t>Javier Suárez Ruiz</a:t>
-            </a:r>
-          </a:p>
-        </p:txBody>
-      </p:sp>
-      <p:sp>
-        <p:nvSpPr>
-          <p:cNvPr id="6" name="Text Placeholder 4"/>
-          <p:cNvSpPr>
-            <a:spLocks noGrp="1"/>
-          </p:cNvSpPr>
-          <p:nvPr/>
-        </p:nvSpPr>
-        <p:spPr>
-          <a:xfrm>
-            <a:off x="269240" y="4377014"/>
-            <a:ext cx="11369585" cy="1383541"/>
-          </a:xfrm>
-          <a:prstGeom prst="rect">
-            <a:avLst/>
-          </a:prstGeom>
-        </p:spPr>
-        <p:txBody>
-          <a:bodyPr vert="horz" lIns="119507" tIns="0" rIns="119507" bIns="59755" rtlCol="0">
-            <a:normAutofit/>
-          </a:bodyPr>
-          <a:lstStyle>
-            <a:lvl1pPr marL="0" indent="0" algn="l" defTabSz="914400" rtl="0" eaLnBrk="1" latinLnBrk="0" hangingPunct="1">
-              <a:spcBef>
-                <a:spcPct val="20000"/>
-              </a:spcBef>
-              <a:buFont typeface="Arial" pitchFamily="34" charset="0"/>
-              <a:buNone/>
-              <a:defRPr sz="2800" kern="1200">
-                <a:solidFill>
-                  <a:schemeClr val="bg1"/>
-                </a:solidFill>
-                <a:latin typeface="+mn-lt"/>
-                <a:ea typeface="+mn-ea"/>
-                <a:cs typeface="+mn-cs"/>
-              </a:defRPr>
-            </a:lvl1pPr>
-            <a:lvl2pPr marL="0" indent="0" algn="l" defTabSz="914400" rtl="0" eaLnBrk="1" latinLnBrk="0" hangingPunct="1">
-              <a:spcBef>
-                <a:spcPct val="20000"/>
-              </a:spcBef>
-              <a:buFont typeface="Arial" pitchFamily="34" charset="0"/>
-              <a:buNone/>
-              <a:defRPr sz="1600" kern="1200">
-                <a:solidFill>
-                  <a:schemeClr val="tx2"/>
-                </a:solidFill>
-                <a:latin typeface="+mn-lt"/>
-                <a:ea typeface="+mn-ea"/>
-                <a:cs typeface="+mn-cs"/>
-              </a:defRPr>
-            </a:lvl2pPr>
-            <a:lvl3pPr marL="447675" indent="-180975" algn="l" defTabSz="914400" rtl="0" eaLnBrk="1" latinLnBrk="0" hangingPunct="1">
-              <a:spcBef>
-                <a:spcPct val="20000"/>
-              </a:spcBef>
-              <a:buClr>
-                <a:schemeClr val="bg2"/>
-              </a:buClr>
-              <a:buSzPct val="120000"/>
-              <a:buFont typeface="Arial" pitchFamily="34" charset="0"/>
-              <a:buChar char="•"/>
-              <a:defRPr sz="1600" kern="1200">
-                <a:solidFill>
-                  <a:schemeClr val="tx2"/>
-                </a:solidFill>
-                <a:latin typeface="+mn-lt"/>
-                <a:ea typeface="+mn-ea"/>
-                <a:cs typeface="+mn-cs"/>
-              </a:defRPr>
-            </a:lvl3pPr>
-            <a:lvl4pPr marL="714375" indent="-266700" algn="l" defTabSz="914400" rtl="0" eaLnBrk="1" latinLnBrk="0" hangingPunct="1">
-              <a:spcBef>
-                <a:spcPct val="20000"/>
-              </a:spcBef>
-              <a:buClr>
-                <a:schemeClr val="bg2"/>
-              </a:buClr>
-              <a:buFont typeface="Arial" pitchFamily="34" charset="0"/>
-              <a:buChar char="–"/>
-              <a:defRPr sz="1600" kern="1200">
-                <a:solidFill>
-                  <a:schemeClr val="tx2"/>
-                </a:solidFill>
-                <a:latin typeface="+mn-lt"/>
-                <a:ea typeface="+mn-ea"/>
-                <a:cs typeface="+mn-cs"/>
-              </a:defRPr>
-            </a:lvl4pPr>
-            <a:lvl5pPr marL="990600" indent="-276225" algn="l" defTabSz="914400" rtl="0" eaLnBrk="1" latinLnBrk="0" hangingPunct="1">
-              <a:spcBef>
-                <a:spcPct val="20000"/>
-              </a:spcBef>
-              <a:buClr>
-                <a:schemeClr val="bg2"/>
-              </a:buClr>
-              <a:buFont typeface="Arial" pitchFamily="34" charset="0"/>
-              <a:buChar char="»"/>
-              <a:defRPr sz="1600" kern="1200">
-                <a:solidFill>
-                  <a:schemeClr val="tx2"/>
-                </a:solidFill>
-                <a:latin typeface="+mn-lt"/>
-                <a:ea typeface="+mn-ea"/>
-                <a:cs typeface="+mn-cs"/>
-              </a:defRPr>
-            </a:lvl5pPr>
-            <a:lvl6pPr marL="2514600" indent="-228600" algn="l" defTabSz="914400" rtl="0" eaLnBrk="1" latinLnBrk="0" hangingPunct="1">
-              <a:spcBef>
-                <a:spcPct val="20000"/>
-              </a:spcBef>
-              <a:buFont typeface="Arial" pitchFamily="34" charset="0"/>
-              <a:buChar char="•"/>
-              <a:defRPr sz="2000" kern="1200">
-                <a:solidFill>
-                  <a:schemeClr val="tx1"/>
-                </a:solidFill>
-                <a:latin typeface="+mn-lt"/>
-                <a:ea typeface="+mn-ea"/>
-                <a:cs typeface="+mn-cs"/>
-              </a:defRPr>
-            </a:lvl6pPr>
-            <a:lvl7pPr marL="2971800" indent="-228600" algn="l" defTabSz="914400" rtl="0" eaLnBrk="1" latinLnBrk="0" hangingPunct="1">
-              <a:spcBef>
-                <a:spcPct val="20000"/>
-              </a:spcBef>
-              <a:buFont typeface="Arial" pitchFamily="34" charset="0"/>
-              <a:buChar char="•"/>
-              <a:defRPr sz="2000" kern="1200">
-                <a:solidFill>
-                  <a:schemeClr val="tx1"/>
-                </a:solidFill>
-                <a:latin typeface="+mn-lt"/>
-                <a:ea typeface="+mn-ea"/>
-                <a:cs typeface="+mn-cs"/>
-              </a:defRPr>
-            </a:lvl7pPr>
-            <a:lvl8pPr marL="3429000" indent="-228600" algn="l" defTabSz="914400" rtl="0" eaLnBrk="1" latinLnBrk="0" hangingPunct="1">
-              <a:spcBef>
-                <a:spcPct val="20000"/>
-              </a:spcBef>
-              <a:buFont typeface="Arial" pitchFamily="34" charset="0"/>
-              <a:buChar char="•"/>
-              <a:defRPr sz="2000" kern="1200">
-                <a:solidFill>
-                  <a:schemeClr val="tx1"/>
-                </a:solidFill>
-                <a:latin typeface="+mn-lt"/>
-                <a:ea typeface="+mn-ea"/>
-                <a:cs typeface="+mn-cs"/>
-              </a:defRPr>
-            </a:lvl8pPr>
-            <a:lvl9pPr marL="3886200" indent="-228600" algn="l" defTabSz="914400" rtl="0" eaLnBrk="1" latinLnBrk="0" hangingPunct="1">
-              <a:spcBef>
-                <a:spcPct val="20000"/>
-              </a:spcBef>
-              <a:buFont typeface="Arial" pitchFamily="34" charset="0"/>
-              <a:buChar char="•"/>
-              <a:defRPr sz="2000" kern="1200">
-                <a:solidFill>
-                  <a:schemeClr val="tx1"/>
-                </a:solidFill>
-                <a:latin typeface="+mn-lt"/>
-                <a:ea typeface="+mn-ea"/>
-                <a:cs typeface="+mn-cs"/>
-              </a:defRPr>
-            </a:lvl9pPr>
-          </a:lstStyle>
-          <a:p>
-            <a:pPr marL="373423" indent="-373423">
-              <a:buFont typeface="Arial" panose="020B0604020202020204" pitchFamily="34" charset="0"/>
-              <a:buChar char="•"/>
-            </a:pPr>
-            <a:r>
-              <a:rPr lang="en-US" sz="3600" dirty="0">
-                <a:solidFill>
-                  <a:schemeClr val="bg2">
-                    <a:lumMod val="25000"/>
-                  </a:schemeClr>
-                </a:solidFill>
-              </a:rPr>
-              <a:t>Email: </a:t>
-            </a:r>
-            <a:r>
-              <a:rPr lang="en-US" sz="3600" dirty="0">
-                <a:solidFill>
-                  <a:schemeClr val="bg2">
-                    <a:lumMod val="25000"/>
-                  </a:schemeClr>
-                </a:solidFill>
-                <a:hlinkClick r:id="rId3"/>
-              </a:rPr>
-              <a:t>javiersuarezruiz@hotmail.com</a:t>
-            </a:r>
-            <a:endParaRPr lang="en-US" sz="3600" dirty="0">
-              <a:solidFill>
-                <a:schemeClr val="bg2">
-                  <a:lumMod val="25000"/>
-                </a:schemeClr>
-              </a:solidFill>
-            </a:endParaRPr>
-          </a:p>
-          <a:p>
-            <a:pPr marL="373423" indent="-373423">
-              <a:buFont typeface="Arial" panose="020B0604020202020204" pitchFamily="34" charset="0"/>
-              <a:buChar char="•"/>
-            </a:pPr>
-            <a:r>
-              <a:rPr lang="en-US" sz="3600" dirty="0">
-                <a:solidFill>
-                  <a:schemeClr val="bg2">
-                    <a:lumMod val="25000"/>
-                  </a:schemeClr>
-                </a:solidFill>
-              </a:rPr>
-              <a:t>Twitter: @</a:t>
-            </a:r>
-            <a:r>
-              <a:rPr lang="en-US" sz="3600" dirty="0" err="1">
-                <a:solidFill>
-                  <a:schemeClr val="bg2">
-                    <a:lumMod val="25000"/>
-                  </a:schemeClr>
-                </a:solidFill>
-              </a:rPr>
-              <a:t>jsuarezruiz</a:t>
-            </a:r>
-            <a:endParaRPr lang="en-US" sz="3600" dirty="0">
-              <a:solidFill>
-                <a:schemeClr val="bg2">
-                  <a:lumMod val="25000"/>
-                </a:schemeClr>
-              </a:solidFill>
-            </a:endParaRPr>
-          </a:p>
-          <a:p>
-            <a:endParaRPr lang="en-US" sz="1961" dirty="0">
-              <a:solidFill>
-                <a:schemeClr val="accent1"/>
-              </a:solidFill>
-            </a:endParaRPr>
-          </a:p>
-        </p:txBody>
-      </p:sp>
-    </p:spTree>
-    <p:extLst>
-      <p:ext uri="{BB962C8B-B14F-4D97-AF65-F5344CB8AC3E}">
-        <p14:creationId xmlns:p14="http://schemas.microsoft.com/office/powerpoint/2010/main" val="3019238701"/>
-      </p:ext>
-    </p:extLst>
-  </p:cSld>
-  <p:clrMapOvr>
-    <a:masterClrMapping/>
-  </p:clrMapOvr>
-  <p:transition>
-    <p:fade/>
-  </p:transition>
-</p:sld>
-</file>
-
-<file path=ppt/slides/slide20.xml><?xml version="1.0" encoding="utf-8"?>
+<file path=ppt/slides/slide21.xml><?xml version="1.0" encoding="utf-8"?>
 <p:sld xmlns:a="http://schemas.openxmlformats.org/drawingml/2006/main" xmlns:r="http://schemas.openxmlformats.org/officeDocument/2006/relationships" xmlns:p="http://schemas.openxmlformats.org/presentationml/2006/main">
   <p:cSld>
     <p:spTree>
@@ -9772,7 +9925,7 @@
                 <a:tabLst/>
                 <a:defRPr/>
               </a:pPr>
-              <a:t>20</a:t>
+              <a:t>21</a:t>
             </a:fld>
             <a:endParaRPr kumimoji="0" sz="1100" b="0" i="0" u="none" strike="noStrike" kern="1200" cap="none" spc="0" normalizeH="0" baseline="0" noProof="0">
               <a:ln>
@@ -11426,7 +11579,7 @@
 </p:sld>
 </file>
 
-<file path=ppt/slides/slide21.xml><?xml version="1.0" encoding="utf-8"?>
+<file path=ppt/slides/slide22.xml><?xml version="1.0" encoding="utf-8"?>
 <p:sld xmlns:a="http://schemas.openxmlformats.org/drawingml/2006/main" xmlns:r="http://schemas.openxmlformats.org/officeDocument/2006/relationships" xmlns:p="http://schemas.openxmlformats.org/presentationml/2006/main">
   <p:cSld>
     <p:bg>
@@ -11565,7 +11718,7 @@
 </p:sld>
 </file>
 
-<file path=ppt/slides/slide22.xml><?xml version="1.0" encoding="utf-8"?>
+<file path=ppt/slides/slide23.xml><?xml version="1.0" encoding="utf-8"?>
 <p:sld xmlns:a="http://schemas.openxmlformats.org/drawingml/2006/main" xmlns:r="http://schemas.openxmlformats.org/officeDocument/2006/relationships" xmlns:p="http://schemas.openxmlformats.org/presentationml/2006/main">
   <p:cSld>
     <p:spTree>
@@ -11766,7 +11919,7 @@
 </p:sld>
 </file>
 
-<file path=ppt/slides/slide23.xml><?xml version="1.0" encoding="utf-8"?>
+<file path=ppt/slides/slide24.xml><?xml version="1.0" encoding="utf-8"?>
 <p:sld xmlns:a="http://schemas.openxmlformats.org/drawingml/2006/main" xmlns:r="http://schemas.openxmlformats.org/officeDocument/2006/relationships" xmlns:p="http://schemas.openxmlformats.org/presentationml/2006/main">
   <p:cSld>
     <p:spTree>
@@ -11975,7 +12128,7 @@
 </p:sld>
 </file>
 
-<file path=ppt/slides/slide24.xml><?xml version="1.0" encoding="utf-8"?>
+<file path=ppt/slides/slide25.xml><?xml version="1.0" encoding="utf-8"?>
 <p:sld xmlns:a="http://schemas.openxmlformats.org/drawingml/2006/main" xmlns:r="http://schemas.openxmlformats.org/officeDocument/2006/relationships" xmlns:p="http://schemas.openxmlformats.org/presentationml/2006/main">
   <p:cSld>
     <p:spTree>
@@ -12232,7 +12385,7 @@
 </p:sld>
 </file>
 
-<file path=ppt/slides/slide25.xml><?xml version="1.0" encoding="utf-8"?>
+<file path=ppt/slides/slide26.xml><?xml version="1.0" encoding="utf-8"?>
 <p:sld xmlns:a="http://schemas.openxmlformats.org/drawingml/2006/main" xmlns:r="http://schemas.openxmlformats.org/officeDocument/2006/relationships" xmlns:p="http://schemas.openxmlformats.org/presentationml/2006/main">
   <p:cSld>
     <p:spTree>
@@ -12276,8 +12429,28 @@
           <a:lstStyle/>
           <a:p>
             <a:r>
-              <a:rPr lang="en-US" dirty="0"/>
-              <a:t>VS Code support MCP now!</a:t>
+              <a:rPr lang="en-US" dirty="0">
+                <a:solidFill>
+                  <a:schemeClr val="accent2"/>
+                </a:solidFill>
+              </a:rPr>
+              <a:t>VS Code </a:t>
+            </a:r>
+            <a:r>
+              <a:rPr lang="en-US" dirty="0" err="1">
+                <a:solidFill>
+                  <a:schemeClr val="accent2"/>
+                </a:solidFill>
+              </a:rPr>
+              <a:t>soporta</a:t>
+            </a:r>
+            <a:r>
+              <a:rPr lang="en-US" dirty="0">
+                <a:solidFill>
+                  <a:schemeClr val="accent2"/>
+                </a:solidFill>
+              </a:rPr>
+              <a:t> MCP</a:t>
             </a:r>
           </a:p>
         </p:txBody>
@@ -12342,7 +12515,7 @@
 </p:sld>
 </file>
 
-<file path=ppt/slides/slide26.xml><?xml version="1.0" encoding="utf-8"?>
+<file path=ppt/slides/slide27.xml><?xml version="1.0" encoding="utf-8"?>
 <p:sld xmlns:a="http://schemas.openxmlformats.org/drawingml/2006/main" xmlns:r="http://schemas.openxmlformats.org/officeDocument/2006/relationships" xmlns:p="http://schemas.openxmlformats.org/presentationml/2006/main">
   <p:cSld>
     <p:spTree>
@@ -12794,7 +12967,129 @@
 </p:sld>
 </file>
 
-<file path=ppt/slides/slide27.xml><?xml version="1.0" encoding="utf-8"?>
+<file path=ppt/slides/slide28.xml><?xml version="1.0" encoding="utf-8"?>
+<p:sld xmlns:a="http://schemas.openxmlformats.org/drawingml/2006/main" xmlns:r="http://schemas.openxmlformats.org/officeDocument/2006/relationships" xmlns:p="http://schemas.openxmlformats.org/presentationml/2006/main">
+  <p:cSld>
+    <p:bg>
+      <p:bgPr>
+        <a:solidFill>
+          <a:schemeClr val="accent6"/>
+        </a:solidFill>
+        <a:effectLst/>
+      </p:bgPr>
+    </p:bg>
+    <p:spTree>
+      <p:nvGrpSpPr>
+        <p:cNvPr id="1" name="">
+          <a:extLst>
+            <a:ext uri="{FF2B5EF4-FFF2-40B4-BE49-F238E27FC236}">
+              <a16:creationId xmlns:a16="http://schemas.microsoft.com/office/drawing/2014/main" id="{4216C34E-28B3-9AFB-9DAE-6C7D475FB36D}"/>
+            </a:ext>
+          </a:extLst>
+        </p:cNvPr>
+        <p:cNvGrpSpPr/>
+        <p:nvPr/>
+      </p:nvGrpSpPr>
+      <p:grpSpPr>
+        <a:xfrm>
+          <a:off x="0" y="0"/>
+          <a:ext cx="0" cy="0"/>
+          <a:chOff x="0" y="0"/>
+          <a:chExt cx="0" cy="0"/>
+        </a:xfrm>
+      </p:grpSpPr>
+      <p:sp>
+        <p:nvSpPr>
+          <p:cNvPr id="2" name="Title 1">
+            <a:extLst>
+              <a:ext uri="{FF2B5EF4-FFF2-40B4-BE49-F238E27FC236}">
+                <a16:creationId xmlns:a16="http://schemas.microsoft.com/office/drawing/2014/main" id="{E70963DF-699D-3BDD-C8D3-C57D0EC682B7}"/>
+              </a:ext>
+            </a:extLst>
+          </p:cNvPr>
+          <p:cNvSpPr>
+            <a:spLocks noGrp="1"/>
+          </p:cNvSpPr>
+          <p:nvPr>
+            <p:ph type="title"/>
+          </p:nvPr>
+        </p:nvSpPr>
+        <p:spPr>
+          <a:xfrm>
+            <a:off x="3043403" y="1924319"/>
+            <a:ext cx="6105194" cy="3009362"/>
+          </a:xfrm>
+        </p:spPr>
+        <p:txBody>
+          <a:bodyPr vert="horz" lIns="91440" tIns="45720" rIns="91440" bIns="45720" rtlCol="0" anchor="b">
+            <a:normAutofit fontScale="90000"/>
+          </a:bodyPr>
+          <a:lstStyle/>
+          <a:p>
+            <a:r>
+              <a:rPr lang="en-US" altLang="zh-CN" sz="6000" b="1" dirty="0">
+                <a:solidFill>
+                  <a:srgbClr val="FFFFFF"/>
+                </a:solidFill>
+              </a:rPr>
+              <a:t>DEMO:</a:t>
+            </a:r>
+            <a:br>
+              <a:rPr lang="en-US" altLang="zh-CN" sz="6000" dirty="0">
+                <a:solidFill>
+                  <a:srgbClr val="FFFFFF"/>
+                </a:solidFill>
+              </a:rPr>
+            </a:br>
+            <a:r>
+              <a:rPr lang="en-US" altLang="zh-CN" sz="6000" dirty="0" err="1">
+                <a:solidFill>
+                  <a:srgbClr val="FFFFFF"/>
+                </a:solidFill>
+              </a:rPr>
+              <a:t>Usando</a:t>
+            </a:r>
+            <a:r>
+              <a:rPr lang="en-US" altLang="zh-CN" sz="6000" dirty="0">
+                <a:solidFill>
+                  <a:srgbClr val="FFFFFF"/>
+                </a:solidFill>
+              </a:rPr>
+              <a:t> GitHub de nuevo </a:t>
+            </a:r>
+            <a:r>
+              <a:rPr lang="en-US" altLang="zh-CN" sz="6000" dirty="0" err="1">
+                <a:solidFill>
+                  <a:srgbClr val="FFFFFF"/>
+                </a:solidFill>
+              </a:rPr>
+              <a:t>usando</a:t>
+            </a:r>
+            <a:r>
+              <a:rPr lang="en-US" altLang="zh-CN" sz="6000" dirty="0">
+                <a:solidFill>
+                  <a:srgbClr val="FFFFFF"/>
+                </a:solidFill>
+              </a:rPr>
+              <a:t> un MCP</a:t>
+            </a:r>
+          </a:p>
+        </p:txBody>
+      </p:sp>
+    </p:spTree>
+    <p:extLst>
+      <p:ext uri="{BB962C8B-B14F-4D97-AF65-F5344CB8AC3E}">
+        <p14:creationId xmlns:p14="http://schemas.microsoft.com/office/powerpoint/2010/main" val="2340684004"/>
+      </p:ext>
+    </p:extLst>
+  </p:cSld>
+  <p:clrMapOvr>
+    <a:masterClrMapping/>
+  </p:clrMapOvr>
+</p:sld>
+</file>
+
+<file path=ppt/slides/slide29.xml><?xml version="1.0" encoding="utf-8"?>
 <p:sld xmlns:a="http://schemas.openxmlformats.org/drawingml/2006/main" xmlns:r="http://schemas.openxmlformats.org/officeDocument/2006/relationships" xmlns:p="http://schemas.openxmlformats.org/presentationml/2006/main">
   <p:cSld>
     <p:spTree>
@@ -13101,1206 +13396,6 @@
     <p:extLst>
       <p:ext uri="{BB962C8B-B14F-4D97-AF65-F5344CB8AC3E}">
         <p14:creationId xmlns:p14="http://schemas.microsoft.com/office/powerpoint/2010/main" val="884710536"/>
-      </p:ext>
-    </p:extLst>
-  </p:cSld>
-  <p:clrMapOvr>
-    <a:masterClrMapping/>
-  </p:clrMapOvr>
-</p:sld>
-</file>
-
-<file path=ppt/slides/slide28.xml><?xml version="1.0" encoding="utf-8"?>
-<p:sld xmlns:a="http://schemas.openxmlformats.org/drawingml/2006/main" xmlns:r="http://schemas.openxmlformats.org/officeDocument/2006/relationships" xmlns:p="http://schemas.openxmlformats.org/presentationml/2006/main">
-  <p:cSld>
-    <p:spTree>
-      <p:nvGrpSpPr>
-        <p:cNvPr id="1" name=""/>
-        <p:cNvGrpSpPr/>
-        <p:nvPr/>
-      </p:nvGrpSpPr>
-      <p:grpSpPr>
-        <a:xfrm>
-          <a:off x="0" y="0"/>
-          <a:ext cx="0" cy="0"/>
-          <a:chOff x="0" y="0"/>
-          <a:chExt cx="0" cy="0"/>
-        </a:xfrm>
-      </p:grpSpPr>
-      <p:sp>
-        <p:nvSpPr>
-          <p:cNvPr id="2" name="Title 1">
-            <a:extLst>
-              <a:ext uri="{FF2B5EF4-FFF2-40B4-BE49-F238E27FC236}">
-                <a16:creationId xmlns:a16="http://schemas.microsoft.com/office/drawing/2014/main" id="{3245FB63-7EA1-E289-14C3-FAF89BA75547}"/>
-              </a:ext>
-            </a:extLst>
-          </p:cNvPr>
-          <p:cNvSpPr>
-            <a:spLocks noGrp="1"/>
-          </p:cNvSpPr>
-          <p:nvPr>
-            <p:ph type="title"/>
-          </p:nvPr>
-        </p:nvSpPr>
-        <p:spPr/>
-        <p:txBody>
-          <a:bodyPr/>
-          <a:lstStyle/>
-          <a:p>
-            <a:r>
-              <a:rPr lang="en-US" altLang="zh-CN" dirty="0"/>
-              <a:t>Crear un MCP Server</a:t>
-            </a:r>
-            <a:endParaRPr lang="en-US" dirty="0"/>
-          </a:p>
-        </p:txBody>
-      </p:sp>
-      <p:sp>
-        <p:nvSpPr>
-          <p:cNvPr id="3" name="Content Placeholder 2">
-            <a:extLst>
-              <a:ext uri="{FF2B5EF4-FFF2-40B4-BE49-F238E27FC236}">
-                <a16:creationId xmlns:a16="http://schemas.microsoft.com/office/drawing/2014/main" id="{894700BD-CD7F-9C47-E5C6-C25B85660BA8}"/>
-              </a:ext>
-            </a:extLst>
-          </p:cNvPr>
-          <p:cNvSpPr>
-            <a:spLocks noGrp="1"/>
-          </p:cNvSpPr>
-          <p:nvPr>
-            <p:ph idx="1"/>
-          </p:nvPr>
-        </p:nvSpPr>
-        <p:spPr>
-          <a:xfrm>
-            <a:off x="269241" y="1189178"/>
-            <a:ext cx="11653521" cy="4701668"/>
-          </a:xfrm>
-        </p:spPr>
-        <p:txBody>
-          <a:bodyPr>
-            <a:normAutofit fontScale="85000" lnSpcReduction="20000"/>
-          </a:bodyPr>
-          <a:lstStyle/>
-          <a:p>
-            <a:pPr marL="0" indent="0">
-              <a:buNone/>
-            </a:pPr>
-            <a:r>
-              <a:rPr lang="en-US" sz="3200" dirty="0" err="1">
-                <a:latin typeface="Segoe UI" panose="020B0502040204020203" pitchFamily="34" charset="0"/>
-                <a:cs typeface="Segoe UI" panose="020B0502040204020203" pitchFamily="34" charset="0"/>
-              </a:rPr>
-              <a:t>Prerrequisitos</a:t>
-            </a:r>
-            <a:r>
-              <a:rPr lang="en-US" sz="3200" dirty="0">
-                <a:latin typeface="Segoe UI" panose="020B0502040204020203" pitchFamily="34" charset="0"/>
-                <a:cs typeface="Segoe UI" panose="020B0502040204020203" pitchFamily="34" charset="0"/>
-              </a:rPr>
-              <a:t>:</a:t>
-            </a:r>
-          </a:p>
-          <a:p>
-            <a:r>
-              <a:rPr lang="en-US" sz="3200" dirty="0">
-                <a:latin typeface="Segoe UI" panose="020B0502040204020203" pitchFamily="34" charset="0"/>
-                <a:cs typeface="Segoe UI" panose="020B0502040204020203" pitchFamily="34" charset="0"/>
-              </a:rPr>
-              <a:t>VS Code</a:t>
-            </a:r>
-          </a:p>
-          <a:p>
-            <a:r>
-              <a:rPr lang="en-US" sz="3200" dirty="0">
-                <a:latin typeface="Segoe UI" panose="020B0502040204020203" pitchFamily="34" charset="0"/>
-                <a:cs typeface="Segoe UI" panose="020B0502040204020203" pitchFamily="34" charset="0"/>
-              </a:rPr>
-              <a:t>.NET</a:t>
-            </a:r>
-          </a:p>
-          <a:p>
-            <a:r>
-              <a:rPr lang="en-US" sz="3200" dirty="0">
-                <a:latin typeface="Segoe UI" panose="020B0502040204020203" pitchFamily="34" charset="0"/>
-                <a:cs typeface="Segoe UI" panose="020B0502040204020203" pitchFamily="34" charset="0"/>
-              </a:rPr>
-              <a:t>Node.js</a:t>
-            </a:r>
-          </a:p>
-          <a:p>
-            <a:pPr marL="0" indent="0">
-              <a:buNone/>
-            </a:pPr>
-            <a:endParaRPr lang="en-US" sz="3200" dirty="0">
-              <a:latin typeface="Segoe UI" panose="020B0502040204020203" pitchFamily="34" charset="0"/>
-              <a:cs typeface="Segoe UI" panose="020B0502040204020203" pitchFamily="34" charset="0"/>
-            </a:endParaRPr>
-          </a:p>
-          <a:p>
-            <a:pPr marL="0" indent="0">
-              <a:buNone/>
-            </a:pPr>
-            <a:r>
-              <a:rPr lang="en-US" sz="3200" dirty="0">
-                <a:latin typeface="Segoe UI" panose="020B0502040204020203" pitchFamily="34" charset="0"/>
-                <a:cs typeface="Segoe UI" panose="020B0502040204020203" pitchFamily="34" charset="0"/>
-              </a:rPr>
-              <a:t>Pasos:</a:t>
-            </a:r>
-          </a:p>
-          <a:p>
-            <a:pPr marL="514350" indent="-514350">
-              <a:buFont typeface="+mj-lt"/>
-              <a:buAutoNum type="arabicPeriod"/>
-            </a:pPr>
-            <a:r>
-              <a:rPr lang="en-US" sz="3200" dirty="0">
-                <a:latin typeface="Segoe UI" panose="020B0502040204020203" pitchFamily="34" charset="0"/>
-                <a:cs typeface="Segoe UI" panose="020B0502040204020203" pitchFamily="34" charset="0"/>
-              </a:rPr>
-              <a:t>Crear </a:t>
-            </a:r>
-            <a:r>
-              <a:rPr lang="en-US" sz="3200" dirty="0" err="1">
-                <a:latin typeface="Segoe UI" panose="020B0502040204020203" pitchFamily="34" charset="0"/>
-                <a:cs typeface="Segoe UI" panose="020B0502040204020203" pitchFamily="34" charset="0"/>
-              </a:rPr>
-              <a:t>una</a:t>
-            </a:r>
-            <a:r>
-              <a:rPr lang="en-US" sz="3200" dirty="0">
-                <a:latin typeface="Segoe UI" panose="020B0502040204020203" pitchFamily="34" charset="0"/>
-                <a:cs typeface="Segoe UI" panose="020B0502040204020203" pitchFamily="34" charset="0"/>
-              </a:rPr>
-              <a:t> </a:t>
-            </a:r>
-            <a:r>
-              <a:rPr lang="en-US" sz="3200" dirty="0" err="1">
-                <a:latin typeface="Segoe UI" panose="020B0502040204020203" pitchFamily="34" charset="0"/>
-                <a:cs typeface="Segoe UI" panose="020B0502040204020203" pitchFamily="34" charset="0"/>
-              </a:rPr>
-              <a:t>aplicación</a:t>
-            </a:r>
-            <a:r>
-              <a:rPr lang="en-US" sz="3200" dirty="0">
-                <a:latin typeface="Segoe UI" panose="020B0502040204020203" pitchFamily="34" charset="0"/>
-                <a:cs typeface="Segoe UI" panose="020B0502040204020203" pitchFamily="34" charset="0"/>
-              </a:rPr>
-              <a:t> de </a:t>
-            </a:r>
-            <a:r>
-              <a:rPr lang="en-US" sz="3200" dirty="0" err="1">
-                <a:latin typeface="Segoe UI" panose="020B0502040204020203" pitchFamily="34" charset="0"/>
-                <a:cs typeface="Segoe UI" panose="020B0502040204020203" pitchFamily="34" charset="0"/>
-              </a:rPr>
-              <a:t>consola</a:t>
-            </a:r>
-            <a:r>
-              <a:rPr lang="en-US" sz="3200" dirty="0">
-                <a:latin typeface="Segoe UI" panose="020B0502040204020203" pitchFamily="34" charset="0"/>
-                <a:cs typeface="Segoe UI" panose="020B0502040204020203" pitchFamily="34" charset="0"/>
-              </a:rPr>
-              <a:t> .NET.</a:t>
-            </a:r>
-          </a:p>
-          <a:p>
-            <a:pPr marL="514350" indent="-514350">
-              <a:buFont typeface="+mj-lt"/>
-              <a:buAutoNum type="arabicPeriod"/>
-            </a:pPr>
-            <a:r>
-              <a:rPr lang="en-US" sz="3200" dirty="0" err="1">
-                <a:latin typeface="Segoe UI" panose="020B0502040204020203" pitchFamily="34" charset="0"/>
-                <a:cs typeface="Segoe UI" panose="020B0502040204020203" pitchFamily="34" charset="0"/>
-              </a:rPr>
-              <a:t>Agregar</a:t>
-            </a:r>
-            <a:r>
-              <a:rPr lang="en-US" sz="3200" dirty="0">
-                <a:latin typeface="Segoe UI" panose="020B0502040204020203" pitchFamily="34" charset="0"/>
-                <a:cs typeface="Segoe UI" panose="020B0502040204020203" pitchFamily="34" charset="0"/>
-              </a:rPr>
-              <a:t> </a:t>
-            </a:r>
-            <a:r>
-              <a:rPr lang="en-US" sz="3200" dirty="0" err="1">
-                <a:latin typeface="Segoe UI" panose="020B0502040204020203" pitchFamily="34" charset="0"/>
-                <a:cs typeface="Segoe UI" panose="020B0502040204020203" pitchFamily="34" charset="0"/>
-              </a:rPr>
-              <a:t>el</a:t>
-            </a:r>
-            <a:r>
-              <a:rPr lang="en-US" sz="3200" dirty="0">
-                <a:latin typeface="Segoe UI" panose="020B0502040204020203" pitchFamily="34" charset="0"/>
-                <a:cs typeface="Segoe UI" panose="020B0502040204020203" pitchFamily="34" charset="0"/>
-              </a:rPr>
-              <a:t> </a:t>
-            </a:r>
-            <a:r>
-              <a:rPr lang="en-US" sz="3200" dirty="0" err="1">
-                <a:latin typeface="Segoe UI" panose="020B0502040204020203" pitchFamily="34" charset="0"/>
-                <a:cs typeface="Segoe UI" panose="020B0502040204020203" pitchFamily="34" charset="0"/>
-              </a:rPr>
-              <a:t>paquete</a:t>
-            </a:r>
-            <a:r>
-              <a:rPr lang="en-US" sz="3200" dirty="0">
-                <a:latin typeface="Segoe UI" panose="020B0502040204020203" pitchFamily="34" charset="0"/>
-                <a:cs typeface="Segoe UI" panose="020B0502040204020203" pitchFamily="34" charset="0"/>
-              </a:rPr>
-              <a:t> NuGet </a:t>
-            </a:r>
-            <a:r>
-              <a:rPr lang="en-US" sz="3200" dirty="0" err="1">
-                <a:latin typeface="Segoe UI" panose="020B0502040204020203" pitchFamily="34" charset="0"/>
-                <a:cs typeface="Segoe UI" panose="020B0502040204020203" pitchFamily="34" charset="0"/>
-              </a:rPr>
-              <a:t>ModelContextProtocol</a:t>
-            </a:r>
-            <a:r>
-              <a:rPr lang="en-US" sz="3200" dirty="0">
-                <a:latin typeface="Segoe UI" panose="020B0502040204020203" pitchFamily="34" charset="0"/>
-                <a:cs typeface="Segoe UI" panose="020B0502040204020203" pitchFamily="34" charset="0"/>
-              </a:rPr>
-              <a:t> </a:t>
-            </a:r>
-            <a:r>
-              <a:rPr lang="en-US" sz="3200" dirty="0">
-                <a:latin typeface="Segoe UI" panose="020B0502040204020203" pitchFamily="34" charset="0"/>
-                <a:cs typeface="Segoe UI" panose="020B0502040204020203" pitchFamily="34" charset="0"/>
-                <a:hlinkClick r:id="rId2"/>
-              </a:rPr>
-              <a:t>https://www.nuget.org/packages/ModelContextProtocol</a:t>
-            </a:r>
-            <a:endParaRPr lang="en-US" sz="3200" dirty="0">
-              <a:latin typeface="Segoe UI" panose="020B0502040204020203" pitchFamily="34" charset="0"/>
-              <a:cs typeface="Segoe UI" panose="020B0502040204020203" pitchFamily="34" charset="0"/>
-            </a:endParaRPr>
-          </a:p>
-          <a:p>
-            <a:pPr marL="514350" indent="-514350">
-              <a:buFont typeface="+mj-lt"/>
-              <a:buAutoNum type="arabicPeriod"/>
-            </a:pPr>
-            <a:r>
-              <a:rPr lang="en-US" sz="3200" dirty="0" err="1">
-                <a:latin typeface="Segoe UI" panose="020B0502040204020203" pitchFamily="34" charset="0"/>
-                <a:cs typeface="Segoe UI" panose="020B0502040204020203" pitchFamily="34" charset="0"/>
-              </a:rPr>
-              <a:t>Implementar</a:t>
-            </a:r>
-            <a:r>
-              <a:rPr lang="en-US" sz="3200" dirty="0">
-                <a:latin typeface="Segoe UI" panose="020B0502040204020203" pitchFamily="34" charset="0"/>
-                <a:cs typeface="Segoe UI" panose="020B0502040204020203" pitchFamily="34" charset="0"/>
-              </a:rPr>
-              <a:t> la </a:t>
-            </a:r>
-            <a:r>
-              <a:rPr lang="en-US" sz="3200" dirty="0" err="1">
-                <a:latin typeface="Segoe UI" panose="020B0502040204020203" pitchFamily="34" charset="0"/>
-                <a:cs typeface="Segoe UI" panose="020B0502040204020203" pitchFamily="34" charset="0"/>
-              </a:rPr>
-              <a:t>lógica</a:t>
-            </a:r>
-            <a:r>
-              <a:rPr lang="en-US" sz="3200" dirty="0">
-                <a:latin typeface="Segoe UI" panose="020B0502040204020203" pitchFamily="34" charset="0"/>
-                <a:cs typeface="Segoe UI" panose="020B0502040204020203" pitchFamily="34" charset="0"/>
-              </a:rPr>
-              <a:t> de la </a:t>
-            </a:r>
-            <a:r>
-              <a:rPr lang="en-US" sz="3200" dirty="0" err="1">
-                <a:latin typeface="Segoe UI" panose="020B0502040204020203" pitchFamily="34" charset="0"/>
-                <a:cs typeface="Segoe UI" panose="020B0502040204020203" pitchFamily="34" charset="0"/>
-              </a:rPr>
-              <a:t>herramienta</a:t>
-            </a:r>
-            <a:r>
-              <a:rPr lang="en-US" sz="3200" dirty="0">
-                <a:latin typeface="Segoe UI" panose="020B0502040204020203" pitchFamily="34" charset="0"/>
-                <a:cs typeface="Segoe UI" panose="020B0502040204020203" pitchFamily="34" charset="0"/>
-              </a:rPr>
-              <a:t> para </a:t>
-            </a:r>
-            <a:r>
-              <a:rPr lang="en-US" sz="3200" dirty="0" err="1">
-                <a:latin typeface="Segoe UI" panose="020B0502040204020203" pitchFamily="34" charset="0"/>
-                <a:cs typeface="Segoe UI" panose="020B0502040204020203" pitchFamily="34" charset="0"/>
-              </a:rPr>
-              <a:t>el</a:t>
-            </a:r>
-            <a:r>
-              <a:rPr lang="en-US" sz="3200" dirty="0">
-                <a:latin typeface="Segoe UI" panose="020B0502040204020203" pitchFamily="34" charset="0"/>
-                <a:cs typeface="Segoe UI" panose="020B0502040204020203" pitchFamily="34" charset="0"/>
-              </a:rPr>
-              <a:t> </a:t>
-            </a:r>
-            <a:r>
-              <a:rPr lang="en-US" sz="3200" dirty="0" err="1">
-                <a:latin typeface="Segoe UI" panose="020B0502040204020203" pitchFamily="34" charset="0"/>
-                <a:cs typeface="Segoe UI" panose="020B0502040204020203" pitchFamily="34" charset="0"/>
-              </a:rPr>
-              <a:t>servidor</a:t>
-            </a:r>
-            <a:r>
-              <a:rPr lang="en-US" sz="3200" dirty="0">
-                <a:latin typeface="Segoe UI" panose="020B0502040204020203" pitchFamily="34" charset="0"/>
-                <a:cs typeface="Segoe UI" panose="020B0502040204020203" pitchFamily="34" charset="0"/>
-              </a:rPr>
-              <a:t> MCP</a:t>
-            </a:r>
-          </a:p>
-          <a:p>
-            <a:pPr marL="514350" indent="-514350">
-              <a:buFont typeface="+mj-lt"/>
-              <a:buAutoNum type="arabicPeriod"/>
-            </a:pPr>
-            <a:r>
-              <a:rPr lang="en-US" sz="3200" dirty="0" err="1">
-                <a:latin typeface="Segoe UI" panose="020B0502040204020203" pitchFamily="34" charset="0"/>
-                <a:cs typeface="Segoe UI" panose="020B0502040204020203" pitchFamily="34" charset="0"/>
-              </a:rPr>
-              <a:t>Depurar</a:t>
-            </a:r>
-            <a:r>
-              <a:rPr lang="en-US" sz="3200" dirty="0">
-                <a:latin typeface="Segoe UI" panose="020B0502040204020203" pitchFamily="34" charset="0"/>
-                <a:cs typeface="Segoe UI" panose="020B0502040204020203" pitchFamily="34" charset="0"/>
-              </a:rPr>
-              <a:t>/</a:t>
-            </a:r>
-            <a:r>
-              <a:rPr lang="en-US" sz="3200" dirty="0" err="1">
-                <a:latin typeface="Segoe UI" panose="020B0502040204020203" pitchFamily="34" charset="0"/>
-                <a:cs typeface="Segoe UI" panose="020B0502040204020203" pitchFamily="34" charset="0"/>
-              </a:rPr>
-              <a:t>probar</a:t>
-            </a:r>
-            <a:r>
-              <a:rPr lang="en-US" sz="3200" dirty="0">
-                <a:latin typeface="Segoe UI" panose="020B0502040204020203" pitchFamily="34" charset="0"/>
-                <a:cs typeface="Segoe UI" panose="020B0502040204020203" pitchFamily="34" charset="0"/>
-              </a:rPr>
-              <a:t> </a:t>
-            </a:r>
-            <a:r>
-              <a:rPr lang="en-US" sz="3200" dirty="0" err="1">
-                <a:latin typeface="Segoe UI" panose="020B0502040204020203" pitchFamily="34" charset="0"/>
-                <a:cs typeface="Segoe UI" panose="020B0502040204020203" pitchFamily="34" charset="0"/>
-              </a:rPr>
-              <a:t>el</a:t>
-            </a:r>
-            <a:r>
-              <a:rPr lang="en-US" sz="3200" dirty="0">
-                <a:latin typeface="Segoe UI" panose="020B0502040204020203" pitchFamily="34" charset="0"/>
-                <a:cs typeface="Segoe UI" panose="020B0502040204020203" pitchFamily="34" charset="0"/>
-              </a:rPr>
-              <a:t> </a:t>
-            </a:r>
-            <a:r>
-              <a:rPr lang="en-US" sz="3200" dirty="0" err="1">
-                <a:latin typeface="Segoe UI" panose="020B0502040204020203" pitchFamily="34" charset="0"/>
-                <a:cs typeface="Segoe UI" panose="020B0502040204020203" pitchFamily="34" charset="0"/>
-              </a:rPr>
-              <a:t>servidor</a:t>
-            </a:r>
-            <a:r>
-              <a:rPr lang="en-US" sz="3200" dirty="0">
-                <a:latin typeface="Segoe UI" panose="020B0502040204020203" pitchFamily="34" charset="0"/>
-                <a:cs typeface="Segoe UI" panose="020B0502040204020203" pitchFamily="34" charset="0"/>
-              </a:rPr>
-              <a:t> MCP </a:t>
-            </a:r>
-            <a:r>
-              <a:rPr lang="en-US" sz="3200" dirty="0" err="1">
-                <a:latin typeface="Segoe UI" panose="020B0502040204020203" pitchFamily="34" charset="0"/>
-                <a:cs typeface="Segoe UI" panose="020B0502040204020203" pitchFamily="34" charset="0"/>
-              </a:rPr>
-              <a:t>en</a:t>
-            </a:r>
-            <a:r>
-              <a:rPr lang="en-US" sz="3200" dirty="0">
-                <a:latin typeface="Segoe UI" panose="020B0502040204020203" pitchFamily="34" charset="0"/>
-                <a:cs typeface="Segoe UI" panose="020B0502040204020203" pitchFamily="34" charset="0"/>
-              </a:rPr>
-              <a:t> </a:t>
-            </a:r>
-            <a:r>
-              <a:rPr lang="en-US" sz="3200" dirty="0" err="1">
-                <a:latin typeface="Segoe UI" panose="020B0502040204020203" pitchFamily="34" charset="0"/>
-                <a:cs typeface="Segoe UI" panose="020B0502040204020203" pitchFamily="34" charset="0"/>
-              </a:rPr>
-              <a:t>el</a:t>
-            </a:r>
-            <a:r>
-              <a:rPr lang="en-US" sz="3200" dirty="0">
-                <a:latin typeface="Segoe UI" panose="020B0502040204020203" pitchFamily="34" charset="0"/>
-                <a:cs typeface="Segoe UI" panose="020B0502040204020203" pitchFamily="34" charset="0"/>
-              </a:rPr>
-              <a:t> Inspector MCP</a:t>
-            </a:r>
-          </a:p>
-          <a:p>
-            <a:pPr marL="514350" indent="-514350">
-              <a:buFont typeface="+mj-lt"/>
-              <a:buAutoNum type="arabicPeriod"/>
-            </a:pPr>
-            <a:r>
-              <a:rPr lang="en-US" sz="3200" dirty="0" err="1">
-                <a:latin typeface="Segoe UI" panose="020B0502040204020203" pitchFamily="34" charset="0"/>
-                <a:cs typeface="Segoe UI" panose="020B0502040204020203" pitchFamily="34" charset="0"/>
-              </a:rPr>
-              <a:t>Ejecutar</a:t>
-            </a:r>
-            <a:r>
-              <a:rPr lang="en-US" sz="3200" dirty="0">
-                <a:latin typeface="Segoe UI" panose="020B0502040204020203" pitchFamily="34" charset="0"/>
-                <a:cs typeface="Segoe UI" panose="020B0502040204020203" pitchFamily="34" charset="0"/>
-              </a:rPr>
-              <a:t> </a:t>
-            </a:r>
-            <a:r>
-              <a:rPr lang="en-US" sz="3200" dirty="0" err="1">
-                <a:latin typeface="Segoe UI" panose="020B0502040204020203" pitchFamily="34" charset="0"/>
-                <a:cs typeface="Segoe UI" panose="020B0502040204020203" pitchFamily="34" charset="0"/>
-              </a:rPr>
-              <a:t>el</a:t>
-            </a:r>
-            <a:r>
-              <a:rPr lang="en-US" sz="3200" dirty="0">
-                <a:latin typeface="Segoe UI" panose="020B0502040204020203" pitchFamily="34" charset="0"/>
-                <a:cs typeface="Segoe UI" panose="020B0502040204020203" pitchFamily="34" charset="0"/>
-              </a:rPr>
-              <a:t> </a:t>
-            </a:r>
-            <a:r>
-              <a:rPr lang="en-US" sz="3200" dirty="0" err="1">
-                <a:latin typeface="Segoe UI" panose="020B0502040204020203" pitchFamily="34" charset="0"/>
-                <a:cs typeface="Segoe UI" panose="020B0502040204020203" pitchFamily="34" charset="0"/>
-              </a:rPr>
-              <a:t>servidor</a:t>
-            </a:r>
-            <a:r>
-              <a:rPr lang="en-US" sz="3200" dirty="0">
-                <a:latin typeface="Segoe UI" panose="020B0502040204020203" pitchFamily="34" charset="0"/>
-                <a:cs typeface="Segoe UI" panose="020B0502040204020203" pitchFamily="34" charset="0"/>
-              </a:rPr>
-              <a:t> MCP </a:t>
-            </a:r>
-            <a:r>
-              <a:rPr lang="en-US" sz="3200" dirty="0" err="1">
-                <a:latin typeface="Segoe UI" panose="020B0502040204020203" pitchFamily="34" charset="0"/>
-                <a:cs typeface="Segoe UI" panose="020B0502040204020203" pitchFamily="34" charset="0"/>
-              </a:rPr>
-              <a:t>en</a:t>
-            </a:r>
-            <a:r>
-              <a:rPr lang="en-US" sz="3200" dirty="0">
-                <a:latin typeface="Segoe UI" panose="020B0502040204020203" pitchFamily="34" charset="0"/>
-                <a:cs typeface="Segoe UI" panose="020B0502040204020203" pitchFamily="34" charset="0"/>
-              </a:rPr>
-              <a:t> </a:t>
-            </a:r>
-            <a:r>
-              <a:rPr lang="en-US" sz="3200" dirty="0" err="1">
-                <a:latin typeface="Segoe UI" panose="020B0502040204020203" pitchFamily="34" charset="0"/>
-                <a:cs typeface="Segoe UI" panose="020B0502040204020203" pitchFamily="34" charset="0"/>
-              </a:rPr>
-              <a:t>el</a:t>
-            </a:r>
-            <a:r>
-              <a:rPr lang="en-US" sz="3200" dirty="0">
-                <a:latin typeface="Segoe UI" panose="020B0502040204020203" pitchFamily="34" charset="0"/>
-                <a:cs typeface="Segoe UI" panose="020B0502040204020203" pitchFamily="34" charset="0"/>
-              </a:rPr>
-              <a:t> modo </a:t>
-            </a:r>
-            <a:r>
-              <a:rPr lang="en-US" sz="3200" dirty="0" err="1">
-                <a:latin typeface="Segoe UI" panose="020B0502040204020203" pitchFamily="34" charset="0"/>
-                <a:cs typeface="Segoe UI" panose="020B0502040204020203" pitchFamily="34" charset="0"/>
-              </a:rPr>
-              <a:t>Agente</a:t>
-            </a:r>
-            <a:r>
-              <a:rPr lang="en-US" sz="3200" dirty="0">
-                <a:latin typeface="Segoe UI" panose="020B0502040204020203" pitchFamily="34" charset="0"/>
-                <a:cs typeface="Segoe UI" panose="020B0502040204020203" pitchFamily="34" charset="0"/>
-              </a:rPr>
-              <a:t> de VS Code</a:t>
-            </a:r>
-          </a:p>
-        </p:txBody>
-      </p:sp>
-    </p:spTree>
-    <p:extLst>
-      <p:ext uri="{BB962C8B-B14F-4D97-AF65-F5344CB8AC3E}">
-        <p14:creationId xmlns:p14="http://schemas.microsoft.com/office/powerpoint/2010/main" val="3924080596"/>
-      </p:ext>
-    </p:extLst>
-  </p:cSld>
-  <p:clrMapOvr>
-    <a:masterClrMapping/>
-  </p:clrMapOvr>
-</p:sld>
-</file>
-
-<file path=ppt/slides/slide29.xml><?xml version="1.0" encoding="utf-8"?>
-<p:sld xmlns:a="http://schemas.openxmlformats.org/drawingml/2006/main" xmlns:r="http://schemas.openxmlformats.org/officeDocument/2006/relationships" xmlns:p="http://schemas.openxmlformats.org/presentationml/2006/main">
-  <p:cSld>
-    <p:spTree>
-      <p:nvGrpSpPr>
-        <p:cNvPr id="1" name="">
-          <a:extLst>
-            <a:ext uri="{FF2B5EF4-FFF2-40B4-BE49-F238E27FC236}">
-              <a16:creationId xmlns:a16="http://schemas.microsoft.com/office/drawing/2014/main" id="{B191C2AF-38EC-D293-6EC1-978B6F3B6F93}"/>
-            </a:ext>
-          </a:extLst>
-        </p:cNvPr>
-        <p:cNvGrpSpPr/>
-        <p:nvPr/>
-      </p:nvGrpSpPr>
-      <p:grpSpPr>
-        <a:xfrm>
-          <a:off x="0" y="0"/>
-          <a:ext cx="0" cy="0"/>
-          <a:chOff x="0" y="0"/>
-          <a:chExt cx="0" cy="0"/>
-        </a:xfrm>
-      </p:grpSpPr>
-      <p:sp>
-        <p:nvSpPr>
-          <p:cNvPr id="2" name="Title 1">
-            <a:extLst>
-              <a:ext uri="{FF2B5EF4-FFF2-40B4-BE49-F238E27FC236}">
-                <a16:creationId xmlns:a16="http://schemas.microsoft.com/office/drawing/2014/main" id="{406F8928-F099-B01E-D6E1-9D83237A0FE8}"/>
-              </a:ext>
-            </a:extLst>
-          </p:cNvPr>
-          <p:cNvSpPr>
-            <a:spLocks noGrp="1"/>
-          </p:cNvSpPr>
-          <p:nvPr>
-            <p:ph type="title"/>
-          </p:nvPr>
-        </p:nvSpPr>
-        <p:spPr/>
-        <p:txBody>
-          <a:bodyPr/>
-          <a:lstStyle/>
-          <a:p>
-            <a:r>
-              <a:rPr lang="en-US" altLang="zh-CN" dirty="0" err="1">
-                <a:solidFill>
-                  <a:schemeClr val="accent2"/>
-                </a:solidFill>
-              </a:rPr>
-              <a:t>Inciando</a:t>
-            </a:r>
-            <a:r>
-              <a:rPr lang="en-US" altLang="zh-CN" dirty="0">
-                <a:solidFill>
-                  <a:schemeClr val="accent2"/>
-                </a:solidFill>
-              </a:rPr>
-              <a:t> </a:t>
-            </a:r>
-            <a:r>
-              <a:rPr lang="en-US" altLang="zh-CN" dirty="0" err="1">
-                <a:solidFill>
-                  <a:schemeClr val="accent2"/>
-                </a:solidFill>
-              </a:rPr>
-              <a:t>nuestro</a:t>
-            </a:r>
-            <a:r>
-              <a:rPr lang="en-US" altLang="zh-CN" dirty="0">
-                <a:solidFill>
-                  <a:schemeClr val="accent2"/>
-                </a:solidFill>
-              </a:rPr>
-              <a:t> </a:t>
-            </a:r>
-            <a:r>
-              <a:rPr lang="en-US" altLang="zh-CN" dirty="0" err="1">
-                <a:solidFill>
-                  <a:schemeClr val="accent2"/>
-                </a:solidFill>
-              </a:rPr>
-              <a:t>servidor</a:t>
-            </a:r>
-            <a:endParaRPr lang="en-US" dirty="0">
-              <a:solidFill>
-                <a:schemeClr val="accent2"/>
-              </a:solidFill>
-            </a:endParaRPr>
-          </a:p>
-        </p:txBody>
-      </p:sp>
-      <p:sp>
-        <p:nvSpPr>
-          <p:cNvPr id="3" name="Content Placeholder 2">
-            <a:extLst>
-              <a:ext uri="{FF2B5EF4-FFF2-40B4-BE49-F238E27FC236}">
-                <a16:creationId xmlns:a16="http://schemas.microsoft.com/office/drawing/2014/main" id="{D6AD6F63-95EE-DDDE-3046-906D03D50310}"/>
-              </a:ext>
-            </a:extLst>
-          </p:cNvPr>
-          <p:cNvSpPr>
-            <a:spLocks noGrp="1"/>
-          </p:cNvSpPr>
-          <p:nvPr>
-            <p:ph idx="1"/>
-          </p:nvPr>
-        </p:nvSpPr>
-        <p:spPr>
-          <a:xfrm>
-            <a:off x="269241" y="1189179"/>
-            <a:ext cx="11653521" cy="1507368"/>
-          </a:xfrm>
-        </p:spPr>
-        <p:txBody>
-          <a:bodyPr>
-            <a:normAutofit fontScale="92500" lnSpcReduction="20000"/>
-          </a:bodyPr>
-          <a:lstStyle/>
-          <a:p>
-            <a:pPr marL="0" indent="0">
-              <a:buNone/>
-            </a:pPr>
-            <a:r>
-              <a:rPr lang="es-ES" sz="3000" dirty="0">
-                <a:latin typeface="Segoe UI" panose="020B0502040204020203" pitchFamily="34" charset="0"/>
-                <a:cs typeface="Segoe UI" panose="020B0502040204020203" pitchFamily="34" charset="0"/>
-              </a:rPr>
-              <a:t>Hay que actualizar la clase </a:t>
-            </a:r>
-            <a:r>
-              <a:rPr lang="es-ES" sz="3000" dirty="0" err="1">
-                <a:latin typeface="Segoe UI" panose="020B0502040204020203" pitchFamily="34" charset="0"/>
-                <a:cs typeface="Segoe UI" panose="020B0502040204020203" pitchFamily="34" charset="0"/>
-              </a:rPr>
-              <a:t>Program.cs</a:t>
-            </a:r>
-            <a:r>
-              <a:rPr lang="es-ES" sz="3000" dirty="0">
-                <a:latin typeface="Segoe UI" panose="020B0502040204020203" pitchFamily="34" charset="0"/>
-                <a:cs typeface="Segoe UI" panose="020B0502040204020203" pitchFamily="34" charset="0"/>
-              </a:rPr>
-              <a:t> con algunos andamiajes básicos para crear el servidor MCP, configurar el transporte del servidor estándar e indicarle al servidor que busque herramientas (o API disponibles) en el ensamblaje en ejecución.</a:t>
-            </a:r>
-            <a:endParaRPr lang="en-US" sz="3000" dirty="0">
-              <a:latin typeface="Segoe UI" panose="020B0502040204020203" pitchFamily="34" charset="0"/>
-              <a:cs typeface="Segoe UI" panose="020B0502040204020203" pitchFamily="34" charset="0"/>
-            </a:endParaRPr>
-          </a:p>
-        </p:txBody>
-      </p:sp>
-      <p:sp>
-        <p:nvSpPr>
-          <p:cNvPr id="11" name="CuadroTexto 10">
-            <a:extLst>
-              <a:ext uri="{FF2B5EF4-FFF2-40B4-BE49-F238E27FC236}">
-                <a16:creationId xmlns:a16="http://schemas.microsoft.com/office/drawing/2014/main" id="{1ECA041F-D370-F80A-4861-AC2A2FA2D34A}"/>
-              </a:ext>
-            </a:extLst>
-          </p:cNvPr>
-          <p:cNvSpPr txBox="1"/>
-          <p:nvPr/>
-        </p:nvSpPr>
-        <p:spPr>
-          <a:xfrm>
-            <a:off x="436205" y="2598171"/>
-            <a:ext cx="11199067" cy="3416320"/>
-          </a:xfrm>
-          <a:prstGeom prst="rect">
-            <a:avLst/>
-          </a:prstGeom>
-          <a:solidFill>
-            <a:schemeClr val="accent2"/>
-          </a:solidFill>
-        </p:spPr>
-        <p:txBody>
-          <a:bodyPr wrap="square">
-            <a:spAutoFit/>
-          </a:bodyPr>
-          <a:lstStyle/>
-          <a:p>
-            <a:r>
-              <a:rPr lang="es-ES" dirty="0" err="1">
-                <a:solidFill>
-                  <a:schemeClr val="bg1"/>
-                </a:solidFill>
-                <a:latin typeface="Consolas" panose="020B0609020204030204" pitchFamily="49" charset="0"/>
-                <a:cs typeface="Consolas" panose="020B0609020204030204" pitchFamily="49" charset="0"/>
-              </a:rPr>
-              <a:t>using</a:t>
-            </a:r>
-            <a:r>
-              <a:rPr lang="es-ES" dirty="0">
-                <a:solidFill>
-                  <a:schemeClr val="bg1"/>
-                </a:solidFill>
-                <a:latin typeface="Consolas" panose="020B0609020204030204" pitchFamily="49" charset="0"/>
-                <a:cs typeface="Consolas" panose="020B0609020204030204" pitchFamily="49" charset="0"/>
-              </a:rPr>
-              <a:t> </a:t>
-            </a:r>
-            <a:r>
-              <a:rPr lang="es-ES" dirty="0" err="1">
-                <a:solidFill>
-                  <a:schemeClr val="bg1"/>
-                </a:solidFill>
-                <a:latin typeface="Consolas" panose="020B0609020204030204" pitchFamily="49" charset="0"/>
-                <a:cs typeface="Consolas" panose="020B0609020204030204" pitchFamily="49" charset="0"/>
-              </a:rPr>
-              <a:t>Microsoft.Extensions.DependencyInjection</a:t>
-            </a:r>
-            <a:r>
-              <a:rPr lang="es-ES" dirty="0">
-                <a:solidFill>
-                  <a:schemeClr val="bg1"/>
-                </a:solidFill>
-                <a:latin typeface="Consolas" panose="020B0609020204030204" pitchFamily="49" charset="0"/>
-                <a:cs typeface="Consolas" panose="020B0609020204030204" pitchFamily="49" charset="0"/>
-              </a:rPr>
-              <a:t>;</a:t>
-            </a:r>
-          </a:p>
-          <a:p>
-            <a:r>
-              <a:rPr lang="es-ES" dirty="0" err="1">
-                <a:solidFill>
-                  <a:schemeClr val="bg1"/>
-                </a:solidFill>
-                <a:latin typeface="Consolas" panose="020B0609020204030204" pitchFamily="49" charset="0"/>
-                <a:cs typeface="Consolas" panose="020B0609020204030204" pitchFamily="49" charset="0"/>
-              </a:rPr>
-              <a:t>using</a:t>
-            </a:r>
-            <a:r>
-              <a:rPr lang="es-ES" dirty="0">
-                <a:solidFill>
-                  <a:schemeClr val="bg1"/>
-                </a:solidFill>
-                <a:latin typeface="Consolas" panose="020B0609020204030204" pitchFamily="49" charset="0"/>
-                <a:cs typeface="Consolas" panose="020B0609020204030204" pitchFamily="49" charset="0"/>
-              </a:rPr>
-              <a:t> </a:t>
-            </a:r>
-            <a:r>
-              <a:rPr lang="es-ES" dirty="0" err="1">
-                <a:solidFill>
-                  <a:schemeClr val="bg1"/>
-                </a:solidFill>
-                <a:latin typeface="Consolas" panose="020B0609020204030204" pitchFamily="49" charset="0"/>
-                <a:cs typeface="Consolas" panose="020B0609020204030204" pitchFamily="49" charset="0"/>
-              </a:rPr>
-              <a:t>Microsoft.Extensions.Hosting</a:t>
-            </a:r>
-            <a:r>
-              <a:rPr lang="es-ES" dirty="0">
-                <a:solidFill>
-                  <a:schemeClr val="bg1"/>
-                </a:solidFill>
-                <a:latin typeface="Consolas" panose="020B0609020204030204" pitchFamily="49" charset="0"/>
-                <a:cs typeface="Consolas" panose="020B0609020204030204" pitchFamily="49" charset="0"/>
-              </a:rPr>
-              <a:t>;</a:t>
-            </a:r>
-          </a:p>
-          <a:p>
-            <a:r>
-              <a:rPr lang="es-ES" dirty="0" err="1">
-                <a:solidFill>
-                  <a:schemeClr val="bg1"/>
-                </a:solidFill>
-                <a:latin typeface="Consolas" panose="020B0609020204030204" pitchFamily="49" charset="0"/>
-                <a:cs typeface="Consolas" panose="020B0609020204030204" pitchFamily="49" charset="0"/>
-              </a:rPr>
-              <a:t>using</a:t>
-            </a:r>
-            <a:r>
-              <a:rPr lang="es-ES" dirty="0">
-                <a:solidFill>
-                  <a:schemeClr val="bg1"/>
-                </a:solidFill>
-                <a:latin typeface="Consolas" panose="020B0609020204030204" pitchFamily="49" charset="0"/>
-                <a:cs typeface="Consolas" panose="020B0609020204030204" pitchFamily="49" charset="0"/>
-              </a:rPr>
-              <a:t> </a:t>
-            </a:r>
-            <a:r>
-              <a:rPr lang="es-ES" dirty="0" err="1">
-                <a:solidFill>
-                  <a:schemeClr val="bg1"/>
-                </a:solidFill>
-                <a:latin typeface="Consolas" panose="020B0609020204030204" pitchFamily="49" charset="0"/>
-                <a:cs typeface="Consolas" panose="020B0609020204030204" pitchFamily="49" charset="0"/>
-              </a:rPr>
-              <a:t>ModelContextProtocol.Server</a:t>
-            </a:r>
-            <a:r>
-              <a:rPr lang="es-ES" dirty="0">
-                <a:solidFill>
-                  <a:schemeClr val="bg1"/>
-                </a:solidFill>
-                <a:latin typeface="Consolas" panose="020B0609020204030204" pitchFamily="49" charset="0"/>
-                <a:cs typeface="Consolas" panose="020B0609020204030204" pitchFamily="49" charset="0"/>
-              </a:rPr>
-              <a:t>;</a:t>
-            </a:r>
-          </a:p>
-          <a:p>
-            <a:r>
-              <a:rPr lang="es-ES" dirty="0" err="1">
-                <a:solidFill>
-                  <a:schemeClr val="bg1"/>
-                </a:solidFill>
-                <a:latin typeface="Consolas" panose="020B0609020204030204" pitchFamily="49" charset="0"/>
-                <a:cs typeface="Consolas" panose="020B0609020204030204" pitchFamily="49" charset="0"/>
-              </a:rPr>
-              <a:t>using</a:t>
-            </a:r>
-            <a:r>
-              <a:rPr lang="es-ES" dirty="0">
-                <a:solidFill>
-                  <a:schemeClr val="bg1"/>
-                </a:solidFill>
-                <a:latin typeface="Consolas" panose="020B0609020204030204" pitchFamily="49" charset="0"/>
-                <a:cs typeface="Consolas" panose="020B0609020204030204" pitchFamily="49" charset="0"/>
-              </a:rPr>
-              <a:t> </a:t>
-            </a:r>
-            <a:r>
-              <a:rPr lang="es-ES" dirty="0" err="1">
-                <a:solidFill>
-                  <a:schemeClr val="bg1"/>
-                </a:solidFill>
-                <a:latin typeface="Consolas" panose="020B0609020204030204" pitchFamily="49" charset="0"/>
-                <a:cs typeface="Consolas" panose="020B0609020204030204" pitchFamily="49" charset="0"/>
-              </a:rPr>
-              <a:t>System.ComponentModel</a:t>
-            </a:r>
-            <a:r>
-              <a:rPr lang="es-ES" dirty="0">
-                <a:solidFill>
-                  <a:schemeClr val="bg1"/>
-                </a:solidFill>
-                <a:latin typeface="Consolas" panose="020B0609020204030204" pitchFamily="49" charset="0"/>
-                <a:cs typeface="Consolas" panose="020B0609020204030204" pitchFamily="49" charset="0"/>
-              </a:rPr>
-              <a:t>;</a:t>
-            </a:r>
-          </a:p>
-          <a:p>
-            <a:endParaRPr lang="es-ES" dirty="0">
-              <a:solidFill>
-                <a:schemeClr val="bg1"/>
-              </a:solidFill>
-              <a:latin typeface="Consolas" panose="020B0609020204030204" pitchFamily="49" charset="0"/>
-              <a:cs typeface="Consolas" panose="020B0609020204030204" pitchFamily="49" charset="0"/>
-            </a:endParaRPr>
-          </a:p>
-          <a:p>
-            <a:r>
-              <a:rPr lang="es-ES" dirty="0" err="1">
-                <a:solidFill>
-                  <a:schemeClr val="bg1"/>
-                </a:solidFill>
-                <a:latin typeface="Consolas" panose="020B0609020204030204" pitchFamily="49" charset="0"/>
-                <a:cs typeface="Consolas" panose="020B0609020204030204" pitchFamily="49" charset="0"/>
-              </a:rPr>
-              <a:t>var</a:t>
-            </a:r>
-            <a:r>
-              <a:rPr lang="es-ES" dirty="0">
-                <a:solidFill>
-                  <a:schemeClr val="bg1"/>
-                </a:solidFill>
-                <a:latin typeface="Consolas" panose="020B0609020204030204" pitchFamily="49" charset="0"/>
-                <a:cs typeface="Consolas" panose="020B0609020204030204" pitchFamily="49" charset="0"/>
-              </a:rPr>
-              <a:t> </a:t>
-            </a:r>
-            <a:r>
-              <a:rPr lang="es-ES" dirty="0" err="1">
-                <a:solidFill>
-                  <a:schemeClr val="bg1"/>
-                </a:solidFill>
-                <a:latin typeface="Consolas" panose="020B0609020204030204" pitchFamily="49" charset="0"/>
-                <a:cs typeface="Consolas" panose="020B0609020204030204" pitchFamily="49" charset="0"/>
-              </a:rPr>
-              <a:t>builder</a:t>
-            </a:r>
-            <a:r>
-              <a:rPr lang="es-ES" dirty="0">
-                <a:solidFill>
-                  <a:schemeClr val="bg1"/>
-                </a:solidFill>
-                <a:latin typeface="Consolas" panose="020B0609020204030204" pitchFamily="49" charset="0"/>
-                <a:cs typeface="Consolas" panose="020B0609020204030204" pitchFamily="49" charset="0"/>
-              </a:rPr>
-              <a:t> = </a:t>
-            </a:r>
-            <a:r>
-              <a:rPr lang="es-ES" dirty="0" err="1">
-                <a:solidFill>
-                  <a:schemeClr val="bg1"/>
-                </a:solidFill>
-                <a:latin typeface="Consolas" panose="020B0609020204030204" pitchFamily="49" charset="0"/>
-                <a:cs typeface="Consolas" panose="020B0609020204030204" pitchFamily="49" charset="0"/>
-              </a:rPr>
-              <a:t>Host.CreateEmptyApplicationBuilder</a:t>
-            </a:r>
-            <a:r>
-              <a:rPr lang="es-ES" dirty="0">
-                <a:solidFill>
-                  <a:schemeClr val="bg1"/>
-                </a:solidFill>
-                <a:latin typeface="Consolas" panose="020B0609020204030204" pitchFamily="49" charset="0"/>
-                <a:cs typeface="Consolas" panose="020B0609020204030204" pitchFamily="49" charset="0"/>
-              </a:rPr>
-              <a:t>(</a:t>
-            </a:r>
-            <a:r>
-              <a:rPr lang="es-ES" dirty="0" err="1">
-                <a:solidFill>
-                  <a:schemeClr val="bg1"/>
-                </a:solidFill>
-                <a:latin typeface="Consolas" panose="020B0609020204030204" pitchFamily="49" charset="0"/>
-                <a:cs typeface="Consolas" panose="020B0609020204030204" pitchFamily="49" charset="0"/>
-              </a:rPr>
-              <a:t>settings</a:t>
-            </a:r>
-            <a:r>
-              <a:rPr lang="es-ES" dirty="0">
-                <a:solidFill>
-                  <a:schemeClr val="bg1"/>
-                </a:solidFill>
-                <a:latin typeface="Consolas" panose="020B0609020204030204" pitchFamily="49" charset="0"/>
-                <a:cs typeface="Consolas" panose="020B0609020204030204" pitchFamily="49" charset="0"/>
-              </a:rPr>
-              <a:t>: </a:t>
-            </a:r>
-            <a:r>
-              <a:rPr lang="es-ES" dirty="0" err="1">
-                <a:solidFill>
-                  <a:schemeClr val="bg1"/>
-                </a:solidFill>
-                <a:latin typeface="Consolas" panose="020B0609020204030204" pitchFamily="49" charset="0"/>
-                <a:cs typeface="Consolas" panose="020B0609020204030204" pitchFamily="49" charset="0"/>
-              </a:rPr>
-              <a:t>null</a:t>
-            </a:r>
-            <a:r>
-              <a:rPr lang="es-ES" dirty="0">
-                <a:solidFill>
-                  <a:schemeClr val="bg1"/>
-                </a:solidFill>
-                <a:latin typeface="Consolas" panose="020B0609020204030204" pitchFamily="49" charset="0"/>
-                <a:cs typeface="Consolas" panose="020B0609020204030204" pitchFamily="49" charset="0"/>
-              </a:rPr>
-              <a:t>);</a:t>
-            </a:r>
-          </a:p>
-          <a:p>
-            <a:r>
-              <a:rPr lang="es-ES" dirty="0" err="1">
-                <a:solidFill>
-                  <a:schemeClr val="bg1"/>
-                </a:solidFill>
-                <a:latin typeface="Consolas" panose="020B0609020204030204" pitchFamily="49" charset="0"/>
-                <a:cs typeface="Consolas" panose="020B0609020204030204" pitchFamily="49" charset="0"/>
-              </a:rPr>
-              <a:t>builder.Services</a:t>
-            </a:r>
-            <a:endParaRPr lang="es-ES" dirty="0">
-              <a:solidFill>
-                <a:schemeClr val="bg1"/>
-              </a:solidFill>
-              <a:latin typeface="Consolas" panose="020B0609020204030204" pitchFamily="49" charset="0"/>
-              <a:cs typeface="Consolas" panose="020B0609020204030204" pitchFamily="49" charset="0"/>
-            </a:endParaRPr>
-          </a:p>
-          <a:p>
-            <a:r>
-              <a:rPr lang="es-ES" dirty="0">
-                <a:solidFill>
-                  <a:schemeClr val="bg1"/>
-                </a:solidFill>
-                <a:latin typeface="Consolas" panose="020B0609020204030204" pitchFamily="49" charset="0"/>
-                <a:cs typeface="Consolas" panose="020B0609020204030204" pitchFamily="49" charset="0"/>
-              </a:rPr>
-              <a:t>    .</a:t>
-            </a:r>
-            <a:r>
-              <a:rPr lang="es-ES" dirty="0" err="1">
-                <a:solidFill>
-                  <a:schemeClr val="bg1"/>
-                </a:solidFill>
-                <a:latin typeface="Consolas" panose="020B0609020204030204" pitchFamily="49" charset="0"/>
-                <a:cs typeface="Consolas" panose="020B0609020204030204" pitchFamily="49" charset="0"/>
-              </a:rPr>
-              <a:t>AddMcpServer</a:t>
-            </a:r>
-            <a:r>
-              <a:rPr lang="es-ES" dirty="0">
-                <a:solidFill>
-                  <a:schemeClr val="bg1"/>
-                </a:solidFill>
-                <a:latin typeface="Consolas" panose="020B0609020204030204" pitchFamily="49" charset="0"/>
-                <a:cs typeface="Consolas" panose="020B0609020204030204" pitchFamily="49" charset="0"/>
-              </a:rPr>
-              <a:t>()</a:t>
-            </a:r>
-          </a:p>
-          <a:p>
-            <a:r>
-              <a:rPr lang="es-ES" dirty="0">
-                <a:solidFill>
-                  <a:schemeClr val="bg1"/>
-                </a:solidFill>
-                <a:latin typeface="Consolas" panose="020B0609020204030204" pitchFamily="49" charset="0"/>
-                <a:cs typeface="Consolas" panose="020B0609020204030204" pitchFamily="49" charset="0"/>
-              </a:rPr>
-              <a:t>    .</a:t>
-            </a:r>
-            <a:r>
-              <a:rPr lang="es-ES" dirty="0" err="1">
-                <a:solidFill>
-                  <a:schemeClr val="bg1"/>
-                </a:solidFill>
-                <a:latin typeface="Consolas" panose="020B0609020204030204" pitchFamily="49" charset="0"/>
-                <a:cs typeface="Consolas" panose="020B0609020204030204" pitchFamily="49" charset="0"/>
-              </a:rPr>
-              <a:t>WithStdioServerTransport</a:t>
-            </a:r>
-            <a:r>
-              <a:rPr lang="es-ES" dirty="0">
-                <a:solidFill>
-                  <a:schemeClr val="bg1"/>
-                </a:solidFill>
-                <a:latin typeface="Consolas" panose="020B0609020204030204" pitchFamily="49" charset="0"/>
-                <a:cs typeface="Consolas" panose="020B0609020204030204" pitchFamily="49" charset="0"/>
-              </a:rPr>
-              <a:t>()</a:t>
-            </a:r>
-          </a:p>
-          <a:p>
-            <a:r>
-              <a:rPr lang="es-ES" dirty="0">
-                <a:solidFill>
-                  <a:schemeClr val="bg1"/>
-                </a:solidFill>
-                <a:latin typeface="Consolas" panose="020B0609020204030204" pitchFamily="49" charset="0"/>
-                <a:cs typeface="Consolas" panose="020B0609020204030204" pitchFamily="49" charset="0"/>
-              </a:rPr>
-              <a:t>    .</a:t>
-            </a:r>
-            <a:r>
-              <a:rPr lang="es-ES" dirty="0" err="1">
-                <a:solidFill>
-                  <a:schemeClr val="bg1"/>
-                </a:solidFill>
-                <a:latin typeface="Consolas" panose="020B0609020204030204" pitchFamily="49" charset="0"/>
-                <a:cs typeface="Consolas" panose="020B0609020204030204" pitchFamily="49" charset="0"/>
-              </a:rPr>
-              <a:t>WithToolsFromAssembly</a:t>
-            </a:r>
-            <a:r>
-              <a:rPr lang="es-ES" dirty="0">
-                <a:solidFill>
-                  <a:schemeClr val="bg1"/>
-                </a:solidFill>
-                <a:latin typeface="Consolas" panose="020B0609020204030204" pitchFamily="49" charset="0"/>
-                <a:cs typeface="Consolas" panose="020B0609020204030204" pitchFamily="49" charset="0"/>
-              </a:rPr>
-              <a:t>();</a:t>
-            </a:r>
-          </a:p>
-          <a:p>
-            <a:endParaRPr lang="es-ES" dirty="0">
-              <a:solidFill>
-                <a:schemeClr val="bg1"/>
-              </a:solidFill>
-              <a:latin typeface="Consolas" panose="020B0609020204030204" pitchFamily="49" charset="0"/>
-              <a:cs typeface="Consolas" panose="020B0609020204030204" pitchFamily="49" charset="0"/>
-            </a:endParaRPr>
-          </a:p>
-          <a:p>
-            <a:r>
-              <a:rPr lang="es-ES" dirty="0" err="1">
-                <a:solidFill>
-                  <a:schemeClr val="bg1"/>
-                </a:solidFill>
-                <a:latin typeface="Consolas" panose="020B0609020204030204" pitchFamily="49" charset="0"/>
-                <a:cs typeface="Consolas" panose="020B0609020204030204" pitchFamily="49" charset="0"/>
-              </a:rPr>
-              <a:t>await</a:t>
-            </a:r>
-            <a:r>
-              <a:rPr lang="es-ES" dirty="0">
-                <a:solidFill>
-                  <a:schemeClr val="bg1"/>
-                </a:solidFill>
-                <a:latin typeface="Consolas" panose="020B0609020204030204" pitchFamily="49" charset="0"/>
-                <a:cs typeface="Consolas" panose="020B0609020204030204" pitchFamily="49" charset="0"/>
-              </a:rPr>
-              <a:t> </a:t>
-            </a:r>
-            <a:r>
-              <a:rPr lang="es-ES" dirty="0" err="1">
-                <a:solidFill>
-                  <a:schemeClr val="bg1"/>
-                </a:solidFill>
-                <a:latin typeface="Consolas" panose="020B0609020204030204" pitchFamily="49" charset="0"/>
-                <a:cs typeface="Consolas" panose="020B0609020204030204" pitchFamily="49" charset="0"/>
-              </a:rPr>
-              <a:t>builder.Build</a:t>
-            </a:r>
-            <a:r>
-              <a:rPr lang="es-ES" dirty="0">
-                <a:solidFill>
-                  <a:schemeClr val="bg1"/>
-                </a:solidFill>
-                <a:latin typeface="Consolas" panose="020B0609020204030204" pitchFamily="49" charset="0"/>
-                <a:cs typeface="Consolas" panose="020B0609020204030204" pitchFamily="49" charset="0"/>
-              </a:rPr>
-              <a:t>().</a:t>
-            </a:r>
-            <a:r>
-              <a:rPr lang="es-ES" dirty="0" err="1">
-                <a:solidFill>
-                  <a:schemeClr val="bg1"/>
-                </a:solidFill>
-                <a:latin typeface="Consolas" panose="020B0609020204030204" pitchFamily="49" charset="0"/>
-                <a:cs typeface="Consolas" panose="020B0609020204030204" pitchFamily="49" charset="0"/>
-              </a:rPr>
-              <a:t>RunAsync</a:t>
-            </a:r>
-            <a:r>
-              <a:rPr lang="es-ES" dirty="0">
-                <a:solidFill>
-                  <a:schemeClr val="bg1"/>
-                </a:solidFill>
-                <a:latin typeface="Consolas" panose="020B0609020204030204" pitchFamily="49" charset="0"/>
-                <a:cs typeface="Consolas" panose="020B0609020204030204" pitchFamily="49" charset="0"/>
-              </a:rPr>
-              <a:t>();</a:t>
-            </a:r>
-          </a:p>
-        </p:txBody>
-      </p:sp>
-    </p:spTree>
-    <p:extLst>
-      <p:ext uri="{BB962C8B-B14F-4D97-AF65-F5344CB8AC3E}">
-        <p14:creationId xmlns:p14="http://schemas.microsoft.com/office/powerpoint/2010/main" val="3120736182"/>
       </p:ext>
     </p:extLst>
   </p:cSld>
@@ -14989,6 +14084,1328 @@
   <p:cSld>
     <p:spTree>
       <p:nvGrpSpPr>
+        <p:cNvPr id="1" name=""/>
+        <p:cNvGrpSpPr/>
+        <p:nvPr/>
+      </p:nvGrpSpPr>
+      <p:grpSpPr>
+        <a:xfrm>
+          <a:off x="0" y="0"/>
+          <a:ext cx="0" cy="0"/>
+          <a:chOff x="0" y="0"/>
+          <a:chExt cx="0" cy="0"/>
+        </a:xfrm>
+      </p:grpSpPr>
+      <p:sp>
+        <p:nvSpPr>
+          <p:cNvPr id="2" name="Title 1">
+            <a:extLst>
+              <a:ext uri="{FF2B5EF4-FFF2-40B4-BE49-F238E27FC236}">
+                <a16:creationId xmlns:a16="http://schemas.microsoft.com/office/drawing/2014/main" id="{3245FB63-7EA1-E289-14C3-FAF89BA75547}"/>
+              </a:ext>
+            </a:extLst>
+          </p:cNvPr>
+          <p:cNvSpPr>
+            <a:spLocks noGrp="1"/>
+          </p:cNvSpPr>
+          <p:nvPr>
+            <p:ph type="title"/>
+          </p:nvPr>
+        </p:nvSpPr>
+        <p:spPr/>
+        <p:txBody>
+          <a:bodyPr/>
+          <a:lstStyle/>
+          <a:p>
+            <a:r>
+              <a:rPr lang="en-US" altLang="zh-CN" dirty="0">
+                <a:solidFill>
+                  <a:schemeClr val="accent2"/>
+                </a:solidFill>
+              </a:rPr>
+              <a:t>Crear un MCP Server</a:t>
+            </a:r>
+            <a:endParaRPr lang="en-US" dirty="0">
+              <a:solidFill>
+                <a:schemeClr val="accent2"/>
+              </a:solidFill>
+            </a:endParaRPr>
+          </a:p>
+        </p:txBody>
+      </p:sp>
+      <p:sp>
+        <p:nvSpPr>
+          <p:cNvPr id="3" name="Content Placeholder 2">
+            <a:extLst>
+              <a:ext uri="{FF2B5EF4-FFF2-40B4-BE49-F238E27FC236}">
+                <a16:creationId xmlns:a16="http://schemas.microsoft.com/office/drawing/2014/main" id="{894700BD-CD7F-9C47-E5C6-C25B85660BA8}"/>
+              </a:ext>
+            </a:extLst>
+          </p:cNvPr>
+          <p:cNvSpPr>
+            <a:spLocks noGrp="1"/>
+          </p:cNvSpPr>
+          <p:nvPr>
+            <p:ph idx="1"/>
+          </p:nvPr>
+        </p:nvSpPr>
+        <p:spPr>
+          <a:xfrm>
+            <a:off x="269241" y="1189178"/>
+            <a:ext cx="11653521" cy="4701668"/>
+          </a:xfrm>
+        </p:spPr>
+        <p:txBody>
+          <a:bodyPr>
+            <a:normAutofit fontScale="85000" lnSpcReduction="20000"/>
+          </a:bodyPr>
+          <a:lstStyle/>
+          <a:p>
+            <a:pPr marL="0" indent="0">
+              <a:buNone/>
+            </a:pPr>
+            <a:r>
+              <a:rPr lang="en-US" sz="3200" dirty="0" err="1">
+                <a:latin typeface="Segoe UI" panose="020B0502040204020203" pitchFamily="34" charset="0"/>
+                <a:cs typeface="Segoe UI" panose="020B0502040204020203" pitchFamily="34" charset="0"/>
+              </a:rPr>
+              <a:t>Prerrequisitos</a:t>
+            </a:r>
+            <a:r>
+              <a:rPr lang="en-US" sz="3200" dirty="0">
+                <a:latin typeface="Segoe UI" panose="020B0502040204020203" pitchFamily="34" charset="0"/>
+                <a:cs typeface="Segoe UI" panose="020B0502040204020203" pitchFamily="34" charset="0"/>
+              </a:rPr>
+              <a:t>:</a:t>
+            </a:r>
+          </a:p>
+          <a:p>
+            <a:r>
+              <a:rPr lang="en-US" sz="3200" dirty="0">
+                <a:latin typeface="Segoe UI" panose="020B0502040204020203" pitchFamily="34" charset="0"/>
+                <a:cs typeface="Segoe UI" panose="020B0502040204020203" pitchFamily="34" charset="0"/>
+              </a:rPr>
+              <a:t>VS Code</a:t>
+            </a:r>
+          </a:p>
+          <a:p>
+            <a:r>
+              <a:rPr lang="en-US" sz="3200" dirty="0">
+                <a:latin typeface="Segoe UI" panose="020B0502040204020203" pitchFamily="34" charset="0"/>
+                <a:cs typeface="Segoe UI" panose="020B0502040204020203" pitchFamily="34" charset="0"/>
+              </a:rPr>
+              <a:t>.NET</a:t>
+            </a:r>
+          </a:p>
+          <a:p>
+            <a:r>
+              <a:rPr lang="en-US" sz="3200" dirty="0">
+                <a:latin typeface="Segoe UI" panose="020B0502040204020203" pitchFamily="34" charset="0"/>
+                <a:cs typeface="Segoe UI" panose="020B0502040204020203" pitchFamily="34" charset="0"/>
+              </a:rPr>
+              <a:t>Node.js</a:t>
+            </a:r>
+          </a:p>
+          <a:p>
+            <a:pPr marL="0" indent="0">
+              <a:buNone/>
+            </a:pPr>
+            <a:endParaRPr lang="en-US" sz="3200" dirty="0">
+              <a:latin typeface="Segoe UI" panose="020B0502040204020203" pitchFamily="34" charset="0"/>
+              <a:cs typeface="Segoe UI" panose="020B0502040204020203" pitchFamily="34" charset="0"/>
+            </a:endParaRPr>
+          </a:p>
+          <a:p>
+            <a:pPr marL="0" indent="0">
+              <a:buNone/>
+            </a:pPr>
+            <a:r>
+              <a:rPr lang="en-US" sz="3200" dirty="0">
+                <a:latin typeface="Segoe UI" panose="020B0502040204020203" pitchFamily="34" charset="0"/>
+                <a:cs typeface="Segoe UI" panose="020B0502040204020203" pitchFamily="34" charset="0"/>
+              </a:rPr>
+              <a:t>Pasos:</a:t>
+            </a:r>
+          </a:p>
+          <a:p>
+            <a:pPr marL="514350" indent="-514350">
+              <a:buFont typeface="+mj-lt"/>
+              <a:buAutoNum type="arabicPeriod"/>
+            </a:pPr>
+            <a:r>
+              <a:rPr lang="en-US" sz="3200" dirty="0">
+                <a:latin typeface="Segoe UI" panose="020B0502040204020203" pitchFamily="34" charset="0"/>
+                <a:cs typeface="Segoe UI" panose="020B0502040204020203" pitchFamily="34" charset="0"/>
+              </a:rPr>
+              <a:t>Crear </a:t>
+            </a:r>
+            <a:r>
+              <a:rPr lang="en-US" sz="3200" dirty="0" err="1">
+                <a:latin typeface="Segoe UI" panose="020B0502040204020203" pitchFamily="34" charset="0"/>
+                <a:cs typeface="Segoe UI" panose="020B0502040204020203" pitchFamily="34" charset="0"/>
+              </a:rPr>
+              <a:t>una</a:t>
+            </a:r>
+            <a:r>
+              <a:rPr lang="en-US" sz="3200" dirty="0">
+                <a:latin typeface="Segoe UI" panose="020B0502040204020203" pitchFamily="34" charset="0"/>
+                <a:cs typeface="Segoe UI" panose="020B0502040204020203" pitchFamily="34" charset="0"/>
+              </a:rPr>
+              <a:t> </a:t>
+            </a:r>
+            <a:r>
+              <a:rPr lang="en-US" sz="3200" dirty="0" err="1">
+                <a:latin typeface="Segoe UI" panose="020B0502040204020203" pitchFamily="34" charset="0"/>
+                <a:cs typeface="Segoe UI" panose="020B0502040204020203" pitchFamily="34" charset="0"/>
+              </a:rPr>
+              <a:t>aplicación</a:t>
+            </a:r>
+            <a:r>
+              <a:rPr lang="en-US" sz="3200" dirty="0">
+                <a:latin typeface="Segoe UI" panose="020B0502040204020203" pitchFamily="34" charset="0"/>
+                <a:cs typeface="Segoe UI" panose="020B0502040204020203" pitchFamily="34" charset="0"/>
+              </a:rPr>
+              <a:t> de </a:t>
+            </a:r>
+            <a:r>
+              <a:rPr lang="en-US" sz="3200" dirty="0" err="1">
+                <a:latin typeface="Segoe UI" panose="020B0502040204020203" pitchFamily="34" charset="0"/>
+                <a:cs typeface="Segoe UI" panose="020B0502040204020203" pitchFamily="34" charset="0"/>
+              </a:rPr>
+              <a:t>consola</a:t>
+            </a:r>
+            <a:r>
+              <a:rPr lang="en-US" sz="3200" dirty="0">
+                <a:latin typeface="Segoe UI" panose="020B0502040204020203" pitchFamily="34" charset="0"/>
+                <a:cs typeface="Segoe UI" panose="020B0502040204020203" pitchFamily="34" charset="0"/>
+              </a:rPr>
+              <a:t> .NET.</a:t>
+            </a:r>
+          </a:p>
+          <a:p>
+            <a:pPr marL="514350" indent="-514350">
+              <a:buFont typeface="+mj-lt"/>
+              <a:buAutoNum type="arabicPeriod"/>
+            </a:pPr>
+            <a:r>
+              <a:rPr lang="en-US" sz="3200" dirty="0" err="1">
+                <a:latin typeface="Segoe UI" panose="020B0502040204020203" pitchFamily="34" charset="0"/>
+                <a:cs typeface="Segoe UI" panose="020B0502040204020203" pitchFamily="34" charset="0"/>
+              </a:rPr>
+              <a:t>Agregar</a:t>
+            </a:r>
+            <a:r>
+              <a:rPr lang="en-US" sz="3200" dirty="0">
+                <a:latin typeface="Segoe UI" panose="020B0502040204020203" pitchFamily="34" charset="0"/>
+                <a:cs typeface="Segoe UI" panose="020B0502040204020203" pitchFamily="34" charset="0"/>
+              </a:rPr>
+              <a:t> </a:t>
+            </a:r>
+            <a:r>
+              <a:rPr lang="en-US" sz="3200" dirty="0" err="1">
+                <a:latin typeface="Segoe UI" panose="020B0502040204020203" pitchFamily="34" charset="0"/>
+                <a:cs typeface="Segoe UI" panose="020B0502040204020203" pitchFamily="34" charset="0"/>
+              </a:rPr>
+              <a:t>el</a:t>
+            </a:r>
+            <a:r>
+              <a:rPr lang="en-US" sz="3200" dirty="0">
+                <a:latin typeface="Segoe UI" panose="020B0502040204020203" pitchFamily="34" charset="0"/>
+                <a:cs typeface="Segoe UI" panose="020B0502040204020203" pitchFamily="34" charset="0"/>
+              </a:rPr>
+              <a:t> </a:t>
+            </a:r>
+            <a:r>
+              <a:rPr lang="en-US" sz="3200" dirty="0" err="1">
+                <a:latin typeface="Segoe UI" panose="020B0502040204020203" pitchFamily="34" charset="0"/>
+                <a:cs typeface="Segoe UI" panose="020B0502040204020203" pitchFamily="34" charset="0"/>
+              </a:rPr>
+              <a:t>paquete</a:t>
+            </a:r>
+            <a:r>
+              <a:rPr lang="en-US" sz="3200" dirty="0">
+                <a:latin typeface="Segoe UI" panose="020B0502040204020203" pitchFamily="34" charset="0"/>
+                <a:cs typeface="Segoe UI" panose="020B0502040204020203" pitchFamily="34" charset="0"/>
+              </a:rPr>
+              <a:t> NuGet </a:t>
+            </a:r>
+            <a:r>
+              <a:rPr lang="en-US" sz="3200" dirty="0" err="1">
+                <a:latin typeface="Segoe UI" panose="020B0502040204020203" pitchFamily="34" charset="0"/>
+                <a:cs typeface="Segoe UI" panose="020B0502040204020203" pitchFamily="34" charset="0"/>
+              </a:rPr>
+              <a:t>ModelContextProtocol</a:t>
+            </a:r>
+            <a:r>
+              <a:rPr lang="en-US" sz="3200" dirty="0">
+                <a:latin typeface="Segoe UI" panose="020B0502040204020203" pitchFamily="34" charset="0"/>
+                <a:cs typeface="Segoe UI" panose="020B0502040204020203" pitchFamily="34" charset="0"/>
+              </a:rPr>
+              <a:t> </a:t>
+            </a:r>
+            <a:r>
+              <a:rPr lang="en-US" sz="3200" dirty="0">
+                <a:latin typeface="Segoe UI" panose="020B0502040204020203" pitchFamily="34" charset="0"/>
+                <a:cs typeface="Segoe UI" panose="020B0502040204020203" pitchFamily="34" charset="0"/>
+                <a:hlinkClick r:id="rId2"/>
+              </a:rPr>
+              <a:t>https://www.nuget.org/packages/ModelContextProtocol</a:t>
+            </a:r>
+            <a:endParaRPr lang="en-US" sz="3200" dirty="0">
+              <a:latin typeface="Segoe UI" panose="020B0502040204020203" pitchFamily="34" charset="0"/>
+              <a:cs typeface="Segoe UI" panose="020B0502040204020203" pitchFamily="34" charset="0"/>
+            </a:endParaRPr>
+          </a:p>
+          <a:p>
+            <a:pPr marL="514350" indent="-514350">
+              <a:buFont typeface="+mj-lt"/>
+              <a:buAutoNum type="arabicPeriod"/>
+            </a:pPr>
+            <a:r>
+              <a:rPr lang="en-US" sz="3200" dirty="0" err="1">
+                <a:latin typeface="Segoe UI" panose="020B0502040204020203" pitchFamily="34" charset="0"/>
+                <a:cs typeface="Segoe UI" panose="020B0502040204020203" pitchFamily="34" charset="0"/>
+              </a:rPr>
+              <a:t>Implementar</a:t>
+            </a:r>
+            <a:r>
+              <a:rPr lang="en-US" sz="3200" dirty="0">
+                <a:latin typeface="Segoe UI" panose="020B0502040204020203" pitchFamily="34" charset="0"/>
+                <a:cs typeface="Segoe UI" panose="020B0502040204020203" pitchFamily="34" charset="0"/>
+              </a:rPr>
+              <a:t> la </a:t>
+            </a:r>
+            <a:r>
+              <a:rPr lang="en-US" sz="3200" dirty="0" err="1">
+                <a:latin typeface="Segoe UI" panose="020B0502040204020203" pitchFamily="34" charset="0"/>
+                <a:cs typeface="Segoe UI" panose="020B0502040204020203" pitchFamily="34" charset="0"/>
+              </a:rPr>
+              <a:t>lógica</a:t>
+            </a:r>
+            <a:r>
+              <a:rPr lang="en-US" sz="3200" dirty="0">
+                <a:latin typeface="Segoe UI" panose="020B0502040204020203" pitchFamily="34" charset="0"/>
+                <a:cs typeface="Segoe UI" panose="020B0502040204020203" pitchFamily="34" charset="0"/>
+              </a:rPr>
+              <a:t> de la </a:t>
+            </a:r>
+            <a:r>
+              <a:rPr lang="en-US" sz="3200" dirty="0" err="1">
+                <a:latin typeface="Segoe UI" panose="020B0502040204020203" pitchFamily="34" charset="0"/>
+                <a:cs typeface="Segoe UI" panose="020B0502040204020203" pitchFamily="34" charset="0"/>
+              </a:rPr>
+              <a:t>herramienta</a:t>
+            </a:r>
+            <a:r>
+              <a:rPr lang="en-US" sz="3200" dirty="0">
+                <a:latin typeface="Segoe UI" panose="020B0502040204020203" pitchFamily="34" charset="0"/>
+                <a:cs typeface="Segoe UI" panose="020B0502040204020203" pitchFamily="34" charset="0"/>
+              </a:rPr>
+              <a:t> para </a:t>
+            </a:r>
+            <a:r>
+              <a:rPr lang="en-US" sz="3200" dirty="0" err="1">
+                <a:latin typeface="Segoe UI" panose="020B0502040204020203" pitchFamily="34" charset="0"/>
+                <a:cs typeface="Segoe UI" panose="020B0502040204020203" pitchFamily="34" charset="0"/>
+              </a:rPr>
+              <a:t>el</a:t>
+            </a:r>
+            <a:r>
+              <a:rPr lang="en-US" sz="3200" dirty="0">
+                <a:latin typeface="Segoe UI" panose="020B0502040204020203" pitchFamily="34" charset="0"/>
+                <a:cs typeface="Segoe UI" panose="020B0502040204020203" pitchFamily="34" charset="0"/>
+              </a:rPr>
+              <a:t> </a:t>
+            </a:r>
+            <a:r>
+              <a:rPr lang="en-US" sz="3200" dirty="0" err="1">
+                <a:latin typeface="Segoe UI" panose="020B0502040204020203" pitchFamily="34" charset="0"/>
+                <a:cs typeface="Segoe UI" panose="020B0502040204020203" pitchFamily="34" charset="0"/>
+              </a:rPr>
+              <a:t>servidor</a:t>
+            </a:r>
+            <a:r>
+              <a:rPr lang="en-US" sz="3200" dirty="0">
+                <a:latin typeface="Segoe UI" panose="020B0502040204020203" pitchFamily="34" charset="0"/>
+                <a:cs typeface="Segoe UI" panose="020B0502040204020203" pitchFamily="34" charset="0"/>
+              </a:rPr>
+              <a:t> MCP</a:t>
+            </a:r>
+          </a:p>
+          <a:p>
+            <a:pPr marL="514350" indent="-514350">
+              <a:buFont typeface="+mj-lt"/>
+              <a:buAutoNum type="arabicPeriod"/>
+            </a:pPr>
+            <a:r>
+              <a:rPr lang="en-US" sz="3200" dirty="0" err="1">
+                <a:latin typeface="Segoe UI" panose="020B0502040204020203" pitchFamily="34" charset="0"/>
+                <a:cs typeface="Segoe UI" panose="020B0502040204020203" pitchFamily="34" charset="0"/>
+              </a:rPr>
+              <a:t>Depurar</a:t>
+            </a:r>
+            <a:r>
+              <a:rPr lang="en-US" sz="3200" dirty="0">
+                <a:latin typeface="Segoe UI" panose="020B0502040204020203" pitchFamily="34" charset="0"/>
+                <a:cs typeface="Segoe UI" panose="020B0502040204020203" pitchFamily="34" charset="0"/>
+              </a:rPr>
+              <a:t>/</a:t>
+            </a:r>
+            <a:r>
+              <a:rPr lang="en-US" sz="3200" dirty="0" err="1">
+                <a:latin typeface="Segoe UI" panose="020B0502040204020203" pitchFamily="34" charset="0"/>
+                <a:cs typeface="Segoe UI" panose="020B0502040204020203" pitchFamily="34" charset="0"/>
+              </a:rPr>
+              <a:t>probar</a:t>
+            </a:r>
+            <a:r>
+              <a:rPr lang="en-US" sz="3200" dirty="0">
+                <a:latin typeface="Segoe UI" panose="020B0502040204020203" pitchFamily="34" charset="0"/>
+                <a:cs typeface="Segoe UI" panose="020B0502040204020203" pitchFamily="34" charset="0"/>
+              </a:rPr>
+              <a:t> </a:t>
+            </a:r>
+            <a:r>
+              <a:rPr lang="en-US" sz="3200" dirty="0" err="1">
+                <a:latin typeface="Segoe UI" panose="020B0502040204020203" pitchFamily="34" charset="0"/>
+                <a:cs typeface="Segoe UI" panose="020B0502040204020203" pitchFamily="34" charset="0"/>
+              </a:rPr>
+              <a:t>el</a:t>
+            </a:r>
+            <a:r>
+              <a:rPr lang="en-US" sz="3200" dirty="0">
+                <a:latin typeface="Segoe UI" panose="020B0502040204020203" pitchFamily="34" charset="0"/>
+                <a:cs typeface="Segoe UI" panose="020B0502040204020203" pitchFamily="34" charset="0"/>
+              </a:rPr>
+              <a:t> </a:t>
+            </a:r>
+            <a:r>
+              <a:rPr lang="en-US" sz="3200" dirty="0" err="1">
+                <a:latin typeface="Segoe UI" panose="020B0502040204020203" pitchFamily="34" charset="0"/>
+                <a:cs typeface="Segoe UI" panose="020B0502040204020203" pitchFamily="34" charset="0"/>
+              </a:rPr>
+              <a:t>servidor</a:t>
+            </a:r>
+            <a:r>
+              <a:rPr lang="en-US" sz="3200" dirty="0">
+                <a:latin typeface="Segoe UI" panose="020B0502040204020203" pitchFamily="34" charset="0"/>
+                <a:cs typeface="Segoe UI" panose="020B0502040204020203" pitchFamily="34" charset="0"/>
+              </a:rPr>
+              <a:t> MCP </a:t>
+            </a:r>
+            <a:r>
+              <a:rPr lang="en-US" sz="3200" dirty="0" err="1">
+                <a:latin typeface="Segoe UI" panose="020B0502040204020203" pitchFamily="34" charset="0"/>
+                <a:cs typeface="Segoe UI" panose="020B0502040204020203" pitchFamily="34" charset="0"/>
+              </a:rPr>
+              <a:t>en</a:t>
+            </a:r>
+            <a:r>
+              <a:rPr lang="en-US" sz="3200" dirty="0">
+                <a:latin typeface="Segoe UI" panose="020B0502040204020203" pitchFamily="34" charset="0"/>
+                <a:cs typeface="Segoe UI" panose="020B0502040204020203" pitchFamily="34" charset="0"/>
+              </a:rPr>
+              <a:t> </a:t>
+            </a:r>
+            <a:r>
+              <a:rPr lang="en-US" sz="3200" dirty="0" err="1">
+                <a:latin typeface="Segoe UI" panose="020B0502040204020203" pitchFamily="34" charset="0"/>
+                <a:cs typeface="Segoe UI" panose="020B0502040204020203" pitchFamily="34" charset="0"/>
+              </a:rPr>
+              <a:t>el</a:t>
+            </a:r>
+            <a:r>
+              <a:rPr lang="en-US" sz="3200" dirty="0">
+                <a:latin typeface="Segoe UI" panose="020B0502040204020203" pitchFamily="34" charset="0"/>
+                <a:cs typeface="Segoe UI" panose="020B0502040204020203" pitchFamily="34" charset="0"/>
+              </a:rPr>
+              <a:t> Inspector MCP</a:t>
+            </a:r>
+          </a:p>
+          <a:p>
+            <a:pPr marL="514350" indent="-514350">
+              <a:buFont typeface="+mj-lt"/>
+              <a:buAutoNum type="arabicPeriod"/>
+            </a:pPr>
+            <a:r>
+              <a:rPr lang="en-US" sz="3200" dirty="0" err="1">
+                <a:latin typeface="Segoe UI" panose="020B0502040204020203" pitchFamily="34" charset="0"/>
+                <a:cs typeface="Segoe UI" panose="020B0502040204020203" pitchFamily="34" charset="0"/>
+              </a:rPr>
+              <a:t>Ejecutar</a:t>
+            </a:r>
+            <a:r>
+              <a:rPr lang="en-US" sz="3200" dirty="0">
+                <a:latin typeface="Segoe UI" panose="020B0502040204020203" pitchFamily="34" charset="0"/>
+                <a:cs typeface="Segoe UI" panose="020B0502040204020203" pitchFamily="34" charset="0"/>
+              </a:rPr>
+              <a:t> </a:t>
+            </a:r>
+            <a:r>
+              <a:rPr lang="en-US" sz="3200" dirty="0" err="1">
+                <a:latin typeface="Segoe UI" panose="020B0502040204020203" pitchFamily="34" charset="0"/>
+                <a:cs typeface="Segoe UI" panose="020B0502040204020203" pitchFamily="34" charset="0"/>
+              </a:rPr>
+              <a:t>el</a:t>
+            </a:r>
+            <a:r>
+              <a:rPr lang="en-US" sz="3200" dirty="0">
+                <a:latin typeface="Segoe UI" panose="020B0502040204020203" pitchFamily="34" charset="0"/>
+                <a:cs typeface="Segoe UI" panose="020B0502040204020203" pitchFamily="34" charset="0"/>
+              </a:rPr>
+              <a:t> </a:t>
+            </a:r>
+            <a:r>
+              <a:rPr lang="en-US" sz="3200" dirty="0" err="1">
+                <a:latin typeface="Segoe UI" panose="020B0502040204020203" pitchFamily="34" charset="0"/>
+                <a:cs typeface="Segoe UI" panose="020B0502040204020203" pitchFamily="34" charset="0"/>
+              </a:rPr>
+              <a:t>servidor</a:t>
+            </a:r>
+            <a:r>
+              <a:rPr lang="en-US" sz="3200" dirty="0">
+                <a:latin typeface="Segoe UI" panose="020B0502040204020203" pitchFamily="34" charset="0"/>
+                <a:cs typeface="Segoe UI" panose="020B0502040204020203" pitchFamily="34" charset="0"/>
+              </a:rPr>
+              <a:t> MCP </a:t>
+            </a:r>
+            <a:r>
+              <a:rPr lang="en-US" sz="3200" dirty="0" err="1">
+                <a:latin typeface="Segoe UI" panose="020B0502040204020203" pitchFamily="34" charset="0"/>
+                <a:cs typeface="Segoe UI" panose="020B0502040204020203" pitchFamily="34" charset="0"/>
+              </a:rPr>
+              <a:t>en</a:t>
+            </a:r>
+            <a:r>
+              <a:rPr lang="en-US" sz="3200" dirty="0">
+                <a:latin typeface="Segoe UI" panose="020B0502040204020203" pitchFamily="34" charset="0"/>
+                <a:cs typeface="Segoe UI" panose="020B0502040204020203" pitchFamily="34" charset="0"/>
+              </a:rPr>
+              <a:t> </a:t>
+            </a:r>
+            <a:r>
+              <a:rPr lang="en-US" sz="3200" dirty="0" err="1">
+                <a:latin typeface="Segoe UI" panose="020B0502040204020203" pitchFamily="34" charset="0"/>
+                <a:cs typeface="Segoe UI" panose="020B0502040204020203" pitchFamily="34" charset="0"/>
+              </a:rPr>
+              <a:t>el</a:t>
+            </a:r>
+            <a:r>
+              <a:rPr lang="en-US" sz="3200" dirty="0">
+                <a:latin typeface="Segoe UI" panose="020B0502040204020203" pitchFamily="34" charset="0"/>
+                <a:cs typeface="Segoe UI" panose="020B0502040204020203" pitchFamily="34" charset="0"/>
+              </a:rPr>
+              <a:t> modo </a:t>
+            </a:r>
+            <a:r>
+              <a:rPr lang="en-US" sz="3200" dirty="0" err="1">
+                <a:latin typeface="Segoe UI" panose="020B0502040204020203" pitchFamily="34" charset="0"/>
+                <a:cs typeface="Segoe UI" panose="020B0502040204020203" pitchFamily="34" charset="0"/>
+              </a:rPr>
+              <a:t>Agente</a:t>
+            </a:r>
+            <a:r>
+              <a:rPr lang="en-US" sz="3200" dirty="0">
+                <a:latin typeface="Segoe UI" panose="020B0502040204020203" pitchFamily="34" charset="0"/>
+                <a:cs typeface="Segoe UI" panose="020B0502040204020203" pitchFamily="34" charset="0"/>
+              </a:rPr>
+              <a:t> de VS Code</a:t>
+            </a:r>
+          </a:p>
+        </p:txBody>
+      </p:sp>
+    </p:spTree>
+    <p:extLst>
+      <p:ext uri="{BB962C8B-B14F-4D97-AF65-F5344CB8AC3E}">
+        <p14:creationId xmlns:p14="http://schemas.microsoft.com/office/powerpoint/2010/main" val="3924080596"/>
+      </p:ext>
+    </p:extLst>
+  </p:cSld>
+  <p:clrMapOvr>
+    <a:masterClrMapping/>
+  </p:clrMapOvr>
+</p:sld>
+</file>
+
+<file path=ppt/slides/slide31.xml><?xml version="1.0" encoding="utf-8"?>
+<p:sld xmlns:a="http://schemas.openxmlformats.org/drawingml/2006/main" xmlns:r="http://schemas.openxmlformats.org/officeDocument/2006/relationships" xmlns:p="http://schemas.openxmlformats.org/presentationml/2006/main">
+  <p:cSld>
+    <p:bg>
+      <p:bgPr>
+        <a:solidFill>
+          <a:srgbClr val="7030A0"/>
+        </a:solidFill>
+        <a:effectLst/>
+      </p:bgPr>
+    </p:bg>
+    <p:spTree>
+      <p:nvGrpSpPr>
+        <p:cNvPr id="1" name="">
+          <a:extLst>
+            <a:ext uri="{FF2B5EF4-FFF2-40B4-BE49-F238E27FC236}">
+              <a16:creationId xmlns:a16="http://schemas.microsoft.com/office/drawing/2014/main" id="{97812C15-A973-79A4-24D5-C82BE6A3978B}"/>
+            </a:ext>
+          </a:extLst>
+        </p:cNvPr>
+        <p:cNvGrpSpPr/>
+        <p:nvPr/>
+      </p:nvGrpSpPr>
+      <p:grpSpPr>
+        <a:xfrm>
+          <a:off x="0" y="0"/>
+          <a:ext cx="0" cy="0"/>
+          <a:chOff x="0" y="0"/>
+          <a:chExt cx="0" cy="0"/>
+        </a:xfrm>
+      </p:grpSpPr>
+      <p:sp>
+        <p:nvSpPr>
+          <p:cNvPr id="2" name="Title 1">
+            <a:extLst>
+              <a:ext uri="{FF2B5EF4-FFF2-40B4-BE49-F238E27FC236}">
+                <a16:creationId xmlns:a16="http://schemas.microsoft.com/office/drawing/2014/main" id="{4EBC4D54-D37C-2139-6026-7466D3ECFF6A}"/>
+              </a:ext>
+            </a:extLst>
+          </p:cNvPr>
+          <p:cNvSpPr>
+            <a:spLocks noGrp="1"/>
+          </p:cNvSpPr>
+          <p:nvPr>
+            <p:ph type="title"/>
+          </p:nvPr>
+        </p:nvSpPr>
+        <p:spPr>
+          <a:xfrm>
+            <a:off x="3043403" y="1924319"/>
+            <a:ext cx="6105194" cy="3009362"/>
+          </a:xfrm>
+        </p:spPr>
+        <p:txBody>
+          <a:bodyPr vert="horz" lIns="91440" tIns="45720" rIns="91440" bIns="45720" rtlCol="0" anchor="b">
+            <a:normAutofit/>
+          </a:bodyPr>
+          <a:lstStyle/>
+          <a:p>
+            <a:r>
+              <a:rPr lang="en-US" altLang="zh-CN" sz="6000" b="1" dirty="0">
+                <a:solidFill>
+                  <a:srgbClr val="FFFFFF"/>
+                </a:solidFill>
+              </a:rPr>
+              <a:t>DEMO:</a:t>
+            </a:r>
+            <a:br>
+              <a:rPr lang="en-US" altLang="zh-CN" sz="6000" dirty="0">
+                <a:solidFill>
+                  <a:srgbClr val="FFFFFF"/>
+                </a:solidFill>
+              </a:rPr>
+            </a:br>
+            <a:r>
+              <a:rPr lang="en-US" altLang="zh-CN" sz="6000" dirty="0">
+                <a:solidFill>
+                  <a:srgbClr val="FFFFFF"/>
+                </a:solidFill>
+              </a:rPr>
+              <a:t>Creando un </a:t>
+            </a:r>
+            <a:r>
+              <a:rPr lang="en-US" altLang="zh-CN" sz="6000" dirty="0" err="1">
+                <a:solidFill>
+                  <a:srgbClr val="FFFFFF"/>
+                </a:solidFill>
+              </a:rPr>
+              <a:t>servidor</a:t>
+            </a:r>
+            <a:r>
+              <a:rPr lang="en-US" altLang="zh-CN" sz="6000" dirty="0">
+                <a:solidFill>
+                  <a:srgbClr val="FFFFFF"/>
+                </a:solidFill>
+              </a:rPr>
+              <a:t> MCP</a:t>
+            </a:r>
+          </a:p>
+        </p:txBody>
+      </p:sp>
+    </p:spTree>
+    <p:extLst>
+      <p:ext uri="{BB962C8B-B14F-4D97-AF65-F5344CB8AC3E}">
+        <p14:creationId xmlns:p14="http://schemas.microsoft.com/office/powerpoint/2010/main" val="2438791148"/>
+      </p:ext>
+    </p:extLst>
+  </p:cSld>
+  <p:clrMapOvr>
+    <a:masterClrMapping/>
+  </p:clrMapOvr>
+</p:sld>
+</file>
+
+<file path=ppt/slides/slide32.xml><?xml version="1.0" encoding="utf-8"?>
+<p:sld xmlns:a="http://schemas.openxmlformats.org/drawingml/2006/main" xmlns:r="http://schemas.openxmlformats.org/officeDocument/2006/relationships" xmlns:p="http://schemas.openxmlformats.org/presentationml/2006/main">
+  <p:cSld>
+    <p:spTree>
+      <p:nvGrpSpPr>
+        <p:cNvPr id="1" name="">
+          <a:extLst>
+            <a:ext uri="{FF2B5EF4-FFF2-40B4-BE49-F238E27FC236}">
+              <a16:creationId xmlns:a16="http://schemas.microsoft.com/office/drawing/2014/main" id="{B191C2AF-38EC-D293-6EC1-978B6F3B6F93}"/>
+            </a:ext>
+          </a:extLst>
+        </p:cNvPr>
+        <p:cNvGrpSpPr/>
+        <p:nvPr/>
+      </p:nvGrpSpPr>
+      <p:grpSpPr>
+        <a:xfrm>
+          <a:off x="0" y="0"/>
+          <a:ext cx="0" cy="0"/>
+          <a:chOff x="0" y="0"/>
+          <a:chExt cx="0" cy="0"/>
+        </a:xfrm>
+      </p:grpSpPr>
+      <p:sp>
+        <p:nvSpPr>
+          <p:cNvPr id="2" name="Title 1">
+            <a:extLst>
+              <a:ext uri="{FF2B5EF4-FFF2-40B4-BE49-F238E27FC236}">
+                <a16:creationId xmlns:a16="http://schemas.microsoft.com/office/drawing/2014/main" id="{406F8928-F099-B01E-D6E1-9D83237A0FE8}"/>
+              </a:ext>
+            </a:extLst>
+          </p:cNvPr>
+          <p:cNvSpPr>
+            <a:spLocks noGrp="1"/>
+          </p:cNvSpPr>
+          <p:nvPr>
+            <p:ph type="title"/>
+          </p:nvPr>
+        </p:nvSpPr>
+        <p:spPr/>
+        <p:txBody>
+          <a:bodyPr/>
+          <a:lstStyle/>
+          <a:p>
+            <a:r>
+              <a:rPr lang="en-US" altLang="zh-CN" dirty="0" err="1">
+                <a:solidFill>
+                  <a:schemeClr val="accent2"/>
+                </a:solidFill>
+              </a:rPr>
+              <a:t>Inciando</a:t>
+            </a:r>
+            <a:r>
+              <a:rPr lang="en-US" altLang="zh-CN" dirty="0">
+                <a:solidFill>
+                  <a:schemeClr val="accent2"/>
+                </a:solidFill>
+              </a:rPr>
+              <a:t> </a:t>
+            </a:r>
+            <a:r>
+              <a:rPr lang="en-US" altLang="zh-CN" dirty="0" err="1">
+                <a:solidFill>
+                  <a:schemeClr val="accent2"/>
+                </a:solidFill>
+              </a:rPr>
+              <a:t>nuestro</a:t>
+            </a:r>
+            <a:r>
+              <a:rPr lang="en-US" altLang="zh-CN" dirty="0">
+                <a:solidFill>
+                  <a:schemeClr val="accent2"/>
+                </a:solidFill>
+              </a:rPr>
+              <a:t> </a:t>
+            </a:r>
+            <a:r>
+              <a:rPr lang="en-US" altLang="zh-CN" dirty="0" err="1">
+                <a:solidFill>
+                  <a:schemeClr val="accent2"/>
+                </a:solidFill>
+              </a:rPr>
+              <a:t>servidor</a:t>
+            </a:r>
+            <a:endParaRPr lang="en-US" dirty="0">
+              <a:solidFill>
+                <a:schemeClr val="accent2"/>
+              </a:solidFill>
+            </a:endParaRPr>
+          </a:p>
+        </p:txBody>
+      </p:sp>
+      <p:sp>
+        <p:nvSpPr>
+          <p:cNvPr id="3" name="Content Placeholder 2">
+            <a:extLst>
+              <a:ext uri="{FF2B5EF4-FFF2-40B4-BE49-F238E27FC236}">
+                <a16:creationId xmlns:a16="http://schemas.microsoft.com/office/drawing/2014/main" id="{D6AD6F63-95EE-DDDE-3046-906D03D50310}"/>
+              </a:ext>
+            </a:extLst>
+          </p:cNvPr>
+          <p:cNvSpPr>
+            <a:spLocks noGrp="1"/>
+          </p:cNvSpPr>
+          <p:nvPr>
+            <p:ph idx="1"/>
+          </p:nvPr>
+        </p:nvSpPr>
+        <p:spPr>
+          <a:xfrm>
+            <a:off x="269241" y="1189179"/>
+            <a:ext cx="11653521" cy="1507368"/>
+          </a:xfrm>
+        </p:spPr>
+        <p:txBody>
+          <a:bodyPr>
+            <a:normAutofit fontScale="92500" lnSpcReduction="20000"/>
+          </a:bodyPr>
+          <a:lstStyle/>
+          <a:p>
+            <a:pPr marL="0" indent="0">
+              <a:buNone/>
+            </a:pPr>
+            <a:r>
+              <a:rPr lang="es-ES" sz="3000" dirty="0">
+                <a:latin typeface="Segoe UI" panose="020B0502040204020203" pitchFamily="34" charset="0"/>
+                <a:cs typeface="Segoe UI" panose="020B0502040204020203" pitchFamily="34" charset="0"/>
+              </a:rPr>
+              <a:t>Hay que actualizar la clase </a:t>
+            </a:r>
+            <a:r>
+              <a:rPr lang="es-ES" sz="3000" dirty="0" err="1">
+                <a:latin typeface="Segoe UI" panose="020B0502040204020203" pitchFamily="34" charset="0"/>
+                <a:cs typeface="Segoe UI" panose="020B0502040204020203" pitchFamily="34" charset="0"/>
+              </a:rPr>
+              <a:t>Program.cs</a:t>
+            </a:r>
+            <a:r>
+              <a:rPr lang="es-ES" sz="3000" dirty="0">
+                <a:latin typeface="Segoe UI" panose="020B0502040204020203" pitchFamily="34" charset="0"/>
+                <a:cs typeface="Segoe UI" panose="020B0502040204020203" pitchFamily="34" charset="0"/>
+              </a:rPr>
+              <a:t> con algunos andamiajes básicos para crear el servidor MCP, configurar el transporte del servidor estándar e indicarle al servidor que busque herramientas (o API disponibles) en el ensamblaje en ejecución.</a:t>
+            </a:r>
+            <a:endParaRPr lang="en-US" sz="3000" dirty="0">
+              <a:latin typeface="Segoe UI" panose="020B0502040204020203" pitchFamily="34" charset="0"/>
+              <a:cs typeface="Segoe UI" panose="020B0502040204020203" pitchFamily="34" charset="0"/>
+            </a:endParaRPr>
+          </a:p>
+        </p:txBody>
+      </p:sp>
+      <p:sp>
+        <p:nvSpPr>
+          <p:cNvPr id="11" name="CuadroTexto 10">
+            <a:extLst>
+              <a:ext uri="{FF2B5EF4-FFF2-40B4-BE49-F238E27FC236}">
+                <a16:creationId xmlns:a16="http://schemas.microsoft.com/office/drawing/2014/main" id="{1ECA041F-D370-F80A-4861-AC2A2FA2D34A}"/>
+              </a:ext>
+            </a:extLst>
+          </p:cNvPr>
+          <p:cNvSpPr txBox="1"/>
+          <p:nvPr/>
+        </p:nvSpPr>
+        <p:spPr>
+          <a:xfrm>
+            <a:off x="436205" y="2598171"/>
+            <a:ext cx="11199067" cy="3416320"/>
+          </a:xfrm>
+          <a:prstGeom prst="rect">
+            <a:avLst/>
+          </a:prstGeom>
+          <a:solidFill>
+            <a:schemeClr val="accent2"/>
+          </a:solidFill>
+        </p:spPr>
+        <p:txBody>
+          <a:bodyPr wrap="square">
+            <a:spAutoFit/>
+          </a:bodyPr>
+          <a:lstStyle/>
+          <a:p>
+            <a:r>
+              <a:rPr lang="es-ES" dirty="0" err="1">
+                <a:solidFill>
+                  <a:schemeClr val="bg1"/>
+                </a:solidFill>
+                <a:latin typeface="Consolas" panose="020B0609020204030204" pitchFamily="49" charset="0"/>
+                <a:cs typeface="Consolas" panose="020B0609020204030204" pitchFamily="49" charset="0"/>
+              </a:rPr>
+              <a:t>using</a:t>
+            </a:r>
+            <a:r>
+              <a:rPr lang="es-ES" dirty="0">
+                <a:solidFill>
+                  <a:schemeClr val="bg1"/>
+                </a:solidFill>
+                <a:latin typeface="Consolas" panose="020B0609020204030204" pitchFamily="49" charset="0"/>
+                <a:cs typeface="Consolas" panose="020B0609020204030204" pitchFamily="49" charset="0"/>
+              </a:rPr>
+              <a:t> </a:t>
+            </a:r>
+            <a:r>
+              <a:rPr lang="es-ES" dirty="0" err="1">
+                <a:solidFill>
+                  <a:schemeClr val="bg1"/>
+                </a:solidFill>
+                <a:latin typeface="Consolas" panose="020B0609020204030204" pitchFamily="49" charset="0"/>
+                <a:cs typeface="Consolas" panose="020B0609020204030204" pitchFamily="49" charset="0"/>
+              </a:rPr>
+              <a:t>Microsoft.Extensions.DependencyInjection</a:t>
+            </a:r>
+            <a:r>
+              <a:rPr lang="es-ES" dirty="0">
+                <a:solidFill>
+                  <a:schemeClr val="bg1"/>
+                </a:solidFill>
+                <a:latin typeface="Consolas" panose="020B0609020204030204" pitchFamily="49" charset="0"/>
+                <a:cs typeface="Consolas" panose="020B0609020204030204" pitchFamily="49" charset="0"/>
+              </a:rPr>
+              <a:t>;</a:t>
+            </a:r>
+          </a:p>
+          <a:p>
+            <a:r>
+              <a:rPr lang="es-ES" dirty="0" err="1">
+                <a:solidFill>
+                  <a:schemeClr val="bg1"/>
+                </a:solidFill>
+                <a:latin typeface="Consolas" panose="020B0609020204030204" pitchFamily="49" charset="0"/>
+                <a:cs typeface="Consolas" panose="020B0609020204030204" pitchFamily="49" charset="0"/>
+              </a:rPr>
+              <a:t>using</a:t>
+            </a:r>
+            <a:r>
+              <a:rPr lang="es-ES" dirty="0">
+                <a:solidFill>
+                  <a:schemeClr val="bg1"/>
+                </a:solidFill>
+                <a:latin typeface="Consolas" panose="020B0609020204030204" pitchFamily="49" charset="0"/>
+                <a:cs typeface="Consolas" panose="020B0609020204030204" pitchFamily="49" charset="0"/>
+              </a:rPr>
+              <a:t> </a:t>
+            </a:r>
+            <a:r>
+              <a:rPr lang="es-ES" dirty="0" err="1">
+                <a:solidFill>
+                  <a:schemeClr val="bg1"/>
+                </a:solidFill>
+                <a:latin typeface="Consolas" panose="020B0609020204030204" pitchFamily="49" charset="0"/>
+                <a:cs typeface="Consolas" panose="020B0609020204030204" pitchFamily="49" charset="0"/>
+              </a:rPr>
+              <a:t>Microsoft.Extensions.Hosting</a:t>
+            </a:r>
+            <a:r>
+              <a:rPr lang="es-ES" dirty="0">
+                <a:solidFill>
+                  <a:schemeClr val="bg1"/>
+                </a:solidFill>
+                <a:latin typeface="Consolas" panose="020B0609020204030204" pitchFamily="49" charset="0"/>
+                <a:cs typeface="Consolas" panose="020B0609020204030204" pitchFamily="49" charset="0"/>
+              </a:rPr>
+              <a:t>;</a:t>
+            </a:r>
+          </a:p>
+          <a:p>
+            <a:r>
+              <a:rPr lang="es-ES" dirty="0" err="1">
+                <a:solidFill>
+                  <a:schemeClr val="bg1"/>
+                </a:solidFill>
+                <a:latin typeface="Consolas" panose="020B0609020204030204" pitchFamily="49" charset="0"/>
+                <a:cs typeface="Consolas" panose="020B0609020204030204" pitchFamily="49" charset="0"/>
+              </a:rPr>
+              <a:t>using</a:t>
+            </a:r>
+            <a:r>
+              <a:rPr lang="es-ES" dirty="0">
+                <a:solidFill>
+                  <a:schemeClr val="bg1"/>
+                </a:solidFill>
+                <a:latin typeface="Consolas" panose="020B0609020204030204" pitchFamily="49" charset="0"/>
+                <a:cs typeface="Consolas" panose="020B0609020204030204" pitchFamily="49" charset="0"/>
+              </a:rPr>
+              <a:t> </a:t>
+            </a:r>
+            <a:r>
+              <a:rPr lang="es-ES" dirty="0" err="1">
+                <a:solidFill>
+                  <a:schemeClr val="bg1"/>
+                </a:solidFill>
+                <a:latin typeface="Consolas" panose="020B0609020204030204" pitchFamily="49" charset="0"/>
+                <a:cs typeface="Consolas" panose="020B0609020204030204" pitchFamily="49" charset="0"/>
+              </a:rPr>
+              <a:t>ModelContextProtocol.Server</a:t>
+            </a:r>
+            <a:r>
+              <a:rPr lang="es-ES" dirty="0">
+                <a:solidFill>
+                  <a:schemeClr val="bg1"/>
+                </a:solidFill>
+                <a:latin typeface="Consolas" panose="020B0609020204030204" pitchFamily="49" charset="0"/>
+                <a:cs typeface="Consolas" panose="020B0609020204030204" pitchFamily="49" charset="0"/>
+              </a:rPr>
+              <a:t>;</a:t>
+            </a:r>
+          </a:p>
+          <a:p>
+            <a:r>
+              <a:rPr lang="es-ES" dirty="0" err="1">
+                <a:solidFill>
+                  <a:schemeClr val="bg1"/>
+                </a:solidFill>
+                <a:latin typeface="Consolas" panose="020B0609020204030204" pitchFamily="49" charset="0"/>
+                <a:cs typeface="Consolas" panose="020B0609020204030204" pitchFamily="49" charset="0"/>
+              </a:rPr>
+              <a:t>using</a:t>
+            </a:r>
+            <a:r>
+              <a:rPr lang="es-ES" dirty="0">
+                <a:solidFill>
+                  <a:schemeClr val="bg1"/>
+                </a:solidFill>
+                <a:latin typeface="Consolas" panose="020B0609020204030204" pitchFamily="49" charset="0"/>
+                <a:cs typeface="Consolas" panose="020B0609020204030204" pitchFamily="49" charset="0"/>
+              </a:rPr>
+              <a:t> </a:t>
+            </a:r>
+            <a:r>
+              <a:rPr lang="es-ES" dirty="0" err="1">
+                <a:solidFill>
+                  <a:schemeClr val="bg1"/>
+                </a:solidFill>
+                <a:latin typeface="Consolas" panose="020B0609020204030204" pitchFamily="49" charset="0"/>
+                <a:cs typeface="Consolas" panose="020B0609020204030204" pitchFamily="49" charset="0"/>
+              </a:rPr>
+              <a:t>System.ComponentModel</a:t>
+            </a:r>
+            <a:r>
+              <a:rPr lang="es-ES" dirty="0">
+                <a:solidFill>
+                  <a:schemeClr val="bg1"/>
+                </a:solidFill>
+                <a:latin typeface="Consolas" panose="020B0609020204030204" pitchFamily="49" charset="0"/>
+                <a:cs typeface="Consolas" panose="020B0609020204030204" pitchFamily="49" charset="0"/>
+              </a:rPr>
+              <a:t>;</a:t>
+            </a:r>
+          </a:p>
+          <a:p>
+            <a:endParaRPr lang="es-ES" dirty="0">
+              <a:solidFill>
+                <a:schemeClr val="bg1"/>
+              </a:solidFill>
+              <a:latin typeface="Consolas" panose="020B0609020204030204" pitchFamily="49" charset="0"/>
+              <a:cs typeface="Consolas" panose="020B0609020204030204" pitchFamily="49" charset="0"/>
+            </a:endParaRPr>
+          </a:p>
+          <a:p>
+            <a:r>
+              <a:rPr lang="es-ES" dirty="0" err="1">
+                <a:solidFill>
+                  <a:schemeClr val="bg1"/>
+                </a:solidFill>
+                <a:latin typeface="Consolas" panose="020B0609020204030204" pitchFamily="49" charset="0"/>
+                <a:cs typeface="Consolas" panose="020B0609020204030204" pitchFamily="49" charset="0"/>
+              </a:rPr>
+              <a:t>var</a:t>
+            </a:r>
+            <a:r>
+              <a:rPr lang="es-ES" dirty="0">
+                <a:solidFill>
+                  <a:schemeClr val="bg1"/>
+                </a:solidFill>
+                <a:latin typeface="Consolas" panose="020B0609020204030204" pitchFamily="49" charset="0"/>
+                <a:cs typeface="Consolas" panose="020B0609020204030204" pitchFamily="49" charset="0"/>
+              </a:rPr>
+              <a:t> </a:t>
+            </a:r>
+            <a:r>
+              <a:rPr lang="es-ES" dirty="0" err="1">
+                <a:solidFill>
+                  <a:schemeClr val="bg1"/>
+                </a:solidFill>
+                <a:latin typeface="Consolas" panose="020B0609020204030204" pitchFamily="49" charset="0"/>
+                <a:cs typeface="Consolas" panose="020B0609020204030204" pitchFamily="49" charset="0"/>
+              </a:rPr>
+              <a:t>builder</a:t>
+            </a:r>
+            <a:r>
+              <a:rPr lang="es-ES" dirty="0">
+                <a:solidFill>
+                  <a:schemeClr val="bg1"/>
+                </a:solidFill>
+                <a:latin typeface="Consolas" panose="020B0609020204030204" pitchFamily="49" charset="0"/>
+                <a:cs typeface="Consolas" panose="020B0609020204030204" pitchFamily="49" charset="0"/>
+              </a:rPr>
+              <a:t> = </a:t>
+            </a:r>
+            <a:r>
+              <a:rPr lang="es-ES" dirty="0" err="1">
+                <a:solidFill>
+                  <a:schemeClr val="bg1"/>
+                </a:solidFill>
+                <a:latin typeface="Consolas" panose="020B0609020204030204" pitchFamily="49" charset="0"/>
+                <a:cs typeface="Consolas" panose="020B0609020204030204" pitchFamily="49" charset="0"/>
+              </a:rPr>
+              <a:t>Host.CreateEmptyApplicationBuilder</a:t>
+            </a:r>
+            <a:r>
+              <a:rPr lang="es-ES" dirty="0">
+                <a:solidFill>
+                  <a:schemeClr val="bg1"/>
+                </a:solidFill>
+                <a:latin typeface="Consolas" panose="020B0609020204030204" pitchFamily="49" charset="0"/>
+                <a:cs typeface="Consolas" panose="020B0609020204030204" pitchFamily="49" charset="0"/>
+              </a:rPr>
+              <a:t>(</a:t>
+            </a:r>
+            <a:r>
+              <a:rPr lang="es-ES" dirty="0" err="1">
+                <a:solidFill>
+                  <a:schemeClr val="bg1"/>
+                </a:solidFill>
+                <a:latin typeface="Consolas" panose="020B0609020204030204" pitchFamily="49" charset="0"/>
+                <a:cs typeface="Consolas" panose="020B0609020204030204" pitchFamily="49" charset="0"/>
+              </a:rPr>
+              <a:t>settings</a:t>
+            </a:r>
+            <a:r>
+              <a:rPr lang="es-ES" dirty="0">
+                <a:solidFill>
+                  <a:schemeClr val="bg1"/>
+                </a:solidFill>
+                <a:latin typeface="Consolas" panose="020B0609020204030204" pitchFamily="49" charset="0"/>
+                <a:cs typeface="Consolas" panose="020B0609020204030204" pitchFamily="49" charset="0"/>
+              </a:rPr>
+              <a:t>: </a:t>
+            </a:r>
+            <a:r>
+              <a:rPr lang="es-ES" dirty="0" err="1">
+                <a:solidFill>
+                  <a:schemeClr val="bg1"/>
+                </a:solidFill>
+                <a:latin typeface="Consolas" panose="020B0609020204030204" pitchFamily="49" charset="0"/>
+                <a:cs typeface="Consolas" panose="020B0609020204030204" pitchFamily="49" charset="0"/>
+              </a:rPr>
+              <a:t>null</a:t>
+            </a:r>
+            <a:r>
+              <a:rPr lang="es-ES" dirty="0">
+                <a:solidFill>
+                  <a:schemeClr val="bg1"/>
+                </a:solidFill>
+                <a:latin typeface="Consolas" panose="020B0609020204030204" pitchFamily="49" charset="0"/>
+                <a:cs typeface="Consolas" panose="020B0609020204030204" pitchFamily="49" charset="0"/>
+              </a:rPr>
+              <a:t>);</a:t>
+            </a:r>
+          </a:p>
+          <a:p>
+            <a:r>
+              <a:rPr lang="es-ES" dirty="0" err="1">
+                <a:solidFill>
+                  <a:schemeClr val="bg1"/>
+                </a:solidFill>
+                <a:latin typeface="Consolas" panose="020B0609020204030204" pitchFamily="49" charset="0"/>
+                <a:cs typeface="Consolas" panose="020B0609020204030204" pitchFamily="49" charset="0"/>
+              </a:rPr>
+              <a:t>builder.Services</a:t>
+            </a:r>
+            <a:endParaRPr lang="es-ES" dirty="0">
+              <a:solidFill>
+                <a:schemeClr val="bg1"/>
+              </a:solidFill>
+              <a:latin typeface="Consolas" panose="020B0609020204030204" pitchFamily="49" charset="0"/>
+              <a:cs typeface="Consolas" panose="020B0609020204030204" pitchFamily="49" charset="0"/>
+            </a:endParaRPr>
+          </a:p>
+          <a:p>
+            <a:r>
+              <a:rPr lang="es-ES" dirty="0">
+                <a:solidFill>
+                  <a:schemeClr val="bg1"/>
+                </a:solidFill>
+                <a:latin typeface="Consolas" panose="020B0609020204030204" pitchFamily="49" charset="0"/>
+                <a:cs typeface="Consolas" panose="020B0609020204030204" pitchFamily="49" charset="0"/>
+              </a:rPr>
+              <a:t>    .</a:t>
+            </a:r>
+            <a:r>
+              <a:rPr lang="es-ES" dirty="0" err="1">
+                <a:solidFill>
+                  <a:schemeClr val="bg1"/>
+                </a:solidFill>
+                <a:latin typeface="Consolas" panose="020B0609020204030204" pitchFamily="49" charset="0"/>
+                <a:cs typeface="Consolas" panose="020B0609020204030204" pitchFamily="49" charset="0"/>
+              </a:rPr>
+              <a:t>AddMcpServer</a:t>
+            </a:r>
+            <a:r>
+              <a:rPr lang="es-ES" dirty="0">
+                <a:solidFill>
+                  <a:schemeClr val="bg1"/>
+                </a:solidFill>
+                <a:latin typeface="Consolas" panose="020B0609020204030204" pitchFamily="49" charset="0"/>
+                <a:cs typeface="Consolas" panose="020B0609020204030204" pitchFamily="49" charset="0"/>
+              </a:rPr>
+              <a:t>()</a:t>
+            </a:r>
+          </a:p>
+          <a:p>
+            <a:r>
+              <a:rPr lang="es-ES" dirty="0">
+                <a:solidFill>
+                  <a:schemeClr val="bg1"/>
+                </a:solidFill>
+                <a:latin typeface="Consolas" panose="020B0609020204030204" pitchFamily="49" charset="0"/>
+                <a:cs typeface="Consolas" panose="020B0609020204030204" pitchFamily="49" charset="0"/>
+              </a:rPr>
+              <a:t>    .</a:t>
+            </a:r>
+            <a:r>
+              <a:rPr lang="es-ES" dirty="0" err="1">
+                <a:solidFill>
+                  <a:schemeClr val="bg1"/>
+                </a:solidFill>
+                <a:latin typeface="Consolas" panose="020B0609020204030204" pitchFamily="49" charset="0"/>
+                <a:cs typeface="Consolas" panose="020B0609020204030204" pitchFamily="49" charset="0"/>
+              </a:rPr>
+              <a:t>WithStdioServerTransport</a:t>
+            </a:r>
+            <a:r>
+              <a:rPr lang="es-ES" dirty="0">
+                <a:solidFill>
+                  <a:schemeClr val="bg1"/>
+                </a:solidFill>
+                <a:latin typeface="Consolas" panose="020B0609020204030204" pitchFamily="49" charset="0"/>
+                <a:cs typeface="Consolas" panose="020B0609020204030204" pitchFamily="49" charset="0"/>
+              </a:rPr>
+              <a:t>()</a:t>
+            </a:r>
+          </a:p>
+          <a:p>
+            <a:r>
+              <a:rPr lang="es-ES" dirty="0">
+                <a:solidFill>
+                  <a:schemeClr val="bg1"/>
+                </a:solidFill>
+                <a:latin typeface="Consolas" panose="020B0609020204030204" pitchFamily="49" charset="0"/>
+                <a:cs typeface="Consolas" panose="020B0609020204030204" pitchFamily="49" charset="0"/>
+              </a:rPr>
+              <a:t>    .</a:t>
+            </a:r>
+            <a:r>
+              <a:rPr lang="es-ES" dirty="0" err="1">
+                <a:solidFill>
+                  <a:schemeClr val="bg1"/>
+                </a:solidFill>
+                <a:latin typeface="Consolas" panose="020B0609020204030204" pitchFamily="49" charset="0"/>
+                <a:cs typeface="Consolas" panose="020B0609020204030204" pitchFamily="49" charset="0"/>
+              </a:rPr>
+              <a:t>WithToolsFromAssembly</a:t>
+            </a:r>
+            <a:r>
+              <a:rPr lang="es-ES" dirty="0">
+                <a:solidFill>
+                  <a:schemeClr val="bg1"/>
+                </a:solidFill>
+                <a:latin typeface="Consolas" panose="020B0609020204030204" pitchFamily="49" charset="0"/>
+                <a:cs typeface="Consolas" panose="020B0609020204030204" pitchFamily="49" charset="0"/>
+              </a:rPr>
+              <a:t>();</a:t>
+            </a:r>
+          </a:p>
+          <a:p>
+            <a:endParaRPr lang="es-ES" dirty="0">
+              <a:solidFill>
+                <a:schemeClr val="bg1"/>
+              </a:solidFill>
+              <a:latin typeface="Consolas" panose="020B0609020204030204" pitchFamily="49" charset="0"/>
+              <a:cs typeface="Consolas" panose="020B0609020204030204" pitchFamily="49" charset="0"/>
+            </a:endParaRPr>
+          </a:p>
+          <a:p>
+            <a:r>
+              <a:rPr lang="es-ES" dirty="0" err="1">
+                <a:solidFill>
+                  <a:schemeClr val="bg1"/>
+                </a:solidFill>
+                <a:latin typeface="Consolas" panose="020B0609020204030204" pitchFamily="49" charset="0"/>
+                <a:cs typeface="Consolas" panose="020B0609020204030204" pitchFamily="49" charset="0"/>
+              </a:rPr>
+              <a:t>await</a:t>
+            </a:r>
+            <a:r>
+              <a:rPr lang="es-ES" dirty="0">
+                <a:solidFill>
+                  <a:schemeClr val="bg1"/>
+                </a:solidFill>
+                <a:latin typeface="Consolas" panose="020B0609020204030204" pitchFamily="49" charset="0"/>
+                <a:cs typeface="Consolas" panose="020B0609020204030204" pitchFamily="49" charset="0"/>
+              </a:rPr>
+              <a:t> </a:t>
+            </a:r>
+            <a:r>
+              <a:rPr lang="es-ES" dirty="0" err="1">
+                <a:solidFill>
+                  <a:schemeClr val="bg1"/>
+                </a:solidFill>
+                <a:latin typeface="Consolas" panose="020B0609020204030204" pitchFamily="49" charset="0"/>
+                <a:cs typeface="Consolas" panose="020B0609020204030204" pitchFamily="49" charset="0"/>
+              </a:rPr>
+              <a:t>builder.Build</a:t>
+            </a:r>
+            <a:r>
+              <a:rPr lang="es-ES" dirty="0">
+                <a:solidFill>
+                  <a:schemeClr val="bg1"/>
+                </a:solidFill>
+                <a:latin typeface="Consolas" panose="020B0609020204030204" pitchFamily="49" charset="0"/>
+                <a:cs typeface="Consolas" panose="020B0609020204030204" pitchFamily="49" charset="0"/>
+              </a:rPr>
+              <a:t>().</a:t>
+            </a:r>
+            <a:r>
+              <a:rPr lang="es-ES" dirty="0" err="1">
+                <a:solidFill>
+                  <a:schemeClr val="bg1"/>
+                </a:solidFill>
+                <a:latin typeface="Consolas" panose="020B0609020204030204" pitchFamily="49" charset="0"/>
+                <a:cs typeface="Consolas" panose="020B0609020204030204" pitchFamily="49" charset="0"/>
+              </a:rPr>
+              <a:t>RunAsync</a:t>
+            </a:r>
+            <a:r>
+              <a:rPr lang="es-ES" dirty="0">
+                <a:solidFill>
+                  <a:schemeClr val="bg1"/>
+                </a:solidFill>
+                <a:latin typeface="Consolas" panose="020B0609020204030204" pitchFamily="49" charset="0"/>
+                <a:cs typeface="Consolas" panose="020B0609020204030204" pitchFamily="49" charset="0"/>
+              </a:rPr>
+              <a:t>();</a:t>
+            </a:r>
+          </a:p>
+        </p:txBody>
+      </p:sp>
+    </p:spTree>
+    <p:extLst>
+      <p:ext uri="{BB962C8B-B14F-4D97-AF65-F5344CB8AC3E}">
+        <p14:creationId xmlns:p14="http://schemas.microsoft.com/office/powerpoint/2010/main" val="3120736182"/>
+      </p:ext>
+    </p:extLst>
+  </p:cSld>
+  <p:clrMapOvr>
+    <a:masterClrMapping/>
+  </p:clrMapOvr>
+</p:sld>
+</file>
+
+<file path=ppt/slides/slide33.xml><?xml version="1.0" encoding="utf-8"?>
+<p:sld xmlns:a="http://schemas.openxmlformats.org/drawingml/2006/main" xmlns:r="http://schemas.openxmlformats.org/officeDocument/2006/relationships" xmlns:p="http://schemas.openxmlformats.org/presentationml/2006/main">
+  <p:cSld>
+    <p:spTree>
+      <p:nvGrpSpPr>
         <p:cNvPr id="1" name="">
           <a:extLst>
             <a:ext uri="{FF2B5EF4-FFF2-40B4-BE49-F238E27FC236}">
@@ -15107,7 +15524,7 @@
               <a:t>En nuestro código de inicio, </a:t>
             </a:r>
             <a:r>
-              <a:rPr lang="es-ES" sz="3000" dirty="0" err="1">
+              <a:rPr lang="es-ES" sz="3000" b="1" dirty="0" err="1">
                 <a:latin typeface="Segoe UI" panose="020B0502040204020203" pitchFamily="34" charset="0"/>
                 <a:cs typeface="Segoe UI" panose="020B0502040204020203" pitchFamily="34" charset="0"/>
               </a:rPr>
@@ -16081,7 +16498,2434 @@
 </p:sld>
 </file>
 
-<file path=ppt/slides/slide31.xml><?xml version="1.0" encoding="utf-8"?>
+<file path=ppt/slides/slide34.xml><?xml version="1.0" encoding="utf-8"?>
+<p:sld xmlns:a="http://schemas.openxmlformats.org/drawingml/2006/main" xmlns:r="http://schemas.openxmlformats.org/officeDocument/2006/relationships" xmlns:p="http://schemas.openxmlformats.org/presentationml/2006/main">
+  <p:cSld>
+    <p:spTree>
+      <p:nvGrpSpPr>
+        <p:cNvPr id="1" name="">
+          <a:extLst>
+            <a:ext uri="{FF2B5EF4-FFF2-40B4-BE49-F238E27FC236}">
+              <a16:creationId xmlns:a16="http://schemas.microsoft.com/office/drawing/2014/main" id="{9015C50B-65A9-246C-4D2D-600AFE4197A3}"/>
+            </a:ext>
+          </a:extLst>
+        </p:cNvPr>
+        <p:cNvGrpSpPr/>
+        <p:nvPr/>
+      </p:nvGrpSpPr>
+      <p:grpSpPr>
+        <a:xfrm>
+          <a:off x="0" y="0"/>
+          <a:ext cx="0" cy="0"/>
+          <a:chOff x="0" y="0"/>
+          <a:chExt cx="0" cy="0"/>
+        </a:xfrm>
+      </p:grpSpPr>
+      <p:sp>
+        <p:nvSpPr>
+          <p:cNvPr id="2" name="Title 1">
+            <a:extLst>
+              <a:ext uri="{FF2B5EF4-FFF2-40B4-BE49-F238E27FC236}">
+                <a16:creationId xmlns:a16="http://schemas.microsoft.com/office/drawing/2014/main" id="{5EF5C4D3-12BB-7243-F370-F796B4CC8B35}"/>
+              </a:ext>
+            </a:extLst>
+          </p:cNvPr>
+          <p:cNvSpPr>
+            <a:spLocks noGrp="1"/>
+          </p:cNvSpPr>
+          <p:nvPr>
+            <p:ph type="title"/>
+          </p:nvPr>
+        </p:nvSpPr>
+        <p:spPr>
+          <a:xfrm>
+            <a:off x="838200" y="139746"/>
+            <a:ext cx="10515600" cy="1057990"/>
+          </a:xfrm>
+        </p:spPr>
+        <p:txBody>
+          <a:bodyPr/>
+          <a:lstStyle/>
+          <a:p>
+            <a:r>
+              <a:rPr lang="en-US" dirty="0" err="1">
+                <a:solidFill>
+                  <a:schemeClr val="accent2"/>
+                </a:solidFill>
+              </a:rPr>
+              <a:t>Buenas</a:t>
+            </a:r>
+            <a:r>
+              <a:rPr lang="en-US" dirty="0">
+                <a:solidFill>
+                  <a:schemeClr val="accent2"/>
+                </a:solidFill>
+              </a:rPr>
+              <a:t> </a:t>
+            </a:r>
+            <a:r>
+              <a:rPr lang="en-US" dirty="0" err="1">
+                <a:solidFill>
+                  <a:schemeClr val="accent2"/>
+                </a:solidFill>
+              </a:rPr>
+              <a:t>prácticas</a:t>
+            </a:r>
+            <a:r>
+              <a:rPr lang="en-US" dirty="0">
+                <a:solidFill>
+                  <a:schemeClr val="accent2"/>
+                </a:solidFill>
+              </a:rPr>
+              <a:t> al </a:t>
+            </a:r>
+            <a:r>
+              <a:rPr lang="en-US" dirty="0" err="1">
+                <a:solidFill>
+                  <a:schemeClr val="accent2"/>
+                </a:solidFill>
+              </a:rPr>
+              <a:t>crear</a:t>
+            </a:r>
+            <a:r>
+              <a:rPr lang="en-US" dirty="0">
+                <a:solidFill>
+                  <a:schemeClr val="accent2"/>
+                </a:solidFill>
+              </a:rPr>
+              <a:t> Tools</a:t>
+            </a:r>
+          </a:p>
+        </p:txBody>
+      </p:sp>
+      <p:sp>
+        <p:nvSpPr>
+          <p:cNvPr id="3" name="Content Placeholder 2">
+            <a:extLst>
+              <a:ext uri="{FF2B5EF4-FFF2-40B4-BE49-F238E27FC236}">
+                <a16:creationId xmlns:a16="http://schemas.microsoft.com/office/drawing/2014/main" id="{8FCA378B-021E-BBB9-7447-34BCB72D2652}"/>
+              </a:ext>
+            </a:extLst>
+          </p:cNvPr>
+          <p:cNvSpPr>
+            <a:spLocks noGrp="1"/>
+          </p:cNvSpPr>
+          <p:nvPr>
+            <p:ph idx="1"/>
+          </p:nvPr>
+        </p:nvSpPr>
+        <p:spPr>
+          <a:xfrm>
+            <a:off x="838200" y="1189178"/>
+            <a:ext cx="11084562" cy="5213991"/>
+          </a:xfrm>
+        </p:spPr>
+        <p:txBody>
+          <a:bodyPr/>
+          <a:lstStyle/>
+          <a:p>
+            <a:r>
+              <a:rPr lang="en-US" sz="3600" dirty="0" err="1">
+                <a:latin typeface="Segoe UI" panose="020B0502040204020203" pitchFamily="34" charset="0"/>
+                <a:cs typeface="Segoe UI" panose="020B0502040204020203" pitchFamily="34" charset="0"/>
+              </a:rPr>
+              <a:t>Proporciona</a:t>
+            </a:r>
+            <a:r>
+              <a:rPr lang="en-US" sz="3600" dirty="0">
+                <a:latin typeface="Segoe UI" panose="020B0502040204020203" pitchFamily="34" charset="0"/>
+                <a:cs typeface="Segoe UI" panose="020B0502040204020203" pitchFamily="34" charset="0"/>
+              </a:rPr>
+              <a:t> </a:t>
+            </a:r>
+            <a:r>
+              <a:rPr lang="en-US" sz="3600" dirty="0" err="1">
+                <a:latin typeface="Segoe UI" panose="020B0502040204020203" pitchFamily="34" charset="0"/>
+                <a:cs typeface="Segoe UI" panose="020B0502040204020203" pitchFamily="34" charset="0"/>
+              </a:rPr>
+              <a:t>nombres</a:t>
+            </a:r>
+            <a:r>
+              <a:rPr lang="en-US" sz="3600" dirty="0">
+                <a:latin typeface="Segoe UI" panose="020B0502040204020203" pitchFamily="34" charset="0"/>
+                <a:cs typeface="Segoe UI" panose="020B0502040204020203" pitchFamily="34" charset="0"/>
+              </a:rPr>
+              <a:t> y </a:t>
+            </a:r>
+            <a:r>
+              <a:rPr lang="en-US" sz="3600" dirty="0" err="1">
+                <a:latin typeface="Segoe UI" panose="020B0502040204020203" pitchFamily="34" charset="0"/>
+                <a:cs typeface="Segoe UI" panose="020B0502040204020203" pitchFamily="34" charset="0"/>
+              </a:rPr>
+              <a:t>descripciones</a:t>
+            </a:r>
+            <a:r>
+              <a:rPr lang="en-US" sz="3600" dirty="0">
+                <a:latin typeface="Segoe UI" panose="020B0502040204020203" pitchFamily="34" charset="0"/>
+                <a:cs typeface="Segoe UI" panose="020B0502040204020203" pitchFamily="34" charset="0"/>
+              </a:rPr>
+              <a:t> claros y </a:t>
+            </a:r>
+            <a:r>
+              <a:rPr lang="en-US" sz="3600" dirty="0" err="1">
+                <a:latin typeface="Segoe UI" panose="020B0502040204020203" pitchFamily="34" charset="0"/>
+                <a:cs typeface="Segoe UI" panose="020B0502040204020203" pitchFamily="34" charset="0"/>
+              </a:rPr>
+              <a:t>descriptivos</a:t>
+            </a:r>
+            <a:r>
+              <a:rPr lang="en-US" sz="3600" dirty="0">
+                <a:latin typeface="Segoe UI" panose="020B0502040204020203" pitchFamily="34" charset="0"/>
+                <a:cs typeface="Segoe UI" panose="020B0502040204020203" pitchFamily="34" charset="0"/>
+              </a:rPr>
+              <a:t>.</a:t>
+            </a:r>
+          </a:p>
+          <a:p>
+            <a:r>
+              <a:rPr lang="en-US" sz="3600" dirty="0" err="1">
+                <a:latin typeface="Segoe UI" panose="020B0502040204020203" pitchFamily="34" charset="0"/>
+                <a:cs typeface="Segoe UI" panose="020B0502040204020203" pitchFamily="34" charset="0"/>
+              </a:rPr>
+              <a:t>Incluye</a:t>
+            </a:r>
+            <a:r>
+              <a:rPr lang="en-US" sz="3600" dirty="0">
+                <a:latin typeface="Segoe UI" panose="020B0502040204020203" pitchFamily="34" charset="0"/>
+                <a:cs typeface="Segoe UI" panose="020B0502040204020203" pitchFamily="34" charset="0"/>
+              </a:rPr>
+              <a:t> </a:t>
+            </a:r>
+            <a:r>
+              <a:rPr lang="en-US" sz="3600" dirty="0" err="1">
+                <a:latin typeface="Segoe UI" panose="020B0502040204020203" pitchFamily="34" charset="0"/>
+                <a:cs typeface="Segoe UI" panose="020B0502040204020203" pitchFamily="34" charset="0"/>
+              </a:rPr>
+              <a:t>ejemplos</a:t>
+            </a:r>
+            <a:r>
+              <a:rPr lang="en-US" sz="3600" dirty="0">
+                <a:latin typeface="Segoe UI" panose="020B0502040204020203" pitchFamily="34" charset="0"/>
+                <a:cs typeface="Segoe UI" panose="020B0502040204020203" pitchFamily="34" charset="0"/>
+              </a:rPr>
+              <a:t> </a:t>
+            </a:r>
+            <a:r>
+              <a:rPr lang="en-US" sz="3600" dirty="0" err="1">
+                <a:latin typeface="Segoe UI" panose="020B0502040204020203" pitchFamily="34" charset="0"/>
+                <a:cs typeface="Segoe UI" panose="020B0502040204020203" pitchFamily="34" charset="0"/>
+              </a:rPr>
+              <a:t>en</a:t>
+            </a:r>
+            <a:r>
+              <a:rPr lang="en-US" sz="3600" dirty="0">
+                <a:latin typeface="Segoe UI" panose="020B0502040204020203" pitchFamily="34" charset="0"/>
+                <a:cs typeface="Segoe UI" panose="020B0502040204020203" pitchFamily="34" charset="0"/>
+              </a:rPr>
+              <a:t> las </a:t>
+            </a:r>
+            <a:r>
+              <a:rPr lang="en-US" sz="3600" dirty="0" err="1">
+                <a:latin typeface="Segoe UI" panose="020B0502040204020203" pitchFamily="34" charset="0"/>
+                <a:cs typeface="Segoe UI" panose="020B0502040204020203" pitchFamily="34" charset="0"/>
+              </a:rPr>
+              <a:t>descripciones</a:t>
+            </a:r>
+            <a:r>
+              <a:rPr lang="en-US" sz="3600" dirty="0">
+                <a:latin typeface="Segoe UI" panose="020B0502040204020203" pitchFamily="34" charset="0"/>
+                <a:cs typeface="Segoe UI" panose="020B0502040204020203" pitchFamily="34" charset="0"/>
+              </a:rPr>
+              <a:t> de las </a:t>
+            </a:r>
+            <a:r>
+              <a:rPr lang="en-US" sz="3600" dirty="0" err="1">
+                <a:latin typeface="Segoe UI" panose="020B0502040204020203" pitchFamily="34" charset="0"/>
+                <a:cs typeface="Segoe UI" panose="020B0502040204020203" pitchFamily="34" charset="0"/>
+              </a:rPr>
+              <a:t>herramientas</a:t>
+            </a:r>
+            <a:r>
+              <a:rPr lang="en-US" sz="3600" dirty="0">
+                <a:latin typeface="Segoe UI" panose="020B0502040204020203" pitchFamily="34" charset="0"/>
+                <a:cs typeface="Segoe UI" panose="020B0502040204020203" pitchFamily="34" charset="0"/>
+              </a:rPr>
+              <a:t> para </a:t>
+            </a:r>
+            <a:r>
+              <a:rPr lang="en-US" sz="3600" dirty="0" err="1">
+                <a:latin typeface="Segoe UI" panose="020B0502040204020203" pitchFamily="34" charset="0"/>
+                <a:cs typeface="Segoe UI" panose="020B0502040204020203" pitchFamily="34" charset="0"/>
+              </a:rPr>
+              <a:t>demostrar</a:t>
+            </a:r>
+            <a:r>
+              <a:rPr lang="en-US" sz="3600" dirty="0">
+                <a:latin typeface="Segoe UI" panose="020B0502040204020203" pitchFamily="34" charset="0"/>
+                <a:cs typeface="Segoe UI" panose="020B0502040204020203" pitchFamily="34" charset="0"/>
+              </a:rPr>
+              <a:t> </a:t>
+            </a:r>
+            <a:r>
+              <a:rPr lang="en-US" sz="3600" dirty="0" err="1">
+                <a:latin typeface="Segoe UI" panose="020B0502040204020203" pitchFamily="34" charset="0"/>
+                <a:cs typeface="Segoe UI" panose="020B0502040204020203" pitchFamily="34" charset="0"/>
+              </a:rPr>
+              <a:t>cómo</a:t>
+            </a:r>
+            <a:r>
+              <a:rPr lang="en-US" sz="3600" dirty="0">
+                <a:latin typeface="Segoe UI" panose="020B0502040204020203" pitchFamily="34" charset="0"/>
+                <a:cs typeface="Segoe UI" panose="020B0502040204020203" pitchFamily="34" charset="0"/>
+              </a:rPr>
+              <a:t> </a:t>
+            </a:r>
+            <a:r>
+              <a:rPr lang="en-US" sz="3600" dirty="0" err="1">
+                <a:latin typeface="Segoe UI" panose="020B0502040204020203" pitchFamily="34" charset="0"/>
+                <a:cs typeface="Segoe UI" panose="020B0502040204020203" pitchFamily="34" charset="0"/>
+              </a:rPr>
+              <a:t>el</a:t>
+            </a:r>
+            <a:r>
+              <a:rPr lang="en-US" sz="3600" dirty="0">
+                <a:latin typeface="Segoe UI" panose="020B0502040204020203" pitchFamily="34" charset="0"/>
+                <a:cs typeface="Segoe UI" panose="020B0502040204020203" pitchFamily="34" charset="0"/>
+              </a:rPr>
+              <a:t> </a:t>
+            </a:r>
+            <a:r>
+              <a:rPr lang="en-US" sz="3600" dirty="0" err="1">
+                <a:latin typeface="Segoe UI" panose="020B0502040204020203" pitchFamily="34" charset="0"/>
+                <a:cs typeface="Segoe UI" panose="020B0502040204020203" pitchFamily="34" charset="0"/>
+              </a:rPr>
+              <a:t>modelo</a:t>
+            </a:r>
+            <a:r>
+              <a:rPr lang="en-US" sz="3600" dirty="0">
+                <a:latin typeface="Segoe UI" panose="020B0502040204020203" pitchFamily="34" charset="0"/>
+                <a:cs typeface="Segoe UI" panose="020B0502040204020203" pitchFamily="34" charset="0"/>
+              </a:rPr>
+              <a:t> </a:t>
+            </a:r>
+            <a:r>
+              <a:rPr lang="en-US" sz="3600" dirty="0" err="1">
+                <a:latin typeface="Segoe UI" panose="020B0502040204020203" pitchFamily="34" charset="0"/>
+                <a:cs typeface="Segoe UI" panose="020B0502040204020203" pitchFamily="34" charset="0"/>
+              </a:rPr>
+              <a:t>debería</a:t>
+            </a:r>
+            <a:r>
+              <a:rPr lang="en-US" sz="3600" dirty="0">
+                <a:latin typeface="Segoe UI" panose="020B0502040204020203" pitchFamily="34" charset="0"/>
+                <a:cs typeface="Segoe UI" panose="020B0502040204020203" pitchFamily="34" charset="0"/>
+              </a:rPr>
+              <a:t> </a:t>
+            </a:r>
+            <a:r>
+              <a:rPr lang="en-US" sz="3600" dirty="0" err="1">
+                <a:latin typeface="Segoe UI" panose="020B0502040204020203" pitchFamily="34" charset="0"/>
+                <a:cs typeface="Segoe UI" panose="020B0502040204020203" pitchFamily="34" charset="0"/>
+              </a:rPr>
+              <a:t>usarlos</a:t>
+            </a:r>
+            <a:r>
+              <a:rPr lang="en-US" sz="3600" dirty="0">
+                <a:latin typeface="Segoe UI" panose="020B0502040204020203" pitchFamily="34" charset="0"/>
+                <a:cs typeface="Segoe UI" panose="020B0502040204020203" pitchFamily="34" charset="0"/>
+              </a:rPr>
+              <a:t>.</a:t>
+            </a:r>
+          </a:p>
+          <a:p>
+            <a:r>
+              <a:rPr lang="en-US" sz="3600" dirty="0" err="1">
+                <a:latin typeface="Segoe UI" panose="020B0502040204020203" pitchFamily="34" charset="0"/>
+                <a:cs typeface="Segoe UI" panose="020B0502040204020203" pitchFamily="34" charset="0"/>
+              </a:rPr>
+              <a:t>Implementa</a:t>
+            </a:r>
+            <a:r>
+              <a:rPr lang="en-US" sz="3600" dirty="0">
+                <a:latin typeface="Segoe UI" panose="020B0502040204020203" pitchFamily="34" charset="0"/>
+                <a:cs typeface="Segoe UI" panose="020B0502040204020203" pitchFamily="34" charset="0"/>
+              </a:rPr>
+              <a:t> la </a:t>
+            </a:r>
+            <a:r>
+              <a:rPr lang="en-US" sz="3600" dirty="0" err="1">
+                <a:latin typeface="Segoe UI" panose="020B0502040204020203" pitchFamily="34" charset="0"/>
+                <a:cs typeface="Segoe UI" panose="020B0502040204020203" pitchFamily="34" charset="0"/>
+              </a:rPr>
+              <a:t>validación</a:t>
+            </a:r>
+            <a:r>
+              <a:rPr lang="en-US" sz="3600" dirty="0">
+                <a:latin typeface="Segoe UI" panose="020B0502040204020203" pitchFamily="34" charset="0"/>
+                <a:cs typeface="Segoe UI" panose="020B0502040204020203" pitchFamily="34" charset="0"/>
+              </a:rPr>
+              <a:t> de </a:t>
+            </a:r>
+            <a:r>
+              <a:rPr lang="en-US" sz="3600" dirty="0" err="1">
+                <a:latin typeface="Segoe UI" panose="020B0502040204020203" pitchFamily="34" charset="0"/>
+                <a:cs typeface="Segoe UI" panose="020B0502040204020203" pitchFamily="34" charset="0"/>
+              </a:rPr>
+              <a:t>errores</a:t>
+            </a:r>
+            <a:r>
+              <a:rPr lang="en-US" sz="3600" dirty="0">
+                <a:latin typeface="Segoe UI" panose="020B0502040204020203" pitchFamily="34" charset="0"/>
+                <a:cs typeface="Segoe UI" panose="020B0502040204020203" pitchFamily="34" charset="0"/>
+              </a:rPr>
+              <a:t> </a:t>
+            </a:r>
+            <a:r>
+              <a:rPr lang="en-US" sz="3600" dirty="0" err="1">
+                <a:latin typeface="Segoe UI" panose="020B0502040204020203" pitchFamily="34" charset="0"/>
+                <a:cs typeface="Segoe UI" panose="020B0502040204020203" pitchFamily="34" charset="0"/>
+              </a:rPr>
+              <a:t>adecuados</a:t>
+            </a:r>
+            <a:r>
+              <a:rPr lang="en-US" sz="3600" dirty="0">
+                <a:latin typeface="Segoe UI" panose="020B0502040204020203" pitchFamily="34" charset="0"/>
+                <a:cs typeface="Segoe UI" panose="020B0502040204020203" pitchFamily="34" charset="0"/>
+              </a:rPr>
+              <a:t>.</a:t>
+            </a:r>
+          </a:p>
+          <a:p>
+            <a:r>
+              <a:rPr lang="en-US" sz="3600" dirty="0">
+                <a:latin typeface="Segoe UI" panose="020B0502040204020203" pitchFamily="34" charset="0"/>
+                <a:cs typeface="Segoe UI" panose="020B0502040204020203" pitchFamily="34" charset="0"/>
+              </a:rPr>
+              <a:t>Usa </a:t>
+            </a:r>
+            <a:r>
+              <a:rPr lang="en-US" sz="3600" dirty="0" err="1">
+                <a:latin typeface="Segoe UI" panose="020B0502040204020203" pitchFamily="34" charset="0"/>
+                <a:cs typeface="Segoe UI" panose="020B0502040204020203" pitchFamily="34" charset="0"/>
+              </a:rPr>
+              <a:t>informes</a:t>
+            </a:r>
+            <a:r>
+              <a:rPr lang="en-US" sz="3600" dirty="0">
+                <a:latin typeface="Segoe UI" panose="020B0502040204020203" pitchFamily="34" charset="0"/>
+                <a:cs typeface="Segoe UI" panose="020B0502040204020203" pitchFamily="34" charset="0"/>
+              </a:rPr>
+              <a:t> de </a:t>
+            </a:r>
+            <a:r>
+              <a:rPr lang="en-US" sz="3600" dirty="0" err="1">
+                <a:latin typeface="Segoe UI" panose="020B0502040204020203" pitchFamily="34" charset="0"/>
+                <a:cs typeface="Segoe UI" panose="020B0502040204020203" pitchFamily="34" charset="0"/>
+              </a:rPr>
+              <a:t>progreso</a:t>
+            </a:r>
+            <a:r>
+              <a:rPr lang="en-US" sz="3600" dirty="0">
+                <a:latin typeface="Segoe UI" panose="020B0502040204020203" pitchFamily="34" charset="0"/>
+                <a:cs typeface="Segoe UI" panose="020B0502040204020203" pitchFamily="34" charset="0"/>
+              </a:rPr>
+              <a:t> para </a:t>
+            </a:r>
+            <a:r>
+              <a:rPr lang="en-US" sz="3600" dirty="0" err="1">
+                <a:latin typeface="Segoe UI" panose="020B0502040204020203" pitchFamily="34" charset="0"/>
+                <a:cs typeface="Segoe UI" panose="020B0502040204020203" pitchFamily="34" charset="0"/>
+              </a:rPr>
+              <a:t>operaciones</a:t>
+            </a:r>
+            <a:r>
+              <a:rPr lang="en-US" sz="3600" dirty="0">
+                <a:latin typeface="Segoe UI" panose="020B0502040204020203" pitchFamily="34" charset="0"/>
+                <a:cs typeface="Segoe UI" panose="020B0502040204020203" pitchFamily="34" charset="0"/>
+              </a:rPr>
+              <a:t> </a:t>
+            </a:r>
+            <a:r>
+              <a:rPr lang="en-US" sz="3600" dirty="0" err="1">
+                <a:latin typeface="Segoe UI" panose="020B0502040204020203" pitchFamily="34" charset="0"/>
+                <a:cs typeface="Segoe UI" panose="020B0502040204020203" pitchFamily="34" charset="0"/>
+              </a:rPr>
+              <a:t>largas</a:t>
+            </a:r>
+            <a:r>
+              <a:rPr lang="en-US" sz="3600" dirty="0">
+                <a:latin typeface="Segoe UI" panose="020B0502040204020203" pitchFamily="34" charset="0"/>
+                <a:cs typeface="Segoe UI" panose="020B0502040204020203" pitchFamily="34" charset="0"/>
+              </a:rPr>
+              <a:t>.</a:t>
+            </a:r>
+          </a:p>
+          <a:p>
+            <a:r>
+              <a:rPr lang="en-US" sz="3600" dirty="0" err="1">
+                <a:latin typeface="Segoe UI" panose="020B0502040204020203" pitchFamily="34" charset="0"/>
+                <a:cs typeface="Segoe UI" panose="020B0502040204020203" pitchFamily="34" charset="0"/>
+              </a:rPr>
+              <a:t>Mantenga</a:t>
+            </a:r>
+            <a:r>
+              <a:rPr lang="en-US" sz="3600" dirty="0">
+                <a:latin typeface="Segoe UI" panose="020B0502040204020203" pitchFamily="34" charset="0"/>
+                <a:cs typeface="Segoe UI" panose="020B0502040204020203" pitchFamily="34" charset="0"/>
+              </a:rPr>
+              <a:t> las </a:t>
+            </a:r>
+            <a:r>
+              <a:rPr lang="en-US" sz="3600" dirty="0" err="1">
+                <a:latin typeface="Segoe UI" panose="020B0502040204020203" pitchFamily="34" charset="0"/>
+                <a:cs typeface="Segoe UI" panose="020B0502040204020203" pitchFamily="34" charset="0"/>
+              </a:rPr>
+              <a:t>operaciones</a:t>
+            </a:r>
+            <a:r>
+              <a:rPr lang="en-US" sz="3600" dirty="0">
+                <a:latin typeface="Segoe UI" panose="020B0502040204020203" pitchFamily="34" charset="0"/>
+                <a:cs typeface="Segoe UI" panose="020B0502040204020203" pitchFamily="34" charset="0"/>
+              </a:rPr>
+              <a:t> de la </a:t>
+            </a:r>
+            <a:r>
+              <a:rPr lang="en-US" sz="3600" dirty="0" err="1">
+                <a:latin typeface="Segoe UI" panose="020B0502040204020203" pitchFamily="34" charset="0"/>
+                <a:cs typeface="Segoe UI" panose="020B0502040204020203" pitchFamily="34" charset="0"/>
+              </a:rPr>
+              <a:t>herramienta</a:t>
+            </a:r>
+            <a:r>
+              <a:rPr lang="en-US" sz="3600" dirty="0">
+                <a:latin typeface="Segoe UI" panose="020B0502040204020203" pitchFamily="34" charset="0"/>
+                <a:cs typeface="Segoe UI" panose="020B0502040204020203" pitchFamily="34" charset="0"/>
+              </a:rPr>
+              <a:t> </a:t>
+            </a:r>
+            <a:r>
+              <a:rPr lang="en-US" sz="3600" dirty="0" err="1">
+                <a:latin typeface="Segoe UI" panose="020B0502040204020203" pitchFamily="34" charset="0"/>
+                <a:cs typeface="Segoe UI" panose="020B0502040204020203" pitchFamily="34" charset="0"/>
+              </a:rPr>
+              <a:t>enfocadas</a:t>
+            </a:r>
+            <a:r>
+              <a:rPr lang="en-US" sz="3600" dirty="0">
+                <a:latin typeface="Segoe UI" panose="020B0502040204020203" pitchFamily="34" charset="0"/>
+                <a:cs typeface="Segoe UI" panose="020B0502040204020203" pitchFamily="34" charset="0"/>
+              </a:rPr>
+              <a:t> y </a:t>
+            </a:r>
+            <a:r>
+              <a:rPr lang="en-US" sz="3600" dirty="0" err="1">
+                <a:latin typeface="Segoe UI" panose="020B0502040204020203" pitchFamily="34" charset="0"/>
+                <a:cs typeface="Segoe UI" panose="020B0502040204020203" pitchFamily="34" charset="0"/>
+              </a:rPr>
+              <a:t>atómicas</a:t>
+            </a:r>
+            <a:r>
+              <a:rPr lang="en-US" sz="3600" dirty="0">
+                <a:latin typeface="Segoe UI" panose="020B0502040204020203" pitchFamily="34" charset="0"/>
+                <a:cs typeface="Segoe UI" panose="020B0502040204020203" pitchFamily="34" charset="0"/>
+              </a:rPr>
+              <a:t>.</a:t>
+            </a:r>
+          </a:p>
+        </p:txBody>
+      </p:sp>
+    </p:spTree>
+    <p:extLst>
+      <p:ext uri="{BB962C8B-B14F-4D97-AF65-F5344CB8AC3E}">
+        <p14:creationId xmlns:p14="http://schemas.microsoft.com/office/powerpoint/2010/main" val="2982303089"/>
+      </p:ext>
+    </p:extLst>
+  </p:cSld>
+  <p:clrMapOvr>
+    <a:masterClrMapping/>
+  </p:clrMapOvr>
+</p:sld>
+</file>
+
+<file path=ppt/slides/slide35.xml><?xml version="1.0" encoding="utf-8"?>
+<p:sld xmlns:a="http://schemas.openxmlformats.org/drawingml/2006/main" xmlns:r="http://schemas.openxmlformats.org/officeDocument/2006/relationships" xmlns:p="http://schemas.openxmlformats.org/presentationml/2006/main">
+  <p:cSld>
+    <p:spTree>
+      <p:nvGrpSpPr>
+        <p:cNvPr id="1" name="">
+          <a:extLst>
+            <a:ext uri="{FF2B5EF4-FFF2-40B4-BE49-F238E27FC236}">
+              <a16:creationId xmlns:a16="http://schemas.microsoft.com/office/drawing/2014/main" id="{8E2452ED-E792-13CC-7610-9C6ABB3ED48A}"/>
+            </a:ext>
+          </a:extLst>
+        </p:cNvPr>
+        <p:cNvGrpSpPr/>
+        <p:nvPr/>
+      </p:nvGrpSpPr>
+      <p:grpSpPr>
+        <a:xfrm>
+          <a:off x="0" y="0"/>
+          <a:ext cx="0" cy="0"/>
+          <a:chOff x="0" y="0"/>
+          <a:chExt cx="0" cy="0"/>
+        </a:xfrm>
+      </p:grpSpPr>
+      <p:sp>
+        <p:nvSpPr>
+          <p:cNvPr id="2" name="Title 1">
+            <a:extLst>
+              <a:ext uri="{FF2B5EF4-FFF2-40B4-BE49-F238E27FC236}">
+                <a16:creationId xmlns:a16="http://schemas.microsoft.com/office/drawing/2014/main" id="{4E7CE53D-ACE6-522D-023D-68A1626C4636}"/>
+              </a:ext>
+            </a:extLst>
+          </p:cNvPr>
+          <p:cNvSpPr>
+            <a:spLocks noGrp="1"/>
+          </p:cNvSpPr>
+          <p:nvPr>
+            <p:ph type="title"/>
+          </p:nvPr>
+        </p:nvSpPr>
+        <p:spPr/>
+        <p:txBody>
+          <a:bodyPr/>
+          <a:lstStyle/>
+          <a:p>
+            <a:r>
+              <a:rPr lang="en-US" altLang="zh-CN" dirty="0">
+                <a:solidFill>
+                  <a:schemeClr val="accent2"/>
+                </a:solidFill>
+              </a:rPr>
+              <a:t>MCP Inspector</a:t>
+            </a:r>
+            <a:endParaRPr lang="en-US" dirty="0">
+              <a:solidFill>
+                <a:schemeClr val="accent2"/>
+              </a:solidFill>
+            </a:endParaRPr>
+          </a:p>
+        </p:txBody>
+      </p:sp>
+      <p:pic>
+        <p:nvPicPr>
+          <p:cNvPr id="1026" name="Picture 2" descr="MCP Inspector Screenshot">
+            <a:extLst>
+              <a:ext uri="{FF2B5EF4-FFF2-40B4-BE49-F238E27FC236}">
+                <a16:creationId xmlns:a16="http://schemas.microsoft.com/office/drawing/2014/main" id="{A2D9C518-4C1D-B5CF-597F-EA69A3B1C70E}"/>
+              </a:ext>
+            </a:extLst>
+          </p:cNvPr>
+          <p:cNvPicPr>
+            <a:picLocks noChangeAspect="1" noChangeArrowheads="1"/>
+          </p:cNvPicPr>
+          <p:nvPr/>
+        </p:nvPicPr>
+        <p:blipFill>
+          <a:blip r:embed="rId2">
+            <a:extLst>
+              <a:ext uri="{28A0092B-C50C-407E-A947-70E740481C1C}">
+                <a14:useLocalDpi xmlns:a14="http://schemas.microsoft.com/office/drawing/2010/main" val="0"/>
+              </a:ext>
+            </a:extLst>
+          </a:blip>
+          <a:srcRect/>
+          <a:stretch>
+            <a:fillRect/>
+          </a:stretch>
+        </p:blipFill>
+        <p:spPr bwMode="auto">
+          <a:xfrm>
+            <a:off x="266920" y="1063767"/>
+            <a:ext cx="9374385" cy="5286169"/>
+          </a:xfrm>
+          <a:prstGeom prst="rect">
+            <a:avLst/>
+          </a:prstGeom>
+          <a:noFill/>
+          <a:extLst>
+            <a:ext uri="{909E8E84-426E-40DD-AFC4-6F175D3DCCD1}">
+              <a14:hiddenFill xmlns:a14="http://schemas.microsoft.com/office/drawing/2010/main">
+                <a:solidFill>
+                  <a:srgbClr val="FFFFFF"/>
+                </a:solidFill>
+              </a14:hiddenFill>
+            </a:ext>
+          </a:extLst>
+        </p:spPr>
+      </p:pic>
+      <p:sp>
+        <p:nvSpPr>
+          <p:cNvPr id="8" name="CuadroTexto 7">
+            <a:extLst>
+              <a:ext uri="{FF2B5EF4-FFF2-40B4-BE49-F238E27FC236}">
+                <a16:creationId xmlns:a16="http://schemas.microsoft.com/office/drawing/2014/main" id="{C30ADD69-79D5-5991-5511-51A9B32063B2}"/>
+              </a:ext>
+            </a:extLst>
+          </p:cNvPr>
+          <p:cNvSpPr txBox="1"/>
+          <p:nvPr/>
+        </p:nvSpPr>
+        <p:spPr>
+          <a:xfrm>
+            <a:off x="2719137" y="6224526"/>
+            <a:ext cx="6753726" cy="400110"/>
+          </a:xfrm>
+          <a:prstGeom prst="rect">
+            <a:avLst/>
+          </a:prstGeom>
+          <a:noFill/>
+        </p:spPr>
+        <p:txBody>
+          <a:bodyPr wrap="square">
+            <a:spAutoFit/>
+          </a:bodyPr>
+          <a:lstStyle/>
+          <a:p>
+            <a:pPr algn="ctr"/>
+            <a:r>
+              <a:rPr lang="es-ES" sz="2000" dirty="0">
+                <a:solidFill>
+                  <a:schemeClr val="accent2"/>
+                </a:solidFill>
+              </a:rPr>
+              <a:t>https://</a:t>
+            </a:r>
+            <a:r>
+              <a:rPr lang="es-ES" sz="2000" dirty="0" err="1">
+                <a:solidFill>
+                  <a:schemeClr val="accent2"/>
+                </a:solidFill>
+              </a:rPr>
+              <a:t>github.com</a:t>
+            </a:r>
+            <a:r>
+              <a:rPr lang="es-ES" sz="2000" dirty="0">
+                <a:solidFill>
+                  <a:schemeClr val="accent2"/>
+                </a:solidFill>
+              </a:rPr>
+              <a:t>/</a:t>
+            </a:r>
+            <a:r>
+              <a:rPr lang="es-ES" sz="2000" dirty="0" err="1">
+                <a:solidFill>
+                  <a:schemeClr val="accent2"/>
+                </a:solidFill>
+              </a:rPr>
+              <a:t>modelcontextprotocol</a:t>
+            </a:r>
+            <a:r>
+              <a:rPr lang="es-ES" sz="2000" dirty="0">
+                <a:solidFill>
+                  <a:schemeClr val="accent2"/>
+                </a:solidFill>
+              </a:rPr>
+              <a:t>/inspector</a:t>
+            </a:r>
+          </a:p>
+        </p:txBody>
+      </p:sp>
+    </p:spTree>
+    <p:extLst>
+      <p:ext uri="{BB962C8B-B14F-4D97-AF65-F5344CB8AC3E}">
+        <p14:creationId xmlns:p14="http://schemas.microsoft.com/office/powerpoint/2010/main" val="605442297"/>
+      </p:ext>
+    </p:extLst>
+  </p:cSld>
+  <p:clrMapOvr>
+    <a:masterClrMapping/>
+  </p:clrMapOvr>
+</p:sld>
+</file>
+
+<file path=ppt/slides/slide36.xml><?xml version="1.0" encoding="utf-8"?>
+<p:sld xmlns:a="http://schemas.openxmlformats.org/drawingml/2006/main" xmlns:r="http://schemas.openxmlformats.org/officeDocument/2006/relationships" xmlns:p="http://schemas.openxmlformats.org/presentationml/2006/main">
+  <p:cSld>
+    <p:bg>
+      <p:bgPr>
+        <a:solidFill>
+          <a:srgbClr val="C00000"/>
+        </a:solidFill>
+        <a:effectLst/>
+      </p:bgPr>
+    </p:bg>
+    <p:spTree>
+      <p:nvGrpSpPr>
+        <p:cNvPr id="1" name="">
+          <a:extLst>
+            <a:ext uri="{FF2B5EF4-FFF2-40B4-BE49-F238E27FC236}">
+              <a16:creationId xmlns:a16="http://schemas.microsoft.com/office/drawing/2014/main" id="{A7058B07-4662-8D13-F530-DE0C44F905C4}"/>
+            </a:ext>
+          </a:extLst>
+        </p:cNvPr>
+        <p:cNvGrpSpPr/>
+        <p:nvPr/>
+      </p:nvGrpSpPr>
+      <p:grpSpPr>
+        <a:xfrm>
+          <a:off x="0" y="0"/>
+          <a:ext cx="0" cy="0"/>
+          <a:chOff x="0" y="0"/>
+          <a:chExt cx="0" cy="0"/>
+        </a:xfrm>
+      </p:grpSpPr>
+      <p:sp>
+        <p:nvSpPr>
+          <p:cNvPr id="2" name="Title 1">
+            <a:extLst>
+              <a:ext uri="{FF2B5EF4-FFF2-40B4-BE49-F238E27FC236}">
+                <a16:creationId xmlns:a16="http://schemas.microsoft.com/office/drawing/2014/main" id="{FB3A37BF-D0E0-26AA-66C4-85E5F8286F3B}"/>
+              </a:ext>
+            </a:extLst>
+          </p:cNvPr>
+          <p:cNvSpPr>
+            <a:spLocks noGrp="1"/>
+          </p:cNvSpPr>
+          <p:nvPr>
+            <p:ph type="title"/>
+          </p:nvPr>
+        </p:nvSpPr>
+        <p:spPr>
+          <a:xfrm>
+            <a:off x="3043403" y="1924319"/>
+            <a:ext cx="6105194" cy="3009362"/>
+          </a:xfrm>
+        </p:spPr>
+        <p:txBody>
+          <a:bodyPr vert="horz" lIns="91440" tIns="45720" rIns="91440" bIns="45720" rtlCol="0" anchor="b">
+            <a:normAutofit fontScale="90000"/>
+          </a:bodyPr>
+          <a:lstStyle/>
+          <a:p>
+            <a:r>
+              <a:rPr lang="en-US" altLang="zh-CN" sz="6000" b="1" dirty="0">
+                <a:solidFill>
+                  <a:srgbClr val="FFFFFF"/>
+                </a:solidFill>
+              </a:rPr>
+              <a:t>DEMO:</a:t>
+            </a:r>
+            <a:br>
+              <a:rPr lang="en-US" altLang="zh-CN" sz="6000" dirty="0">
+                <a:solidFill>
+                  <a:srgbClr val="FFFFFF"/>
+                </a:solidFill>
+              </a:rPr>
+            </a:br>
+            <a:r>
+              <a:rPr lang="en-US" altLang="zh-CN" sz="6000" dirty="0">
+                <a:solidFill>
+                  <a:srgbClr val="FFFFFF"/>
+                </a:solidFill>
+              </a:rPr>
+              <a:t>Creando un </a:t>
+            </a:r>
+            <a:r>
+              <a:rPr lang="en-US" altLang="zh-CN" sz="6000" dirty="0" err="1">
+                <a:solidFill>
+                  <a:srgbClr val="FFFFFF"/>
+                </a:solidFill>
+              </a:rPr>
+              <a:t>cliente</a:t>
+            </a:r>
+            <a:r>
+              <a:rPr lang="en-US" altLang="zh-CN" sz="6000" dirty="0">
+                <a:solidFill>
+                  <a:srgbClr val="FFFFFF"/>
+                </a:solidFill>
+              </a:rPr>
+              <a:t> MCP y </a:t>
+            </a:r>
+            <a:r>
+              <a:rPr lang="en-US" altLang="zh-CN" sz="6000" dirty="0" err="1">
+                <a:solidFill>
+                  <a:srgbClr val="FFFFFF"/>
+                </a:solidFill>
+              </a:rPr>
+              <a:t>usando</a:t>
+            </a:r>
+            <a:r>
+              <a:rPr lang="en-US" altLang="zh-CN" sz="6000" dirty="0">
+                <a:solidFill>
+                  <a:srgbClr val="FFFFFF"/>
+                </a:solidFill>
+              </a:rPr>
+              <a:t> MCP Inspector</a:t>
+            </a:r>
+          </a:p>
+        </p:txBody>
+      </p:sp>
+    </p:spTree>
+    <p:extLst>
+      <p:ext uri="{BB962C8B-B14F-4D97-AF65-F5344CB8AC3E}">
+        <p14:creationId xmlns:p14="http://schemas.microsoft.com/office/powerpoint/2010/main" val="441807644"/>
+      </p:ext>
+    </p:extLst>
+  </p:cSld>
+  <p:clrMapOvr>
+    <a:masterClrMapping/>
+  </p:clrMapOvr>
+</p:sld>
+</file>
+
+<file path=ppt/slides/slide37.xml><?xml version="1.0" encoding="utf-8"?>
+<p:sld xmlns:a="http://schemas.openxmlformats.org/drawingml/2006/main" xmlns:r="http://schemas.openxmlformats.org/officeDocument/2006/relationships" xmlns:p="http://schemas.openxmlformats.org/presentationml/2006/main">
+  <p:cSld>
+    <p:spTree>
+      <p:nvGrpSpPr>
+        <p:cNvPr id="1" name="">
+          <a:extLst>
+            <a:ext uri="{FF2B5EF4-FFF2-40B4-BE49-F238E27FC236}">
+              <a16:creationId xmlns:a16="http://schemas.microsoft.com/office/drawing/2014/main" id="{DCE14491-4983-0833-6CB1-298B5E2DBD7A}"/>
+            </a:ext>
+          </a:extLst>
+        </p:cNvPr>
+        <p:cNvGrpSpPr/>
+        <p:nvPr/>
+      </p:nvGrpSpPr>
+      <p:grpSpPr>
+        <a:xfrm>
+          <a:off x="0" y="0"/>
+          <a:ext cx="0" cy="0"/>
+          <a:chOff x="0" y="0"/>
+          <a:chExt cx="0" cy="0"/>
+        </a:xfrm>
+      </p:grpSpPr>
+      <p:sp>
+        <p:nvSpPr>
+          <p:cNvPr id="2" name="Title 1">
+            <a:extLst>
+              <a:ext uri="{FF2B5EF4-FFF2-40B4-BE49-F238E27FC236}">
+                <a16:creationId xmlns:a16="http://schemas.microsoft.com/office/drawing/2014/main" id="{1674E436-5C24-2AF2-8C23-B44163B9C83F}"/>
+              </a:ext>
+            </a:extLst>
+          </p:cNvPr>
+          <p:cNvSpPr>
+            <a:spLocks noGrp="1"/>
+          </p:cNvSpPr>
+          <p:nvPr>
+            <p:ph type="title"/>
+          </p:nvPr>
+        </p:nvSpPr>
+        <p:spPr/>
+        <p:txBody>
+          <a:bodyPr/>
+          <a:lstStyle/>
+          <a:p>
+            <a:r>
+              <a:rPr lang="en-US" altLang="zh-CN" dirty="0" err="1">
+                <a:solidFill>
+                  <a:schemeClr val="accent2"/>
+                </a:solidFill>
+              </a:rPr>
+              <a:t>Definiendo</a:t>
+            </a:r>
+            <a:r>
+              <a:rPr lang="en-US" altLang="zh-CN" dirty="0">
+                <a:solidFill>
+                  <a:schemeClr val="accent2"/>
+                </a:solidFill>
+              </a:rPr>
+              <a:t> un Prompt</a:t>
+            </a:r>
+            <a:endParaRPr lang="en-US" dirty="0">
+              <a:solidFill>
+                <a:schemeClr val="accent2"/>
+              </a:solidFill>
+            </a:endParaRPr>
+          </a:p>
+        </p:txBody>
+      </p:sp>
+      <p:sp>
+        <p:nvSpPr>
+          <p:cNvPr id="3" name="Content Placeholder 2">
+            <a:extLst>
+              <a:ext uri="{FF2B5EF4-FFF2-40B4-BE49-F238E27FC236}">
+                <a16:creationId xmlns:a16="http://schemas.microsoft.com/office/drawing/2014/main" id="{0C961123-F789-803F-F612-25E0B33501A0}"/>
+              </a:ext>
+            </a:extLst>
+          </p:cNvPr>
+          <p:cNvSpPr>
+            <a:spLocks noGrp="1"/>
+          </p:cNvSpPr>
+          <p:nvPr>
+            <p:ph idx="1"/>
+          </p:nvPr>
+        </p:nvSpPr>
+        <p:spPr>
+          <a:xfrm>
+            <a:off x="269241" y="1189179"/>
+            <a:ext cx="11653521" cy="2090049"/>
+          </a:xfrm>
+        </p:spPr>
+        <p:txBody>
+          <a:bodyPr>
+            <a:normAutofit/>
+          </a:bodyPr>
+          <a:lstStyle/>
+          <a:p>
+            <a:pPr marL="0" indent="0">
+              <a:buNone/>
+            </a:pPr>
+            <a:r>
+              <a:rPr lang="es-ES" sz="3000" dirty="0">
+                <a:latin typeface="Segoe UI" panose="020B0502040204020203" pitchFamily="34" charset="0"/>
+                <a:cs typeface="Segoe UI" panose="020B0502040204020203" pitchFamily="34" charset="0"/>
+              </a:rPr>
+              <a:t>En nuestro código de inicio, </a:t>
+            </a:r>
+            <a:r>
+              <a:rPr lang="es-ES" sz="3000" b="1" dirty="0" err="1">
+                <a:latin typeface="Segoe UI" panose="020B0502040204020203" pitchFamily="34" charset="0"/>
+                <a:cs typeface="Segoe UI" panose="020B0502040204020203" pitchFamily="34" charset="0"/>
+              </a:rPr>
+              <a:t>WithPromptsFromAssembly</a:t>
+            </a:r>
+            <a:r>
+              <a:rPr lang="es-ES" sz="3000" dirty="0">
+                <a:latin typeface="Segoe UI" panose="020B0502040204020203" pitchFamily="34" charset="0"/>
+                <a:cs typeface="Segoe UI" panose="020B0502040204020203" pitchFamily="34" charset="0"/>
+              </a:rPr>
+              <a:t> escaneará el ensamblado en busca de clases con el atributo </a:t>
+            </a:r>
+            <a:r>
+              <a:rPr lang="es-ES" sz="3000" b="1" dirty="0" err="1">
+                <a:latin typeface="Segoe UI" panose="020B0502040204020203" pitchFamily="34" charset="0"/>
+                <a:cs typeface="Segoe UI" panose="020B0502040204020203" pitchFamily="34" charset="0"/>
+              </a:rPr>
+              <a:t>McpServerPromptType</a:t>
+            </a:r>
+            <a:r>
+              <a:rPr lang="es-ES" sz="3000" dirty="0">
+                <a:latin typeface="Segoe UI" panose="020B0502040204020203" pitchFamily="34" charset="0"/>
+                <a:cs typeface="Segoe UI" panose="020B0502040204020203" pitchFamily="34" charset="0"/>
+              </a:rPr>
+              <a:t> y registrará todos los métodos con el atributo </a:t>
+            </a:r>
+            <a:r>
+              <a:rPr lang="es-ES" sz="3000" b="1" dirty="0" err="1">
+                <a:latin typeface="Segoe UI" panose="020B0502040204020203" pitchFamily="34" charset="0"/>
+                <a:cs typeface="Segoe UI" panose="020B0502040204020203" pitchFamily="34" charset="0"/>
+              </a:rPr>
+              <a:t>McpServerPrompt</a:t>
+            </a:r>
+            <a:r>
+              <a:rPr lang="es-ES" sz="3000" dirty="0">
+                <a:latin typeface="Segoe UI" panose="020B0502040204020203" pitchFamily="34" charset="0"/>
+                <a:cs typeface="Segoe UI" panose="020B0502040204020203" pitchFamily="34" charset="0"/>
+              </a:rPr>
+              <a:t>. </a:t>
+            </a:r>
+          </a:p>
+        </p:txBody>
+      </p:sp>
+      <p:sp>
+        <p:nvSpPr>
+          <p:cNvPr id="6" name="CuadroTexto 5">
+            <a:extLst>
+              <a:ext uri="{FF2B5EF4-FFF2-40B4-BE49-F238E27FC236}">
+                <a16:creationId xmlns:a16="http://schemas.microsoft.com/office/drawing/2014/main" id="{BE1A1371-8744-587D-946A-A47EED0ABB88}"/>
+              </a:ext>
+            </a:extLst>
+          </p:cNvPr>
+          <p:cNvSpPr txBox="1"/>
+          <p:nvPr/>
+        </p:nvSpPr>
+        <p:spPr>
+          <a:xfrm>
+            <a:off x="269240" y="3279228"/>
+            <a:ext cx="11262049" cy="1200329"/>
+          </a:xfrm>
+          <a:prstGeom prst="rect">
+            <a:avLst/>
+          </a:prstGeom>
+          <a:solidFill>
+            <a:schemeClr val="accent2"/>
+          </a:solidFill>
+        </p:spPr>
+        <p:txBody>
+          <a:bodyPr wrap="square">
+            <a:spAutoFit/>
+          </a:bodyPr>
+          <a:lstStyle/>
+          <a:p>
+            <a:r>
+              <a:rPr lang="es-ES" dirty="0">
+                <a:solidFill>
+                  <a:schemeClr val="bg1"/>
+                </a:solidFill>
+                <a:latin typeface="Consolas" panose="020B0609020204030204" pitchFamily="49" charset="0"/>
+                <a:cs typeface="Consolas" panose="020B0609020204030204" pitchFamily="49" charset="0"/>
+              </a:rPr>
+              <a:t>[</a:t>
+            </a:r>
+            <a:r>
+              <a:rPr lang="es-ES" dirty="0" err="1">
+                <a:solidFill>
+                  <a:schemeClr val="bg1"/>
+                </a:solidFill>
+                <a:latin typeface="Consolas" panose="020B0609020204030204" pitchFamily="49" charset="0"/>
+                <a:cs typeface="Consolas" panose="020B0609020204030204" pitchFamily="49" charset="0"/>
+              </a:rPr>
+              <a:t>McpServerPrompt</a:t>
+            </a:r>
+            <a:r>
+              <a:rPr lang="es-ES" dirty="0">
+                <a:solidFill>
+                  <a:schemeClr val="bg1"/>
+                </a:solidFill>
+                <a:latin typeface="Consolas" panose="020B0609020204030204" pitchFamily="49" charset="0"/>
+                <a:cs typeface="Consolas" panose="020B0609020204030204" pitchFamily="49" charset="0"/>
+              </a:rPr>
+              <a:t>(</a:t>
+            </a:r>
+            <a:r>
+              <a:rPr lang="es-ES" dirty="0" err="1">
+                <a:solidFill>
+                  <a:schemeClr val="bg1"/>
+                </a:solidFill>
+                <a:latin typeface="Consolas" panose="020B0609020204030204" pitchFamily="49" charset="0"/>
+                <a:cs typeface="Consolas" panose="020B0609020204030204" pitchFamily="49" charset="0"/>
+              </a:rPr>
+              <a:t>Name</a:t>
+            </a:r>
+            <a:r>
+              <a:rPr lang="es-ES" dirty="0">
+                <a:solidFill>
+                  <a:schemeClr val="bg1"/>
+                </a:solidFill>
+                <a:latin typeface="Consolas" panose="020B0609020204030204" pitchFamily="49" charset="0"/>
+                <a:cs typeface="Consolas" panose="020B0609020204030204" pitchFamily="49" charset="0"/>
+              </a:rPr>
+              <a:t> = "</a:t>
+            </a:r>
+            <a:r>
+              <a:rPr lang="es-ES" dirty="0" err="1">
+                <a:solidFill>
+                  <a:schemeClr val="bg1"/>
+                </a:solidFill>
+                <a:latin typeface="Consolas" panose="020B0609020204030204" pitchFamily="49" charset="0"/>
+                <a:cs typeface="Consolas" panose="020B0609020204030204" pitchFamily="49" charset="0"/>
+              </a:rPr>
+              <a:t>SevillaDotNetBasicPrompt</a:t>
+            </a:r>
+            <a:r>
+              <a:rPr lang="es-ES" dirty="0">
+                <a:solidFill>
+                  <a:schemeClr val="bg1"/>
+                </a:solidFill>
+                <a:latin typeface="Consolas" panose="020B0609020204030204" pitchFamily="49" charset="0"/>
+                <a:cs typeface="Consolas" panose="020B0609020204030204" pitchFamily="49" charset="0"/>
+              </a:rPr>
+              <a:t>"), </a:t>
+            </a:r>
+            <a:r>
+              <a:rPr lang="es-ES" dirty="0" err="1">
+                <a:solidFill>
+                  <a:schemeClr val="bg1"/>
+                </a:solidFill>
+                <a:latin typeface="Consolas" panose="020B0609020204030204" pitchFamily="49" charset="0"/>
+                <a:cs typeface="Consolas" panose="020B0609020204030204" pitchFamily="49" charset="0"/>
+              </a:rPr>
+              <a:t>Description</a:t>
+            </a:r>
+            <a:r>
+              <a:rPr lang="es-ES" dirty="0">
+                <a:solidFill>
+                  <a:schemeClr val="bg1"/>
+                </a:solidFill>
+                <a:latin typeface="Consolas" panose="020B0609020204030204" pitchFamily="49" charset="0"/>
+                <a:cs typeface="Consolas" panose="020B0609020204030204" pitchFamily="49" charset="0"/>
+              </a:rPr>
+              <a:t>("A simple </a:t>
+            </a:r>
+            <a:r>
+              <a:rPr lang="es-ES" dirty="0" err="1">
+                <a:solidFill>
+                  <a:schemeClr val="bg1"/>
+                </a:solidFill>
+                <a:latin typeface="Consolas" panose="020B0609020204030204" pitchFamily="49" charset="0"/>
+                <a:cs typeface="Consolas" panose="020B0609020204030204" pitchFamily="49" charset="0"/>
+              </a:rPr>
+              <a:t>prompt</a:t>
+            </a:r>
+            <a:r>
+              <a:rPr lang="es-ES" dirty="0">
+                <a:solidFill>
+                  <a:schemeClr val="bg1"/>
+                </a:solidFill>
+                <a:latin typeface="Consolas" panose="020B0609020204030204" pitchFamily="49" charset="0"/>
+                <a:cs typeface="Consolas" panose="020B0609020204030204" pitchFamily="49" charset="0"/>
+              </a:rPr>
+              <a:t> </a:t>
+            </a:r>
+            <a:r>
+              <a:rPr lang="es-ES" dirty="0" err="1">
+                <a:solidFill>
+                  <a:schemeClr val="bg1"/>
+                </a:solidFill>
+                <a:latin typeface="Consolas" panose="020B0609020204030204" pitchFamily="49" charset="0"/>
+                <a:cs typeface="Consolas" panose="020B0609020204030204" pitchFamily="49" charset="0"/>
+              </a:rPr>
+              <a:t>without</a:t>
+            </a:r>
+            <a:r>
+              <a:rPr lang="es-ES" dirty="0">
+                <a:solidFill>
+                  <a:schemeClr val="bg1"/>
+                </a:solidFill>
+                <a:latin typeface="Consolas" panose="020B0609020204030204" pitchFamily="49" charset="0"/>
+                <a:cs typeface="Consolas" panose="020B0609020204030204" pitchFamily="49" charset="0"/>
+              </a:rPr>
+              <a:t> </a:t>
+            </a:r>
+            <a:r>
+              <a:rPr lang="es-ES" dirty="0" err="1">
+                <a:solidFill>
+                  <a:schemeClr val="bg1"/>
+                </a:solidFill>
+                <a:latin typeface="Consolas" panose="020B0609020204030204" pitchFamily="49" charset="0"/>
+                <a:cs typeface="Consolas" panose="020B0609020204030204" pitchFamily="49" charset="0"/>
+              </a:rPr>
+              <a:t>arguments</a:t>
+            </a:r>
+            <a:r>
+              <a:rPr lang="es-ES" dirty="0">
+                <a:solidFill>
+                  <a:schemeClr val="bg1"/>
+                </a:solidFill>
+                <a:latin typeface="Consolas" panose="020B0609020204030204" pitchFamily="49" charset="0"/>
+                <a:cs typeface="Consolas" panose="020B0609020204030204" pitchFamily="49" charset="0"/>
+              </a:rPr>
+              <a:t> </a:t>
+            </a:r>
+            <a:r>
+              <a:rPr lang="es-ES" dirty="0" err="1">
+                <a:solidFill>
+                  <a:schemeClr val="bg1"/>
+                </a:solidFill>
+                <a:latin typeface="Consolas" panose="020B0609020204030204" pitchFamily="49" charset="0"/>
+                <a:cs typeface="Consolas" panose="020B0609020204030204" pitchFamily="49" charset="0"/>
+              </a:rPr>
+              <a:t>about</a:t>
+            </a:r>
+            <a:r>
+              <a:rPr lang="es-ES" dirty="0">
+                <a:solidFill>
+                  <a:schemeClr val="bg1"/>
+                </a:solidFill>
+                <a:latin typeface="Consolas" panose="020B0609020204030204" pitchFamily="49" charset="0"/>
+                <a:cs typeface="Consolas" panose="020B0609020204030204" pitchFamily="49" charset="0"/>
+              </a:rPr>
+              <a:t> </a:t>
+            </a:r>
+            <a:r>
+              <a:rPr lang="es-ES" dirty="0" err="1">
+                <a:solidFill>
+                  <a:schemeClr val="bg1"/>
+                </a:solidFill>
+                <a:latin typeface="Consolas" panose="020B0609020204030204" pitchFamily="49" charset="0"/>
+                <a:cs typeface="Consolas" panose="020B0609020204030204" pitchFamily="49" charset="0"/>
+              </a:rPr>
+              <a:t>SevillaDotNet</a:t>
+            </a:r>
+            <a:r>
+              <a:rPr lang="es-ES" dirty="0">
+                <a:solidFill>
+                  <a:schemeClr val="bg1"/>
+                </a:solidFill>
+                <a:latin typeface="Consolas" panose="020B0609020204030204" pitchFamily="49" charset="0"/>
+                <a:cs typeface="Consolas" panose="020B0609020204030204" pitchFamily="49" charset="0"/>
+              </a:rPr>
+              <a:t>.")]</a:t>
+            </a:r>
+          </a:p>
+          <a:p>
+            <a:r>
+              <a:rPr lang="es-ES" dirty="0" err="1">
+                <a:solidFill>
+                  <a:schemeClr val="bg1"/>
+                </a:solidFill>
+                <a:latin typeface="Consolas" panose="020B0609020204030204" pitchFamily="49" charset="0"/>
+                <a:cs typeface="Consolas" panose="020B0609020204030204" pitchFamily="49" charset="0"/>
+              </a:rPr>
+              <a:t>public</a:t>
+            </a:r>
+            <a:r>
+              <a:rPr lang="es-ES" dirty="0">
+                <a:solidFill>
+                  <a:schemeClr val="bg1"/>
+                </a:solidFill>
+                <a:latin typeface="Consolas" panose="020B0609020204030204" pitchFamily="49" charset="0"/>
+                <a:cs typeface="Consolas" panose="020B0609020204030204" pitchFamily="49" charset="0"/>
+              </a:rPr>
+              <a:t> </a:t>
+            </a:r>
+            <a:r>
+              <a:rPr lang="es-ES" dirty="0" err="1">
+                <a:solidFill>
+                  <a:schemeClr val="bg1"/>
+                </a:solidFill>
+                <a:latin typeface="Consolas" panose="020B0609020204030204" pitchFamily="49" charset="0"/>
+                <a:cs typeface="Consolas" panose="020B0609020204030204" pitchFamily="49" charset="0"/>
+              </a:rPr>
+              <a:t>static</a:t>
+            </a:r>
+            <a:r>
+              <a:rPr lang="es-ES" dirty="0">
+                <a:solidFill>
+                  <a:schemeClr val="bg1"/>
+                </a:solidFill>
+                <a:latin typeface="Consolas" panose="020B0609020204030204" pitchFamily="49" charset="0"/>
+                <a:cs typeface="Consolas" panose="020B0609020204030204" pitchFamily="49" charset="0"/>
+              </a:rPr>
+              <a:t> </a:t>
+            </a:r>
+            <a:r>
+              <a:rPr lang="es-ES" dirty="0" err="1">
+                <a:solidFill>
+                  <a:schemeClr val="bg1"/>
+                </a:solidFill>
+                <a:latin typeface="Consolas" panose="020B0609020204030204" pitchFamily="49" charset="0"/>
+                <a:cs typeface="Consolas" panose="020B0609020204030204" pitchFamily="49" charset="0"/>
+              </a:rPr>
+              <a:t>string</a:t>
+            </a:r>
+            <a:r>
+              <a:rPr lang="es-ES" dirty="0">
+                <a:solidFill>
+                  <a:schemeClr val="bg1"/>
+                </a:solidFill>
+                <a:latin typeface="Consolas" panose="020B0609020204030204" pitchFamily="49" charset="0"/>
+                <a:cs typeface="Consolas" panose="020B0609020204030204" pitchFamily="49" charset="0"/>
+              </a:rPr>
+              <a:t> </a:t>
+            </a:r>
+            <a:r>
+              <a:rPr lang="es-ES" dirty="0" err="1">
+                <a:solidFill>
+                  <a:schemeClr val="bg1"/>
+                </a:solidFill>
+                <a:latin typeface="Consolas" panose="020B0609020204030204" pitchFamily="49" charset="0"/>
+                <a:cs typeface="Consolas" panose="020B0609020204030204" pitchFamily="49" charset="0"/>
+              </a:rPr>
+              <a:t>GetBasicPrompt</a:t>
+            </a:r>
+            <a:r>
+              <a:rPr lang="es-ES" dirty="0">
+                <a:solidFill>
+                  <a:schemeClr val="bg1"/>
+                </a:solidFill>
+                <a:latin typeface="Consolas" panose="020B0609020204030204" pitchFamily="49" charset="0"/>
+                <a:cs typeface="Consolas" panose="020B0609020204030204" pitchFamily="49" charset="0"/>
+              </a:rPr>
+              <a:t>() =&gt; "</a:t>
+            </a:r>
+            <a:r>
+              <a:rPr lang="es-ES" dirty="0" err="1">
+                <a:solidFill>
+                  <a:schemeClr val="bg1"/>
+                </a:solidFill>
+                <a:latin typeface="Consolas" panose="020B0609020204030204" pitchFamily="49" charset="0"/>
+                <a:cs typeface="Consolas" panose="020B0609020204030204" pitchFamily="49" charset="0"/>
+              </a:rPr>
+              <a:t>Provide</a:t>
+            </a:r>
+            <a:r>
+              <a:rPr lang="es-ES" dirty="0">
+                <a:solidFill>
+                  <a:schemeClr val="bg1"/>
+                </a:solidFill>
+                <a:latin typeface="Consolas" panose="020B0609020204030204" pitchFamily="49" charset="0"/>
+                <a:cs typeface="Consolas" panose="020B0609020204030204" pitchFamily="49" charset="0"/>
+              </a:rPr>
+              <a:t> a </a:t>
+            </a:r>
+            <a:r>
+              <a:rPr lang="es-ES" dirty="0" err="1">
+                <a:solidFill>
+                  <a:schemeClr val="bg1"/>
+                </a:solidFill>
+                <a:latin typeface="Consolas" panose="020B0609020204030204" pitchFamily="49" charset="0"/>
+                <a:cs typeface="Consolas" panose="020B0609020204030204" pitchFamily="49" charset="0"/>
+              </a:rPr>
+              <a:t>detailed</a:t>
+            </a:r>
+            <a:r>
+              <a:rPr lang="es-ES" dirty="0">
+                <a:solidFill>
+                  <a:schemeClr val="bg1"/>
+                </a:solidFill>
+                <a:latin typeface="Consolas" panose="020B0609020204030204" pitchFamily="49" charset="0"/>
+                <a:cs typeface="Consolas" panose="020B0609020204030204" pitchFamily="49" charset="0"/>
+              </a:rPr>
+              <a:t> </a:t>
+            </a:r>
+            <a:r>
+              <a:rPr lang="es-ES" dirty="0" err="1">
+                <a:solidFill>
+                  <a:schemeClr val="bg1"/>
+                </a:solidFill>
+                <a:latin typeface="Consolas" panose="020B0609020204030204" pitchFamily="49" charset="0"/>
+                <a:cs typeface="Consolas" panose="020B0609020204030204" pitchFamily="49" charset="0"/>
+              </a:rPr>
+              <a:t>summary</a:t>
+            </a:r>
+            <a:r>
+              <a:rPr lang="es-ES" dirty="0">
+                <a:solidFill>
+                  <a:schemeClr val="bg1"/>
+                </a:solidFill>
+                <a:latin typeface="Consolas" panose="020B0609020204030204" pitchFamily="49" charset="0"/>
+                <a:cs typeface="Consolas" panose="020B0609020204030204" pitchFamily="49" charset="0"/>
+              </a:rPr>
+              <a:t> </a:t>
+            </a:r>
+            <a:r>
+              <a:rPr lang="es-ES" dirty="0" err="1">
+                <a:solidFill>
+                  <a:schemeClr val="bg1"/>
+                </a:solidFill>
+                <a:latin typeface="Consolas" panose="020B0609020204030204" pitchFamily="49" charset="0"/>
+                <a:cs typeface="Consolas" panose="020B0609020204030204" pitchFamily="49" charset="0"/>
+              </a:rPr>
+              <a:t>of</a:t>
+            </a:r>
+            <a:r>
+              <a:rPr lang="es-ES" dirty="0">
+                <a:solidFill>
+                  <a:schemeClr val="bg1"/>
+                </a:solidFill>
+                <a:latin typeface="Consolas" panose="020B0609020204030204" pitchFamily="49" charset="0"/>
+                <a:cs typeface="Consolas" panose="020B0609020204030204" pitchFamily="49" charset="0"/>
+              </a:rPr>
+              <a:t> </a:t>
+            </a:r>
+            <a:r>
+              <a:rPr lang="es-ES" dirty="0" err="1">
+                <a:solidFill>
+                  <a:schemeClr val="bg1"/>
+                </a:solidFill>
+                <a:latin typeface="Consolas" panose="020B0609020204030204" pitchFamily="49" charset="0"/>
+                <a:cs typeface="Consolas" panose="020B0609020204030204" pitchFamily="49" charset="0"/>
+              </a:rPr>
+              <a:t>SevillaDotNet</a:t>
+            </a:r>
+            <a:r>
+              <a:rPr lang="es-ES" dirty="0">
+                <a:solidFill>
+                  <a:schemeClr val="bg1"/>
+                </a:solidFill>
+                <a:latin typeface="Consolas" panose="020B0609020204030204" pitchFamily="49" charset="0"/>
+                <a:cs typeface="Consolas" panose="020B0609020204030204" pitchFamily="49" charset="0"/>
+              </a:rPr>
+              <a:t>, </a:t>
+            </a:r>
+            <a:r>
+              <a:rPr lang="es-ES" dirty="0" err="1">
+                <a:solidFill>
+                  <a:schemeClr val="bg1"/>
+                </a:solidFill>
+                <a:latin typeface="Consolas" panose="020B0609020204030204" pitchFamily="49" charset="0"/>
+                <a:cs typeface="Consolas" panose="020B0609020204030204" pitchFamily="49" charset="0"/>
+              </a:rPr>
+              <a:t>the</a:t>
+            </a:r>
+            <a:r>
+              <a:rPr lang="es-ES" dirty="0">
+                <a:solidFill>
+                  <a:schemeClr val="bg1"/>
+                </a:solidFill>
+                <a:latin typeface="Consolas" panose="020B0609020204030204" pitchFamily="49" charset="0"/>
+                <a:cs typeface="Consolas" panose="020B0609020204030204" pitchFamily="49" charset="0"/>
+              </a:rPr>
+              <a:t> .NET </a:t>
+            </a:r>
+            <a:r>
+              <a:rPr lang="es-ES" dirty="0" err="1">
+                <a:solidFill>
+                  <a:schemeClr val="bg1"/>
+                </a:solidFill>
+                <a:latin typeface="Consolas" panose="020B0609020204030204" pitchFamily="49" charset="0"/>
+                <a:cs typeface="Consolas" panose="020B0609020204030204" pitchFamily="49" charset="0"/>
+              </a:rPr>
+              <a:t>user</a:t>
+            </a:r>
+            <a:r>
+              <a:rPr lang="es-ES" dirty="0">
+                <a:solidFill>
+                  <a:schemeClr val="bg1"/>
+                </a:solidFill>
+                <a:latin typeface="Consolas" panose="020B0609020204030204" pitchFamily="49" charset="0"/>
+                <a:cs typeface="Consolas" panose="020B0609020204030204" pitchFamily="49" charset="0"/>
+              </a:rPr>
+              <a:t> </a:t>
+            </a:r>
+            <a:r>
+              <a:rPr lang="es-ES" dirty="0" err="1">
+                <a:solidFill>
+                  <a:schemeClr val="bg1"/>
+                </a:solidFill>
+                <a:latin typeface="Consolas" panose="020B0609020204030204" pitchFamily="49" charset="0"/>
+                <a:cs typeface="Consolas" panose="020B0609020204030204" pitchFamily="49" charset="0"/>
+              </a:rPr>
+              <a:t>group</a:t>
+            </a:r>
+            <a:r>
+              <a:rPr lang="es-ES" dirty="0">
+                <a:solidFill>
+                  <a:schemeClr val="bg1"/>
+                </a:solidFill>
+                <a:latin typeface="Consolas" panose="020B0609020204030204" pitchFamily="49" charset="0"/>
+                <a:cs typeface="Consolas" panose="020B0609020204030204" pitchFamily="49" charset="0"/>
+              </a:rPr>
+              <a:t> </a:t>
+            </a:r>
+            <a:r>
+              <a:rPr lang="es-ES" dirty="0" err="1">
+                <a:solidFill>
+                  <a:schemeClr val="bg1"/>
+                </a:solidFill>
+                <a:latin typeface="Consolas" panose="020B0609020204030204" pitchFamily="49" charset="0"/>
+                <a:cs typeface="Consolas" panose="020B0609020204030204" pitchFamily="49" charset="0"/>
+              </a:rPr>
+              <a:t>based</a:t>
+            </a:r>
+            <a:r>
+              <a:rPr lang="es-ES" dirty="0">
+                <a:solidFill>
+                  <a:schemeClr val="bg1"/>
+                </a:solidFill>
+                <a:latin typeface="Consolas" panose="020B0609020204030204" pitchFamily="49" charset="0"/>
+                <a:cs typeface="Consolas" panose="020B0609020204030204" pitchFamily="49" charset="0"/>
+              </a:rPr>
+              <a:t> in </a:t>
+            </a:r>
+            <a:r>
+              <a:rPr lang="es-ES" dirty="0" err="1">
+                <a:solidFill>
+                  <a:schemeClr val="bg1"/>
+                </a:solidFill>
+                <a:latin typeface="Consolas" panose="020B0609020204030204" pitchFamily="49" charset="0"/>
+                <a:cs typeface="Consolas" panose="020B0609020204030204" pitchFamily="49" charset="0"/>
+              </a:rPr>
+              <a:t>Seville</a:t>
+            </a:r>
+            <a:r>
+              <a:rPr lang="es-ES" dirty="0">
+                <a:solidFill>
+                  <a:schemeClr val="bg1"/>
+                </a:solidFill>
+                <a:latin typeface="Consolas" panose="020B0609020204030204" pitchFamily="49" charset="0"/>
+                <a:cs typeface="Consolas" panose="020B0609020204030204" pitchFamily="49" charset="0"/>
+              </a:rPr>
+              <a:t>, </a:t>
+            </a:r>
+            <a:r>
+              <a:rPr lang="es-ES" dirty="0" err="1">
+                <a:solidFill>
+                  <a:schemeClr val="bg1"/>
+                </a:solidFill>
+                <a:latin typeface="Consolas" panose="020B0609020204030204" pitchFamily="49" charset="0"/>
+                <a:cs typeface="Consolas" panose="020B0609020204030204" pitchFamily="49" charset="0"/>
+              </a:rPr>
+              <a:t>Spain</a:t>
+            </a:r>
+            <a:r>
+              <a:rPr lang="es-ES" dirty="0">
+                <a:solidFill>
+                  <a:schemeClr val="bg1"/>
+                </a:solidFill>
+                <a:latin typeface="Consolas" panose="020B0609020204030204" pitchFamily="49" charset="0"/>
+                <a:cs typeface="Consolas" panose="020B0609020204030204" pitchFamily="49" charset="0"/>
+              </a:rPr>
+              <a:t>.";</a:t>
+            </a:r>
+          </a:p>
+        </p:txBody>
+      </p:sp>
+    </p:spTree>
+    <p:extLst>
+      <p:ext uri="{BB962C8B-B14F-4D97-AF65-F5344CB8AC3E}">
+        <p14:creationId xmlns:p14="http://schemas.microsoft.com/office/powerpoint/2010/main" val="911464491"/>
+      </p:ext>
+    </p:extLst>
+  </p:cSld>
+  <p:clrMapOvr>
+    <a:masterClrMapping/>
+  </p:clrMapOvr>
+</p:sld>
+</file>
+
+<file path=ppt/slides/slide38.xml><?xml version="1.0" encoding="utf-8"?>
+<p:sld xmlns:a="http://schemas.openxmlformats.org/drawingml/2006/main" xmlns:r="http://schemas.openxmlformats.org/officeDocument/2006/relationships" xmlns:p="http://schemas.openxmlformats.org/presentationml/2006/main">
+  <p:cSld>
+    <p:spTree>
+      <p:nvGrpSpPr>
+        <p:cNvPr id="1" name="">
+          <a:extLst>
+            <a:ext uri="{FF2B5EF4-FFF2-40B4-BE49-F238E27FC236}">
+              <a16:creationId xmlns:a16="http://schemas.microsoft.com/office/drawing/2014/main" id="{5042F5CC-0B82-65F0-8E1D-03B48FFA1C03}"/>
+            </a:ext>
+          </a:extLst>
+        </p:cNvPr>
+        <p:cNvGrpSpPr/>
+        <p:nvPr/>
+      </p:nvGrpSpPr>
+      <p:grpSpPr>
+        <a:xfrm>
+          <a:off x="0" y="0"/>
+          <a:ext cx="0" cy="0"/>
+          <a:chOff x="0" y="0"/>
+          <a:chExt cx="0" cy="0"/>
+        </a:xfrm>
+      </p:grpSpPr>
+      <p:sp>
+        <p:nvSpPr>
+          <p:cNvPr id="2" name="Title 1">
+            <a:extLst>
+              <a:ext uri="{FF2B5EF4-FFF2-40B4-BE49-F238E27FC236}">
+                <a16:creationId xmlns:a16="http://schemas.microsoft.com/office/drawing/2014/main" id="{77EC7F4F-E76A-E93C-21A2-6E274CFEA7D8}"/>
+              </a:ext>
+            </a:extLst>
+          </p:cNvPr>
+          <p:cNvSpPr>
+            <a:spLocks noGrp="1"/>
+          </p:cNvSpPr>
+          <p:nvPr>
+            <p:ph type="title"/>
+          </p:nvPr>
+        </p:nvSpPr>
+        <p:spPr>
+          <a:xfrm>
+            <a:off x="838200" y="139746"/>
+            <a:ext cx="10515600" cy="1057990"/>
+          </a:xfrm>
+        </p:spPr>
+        <p:txBody>
+          <a:bodyPr/>
+          <a:lstStyle/>
+          <a:p>
+            <a:r>
+              <a:rPr lang="en-US" dirty="0" err="1">
+                <a:solidFill>
+                  <a:schemeClr val="accent2"/>
+                </a:solidFill>
+              </a:rPr>
+              <a:t>Buenas</a:t>
+            </a:r>
+            <a:r>
+              <a:rPr lang="en-US" dirty="0">
+                <a:solidFill>
+                  <a:schemeClr val="accent2"/>
+                </a:solidFill>
+              </a:rPr>
+              <a:t> </a:t>
+            </a:r>
+            <a:r>
+              <a:rPr lang="en-US" dirty="0" err="1">
+                <a:solidFill>
+                  <a:schemeClr val="accent2"/>
+                </a:solidFill>
+              </a:rPr>
+              <a:t>prácticas</a:t>
+            </a:r>
+            <a:r>
+              <a:rPr lang="en-US" dirty="0">
+                <a:solidFill>
+                  <a:schemeClr val="accent2"/>
+                </a:solidFill>
+              </a:rPr>
+              <a:t> al </a:t>
+            </a:r>
+            <a:r>
+              <a:rPr lang="en-US" dirty="0" err="1">
+                <a:solidFill>
+                  <a:schemeClr val="accent2"/>
+                </a:solidFill>
+              </a:rPr>
+              <a:t>crear</a:t>
+            </a:r>
+            <a:r>
+              <a:rPr lang="en-US" dirty="0">
+                <a:solidFill>
+                  <a:schemeClr val="accent2"/>
+                </a:solidFill>
+              </a:rPr>
+              <a:t> Prompts</a:t>
+            </a:r>
+          </a:p>
+        </p:txBody>
+      </p:sp>
+      <p:sp>
+        <p:nvSpPr>
+          <p:cNvPr id="3" name="Content Placeholder 2">
+            <a:extLst>
+              <a:ext uri="{FF2B5EF4-FFF2-40B4-BE49-F238E27FC236}">
+                <a16:creationId xmlns:a16="http://schemas.microsoft.com/office/drawing/2014/main" id="{44FB219D-6BC8-2386-D3FC-18BB4EEE055A}"/>
+              </a:ext>
+            </a:extLst>
+          </p:cNvPr>
+          <p:cNvSpPr>
+            <a:spLocks noGrp="1"/>
+          </p:cNvSpPr>
+          <p:nvPr>
+            <p:ph idx="1"/>
+          </p:nvPr>
+        </p:nvSpPr>
+        <p:spPr>
+          <a:xfrm>
+            <a:off x="838200" y="1189178"/>
+            <a:ext cx="11084562" cy="3619452"/>
+          </a:xfrm>
+        </p:spPr>
+        <p:txBody>
+          <a:bodyPr/>
+          <a:lstStyle/>
+          <a:p>
+            <a:r>
+              <a:rPr lang="en-US" sz="3600" dirty="0" err="1">
+                <a:latin typeface="Segoe UI" panose="020B0502040204020203" pitchFamily="34" charset="0"/>
+                <a:cs typeface="Segoe UI" panose="020B0502040204020203" pitchFamily="34" charset="0"/>
+              </a:rPr>
+              <a:t>Utiliza</a:t>
+            </a:r>
+            <a:r>
+              <a:rPr lang="en-US" sz="3600" dirty="0">
+                <a:latin typeface="Segoe UI" panose="020B0502040204020203" pitchFamily="34" charset="0"/>
+                <a:cs typeface="Segoe UI" panose="020B0502040204020203" pitchFamily="34" charset="0"/>
+              </a:rPr>
+              <a:t> </a:t>
+            </a:r>
+            <a:r>
+              <a:rPr lang="en-US" sz="3600" dirty="0" err="1">
+                <a:latin typeface="Segoe UI" panose="020B0502040204020203" pitchFamily="34" charset="0"/>
+                <a:cs typeface="Segoe UI" panose="020B0502040204020203" pitchFamily="34" charset="0"/>
+              </a:rPr>
+              <a:t>nombres</a:t>
+            </a:r>
+            <a:r>
+              <a:rPr lang="en-US" sz="3600" dirty="0">
+                <a:latin typeface="Segoe UI" panose="020B0502040204020203" pitchFamily="34" charset="0"/>
+                <a:cs typeface="Segoe UI" panose="020B0502040204020203" pitchFamily="34" charset="0"/>
+              </a:rPr>
+              <a:t> claros y </a:t>
+            </a:r>
+            <a:r>
+              <a:rPr lang="en-US" sz="3600" dirty="0" err="1">
+                <a:latin typeface="Segoe UI" panose="020B0502040204020203" pitchFamily="34" charset="0"/>
+                <a:cs typeface="Segoe UI" panose="020B0502040204020203" pitchFamily="34" charset="0"/>
+              </a:rPr>
+              <a:t>descriptivos</a:t>
+            </a:r>
+            <a:r>
+              <a:rPr lang="en-US" sz="3600" dirty="0">
+                <a:latin typeface="Segoe UI" panose="020B0502040204020203" pitchFamily="34" charset="0"/>
+                <a:cs typeface="Segoe UI" panose="020B0502040204020203" pitchFamily="34" charset="0"/>
+              </a:rPr>
+              <a:t>.</a:t>
+            </a:r>
+          </a:p>
+          <a:p>
+            <a:r>
+              <a:rPr lang="en-US" sz="3600" dirty="0" err="1">
+                <a:latin typeface="Segoe UI" panose="020B0502040204020203" pitchFamily="34" charset="0"/>
+                <a:cs typeface="Segoe UI" panose="020B0502040204020203" pitchFamily="34" charset="0"/>
+              </a:rPr>
+              <a:t>Proporciona</a:t>
+            </a:r>
+            <a:r>
+              <a:rPr lang="en-US" sz="3600" dirty="0">
+                <a:latin typeface="Segoe UI" panose="020B0502040204020203" pitchFamily="34" charset="0"/>
+                <a:cs typeface="Segoe UI" panose="020B0502040204020203" pitchFamily="34" charset="0"/>
+              </a:rPr>
+              <a:t> </a:t>
+            </a:r>
+            <a:r>
+              <a:rPr lang="en-US" sz="3600" dirty="0" err="1">
+                <a:latin typeface="Segoe UI" panose="020B0502040204020203" pitchFamily="34" charset="0"/>
+                <a:cs typeface="Segoe UI" panose="020B0502040204020203" pitchFamily="34" charset="0"/>
+              </a:rPr>
+              <a:t>descripciones</a:t>
+            </a:r>
+            <a:r>
+              <a:rPr lang="en-US" sz="3600" dirty="0">
+                <a:latin typeface="Segoe UI" panose="020B0502040204020203" pitchFamily="34" charset="0"/>
+                <a:cs typeface="Segoe UI" panose="020B0502040204020203" pitchFamily="34" charset="0"/>
+              </a:rPr>
+              <a:t> </a:t>
+            </a:r>
+            <a:r>
+              <a:rPr lang="en-US" sz="3600" dirty="0" err="1">
+                <a:latin typeface="Segoe UI" panose="020B0502040204020203" pitchFamily="34" charset="0"/>
+                <a:cs typeface="Segoe UI" panose="020B0502040204020203" pitchFamily="34" charset="0"/>
+              </a:rPr>
+              <a:t>detalladas</a:t>
+            </a:r>
+            <a:r>
+              <a:rPr lang="en-US" sz="3600" dirty="0">
+                <a:latin typeface="Segoe UI" panose="020B0502040204020203" pitchFamily="34" charset="0"/>
+                <a:cs typeface="Segoe UI" panose="020B0502040204020203" pitchFamily="34" charset="0"/>
+              </a:rPr>
+              <a:t> de las </a:t>
+            </a:r>
+            <a:r>
+              <a:rPr lang="en-US" sz="3600" dirty="0" err="1">
+                <a:latin typeface="Segoe UI" panose="020B0502040204020203" pitchFamily="34" charset="0"/>
+                <a:cs typeface="Segoe UI" panose="020B0502040204020203" pitchFamily="34" charset="0"/>
+              </a:rPr>
+              <a:t>indicaciones</a:t>
+            </a:r>
+            <a:r>
+              <a:rPr lang="en-US" sz="3600" dirty="0">
+                <a:latin typeface="Segoe UI" panose="020B0502040204020203" pitchFamily="34" charset="0"/>
+                <a:cs typeface="Segoe UI" panose="020B0502040204020203" pitchFamily="34" charset="0"/>
+              </a:rPr>
+              <a:t> y </a:t>
+            </a:r>
+            <a:r>
+              <a:rPr lang="en-US" sz="3600" dirty="0" err="1">
+                <a:latin typeface="Segoe UI" panose="020B0502040204020203" pitchFamily="34" charset="0"/>
+                <a:cs typeface="Segoe UI" panose="020B0502040204020203" pitchFamily="34" charset="0"/>
+              </a:rPr>
+              <a:t>los</a:t>
+            </a:r>
+            <a:r>
+              <a:rPr lang="en-US" sz="3600" dirty="0">
+                <a:latin typeface="Segoe UI" panose="020B0502040204020203" pitchFamily="34" charset="0"/>
+                <a:cs typeface="Segoe UI" panose="020B0502040204020203" pitchFamily="34" charset="0"/>
+              </a:rPr>
+              <a:t> </a:t>
+            </a:r>
+            <a:r>
+              <a:rPr lang="en-US" sz="3600" dirty="0" err="1">
+                <a:latin typeface="Segoe UI" panose="020B0502040204020203" pitchFamily="34" charset="0"/>
+                <a:cs typeface="Segoe UI" panose="020B0502040204020203" pitchFamily="34" charset="0"/>
+              </a:rPr>
+              <a:t>argumentos</a:t>
+            </a:r>
+            <a:r>
+              <a:rPr lang="en-US" sz="3600" dirty="0">
+                <a:latin typeface="Segoe UI" panose="020B0502040204020203" pitchFamily="34" charset="0"/>
+                <a:cs typeface="Segoe UI" panose="020B0502040204020203" pitchFamily="34" charset="0"/>
+              </a:rPr>
+              <a:t>.</a:t>
+            </a:r>
+          </a:p>
+          <a:p>
+            <a:r>
+              <a:rPr lang="en-US" sz="3600" dirty="0" err="1">
+                <a:latin typeface="Segoe UI" panose="020B0502040204020203" pitchFamily="34" charset="0"/>
+                <a:cs typeface="Segoe UI" panose="020B0502040204020203" pitchFamily="34" charset="0"/>
+              </a:rPr>
+              <a:t>Implementa</a:t>
+            </a:r>
+            <a:r>
+              <a:rPr lang="en-US" sz="3600" dirty="0">
+                <a:latin typeface="Segoe UI" panose="020B0502040204020203" pitchFamily="34" charset="0"/>
+                <a:cs typeface="Segoe UI" panose="020B0502040204020203" pitchFamily="34" charset="0"/>
+              </a:rPr>
+              <a:t> la </a:t>
+            </a:r>
+            <a:r>
+              <a:rPr lang="en-US" sz="3600" dirty="0" err="1">
+                <a:latin typeface="Segoe UI" panose="020B0502040204020203" pitchFamily="34" charset="0"/>
+                <a:cs typeface="Segoe UI" panose="020B0502040204020203" pitchFamily="34" charset="0"/>
+              </a:rPr>
+              <a:t>gestión</a:t>
+            </a:r>
+            <a:r>
+              <a:rPr lang="en-US" sz="3600" dirty="0">
+                <a:latin typeface="Segoe UI" panose="020B0502040204020203" pitchFamily="34" charset="0"/>
+                <a:cs typeface="Segoe UI" panose="020B0502040204020203" pitchFamily="34" charset="0"/>
+              </a:rPr>
+              <a:t> de </a:t>
+            </a:r>
+            <a:r>
+              <a:rPr lang="en-US" sz="3600" dirty="0" err="1">
+                <a:latin typeface="Segoe UI" panose="020B0502040204020203" pitchFamily="34" charset="0"/>
+                <a:cs typeface="Segoe UI" panose="020B0502040204020203" pitchFamily="34" charset="0"/>
+              </a:rPr>
+              <a:t>errores</a:t>
+            </a:r>
+            <a:r>
+              <a:rPr lang="en-US" sz="3600" dirty="0">
+                <a:latin typeface="Segoe UI" panose="020B0502040204020203" pitchFamily="34" charset="0"/>
+                <a:cs typeface="Segoe UI" panose="020B0502040204020203" pitchFamily="34" charset="0"/>
+              </a:rPr>
+              <a:t>.</a:t>
+            </a:r>
+          </a:p>
+          <a:p>
+            <a:r>
+              <a:rPr lang="en-US" sz="3600" dirty="0">
+                <a:latin typeface="Segoe UI" panose="020B0502040204020203" pitchFamily="34" charset="0"/>
+                <a:cs typeface="Segoe UI" panose="020B0502040204020203" pitchFamily="34" charset="0"/>
+              </a:rPr>
+              <a:t>Documenta </a:t>
+            </a:r>
+            <a:r>
+              <a:rPr lang="en-US" sz="3600" dirty="0" err="1">
+                <a:latin typeface="Segoe UI" panose="020B0502040204020203" pitchFamily="34" charset="0"/>
+                <a:cs typeface="Segoe UI" panose="020B0502040204020203" pitchFamily="34" charset="0"/>
+              </a:rPr>
+              <a:t>los</a:t>
+            </a:r>
+            <a:r>
+              <a:rPr lang="en-US" sz="3600" dirty="0">
+                <a:latin typeface="Segoe UI" panose="020B0502040204020203" pitchFamily="34" charset="0"/>
+                <a:cs typeface="Segoe UI" panose="020B0502040204020203" pitchFamily="34" charset="0"/>
+              </a:rPr>
+              <a:t> </a:t>
+            </a:r>
+            <a:r>
+              <a:rPr lang="en-US" sz="3600" dirty="0" err="1">
+                <a:latin typeface="Segoe UI" panose="020B0502040204020203" pitchFamily="34" charset="0"/>
+                <a:cs typeface="Segoe UI" panose="020B0502040204020203" pitchFamily="34" charset="0"/>
+              </a:rPr>
+              <a:t>formatos</a:t>
+            </a:r>
+            <a:r>
+              <a:rPr lang="en-US" sz="3600" dirty="0">
+                <a:latin typeface="Segoe UI" panose="020B0502040204020203" pitchFamily="34" charset="0"/>
+                <a:cs typeface="Segoe UI" panose="020B0502040204020203" pitchFamily="34" charset="0"/>
+              </a:rPr>
+              <a:t> de </a:t>
+            </a:r>
+            <a:r>
+              <a:rPr lang="en-US" sz="3600" dirty="0" err="1">
+                <a:latin typeface="Segoe UI" panose="020B0502040204020203" pitchFamily="34" charset="0"/>
+                <a:cs typeface="Segoe UI" panose="020B0502040204020203" pitchFamily="34" charset="0"/>
+              </a:rPr>
+              <a:t>argumentos</a:t>
+            </a:r>
+            <a:r>
+              <a:rPr lang="en-US" sz="3600" dirty="0">
+                <a:latin typeface="Segoe UI" panose="020B0502040204020203" pitchFamily="34" charset="0"/>
+                <a:cs typeface="Segoe UI" panose="020B0502040204020203" pitchFamily="34" charset="0"/>
+              </a:rPr>
+              <a:t> </a:t>
+            </a:r>
+            <a:r>
+              <a:rPr lang="en-US" sz="3600" dirty="0" err="1">
+                <a:latin typeface="Segoe UI" panose="020B0502040204020203" pitchFamily="34" charset="0"/>
+                <a:cs typeface="Segoe UI" panose="020B0502040204020203" pitchFamily="34" charset="0"/>
+              </a:rPr>
+              <a:t>esperados</a:t>
+            </a:r>
+            <a:r>
+              <a:rPr lang="en-US" sz="3600" dirty="0">
+                <a:latin typeface="Segoe UI" panose="020B0502040204020203" pitchFamily="34" charset="0"/>
+                <a:cs typeface="Segoe UI" panose="020B0502040204020203" pitchFamily="34" charset="0"/>
+              </a:rPr>
+              <a:t>.</a:t>
+            </a:r>
+          </a:p>
+          <a:p>
+            <a:r>
+              <a:rPr lang="en-US" sz="3600" dirty="0" err="1">
+                <a:latin typeface="Segoe UI" panose="020B0502040204020203" pitchFamily="34" charset="0"/>
+                <a:cs typeface="Segoe UI" panose="020B0502040204020203" pitchFamily="34" charset="0"/>
+              </a:rPr>
+              <a:t>Prueba</a:t>
+            </a:r>
+            <a:r>
+              <a:rPr lang="en-US" sz="3600" dirty="0">
+                <a:latin typeface="Segoe UI" panose="020B0502040204020203" pitchFamily="34" charset="0"/>
+                <a:cs typeface="Segoe UI" panose="020B0502040204020203" pitchFamily="34" charset="0"/>
+              </a:rPr>
+              <a:t> </a:t>
+            </a:r>
+            <a:r>
+              <a:rPr lang="en-US" sz="3600" dirty="0" err="1">
+                <a:latin typeface="Segoe UI" panose="020B0502040204020203" pitchFamily="34" charset="0"/>
+                <a:cs typeface="Segoe UI" panose="020B0502040204020203" pitchFamily="34" charset="0"/>
+              </a:rPr>
+              <a:t>los</a:t>
+            </a:r>
+            <a:r>
+              <a:rPr lang="en-US" sz="3600" dirty="0">
+                <a:latin typeface="Segoe UI" panose="020B0502040204020203" pitchFamily="34" charset="0"/>
+                <a:cs typeface="Segoe UI" panose="020B0502040204020203" pitchFamily="34" charset="0"/>
+              </a:rPr>
+              <a:t> Prompts con </a:t>
+            </a:r>
+            <a:r>
+              <a:rPr lang="en-US" sz="3600" dirty="0" err="1">
+                <a:latin typeface="Segoe UI" panose="020B0502040204020203" pitchFamily="34" charset="0"/>
+                <a:cs typeface="Segoe UI" panose="020B0502040204020203" pitchFamily="34" charset="0"/>
+              </a:rPr>
+              <a:t>varias</a:t>
+            </a:r>
+            <a:r>
+              <a:rPr lang="en-US" sz="3600" dirty="0">
+                <a:latin typeface="Segoe UI" panose="020B0502040204020203" pitchFamily="34" charset="0"/>
+                <a:cs typeface="Segoe UI" panose="020B0502040204020203" pitchFamily="34" charset="0"/>
+              </a:rPr>
+              <a:t> entradas.</a:t>
+            </a:r>
+          </a:p>
+        </p:txBody>
+      </p:sp>
+    </p:spTree>
+    <p:extLst>
+      <p:ext uri="{BB962C8B-B14F-4D97-AF65-F5344CB8AC3E}">
+        <p14:creationId xmlns:p14="http://schemas.microsoft.com/office/powerpoint/2010/main" val="1027922381"/>
+      </p:ext>
+    </p:extLst>
+  </p:cSld>
+  <p:clrMapOvr>
+    <a:masterClrMapping/>
+  </p:clrMapOvr>
+</p:sld>
+</file>
+
+<file path=ppt/slides/slide39.xml><?xml version="1.0" encoding="utf-8"?>
+<p:sld xmlns:a="http://schemas.openxmlformats.org/drawingml/2006/main" xmlns:r="http://schemas.openxmlformats.org/officeDocument/2006/relationships" xmlns:p="http://schemas.openxmlformats.org/presentationml/2006/main">
+  <p:cSld>
+    <p:bg>
+      <p:bgPr>
+        <a:solidFill>
+          <a:srgbClr val="AE2283"/>
+        </a:solidFill>
+        <a:effectLst/>
+      </p:bgPr>
+    </p:bg>
+    <p:spTree>
+      <p:nvGrpSpPr>
+        <p:cNvPr id="1" name="">
+          <a:extLst>
+            <a:ext uri="{FF2B5EF4-FFF2-40B4-BE49-F238E27FC236}">
+              <a16:creationId xmlns:a16="http://schemas.microsoft.com/office/drawing/2014/main" id="{0CA2078E-0996-3193-C171-B529308C5C49}"/>
+            </a:ext>
+          </a:extLst>
+        </p:cNvPr>
+        <p:cNvGrpSpPr/>
+        <p:nvPr/>
+      </p:nvGrpSpPr>
+      <p:grpSpPr>
+        <a:xfrm>
+          <a:off x="0" y="0"/>
+          <a:ext cx="0" cy="0"/>
+          <a:chOff x="0" y="0"/>
+          <a:chExt cx="0" cy="0"/>
+        </a:xfrm>
+      </p:grpSpPr>
+      <p:sp>
+        <p:nvSpPr>
+          <p:cNvPr id="2" name="Title 1">
+            <a:extLst>
+              <a:ext uri="{FF2B5EF4-FFF2-40B4-BE49-F238E27FC236}">
+                <a16:creationId xmlns:a16="http://schemas.microsoft.com/office/drawing/2014/main" id="{CC7FB49C-3EE4-4DB8-458A-233285DBF5E7}"/>
+              </a:ext>
+            </a:extLst>
+          </p:cNvPr>
+          <p:cNvSpPr>
+            <a:spLocks noGrp="1"/>
+          </p:cNvSpPr>
+          <p:nvPr>
+            <p:ph type="title"/>
+          </p:nvPr>
+        </p:nvSpPr>
+        <p:spPr>
+          <a:xfrm>
+            <a:off x="3043403" y="1924319"/>
+            <a:ext cx="6105194" cy="3009362"/>
+          </a:xfrm>
+        </p:spPr>
+        <p:txBody>
+          <a:bodyPr vert="horz" lIns="91440" tIns="45720" rIns="91440" bIns="45720" rtlCol="0" anchor="b">
+            <a:normAutofit fontScale="90000"/>
+          </a:bodyPr>
+          <a:lstStyle/>
+          <a:p>
+            <a:r>
+              <a:rPr lang="en-US" altLang="zh-CN" sz="6000" b="1" dirty="0">
+                <a:solidFill>
+                  <a:srgbClr val="FFFFFF"/>
+                </a:solidFill>
+              </a:rPr>
+              <a:t>DEMO:</a:t>
+            </a:r>
+            <a:br>
+              <a:rPr lang="en-US" altLang="zh-CN" sz="6000" dirty="0">
+                <a:solidFill>
+                  <a:srgbClr val="FFFFFF"/>
+                </a:solidFill>
+              </a:rPr>
+            </a:br>
+            <a:r>
+              <a:rPr lang="en-US" altLang="zh-CN" sz="6000" dirty="0" err="1">
+                <a:solidFill>
+                  <a:srgbClr val="FFFFFF"/>
+                </a:solidFill>
+              </a:rPr>
+              <a:t>Usando</a:t>
+            </a:r>
+            <a:r>
+              <a:rPr lang="en-US" altLang="zh-CN" sz="6000" dirty="0">
+                <a:solidFill>
+                  <a:srgbClr val="FFFFFF"/>
+                </a:solidFill>
+              </a:rPr>
+              <a:t> y </a:t>
+            </a:r>
+            <a:r>
+              <a:rPr lang="en-US" altLang="zh-CN" sz="6000" dirty="0" err="1">
+                <a:solidFill>
+                  <a:srgbClr val="FFFFFF"/>
+                </a:solidFill>
+              </a:rPr>
+              <a:t>analizando</a:t>
+            </a:r>
+            <a:r>
+              <a:rPr lang="en-US" altLang="zh-CN" sz="6000" dirty="0">
+                <a:solidFill>
+                  <a:srgbClr val="FFFFFF"/>
+                </a:solidFill>
+              </a:rPr>
+              <a:t> </a:t>
+            </a:r>
+            <a:r>
+              <a:rPr lang="en-US" altLang="zh-CN" sz="6000" dirty="0" err="1">
+                <a:solidFill>
+                  <a:srgbClr val="FFFFFF"/>
+                </a:solidFill>
+              </a:rPr>
+              <a:t>el</a:t>
+            </a:r>
+            <a:r>
+              <a:rPr lang="en-US" altLang="zh-CN" sz="6000" dirty="0">
+                <a:solidFill>
+                  <a:srgbClr val="FFFFFF"/>
+                </a:solidFill>
+              </a:rPr>
+              <a:t> </a:t>
+            </a:r>
+            <a:r>
+              <a:rPr lang="en-US" altLang="zh-CN" sz="6000" dirty="0" err="1">
+                <a:solidFill>
+                  <a:srgbClr val="FFFFFF"/>
+                </a:solidFill>
+              </a:rPr>
+              <a:t>código</a:t>
+            </a:r>
+            <a:r>
+              <a:rPr lang="en-US" altLang="zh-CN" sz="6000" dirty="0">
+                <a:solidFill>
+                  <a:srgbClr val="FFFFFF"/>
+                </a:solidFill>
+              </a:rPr>
+              <a:t> de </a:t>
+            </a:r>
+            <a:r>
+              <a:rPr lang="en-US" altLang="zh-CN" sz="6000" dirty="0" err="1">
+                <a:solidFill>
+                  <a:srgbClr val="FFFFFF"/>
+                </a:solidFill>
+              </a:rPr>
+              <a:t>servidores</a:t>
+            </a:r>
+            <a:r>
+              <a:rPr lang="en-US" altLang="zh-CN" sz="6000" dirty="0">
+                <a:solidFill>
+                  <a:srgbClr val="FFFFFF"/>
+                </a:solidFill>
+              </a:rPr>
+              <a:t> MCP</a:t>
+            </a:r>
+          </a:p>
+        </p:txBody>
+      </p:sp>
+      <p:sp>
+        <p:nvSpPr>
+          <p:cNvPr id="4" name="CuadroTexto 3">
+            <a:extLst>
+              <a:ext uri="{FF2B5EF4-FFF2-40B4-BE49-F238E27FC236}">
+                <a16:creationId xmlns:a16="http://schemas.microsoft.com/office/drawing/2014/main" id="{DD177375-995E-4816-6697-8D402C98E18D}"/>
+              </a:ext>
+            </a:extLst>
+          </p:cNvPr>
+          <p:cNvSpPr txBox="1"/>
+          <p:nvPr/>
+        </p:nvSpPr>
+        <p:spPr>
+          <a:xfrm>
+            <a:off x="3043403" y="6087796"/>
+            <a:ext cx="6096000" cy="369332"/>
+          </a:xfrm>
+          <a:prstGeom prst="rect">
+            <a:avLst/>
+          </a:prstGeom>
+          <a:noFill/>
+        </p:spPr>
+        <p:txBody>
+          <a:bodyPr wrap="square">
+            <a:spAutoFit/>
+          </a:bodyPr>
+          <a:lstStyle/>
+          <a:p>
+            <a:pPr algn="ctr"/>
+            <a:r>
+              <a:rPr lang="es-ES" dirty="0">
+                <a:solidFill>
+                  <a:schemeClr val="bg1"/>
+                </a:solidFill>
+              </a:rPr>
+              <a:t>https://</a:t>
+            </a:r>
+            <a:r>
+              <a:rPr lang="es-ES" dirty="0" err="1">
+                <a:solidFill>
+                  <a:schemeClr val="bg1"/>
+                </a:solidFill>
+              </a:rPr>
+              <a:t>github.com</a:t>
+            </a:r>
+            <a:r>
+              <a:rPr lang="es-ES" dirty="0">
+                <a:solidFill>
+                  <a:schemeClr val="bg1"/>
+                </a:solidFill>
+              </a:rPr>
+              <a:t>/</a:t>
+            </a:r>
+            <a:r>
+              <a:rPr lang="es-ES" dirty="0" err="1">
+                <a:solidFill>
+                  <a:schemeClr val="bg1"/>
+                </a:solidFill>
+              </a:rPr>
+              <a:t>jsuarezruiz</a:t>
+            </a:r>
+            <a:r>
+              <a:rPr lang="es-ES" dirty="0">
+                <a:solidFill>
+                  <a:schemeClr val="bg1"/>
+                </a:solidFill>
+              </a:rPr>
+              <a:t>/</a:t>
+            </a:r>
+            <a:r>
+              <a:rPr lang="es-ES" dirty="0" err="1">
+                <a:solidFill>
+                  <a:schemeClr val="bg1"/>
+                </a:solidFill>
+              </a:rPr>
+              <a:t>mobile</a:t>
+            </a:r>
+            <a:r>
+              <a:rPr lang="es-ES" dirty="0">
+                <a:solidFill>
+                  <a:schemeClr val="bg1"/>
+                </a:solidFill>
+              </a:rPr>
+              <a:t>-</a:t>
+            </a:r>
+            <a:r>
+              <a:rPr lang="es-ES" dirty="0" err="1">
+                <a:solidFill>
+                  <a:schemeClr val="bg1"/>
+                </a:solidFill>
+              </a:rPr>
+              <a:t>dev</a:t>
+            </a:r>
+            <a:r>
+              <a:rPr lang="es-ES" dirty="0">
+                <a:solidFill>
+                  <a:schemeClr val="bg1"/>
+                </a:solidFill>
+              </a:rPr>
+              <a:t>-</a:t>
+            </a:r>
+            <a:r>
+              <a:rPr lang="es-ES" dirty="0" err="1">
+                <a:solidFill>
+                  <a:schemeClr val="bg1"/>
+                </a:solidFill>
+              </a:rPr>
+              <a:t>mcp</a:t>
+            </a:r>
+            <a:r>
+              <a:rPr lang="es-ES" dirty="0">
+                <a:solidFill>
+                  <a:schemeClr val="bg1"/>
+                </a:solidFill>
+              </a:rPr>
+              <a:t>-server</a:t>
+            </a:r>
+          </a:p>
+        </p:txBody>
+      </p:sp>
+    </p:spTree>
+    <p:extLst>
+      <p:ext uri="{BB962C8B-B14F-4D97-AF65-F5344CB8AC3E}">
+        <p14:creationId xmlns:p14="http://schemas.microsoft.com/office/powerpoint/2010/main" val="2937321869"/>
+      </p:ext>
+    </p:extLst>
+  </p:cSld>
+  <p:clrMapOvr>
+    <a:masterClrMapping/>
+  </p:clrMapOvr>
+</p:sld>
+</file>
+
+<file path=ppt/slides/slide4.xml><?xml version="1.0" encoding="utf-8"?>
+<p:sld xmlns:a="http://schemas.openxmlformats.org/drawingml/2006/main" xmlns:r="http://schemas.openxmlformats.org/officeDocument/2006/relationships" xmlns:p="http://schemas.openxmlformats.org/presentationml/2006/main">
+  <p:cSld>
+    <p:spTree>
+      <p:nvGrpSpPr>
+        <p:cNvPr id="1" name=""/>
+        <p:cNvGrpSpPr/>
+        <p:nvPr/>
+      </p:nvGrpSpPr>
+      <p:grpSpPr>
+        <a:xfrm>
+          <a:off x="0" y="0"/>
+          <a:ext cx="0" cy="0"/>
+          <a:chOff x="0" y="0"/>
+          <a:chExt cx="0" cy="0"/>
+        </a:xfrm>
+      </p:grpSpPr>
+      <p:sp>
+        <p:nvSpPr>
+          <p:cNvPr id="2" name="Title 1"/>
+          <p:cNvSpPr>
+            <a:spLocks noGrp="1"/>
+          </p:cNvSpPr>
+          <p:nvPr>
+            <p:ph type="title"/>
+          </p:nvPr>
+        </p:nvSpPr>
+        <p:spPr/>
+        <p:txBody>
+          <a:bodyPr/>
+          <a:lstStyle/>
+          <a:p>
+            <a:r>
+              <a:rPr lang="es-ES" dirty="0">
+                <a:solidFill>
+                  <a:schemeClr val="accent2"/>
+                </a:solidFill>
+              </a:rPr>
+              <a:t>La agenda</a:t>
+            </a:r>
+          </a:p>
+        </p:txBody>
+      </p:sp>
+      <p:sp>
+        <p:nvSpPr>
+          <p:cNvPr id="3" name="Text Placeholder 2"/>
+          <p:cNvSpPr>
+            <a:spLocks noGrp="1"/>
+          </p:cNvSpPr>
+          <p:nvPr>
+            <p:ph type="body" sz="quarter" idx="11"/>
+          </p:nvPr>
+        </p:nvSpPr>
+        <p:spPr>
+          <a:xfrm>
+            <a:off x="269240" y="1403351"/>
+            <a:ext cx="11647496" cy="5262144"/>
+          </a:xfrm>
+        </p:spPr>
+        <p:txBody>
+          <a:bodyPr/>
+          <a:lstStyle/>
+          <a:p>
+            <a:pPr marL="514350" indent="-514350">
+              <a:buFont typeface="+mj-lt"/>
+              <a:buAutoNum type="arabicPeriod"/>
+            </a:pPr>
+            <a:r>
+              <a:rPr lang="en-US" sz="2800" b="1" dirty="0"/>
+              <a:t>¿Por </a:t>
+            </a:r>
+            <a:r>
+              <a:rPr lang="en-US" sz="2800" b="1" dirty="0" err="1"/>
+              <a:t>qué</a:t>
+            </a:r>
+            <a:r>
+              <a:rPr lang="en-US" sz="2800" b="1" dirty="0"/>
+              <a:t>? </a:t>
+            </a:r>
+            <a:r>
+              <a:rPr lang="en-US" sz="2800" dirty="0"/>
+              <a:t>– La </a:t>
+            </a:r>
+            <a:r>
+              <a:rPr lang="en-US" sz="2800" dirty="0" err="1"/>
+              <a:t>necesidad</a:t>
+            </a:r>
+            <a:r>
+              <a:rPr lang="en-US" sz="2800" dirty="0"/>
+              <a:t> que </a:t>
+            </a:r>
+            <a:r>
+              <a:rPr lang="en-US" sz="2800" dirty="0" err="1"/>
+              <a:t>resuelve</a:t>
+            </a:r>
+            <a:r>
+              <a:rPr lang="en-US" sz="2800" dirty="0"/>
+              <a:t> MCP</a:t>
+            </a:r>
+          </a:p>
+          <a:p>
+            <a:pPr marL="514350" indent="-514350">
+              <a:buFont typeface="+mj-lt"/>
+              <a:buAutoNum type="arabicPeriod"/>
+            </a:pPr>
+            <a:r>
+              <a:rPr lang="es-ES" sz="2800" b="1" dirty="0"/>
+              <a:t>¿Qué es? </a:t>
+            </a:r>
+            <a:r>
+              <a:rPr lang="es-ES" sz="2800" dirty="0"/>
+              <a:t>– Conociendo todo lo necesario de MCP</a:t>
+            </a:r>
+          </a:p>
+          <a:p>
+            <a:pPr marL="514350" indent="-514350">
+              <a:buFont typeface="+mj-lt"/>
+              <a:buAutoNum type="arabicPeriod"/>
+            </a:pPr>
+            <a:r>
+              <a:rPr lang="es-ES" sz="2800" b="1" dirty="0"/>
+              <a:t>¿Cómo? </a:t>
+            </a:r>
+            <a:r>
+              <a:rPr lang="es-ES" sz="2800" dirty="0"/>
+              <a:t>Usando </a:t>
+            </a:r>
+            <a:r>
+              <a:rPr lang="es-ES" sz="2800" dirty="0" err="1"/>
+              <a:t>MCPs</a:t>
+            </a:r>
+            <a:r>
+              <a:rPr lang="es-ES" sz="2800" dirty="0"/>
+              <a:t> y desarrollando nuestro propio cliente, servidor, etc. Además, aprenderemos a usar herramientas como MCP Inspector y veremos casos prácticos.</a:t>
+            </a:r>
+          </a:p>
+        </p:txBody>
+      </p:sp>
+    </p:spTree>
+    <p:extLst>
+      <p:ext uri="{BB962C8B-B14F-4D97-AF65-F5344CB8AC3E}">
+        <p14:creationId xmlns:p14="http://schemas.microsoft.com/office/powerpoint/2010/main" val="2201445214"/>
+      </p:ext>
+    </p:extLst>
+  </p:cSld>
+  <p:clrMapOvr>
+    <a:masterClrMapping/>
+  </p:clrMapOvr>
+  <p:transition>
+    <p:fade/>
+  </p:transition>
+</p:sld>
+</file>
+
+<file path=ppt/slides/slide40.xml><?xml version="1.0" encoding="utf-8"?>
 <p:sld xmlns:a="http://schemas.openxmlformats.org/drawingml/2006/main" xmlns:r="http://schemas.openxmlformats.org/officeDocument/2006/relationships" xmlns:p="http://schemas.openxmlformats.org/presentationml/2006/main">
   <p:cSld>
     <p:spTree>
@@ -16777,7 +19621,7 @@
 </p:sld>
 </file>
 
-<file path=ppt/slides/slide32.xml><?xml version="1.0" encoding="utf-8"?>
+<file path=ppt/slides/slide41.xml><?xml version="1.0" encoding="utf-8"?>
 <p:sld xmlns:a="http://schemas.openxmlformats.org/drawingml/2006/main" xmlns:r="http://schemas.openxmlformats.org/officeDocument/2006/relationships" xmlns:p="http://schemas.openxmlformats.org/presentationml/2006/main">
   <p:cSld>
     <p:spTree>
@@ -17336,7 +20180,7 @@
 </p:sld>
 </file>
 
-<file path=ppt/slides/slide33.xml><?xml version="1.0" encoding="utf-8"?>
+<file path=ppt/slides/slide42.xml><?xml version="1.0" encoding="utf-8"?>
 <p:sld xmlns:a="http://schemas.openxmlformats.org/drawingml/2006/main" xmlns:r="http://schemas.openxmlformats.org/officeDocument/2006/relationships" xmlns:p="http://schemas.openxmlformats.org/presentationml/2006/main">
   <p:cSld>
     <p:spTree>
@@ -17409,7 +20253,7 @@
         <p:spPr>
           <a:xfrm>
             <a:off x="838200" y="1825624"/>
-            <a:ext cx="10515600" cy="4019562"/>
+            <a:ext cx="10515600" cy="3631763"/>
           </a:xfrm>
         </p:spPr>
         <p:txBody>
@@ -17417,16 +20261,37 @@
           <a:lstStyle/>
           <a:p>
             <a:r>
+              <a:rPr lang="en-US" sz="2800" dirty="0" err="1">
+                <a:latin typeface="Segoe UI" panose="020B0502040204020203" pitchFamily="34" charset="0"/>
+                <a:cs typeface="Segoe UI" panose="020B0502040204020203" pitchFamily="34" charset="0"/>
+              </a:rPr>
+              <a:t>Documentación</a:t>
+            </a:r>
+            <a:r>
               <a:rPr lang="en-US" sz="2800" dirty="0">
                 <a:latin typeface="Segoe UI" panose="020B0502040204020203" pitchFamily="34" charset="0"/>
                 <a:cs typeface="Segoe UI" panose="020B0502040204020203" pitchFamily="34" charset="0"/>
               </a:rPr>
-              <a:t>Documentation for guides and tutorials: </a:t>
+              <a:t> </a:t>
+            </a:r>
+            <a:r>
+              <a:rPr lang="en-US" sz="2800" dirty="0" err="1">
+                <a:latin typeface="Segoe UI" panose="020B0502040204020203" pitchFamily="34" charset="0"/>
+                <a:cs typeface="Segoe UI" panose="020B0502040204020203" pitchFamily="34" charset="0"/>
+              </a:rPr>
+              <a:t>oficial</a:t>
             </a:r>
             <a:r>
               <a:rPr lang="en-US" sz="2800" dirty="0">
                 <a:latin typeface="Segoe UI" panose="020B0502040204020203" pitchFamily="34" charset="0"/>
                 <a:cs typeface="Segoe UI" panose="020B0502040204020203" pitchFamily="34" charset="0"/>
+              </a:rPr>
+              <a:t>: </a:t>
+            </a:r>
+            <a:r>
+              <a:rPr lang="en-US" sz="2800" dirty="0">
+                <a:latin typeface="Segoe UI" panose="020B0502040204020203" pitchFamily="34" charset="0"/>
+                <a:cs typeface="Segoe UI" panose="020B0502040204020203" pitchFamily="34" charset="0"/>
                 <a:hlinkClick r:id="rId2"/>
               </a:rPr>
               <a:t>https://modelcontextprotocol.io/</a:t>
@@ -17441,11 +20306,60 @@
           </a:p>
           <a:p>
             <a:r>
+              <a:rPr lang="en-US" sz="2800" dirty="0" err="1">
+                <a:latin typeface="Segoe UI" panose="020B0502040204020203" pitchFamily="34" charset="0"/>
+                <a:cs typeface="Segoe UI" panose="020B0502040204020203" pitchFamily="34" charset="0"/>
+              </a:rPr>
+              <a:t>Especificación</a:t>
+            </a:r>
+            <a:r>
               <a:rPr lang="en-US" sz="2800" dirty="0">
                 <a:latin typeface="Segoe UI" panose="020B0502040204020203" pitchFamily="34" charset="0"/>
                 <a:cs typeface="Segoe UI" panose="020B0502040204020203" pitchFamily="34" charset="0"/>
               </a:rPr>
-              <a:t>Specification for protocol details: </a:t>
+              <a:t> de </a:t>
+            </a:r>
+            <a:r>
+              <a:rPr lang="en-US" sz="2800" dirty="0" err="1">
+                <a:latin typeface="Segoe UI" panose="020B0502040204020203" pitchFamily="34" charset="0"/>
+                <a:cs typeface="Segoe UI" panose="020B0502040204020203" pitchFamily="34" charset="0"/>
+              </a:rPr>
+              <a:t>los</a:t>
+            </a:r>
+            <a:r>
+              <a:rPr lang="en-US" sz="2800" dirty="0">
+                <a:latin typeface="Segoe UI" panose="020B0502040204020203" pitchFamily="34" charset="0"/>
+                <a:cs typeface="Segoe UI" panose="020B0502040204020203" pitchFamily="34" charset="0"/>
+              </a:rPr>
+              <a:t> </a:t>
+            </a:r>
+            <a:r>
+              <a:rPr lang="en-US" sz="2800" dirty="0" err="1">
+                <a:latin typeface="Segoe UI" panose="020B0502040204020203" pitchFamily="34" charset="0"/>
+                <a:cs typeface="Segoe UI" panose="020B0502040204020203" pitchFamily="34" charset="0"/>
+              </a:rPr>
+              <a:t>detalles</a:t>
+            </a:r>
+            <a:r>
+              <a:rPr lang="en-US" sz="2800" dirty="0">
+                <a:latin typeface="Segoe UI" panose="020B0502040204020203" pitchFamily="34" charset="0"/>
+                <a:cs typeface="Segoe UI" panose="020B0502040204020203" pitchFamily="34" charset="0"/>
+              </a:rPr>
+              <a:t> del </a:t>
+            </a:r>
+            <a:r>
+              <a:rPr lang="en-US" sz="2800" dirty="0" err="1">
+                <a:latin typeface="Segoe UI" panose="020B0502040204020203" pitchFamily="34" charset="0"/>
+                <a:cs typeface="Segoe UI" panose="020B0502040204020203" pitchFamily="34" charset="0"/>
+              </a:rPr>
+              <a:t>protocolo</a:t>
+            </a:r>
+            <a:r>
+              <a:rPr lang="en-US" sz="2800" dirty="0">
+                <a:latin typeface="Segoe UI" panose="020B0502040204020203" pitchFamily="34" charset="0"/>
+                <a:cs typeface="Segoe UI" panose="020B0502040204020203" pitchFamily="34" charset="0"/>
+              </a:rPr>
+              <a:t>: </a:t>
             </a:r>
             <a:r>
               <a:rPr lang="en-US" sz="2800" dirty="0">
@@ -17551,7 +20465,7 @@
 </p:sld>
 </file>
 
-<file path=ppt/slides/slide34.xml><?xml version="1.0" encoding="utf-8"?>
+<file path=ppt/slides/slide43.xml><?xml version="1.0" encoding="utf-8"?>
 <p:sld xmlns:a="http://schemas.openxmlformats.org/drawingml/2006/main" xmlns:r="http://schemas.openxmlformats.org/officeDocument/2006/relationships" xmlns:p="http://schemas.openxmlformats.org/presentationml/2006/main">
   <p:cSld>
     <p:spTree>
@@ -17948,7 +20862,7 @@
 </p:sld>
 </file>
 
-<file path=ppt/slides/slide35.xml><?xml version="1.0" encoding="utf-8"?>
+<file path=ppt/slides/slide44.xml><?xml version="1.0" encoding="utf-8"?>
 <p:sld xmlns:a="http://schemas.openxmlformats.org/drawingml/2006/main" xmlns:r="http://schemas.openxmlformats.org/officeDocument/2006/relationships" xmlns:p="http://schemas.openxmlformats.org/presentationml/2006/main">
   <p:cSld>
     <p:spTree>
@@ -18001,160 +20915,6 @@
     <p:extLst>
       <p:ext uri="{BB962C8B-B14F-4D97-AF65-F5344CB8AC3E}">
         <p14:creationId xmlns:p14="http://schemas.microsoft.com/office/powerpoint/2010/main" val="3323946167"/>
-      </p:ext>
-    </p:extLst>
-  </p:cSld>
-  <p:clrMapOvr>
-    <a:masterClrMapping/>
-  </p:clrMapOvr>
-  <p:transition>
-    <p:fade/>
-  </p:transition>
-</p:sld>
-</file>
-
-<file path=ppt/slides/slide4.xml><?xml version="1.0" encoding="utf-8"?>
-<p:sld xmlns:a="http://schemas.openxmlformats.org/drawingml/2006/main" xmlns:r="http://schemas.openxmlformats.org/officeDocument/2006/relationships" xmlns:p="http://schemas.openxmlformats.org/presentationml/2006/main">
-  <p:cSld>
-    <p:spTree>
-      <p:nvGrpSpPr>
-        <p:cNvPr id="1" name=""/>
-        <p:cNvGrpSpPr/>
-        <p:nvPr/>
-      </p:nvGrpSpPr>
-      <p:grpSpPr>
-        <a:xfrm>
-          <a:off x="0" y="0"/>
-          <a:ext cx="0" cy="0"/>
-          <a:chOff x="0" y="0"/>
-          <a:chExt cx="0" cy="0"/>
-        </a:xfrm>
-      </p:grpSpPr>
-      <p:sp>
-        <p:nvSpPr>
-          <p:cNvPr id="2" name="Title 1"/>
-          <p:cNvSpPr>
-            <a:spLocks noGrp="1"/>
-          </p:cNvSpPr>
-          <p:nvPr>
-            <p:ph type="title"/>
-          </p:nvPr>
-        </p:nvSpPr>
-        <p:spPr/>
-        <p:txBody>
-          <a:bodyPr/>
-          <a:lstStyle/>
-          <a:p>
-            <a:r>
-              <a:rPr lang="es-ES" dirty="0">
-                <a:solidFill>
-                  <a:schemeClr val="accent2"/>
-                </a:solidFill>
-              </a:rPr>
-              <a:t>La agenda</a:t>
-            </a:r>
-          </a:p>
-        </p:txBody>
-      </p:sp>
-      <p:sp>
-        <p:nvSpPr>
-          <p:cNvPr id="3" name="Text Placeholder 2"/>
-          <p:cNvSpPr>
-            <a:spLocks noGrp="1"/>
-          </p:cNvSpPr>
-          <p:nvPr>
-            <p:ph type="body" sz="quarter" idx="11"/>
-          </p:nvPr>
-        </p:nvSpPr>
-        <p:spPr>
-          <a:xfrm>
-            <a:off x="269240" y="1403351"/>
-            <a:ext cx="11647496" cy="5262144"/>
-          </a:xfrm>
-        </p:spPr>
-        <p:txBody>
-          <a:bodyPr/>
-          <a:lstStyle/>
-          <a:p>
-            <a:pPr marL="514350" indent="-514350">
-              <a:buFont typeface="+mj-lt"/>
-              <a:buAutoNum type="arabicPeriod"/>
-            </a:pPr>
-            <a:r>
-              <a:rPr lang="en-US" sz="2800" b="1" dirty="0"/>
-              <a:t>¿Por </a:t>
-            </a:r>
-            <a:r>
-              <a:rPr lang="en-US" sz="2800" b="1" dirty="0" err="1"/>
-              <a:t>qué</a:t>
-            </a:r>
-            <a:r>
-              <a:rPr lang="en-US" sz="2800" b="1" dirty="0"/>
-              <a:t>? </a:t>
-            </a:r>
-            <a:r>
-              <a:rPr lang="en-US" sz="2800" dirty="0"/>
-              <a:t>– La </a:t>
-            </a:r>
-            <a:r>
-              <a:rPr lang="en-US" sz="2800" dirty="0" err="1"/>
-              <a:t>necesidad</a:t>
-            </a:r>
-            <a:r>
-              <a:rPr lang="en-US" sz="2800" dirty="0"/>
-              <a:t> que </a:t>
-            </a:r>
-            <a:r>
-              <a:rPr lang="en-US" sz="2800" dirty="0" err="1"/>
-              <a:t>resuelve</a:t>
-            </a:r>
-            <a:r>
-              <a:rPr lang="en-US" sz="2800" dirty="0"/>
-              <a:t> MCP</a:t>
-            </a:r>
-          </a:p>
-          <a:p>
-            <a:pPr marL="514350" indent="-514350">
-              <a:buFont typeface="+mj-lt"/>
-              <a:buAutoNum type="arabicPeriod"/>
-            </a:pPr>
-            <a:r>
-              <a:rPr lang="es-ES" sz="2800" b="1" dirty="0"/>
-              <a:t>¿Qué es? </a:t>
-            </a:r>
-            <a:r>
-              <a:rPr lang="es-ES" sz="2800" dirty="0"/>
-              <a:t>– Conociendo todo lo necesario de MCP</a:t>
-            </a:r>
-          </a:p>
-          <a:p>
-            <a:pPr marL="514350" indent="-514350">
-              <a:buFont typeface="+mj-lt"/>
-              <a:buAutoNum type="arabicPeriod"/>
-            </a:pPr>
-            <a:r>
-              <a:rPr lang="es-ES" sz="2800" b="1" dirty="0"/>
-              <a:t>¿Cómo? </a:t>
-            </a:r>
-            <a:r>
-              <a:rPr lang="es-ES" sz="2800" dirty="0"/>
-              <a:t>Usando </a:t>
-            </a:r>
-            <a:r>
-              <a:rPr lang="es-ES" sz="2800" dirty="0" err="1"/>
-              <a:t>MCPs</a:t>
-            </a:r>
-            <a:r>
-              <a:rPr lang="es-ES" sz="2800" dirty="0"/>
-              <a:t> y desarrollando nuestro propio cliente, servidor, etc. Además, aprenderemos a usar herramientas como MCP Inspector y veremos casos prácticos.</a:t>
-            </a:r>
-          </a:p>
-        </p:txBody>
-      </p:sp>
-    </p:spTree>
-    <p:extLst>
-      <p:ext uri="{BB962C8B-B14F-4D97-AF65-F5344CB8AC3E}">
-        <p14:creationId xmlns:p14="http://schemas.microsoft.com/office/powerpoint/2010/main" val="2201445214"/>
       </p:ext>
     </p:extLst>
   </p:cSld>

--- a/introduccion-mcp.pptx
+++ b/introduccion-mcp.pptx
@@ -315,7 +315,7 @@
           <a:p>
             <a:fld id="{A334C884-B1D7-A043-A4AA-521744755A4B}" type="datetimeFigureOut">
               <a:rPr lang="en-US" smtClean="0"/>
-              <a:t>5/7/25</a:t>
+              <a:t>5/10/25</a:t>
             </a:fld>
             <a:endParaRPr lang="en-US"/>
           </a:p>
@@ -1293,6 +1293,122 @@
       </p:grpSpPr>
       <p:sp>
         <p:nvSpPr>
+          <p:cNvPr id="2" name="Marcador de imagen de diapositiva 1"/>
+          <p:cNvSpPr>
+            <a:spLocks noGrp="1" noRot="1" noChangeAspect="1"/>
+          </p:cNvSpPr>
+          <p:nvPr>
+            <p:ph type="sldImg"/>
+          </p:nvPr>
+        </p:nvSpPr>
+        <p:spPr/>
+      </p:sp>
+      <p:sp>
+        <p:nvSpPr>
+          <p:cNvPr id="3" name="Marcador de notas 2"/>
+          <p:cNvSpPr>
+            <a:spLocks noGrp="1"/>
+          </p:cNvSpPr>
+          <p:nvPr>
+            <p:ph type="body" idx="1"/>
+          </p:nvPr>
+        </p:nvSpPr>
+        <p:spPr/>
+        <p:txBody>
+          <a:bodyPr/>
+          <a:lstStyle/>
+          <a:p>
+            <a:r>
+              <a:rPr lang="es-ES" dirty="0"/>
+              <a:t>https://</a:t>
+            </a:r>
+            <a:r>
+              <a:rPr lang="es-ES" dirty="0" err="1"/>
+              <a:t>www.npmjs.com</a:t>
+            </a:r>
+            <a:r>
+              <a:rPr lang="es-ES" dirty="0"/>
+              <a:t>/</a:t>
+            </a:r>
+            <a:r>
+              <a:rPr lang="es-ES" dirty="0" err="1"/>
+              <a:t>package</a:t>
+            </a:r>
+            <a:r>
+              <a:rPr lang="es-ES" dirty="0"/>
+              <a:t>/@80ai20u/</a:t>
+            </a:r>
+            <a:r>
+              <a:rPr lang="es-ES" dirty="0" err="1"/>
+              <a:t>mcp-youtube-transcript?activeTab</a:t>
+            </a:r>
+            <a:r>
+              <a:rPr lang="es-ES" dirty="0"/>
+              <a:t>=</a:t>
+            </a:r>
+            <a:r>
+              <a:rPr lang="es-ES" dirty="0" err="1"/>
+              <a:t>readme</a:t>
+            </a:r>
+            <a:endParaRPr lang="es-ES" dirty="0"/>
+          </a:p>
+        </p:txBody>
+      </p:sp>
+      <p:sp>
+        <p:nvSpPr>
+          <p:cNvPr id="4" name="Marcador de número de diapositiva 3"/>
+          <p:cNvSpPr>
+            <a:spLocks noGrp="1"/>
+          </p:cNvSpPr>
+          <p:nvPr>
+            <p:ph type="sldNum" sz="quarter" idx="5"/>
+          </p:nvPr>
+        </p:nvSpPr>
+        <p:spPr/>
+        <p:txBody>
+          <a:bodyPr/>
+          <a:lstStyle/>
+          <a:p>
+            <a:fld id="{65097B6B-FF96-F443-AED4-FFB28983C4F8}" type="slidenum">
+              <a:rPr lang="en-US" smtClean="0"/>
+              <a:t>28</a:t>
+            </a:fld>
+            <a:endParaRPr lang="en-US"/>
+          </a:p>
+        </p:txBody>
+      </p:sp>
+    </p:spTree>
+    <p:extLst>
+      <p:ext uri="{BB962C8B-B14F-4D97-AF65-F5344CB8AC3E}">
+        <p14:creationId xmlns:p14="http://schemas.microsoft.com/office/powerpoint/2010/main" val="532109165"/>
+      </p:ext>
+    </p:extLst>
+  </p:cSld>
+  <p:clrMapOvr>
+    <a:masterClrMapping/>
+  </p:clrMapOvr>
+</p:notes>
+</file>
+
+<file path=ppt/notesSlides/notesSlide9.xml><?xml version="1.0" encoding="utf-8"?>
+<p:notes xmlns:a="http://schemas.openxmlformats.org/drawingml/2006/main" xmlns:r="http://schemas.openxmlformats.org/officeDocument/2006/relationships" xmlns:p="http://schemas.openxmlformats.org/presentationml/2006/main">
+  <p:cSld>
+    <p:spTree>
+      <p:nvGrpSpPr>
+        <p:cNvPr id="1" name=""/>
+        <p:cNvGrpSpPr/>
+        <p:nvPr/>
+      </p:nvGrpSpPr>
+      <p:grpSpPr>
+        <a:xfrm>
+          <a:off x="0" y="0"/>
+          <a:ext cx="0" cy="0"/>
+          <a:chOff x="0" y="0"/>
+          <a:chExt cx="0" cy="0"/>
+        </a:xfrm>
+      </p:grpSpPr>
+      <p:sp>
+        <p:nvSpPr>
           <p:cNvPr id="2" name="Slide Image Placeholder 1"/>
           <p:cNvSpPr>
             <a:spLocks noGrp="1" noRot="1" noChangeAspect="1"/>
@@ -2459,7 +2575,7 @@
           <a:p>
             <a:fld id="{6DD3B76A-C5DE-4B9A-BEAE-BBF0DC17AAA8}" type="datetime1">
               <a:rPr lang="en-US" smtClean="0"/>
-              <a:t>5/7/25</a:t>
+              <a:t>5/10/25</a:t>
             </a:fld>
             <a:endParaRPr lang="en-US" dirty="0"/>
           </a:p>
@@ -2678,7 +2794,7 @@
           <a:p>
             <a:fld id="{3F25CFCD-21CC-41A6-8052-0E0AFB2593B9}" type="datetimeFigureOut">
               <a:rPr lang="en-US" smtClean="0"/>
-              <a:t>5/7/25</a:t>
+              <a:t>5/10/25</a:t>
             </a:fld>
             <a:endParaRPr lang="en-US"/>
           </a:p>
@@ -4927,6 +5043,53 @@
           </a:prstGeom>
         </p:spPr>
       </p:pic>
+      <p:pic>
+        <p:nvPicPr>
+          <p:cNvPr id="2050" name="Picture 2" descr="MCP (Model Context Protocol) Logo Fr... · LobeHub">
+            <a:extLst>
+              <a:ext uri="{FF2B5EF4-FFF2-40B4-BE49-F238E27FC236}">
+                <a16:creationId xmlns:a16="http://schemas.microsoft.com/office/drawing/2014/main" id="{9E3BE74F-51D2-9E43-FA06-7EA167F7191D}"/>
+              </a:ext>
+            </a:extLst>
+          </p:cNvPr>
+          <p:cNvPicPr>
+            <a:picLocks noChangeAspect="1" noChangeArrowheads="1"/>
+          </p:cNvPicPr>
+          <p:nvPr/>
+        </p:nvPicPr>
+        <p:blipFill>
+          <a:blip r:embed="rId4">
+            <a:extLst>
+              <a:ext uri="{28A0092B-C50C-407E-A947-70E740481C1C}">
+                <a14:useLocalDpi xmlns:a14="http://schemas.microsoft.com/office/drawing/2010/main" val="0"/>
+              </a:ext>
+            </a:extLst>
+          </a:blip>
+          <a:srcRect/>
+          <a:stretch>
+            <a:fillRect/>
+          </a:stretch>
+        </p:blipFill>
+        <p:spPr bwMode="auto">
+          <a:xfrm>
+            <a:off x="11004883" y="64168"/>
+            <a:ext cx="1134979" cy="1134979"/>
+          </a:xfrm>
+          <a:prstGeom prst="rect">
+            <a:avLst/>
+          </a:prstGeom>
+          <a:noFill/>
+          <a:extLst>
+            <a:ext uri="{909E8E84-426E-40DD-AFC4-6F175D3DCCD1}">
+              <a14:hiddenFill xmlns:a14="http://schemas.microsoft.com/office/drawing/2010/main">
+                <a:solidFill>
+                  <a:srgbClr val="FFFFFF"/>
+                </a:solidFill>
+              </a14:hiddenFill>
+            </a:ext>
+          </a:extLst>
+        </p:spPr>
+      </p:pic>
     </p:spTree>
     <p:extLst>
       <p:ext uri="{BB962C8B-B14F-4D97-AF65-F5344CB8AC3E}">
@@ -13055,7 +13218,7 @@
                   <a:srgbClr val="FFFFFF"/>
                 </a:solidFill>
               </a:rPr>
-              <a:t> GitHub de nuevo </a:t>
+              <a:t> GitHub Copilot de nuevo </a:t>
             </a:r>
             <a:r>
               <a:rPr lang="en-US" altLang="zh-CN" sz="6000" dirty="0" err="1">

--- a/introduccion-mcp.pptx
+++ b/introduccion-mcp.pptx
@@ -5,7 +5,7 @@
     <p:sldMasterId id="2147483660" r:id="rId1"/>
   </p:sldMasterIdLst>
   <p:notesMasterIdLst>
-    <p:notesMasterId r:id="rId46"/>
+    <p:notesMasterId r:id="rId52"/>
   </p:notesMasterIdLst>
   <p:sldIdLst>
     <p:sldId id="380" r:id="rId2"/>
@@ -34,24 +34,30 @@
     <p:sldId id="388" r:id="rId25"/>
     <p:sldId id="382" r:id="rId26"/>
     <p:sldId id="378" r:id="rId27"/>
-    <p:sldId id="390" r:id="rId28"/>
-    <p:sldId id="2076136814" r:id="rId29"/>
-    <p:sldId id="376" r:id="rId30"/>
-    <p:sldId id="377" r:id="rId31"/>
-    <p:sldId id="2076136815" r:id="rId32"/>
-    <p:sldId id="2076136806" r:id="rId33"/>
-    <p:sldId id="2076136808" r:id="rId34"/>
-    <p:sldId id="2076136810" r:id="rId35"/>
-    <p:sldId id="2076136817" r:id="rId36"/>
-    <p:sldId id="2076136816" r:id="rId37"/>
-    <p:sldId id="2076136811" r:id="rId38"/>
-    <p:sldId id="2076136812" r:id="rId39"/>
-    <p:sldId id="2076136818" r:id="rId40"/>
-    <p:sldId id="2076136809" r:id="rId41"/>
-    <p:sldId id="2076136807" r:id="rId42"/>
-    <p:sldId id="379" r:id="rId43"/>
-    <p:sldId id="318" r:id="rId44"/>
-    <p:sldId id="2030" r:id="rId45"/>
+    <p:sldId id="2076136824" r:id="rId28"/>
+    <p:sldId id="390" r:id="rId29"/>
+    <p:sldId id="2076136814" r:id="rId30"/>
+    <p:sldId id="376" r:id="rId31"/>
+    <p:sldId id="377" r:id="rId32"/>
+    <p:sldId id="2076136815" r:id="rId33"/>
+    <p:sldId id="2076136806" r:id="rId34"/>
+    <p:sldId id="2076136821" r:id="rId35"/>
+    <p:sldId id="2076136808" r:id="rId36"/>
+    <p:sldId id="2076136810" r:id="rId37"/>
+    <p:sldId id="2076136817" r:id="rId38"/>
+    <p:sldId id="2076136816" r:id="rId39"/>
+    <p:sldId id="2076136819" r:id="rId40"/>
+    <p:sldId id="2076136811" r:id="rId41"/>
+    <p:sldId id="2076136812" r:id="rId42"/>
+    <p:sldId id="2076136818" r:id="rId43"/>
+    <p:sldId id="2076136820" r:id="rId44"/>
+    <p:sldId id="2076136809" r:id="rId45"/>
+    <p:sldId id="2076136807" r:id="rId46"/>
+    <p:sldId id="2076136822" r:id="rId47"/>
+    <p:sldId id="2076136823" r:id="rId48"/>
+    <p:sldId id="379" r:id="rId49"/>
+    <p:sldId id="318" r:id="rId50"/>
+    <p:sldId id="2030" r:id="rId51"/>
   </p:sldIdLst>
   <p:sldSz cx="12192000" cy="6858000"/>
   <p:notesSz cx="6858000" cy="9144000"/>
@@ -193,21 +199,27 @@
             <p14:sldId id="388"/>
             <p14:sldId id="382"/>
             <p14:sldId id="378"/>
+            <p14:sldId id="2076136824"/>
             <p14:sldId id="390"/>
             <p14:sldId id="2076136814"/>
             <p14:sldId id="376"/>
             <p14:sldId id="377"/>
             <p14:sldId id="2076136815"/>
             <p14:sldId id="2076136806"/>
+            <p14:sldId id="2076136821"/>
             <p14:sldId id="2076136808"/>
             <p14:sldId id="2076136810"/>
             <p14:sldId id="2076136817"/>
             <p14:sldId id="2076136816"/>
+            <p14:sldId id="2076136819"/>
             <p14:sldId id="2076136811"/>
             <p14:sldId id="2076136812"/>
             <p14:sldId id="2076136818"/>
+            <p14:sldId id="2076136820"/>
             <p14:sldId id="2076136809"/>
             <p14:sldId id="2076136807"/>
+            <p14:sldId id="2076136822"/>
+            <p14:sldId id="2076136823"/>
             <p14:sldId id="379"/>
             <p14:sldId id="318"/>
             <p14:sldId id="2030"/>
@@ -1255,7 +1267,7 @@
           <a:p>
             <a:fld id="{65097B6B-FF96-F443-AED4-FFB28983C4F8}" type="slidenum">
               <a:rPr lang="en-US" smtClean="0"/>
-              <a:t>27</a:t>
+              <a:t>28</a:t>
             </a:fld>
             <a:endParaRPr lang="en-US"/>
           </a:p>
@@ -1371,7 +1383,7 @@
           <a:p>
             <a:fld id="{65097B6B-FF96-F443-AED4-FFB28983C4F8}" type="slidenum">
               <a:rPr lang="en-US" smtClean="0"/>
-              <a:t>28</a:t>
+              <a:t>29</a:t>
             </a:fld>
             <a:endParaRPr lang="en-US"/>
           </a:p>
@@ -1479,7 +1491,7 @@
           <a:p>
             <a:fld id="{B59DFEC3-DDF1-47FC-A429-F37F4C396648}" type="slidenum">
               <a:rPr lang="en-US" smtClean="0"/>
-              <a:t>43</a:t>
+              <a:t>49</a:t>
             </a:fld>
             <a:endParaRPr lang="en-US"/>
           </a:p>
@@ -12683,6 +12695,420 @@
   <p:cSld>
     <p:spTree>
       <p:nvGrpSpPr>
+        <p:cNvPr id="1" name="">
+          <a:extLst>
+            <a:ext uri="{FF2B5EF4-FFF2-40B4-BE49-F238E27FC236}">
+              <a16:creationId xmlns:a16="http://schemas.microsoft.com/office/drawing/2014/main" id="{B15A6A73-9DB3-E825-143A-9D9829265129}"/>
+            </a:ext>
+          </a:extLst>
+        </p:cNvPr>
+        <p:cNvGrpSpPr/>
+        <p:nvPr/>
+      </p:nvGrpSpPr>
+      <p:grpSpPr>
+        <a:xfrm>
+          <a:off x="0" y="0"/>
+          <a:ext cx="0" cy="0"/>
+          <a:chOff x="0" y="0"/>
+          <a:chExt cx="0" cy="0"/>
+        </a:xfrm>
+      </p:grpSpPr>
+      <p:sp>
+        <p:nvSpPr>
+          <p:cNvPr id="2" name="Title 1">
+            <a:extLst>
+              <a:ext uri="{FF2B5EF4-FFF2-40B4-BE49-F238E27FC236}">
+                <a16:creationId xmlns:a16="http://schemas.microsoft.com/office/drawing/2014/main" id="{A7C3DD46-0F10-E483-58C2-C711B0F5931C}"/>
+              </a:ext>
+            </a:extLst>
+          </p:cNvPr>
+          <p:cNvSpPr>
+            <a:spLocks noGrp="1"/>
+          </p:cNvSpPr>
+          <p:nvPr>
+            <p:ph type="title"/>
+          </p:nvPr>
+        </p:nvSpPr>
+        <p:spPr/>
+        <p:txBody>
+          <a:bodyPr/>
+          <a:lstStyle/>
+          <a:p>
+            <a:r>
+              <a:rPr lang="en-US" dirty="0" err="1">
+                <a:solidFill>
+                  <a:schemeClr val="accent2"/>
+                </a:solidFill>
+              </a:rPr>
+              <a:t>Modos</a:t>
+            </a:r>
+            <a:r>
+              <a:rPr lang="en-US" dirty="0">
+                <a:solidFill>
+                  <a:schemeClr val="accent2"/>
+                </a:solidFill>
+              </a:rPr>
+              <a:t> de GitHub Copilot </a:t>
+            </a:r>
+            <a:r>
+              <a:rPr lang="en-US" dirty="0" err="1">
+                <a:solidFill>
+                  <a:schemeClr val="accent2"/>
+                </a:solidFill>
+              </a:rPr>
+              <a:t>en</a:t>
+            </a:r>
+            <a:r>
+              <a:rPr lang="en-US" dirty="0">
+                <a:solidFill>
+                  <a:schemeClr val="accent2"/>
+                </a:solidFill>
+              </a:rPr>
+              <a:t> VS Code</a:t>
+            </a:r>
+          </a:p>
+        </p:txBody>
+      </p:sp>
+      <p:sp>
+        <p:nvSpPr>
+          <p:cNvPr id="3" name="Content Placeholder 2">
+            <a:extLst>
+              <a:ext uri="{FF2B5EF4-FFF2-40B4-BE49-F238E27FC236}">
+                <a16:creationId xmlns:a16="http://schemas.microsoft.com/office/drawing/2014/main" id="{A8914AFD-9F9D-E9BF-0C3A-30180DC63115}"/>
+              </a:ext>
+            </a:extLst>
+          </p:cNvPr>
+          <p:cNvSpPr>
+            <a:spLocks noGrp="1"/>
+          </p:cNvSpPr>
+          <p:nvPr>
+            <p:ph idx="1"/>
+          </p:nvPr>
+        </p:nvSpPr>
+        <p:spPr>
+          <a:xfrm>
+            <a:off x="269241" y="1189178"/>
+            <a:ext cx="11653521" cy="5201424"/>
+          </a:xfrm>
+        </p:spPr>
+        <p:txBody>
+          <a:bodyPr/>
+          <a:lstStyle/>
+          <a:p>
+            <a:pPr marL="0" indent="0">
+              <a:buNone/>
+            </a:pPr>
+            <a:r>
+              <a:rPr lang="es-ES" sz="2000" b="1" dirty="0">
+                <a:solidFill>
+                  <a:schemeClr val="tx1">
+                    <a:lumMod val="50000"/>
+                  </a:schemeClr>
+                </a:solidFill>
+              </a:rPr>
+              <a:t>Modo Ask (Preguntar)</a:t>
+            </a:r>
+          </a:p>
+          <a:p>
+            <a:r>
+              <a:rPr lang="es-ES" sz="2000" b="1" dirty="0">
+                <a:solidFill>
+                  <a:schemeClr val="tx1">
+                    <a:lumMod val="50000"/>
+                  </a:schemeClr>
+                </a:solidFill>
+              </a:rPr>
+              <a:t>Función</a:t>
+            </a:r>
+            <a:r>
+              <a:rPr lang="es-ES" sz="2000" dirty="0">
+                <a:solidFill>
+                  <a:schemeClr val="tx1">
+                    <a:lumMod val="50000"/>
+                  </a:schemeClr>
+                </a:solidFill>
+              </a:rPr>
+              <a:t>: Asistencia conversacional para dudas de desarrollo</a:t>
+            </a:r>
+          </a:p>
+          <a:p>
+            <a:r>
+              <a:rPr lang="es-ES" sz="2000" b="1" dirty="0">
+                <a:solidFill>
+                  <a:schemeClr val="tx1">
+                    <a:lumMod val="50000"/>
+                  </a:schemeClr>
+                </a:solidFill>
+              </a:rPr>
+              <a:t>Características</a:t>
+            </a:r>
+            <a:r>
+              <a:rPr lang="es-ES" sz="2000" dirty="0">
+                <a:solidFill>
+                  <a:schemeClr val="tx1">
+                    <a:lumMod val="50000"/>
+                  </a:schemeClr>
+                </a:solidFill>
+              </a:rPr>
+              <a:t>: </a:t>
+            </a:r>
+          </a:p>
+          <a:p>
+            <a:pPr lvl="1"/>
+            <a:r>
+              <a:rPr lang="es-ES" sz="2000" dirty="0">
+                <a:solidFill>
+                  <a:schemeClr val="tx1">
+                    <a:lumMod val="50000"/>
+                  </a:schemeClr>
+                </a:solidFill>
+              </a:rPr>
+              <a:t>Responde preguntas sobre código en lenguaje natural</a:t>
+            </a:r>
+          </a:p>
+          <a:p>
+            <a:pPr lvl="1"/>
+            <a:r>
+              <a:rPr lang="es-ES" sz="2000" dirty="0">
+                <a:solidFill>
+                  <a:schemeClr val="tx1">
+                    <a:lumMod val="50000"/>
+                  </a:schemeClr>
+                </a:solidFill>
+              </a:rPr>
+              <a:t>Genera explicaciones y documentación</a:t>
+            </a:r>
+          </a:p>
+          <a:p>
+            <a:pPr marL="0" indent="0">
+              <a:buNone/>
+            </a:pPr>
+            <a:r>
+              <a:rPr lang="es-ES" sz="2000" b="1" dirty="0">
+                <a:solidFill>
+                  <a:schemeClr val="tx1">
+                    <a:lumMod val="50000"/>
+                  </a:schemeClr>
+                </a:solidFill>
+              </a:rPr>
+              <a:t>Modo </a:t>
+            </a:r>
+            <a:r>
+              <a:rPr lang="es-ES" sz="2000" b="1" dirty="0" err="1">
+                <a:solidFill>
+                  <a:schemeClr val="tx1">
+                    <a:lumMod val="50000"/>
+                  </a:schemeClr>
+                </a:solidFill>
+              </a:rPr>
+              <a:t>Edit</a:t>
+            </a:r>
+            <a:r>
+              <a:rPr lang="es-ES" sz="2000" b="1" dirty="0">
+                <a:solidFill>
+                  <a:schemeClr val="tx1">
+                    <a:lumMod val="50000"/>
+                  </a:schemeClr>
+                </a:solidFill>
+              </a:rPr>
+              <a:t> (Editar)</a:t>
+            </a:r>
+          </a:p>
+          <a:p>
+            <a:r>
+              <a:rPr lang="es-ES" sz="2000" b="1" dirty="0">
+                <a:solidFill>
+                  <a:schemeClr val="tx1">
+                    <a:lumMod val="50000"/>
+                  </a:schemeClr>
+                </a:solidFill>
+              </a:rPr>
+              <a:t>Función</a:t>
+            </a:r>
+            <a:r>
+              <a:rPr lang="es-ES" sz="2000" dirty="0">
+                <a:solidFill>
+                  <a:schemeClr val="tx1">
+                    <a:lumMod val="50000"/>
+                  </a:schemeClr>
+                </a:solidFill>
+              </a:rPr>
+              <a:t>: Transformación directa de código mediante instrucciones</a:t>
+            </a:r>
+          </a:p>
+          <a:p>
+            <a:r>
+              <a:rPr lang="es-ES" sz="2000" b="1" dirty="0">
+                <a:solidFill>
+                  <a:schemeClr val="tx1">
+                    <a:lumMod val="50000"/>
+                  </a:schemeClr>
+                </a:solidFill>
+              </a:rPr>
+              <a:t>Características</a:t>
+            </a:r>
+            <a:r>
+              <a:rPr lang="es-ES" sz="2000" dirty="0">
+                <a:solidFill>
+                  <a:schemeClr val="tx1">
+                    <a:lumMod val="50000"/>
+                  </a:schemeClr>
+                </a:solidFill>
+              </a:rPr>
+              <a:t>: </a:t>
+            </a:r>
+          </a:p>
+          <a:p>
+            <a:pPr lvl="1"/>
+            <a:r>
+              <a:rPr lang="es-ES" sz="2000" dirty="0">
+                <a:solidFill>
+                  <a:schemeClr val="tx1">
+                    <a:lumMod val="50000"/>
+                  </a:schemeClr>
+                </a:solidFill>
+              </a:rPr>
+              <a:t>Modifica código existente según tus indicaciones</a:t>
+            </a:r>
+          </a:p>
+          <a:p>
+            <a:pPr lvl="1"/>
+            <a:r>
+              <a:rPr lang="es-ES" sz="2000" dirty="0">
+                <a:solidFill>
+                  <a:schemeClr val="tx1">
+                    <a:lumMod val="50000"/>
+                  </a:schemeClr>
+                </a:solidFill>
+              </a:rPr>
+              <a:t>Corrige errores y refactoriza automáticamente</a:t>
+            </a:r>
+          </a:p>
+          <a:p>
+            <a:pPr marL="0" indent="0">
+              <a:buNone/>
+            </a:pPr>
+            <a:r>
+              <a:rPr lang="es-ES" sz="2000" b="1" dirty="0">
+                <a:solidFill>
+                  <a:schemeClr val="tx1">
+                    <a:lumMod val="50000"/>
+                  </a:schemeClr>
+                </a:solidFill>
+              </a:rPr>
+              <a:t>Modo </a:t>
+            </a:r>
+            <a:r>
+              <a:rPr lang="es-ES" sz="2000" b="1" dirty="0" err="1">
+                <a:solidFill>
+                  <a:schemeClr val="tx1">
+                    <a:lumMod val="50000"/>
+                  </a:schemeClr>
+                </a:solidFill>
+              </a:rPr>
+              <a:t>Agent</a:t>
+            </a:r>
+            <a:r>
+              <a:rPr lang="es-ES" sz="2000" b="1" dirty="0">
+                <a:solidFill>
+                  <a:schemeClr val="tx1">
+                    <a:lumMod val="50000"/>
+                  </a:schemeClr>
+                </a:solidFill>
+              </a:rPr>
+              <a:t> (Agente)</a:t>
+            </a:r>
+          </a:p>
+          <a:p>
+            <a:r>
+              <a:rPr lang="es-ES" sz="2000" b="1" dirty="0">
+                <a:solidFill>
+                  <a:schemeClr val="tx1">
+                    <a:lumMod val="50000"/>
+                  </a:schemeClr>
+                </a:solidFill>
+              </a:rPr>
+              <a:t>Función</a:t>
+            </a:r>
+            <a:r>
+              <a:rPr lang="es-ES" sz="2000" dirty="0">
+                <a:solidFill>
+                  <a:schemeClr val="tx1">
+                    <a:lumMod val="50000"/>
+                  </a:schemeClr>
+                </a:solidFill>
+              </a:rPr>
+              <a:t>: Completa tareas complejas de forma autónoma</a:t>
+            </a:r>
+          </a:p>
+          <a:p>
+            <a:r>
+              <a:rPr lang="es-ES" sz="2000" b="1" dirty="0">
+                <a:solidFill>
+                  <a:schemeClr val="tx1">
+                    <a:lumMod val="50000"/>
+                  </a:schemeClr>
+                </a:solidFill>
+              </a:rPr>
+              <a:t>Características</a:t>
+            </a:r>
+            <a:r>
+              <a:rPr lang="es-ES" sz="2000" dirty="0">
+                <a:solidFill>
+                  <a:schemeClr val="tx1">
+                    <a:lumMod val="50000"/>
+                  </a:schemeClr>
+                </a:solidFill>
+              </a:rPr>
+              <a:t>: </a:t>
+            </a:r>
+          </a:p>
+          <a:p>
+            <a:pPr lvl="1"/>
+            <a:r>
+              <a:rPr lang="es-ES" sz="2000" dirty="0">
+                <a:solidFill>
+                  <a:schemeClr val="tx1">
+                    <a:lumMod val="50000"/>
+                  </a:schemeClr>
+                </a:solidFill>
+              </a:rPr>
+              <a:t>Ejecuta flujos de trabajo de múltiples pasos</a:t>
+            </a:r>
+          </a:p>
+          <a:p>
+            <a:pPr lvl="1"/>
+            <a:r>
+              <a:rPr lang="es-ES" sz="2000" dirty="0">
+                <a:solidFill>
+                  <a:schemeClr val="tx1">
+                    <a:lumMod val="50000"/>
+                  </a:schemeClr>
+                </a:solidFill>
+              </a:rPr>
+              <a:t>Resuelve problemas en varios archivos</a:t>
+            </a:r>
+          </a:p>
+        </p:txBody>
+      </p:sp>
+    </p:spTree>
+    <p:extLst>
+      <p:ext uri="{BB962C8B-B14F-4D97-AF65-F5344CB8AC3E}">
+        <p14:creationId xmlns:p14="http://schemas.microsoft.com/office/powerpoint/2010/main" val="1793846703"/>
+      </p:ext>
+    </p:extLst>
+  </p:cSld>
+  <p:clrMapOvr>
+    <a:masterClrMapping/>
+  </p:clrMapOvr>
+</p:sld>
+</file>
+
+<file path=ppt/slides/slide28.xml><?xml version="1.0" encoding="utf-8"?>
+<p:sld xmlns:a="http://schemas.openxmlformats.org/drawingml/2006/main" xmlns:r="http://schemas.openxmlformats.org/officeDocument/2006/relationships" xmlns:p="http://schemas.openxmlformats.org/presentationml/2006/main">
+  <p:cSld>
+    <p:spTree>
+      <p:nvGrpSpPr>
         <p:cNvPr id="1" name=""/>
         <p:cNvGrpSpPr/>
         <p:nvPr/>
@@ -13130,7 +13556,7 @@
 </p:sld>
 </file>
 
-<file path=ppt/slides/slide28.xml><?xml version="1.0" encoding="utf-8"?>
+<file path=ppt/slides/slide29.xml><?xml version="1.0" encoding="utf-8"?>
 <p:sld xmlns:a="http://schemas.openxmlformats.org/drawingml/2006/main" xmlns:r="http://schemas.openxmlformats.org/officeDocument/2006/relationships" xmlns:p="http://schemas.openxmlformats.org/presentationml/2006/main">
   <p:cSld>
     <p:bg>
@@ -13243,322 +13669,6 @@
     <p:extLst>
       <p:ext uri="{BB962C8B-B14F-4D97-AF65-F5344CB8AC3E}">
         <p14:creationId xmlns:p14="http://schemas.microsoft.com/office/powerpoint/2010/main" val="2340684004"/>
-      </p:ext>
-    </p:extLst>
-  </p:cSld>
-  <p:clrMapOvr>
-    <a:masterClrMapping/>
-  </p:clrMapOvr>
-</p:sld>
-</file>
-
-<file path=ppt/slides/slide29.xml><?xml version="1.0" encoding="utf-8"?>
-<p:sld xmlns:a="http://schemas.openxmlformats.org/drawingml/2006/main" xmlns:r="http://schemas.openxmlformats.org/officeDocument/2006/relationships" xmlns:p="http://schemas.openxmlformats.org/presentationml/2006/main">
-  <p:cSld>
-    <p:spTree>
-      <p:nvGrpSpPr>
-        <p:cNvPr id="1" name=""/>
-        <p:cNvGrpSpPr/>
-        <p:nvPr/>
-      </p:nvGrpSpPr>
-      <p:grpSpPr>
-        <a:xfrm>
-          <a:off x="0" y="0"/>
-          <a:ext cx="0" cy="0"/>
-          <a:chOff x="0" y="0"/>
-          <a:chExt cx="0" cy="0"/>
-        </a:xfrm>
-      </p:grpSpPr>
-      <p:sp>
-        <p:nvSpPr>
-          <p:cNvPr id="2" name="Title 1">
-            <a:extLst>
-              <a:ext uri="{FF2B5EF4-FFF2-40B4-BE49-F238E27FC236}">
-                <a16:creationId xmlns:a16="http://schemas.microsoft.com/office/drawing/2014/main" id="{B0424D21-276A-B5EC-59D5-3B2F475CE16E}"/>
-              </a:ext>
-            </a:extLst>
-          </p:cNvPr>
-          <p:cNvSpPr>
-            <a:spLocks noGrp="1"/>
-          </p:cNvSpPr>
-          <p:nvPr>
-            <p:ph type="title"/>
-          </p:nvPr>
-        </p:nvSpPr>
-        <p:spPr>
-          <a:xfrm>
-            <a:off x="838200" y="185510"/>
-            <a:ext cx="10515600" cy="1325563"/>
-          </a:xfrm>
-        </p:spPr>
-        <p:txBody>
-          <a:bodyPr/>
-          <a:lstStyle/>
-          <a:p>
-            <a:r>
-              <a:rPr lang="en-US" dirty="0" err="1">
-                <a:solidFill>
-                  <a:schemeClr val="accent2"/>
-                </a:solidFill>
-              </a:rPr>
-              <a:t>Implementando</a:t>
-            </a:r>
-            <a:r>
-              <a:rPr lang="en-US" dirty="0">
-                <a:solidFill>
-                  <a:schemeClr val="accent2"/>
-                </a:solidFill>
-              </a:rPr>
-              <a:t> MCP</a:t>
-            </a:r>
-          </a:p>
-        </p:txBody>
-      </p:sp>
-      <p:sp>
-        <p:nvSpPr>
-          <p:cNvPr id="3" name="Content Placeholder 2">
-            <a:extLst>
-              <a:ext uri="{FF2B5EF4-FFF2-40B4-BE49-F238E27FC236}">
-                <a16:creationId xmlns:a16="http://schemas.microsoft.com/office/drawing/2014/main" id="{25A02314-F96F-FE47-CAF3-8A58D0C63BC2}"/>
-              </a:ext>
-            </a:extLst>
-          </p:cNvPr>
-          <p:cNvSpPr>
-            <a:spLocks noGrp="1"/>
-          </p:cNvSpPr>
-          <p:nvPr>
-            <p:ph idx="1"/>
-          </p:nvPr>
-        </p:nvSpPr>
-        <p:spPr>
-          <a:xfrm>
-            <a:off x="527957" y="1511073"/>
-            <a:ext cx="11473543" cy="5020356"/>
-          </a:xfrm>
-        </p:spPr>
-        <p:txBody>
-          <a:bodyPr>
-            <a:normAutofit/>
-          </a:bodyPr>
-          <a:lstStyle/>
-          <a:p>
-            <a:r>
-              <a:rPr lang="en-US" altLang="zh-CN" dirty="0"/>
-              <a:t>SDKs para </a:t>
-            </a:r>
-            <a:r>
-              <a:rPr lang="en-US" altLang="zh-CN" dirty="0" err="1"/>
-              <a:t>crear</a:t>
-            </a:r>
-            <a:r>
-              <a:rPr lang="en-US" altLang="zh-CN" dirty="0"/>
-              <a:t> </a:t>
-            </a:r>
-            <a:r>
-              <a:rPr lang="en-US" altLang="zh-CN" dirty="0" err="1"/>
-              <a:t>clientes</a:t>
-            </a:r>
-            <a:r>
-              <a:rPr lang="en-US" altLang="zh-CN" dirty="0"/>
-              <a:t> MCP y </a:t>
-            </a:r>
-            <a:r>
-              <a:rPr lang="en-US" altLang="zh-CN" dirty="0" err="1"/>
-              <a:t>servidores</a:t>
-            </a:r>
-            <a:r>
-              <a:rPr lang="en-US" altLang="zh-CN" dirty="0"/>
-              <a:t> MCP</a:t>
-            </a:r>
-          </a:p>
-          <a:p>
-            <a:pPr lvl="1"/>
-            <a:r>
-              <a:rPr lang="en-US" sz="2400" b="0" i="0" u="sng" dirty="0">
-                <a:solidFill>
-                  <a:srgbClr val="1F2328"/>
-                </a:solidFill>
-                <a:effectLst/>
-                <a:latin typeface="-apple-system"/>
-                <a:hlinkClick r:id="rId2"/>
-              </a:rPr>
-              <a:t>TypeScript SDK</a:t>
-            </a:r>
-            <a:endParaRPr lang="en-US" sz="2400" b="0" i="0" dirty="0">
-              <a:solidFill>
-                <a:srgbClr val="1F2328"/>
-              </a:solidFill>
-              <a:effectLst/>
-              <a:latin typeface="-apple-system"/>
-            </a:endParaRPr>
-          </a:p>
-          <a:p>
-            <a:pPr lvl="1"/>
-            <a:r>
-              <a:rPr lang="en-US" sz="2400" b="0" i="0" u="sng" dirty="0">
-                <a:solidFill>
-                  <a:srgbClr val="1F2328"/>
-                </a:solidFill>
-                <a:effectLst/>
-                <a:latin typeface="-apple-system"/>
-                <a:hlinkClick r:id="rId3"/>
-              </a:rPr>
-              <a:t>Python SDK</a:t>
-            </a:r>
-            <a:endParaRPr lang="en-US" sz="2400" b="0" i="0" dirty="0">
-              <a:solidFill>
-                <a:srgbClr val="1F2328"/>
-              </a:solidFill>
-              <a:effectLst/>
-              <a:latin typeface="-apple-system"/>
-            </a:endParaRPr>
-          </a:p>
-          <a:p>
-            <a:pPr lvl="1"/>
-            <a:r>
-              <a:rPr lang="en-US" sz="2400" b="0" i="0" u="sng" dirty="0">
-                <a:solidFill>
-                  <a:srgbClr val="1F2328"/>
-                </a:solidFill>
-                <a:effectLst/>
-                <a:latin typeface="-apple-system"/>
-                <a:hlinkClick r:id="rId4"/>
-              </a:rPr>
-              <a:t>Java SDK</a:t>
-            </a:r>
-            <a:endParaRPr lang="en-US" sz="2400" b="0" i="0" dirty="0">
-              <a:solidFill>
-                <a:srgbClr val="1F2328"/>
-              </a:solidFill>
-              <a:effectLst/>
-              <a:latin typeface="-apple-system"/>
-            </a:endParaRPr>
-          </a:p>
-          <a:p>
-            <a:pPr lvl="1"/>
-            <a:r>
-              <a:rPr lang="en-US" sz="2400" b="0" i="0" u="sng" dirty="0">
-                <a:solidFill>
-                  <a:srgbClr val="1F2328"/>
-                </a:solidFill>
-                <a:effectLst/>
-                <a:latin typeface="-apple-system"/>
-                <a:hlinkClick r:id="rId5"/>
-              </a:rPr>
-              <a:t>Kotlin SDK</a:t>
-            </a:r>
-            <a:endParaRPr lang="en-US" sz="2400" b="0" i="0" u="sng" dirty="0">
-              <a:solidFill>
-                <a:srgbClr val="1F2328"/>
-              </a:solidFill>
-              <a:effectLst/>
-              <a:latin typeface="-apple-system"/>
-            </a:endParaRPr>
-          </a:p>
-          <a:p>
-            <a:pPr lvl="1"/>
-            <a:r>
-              <a:rPr lang="en-US" sz="2400" b="0" i="0" u="sng" dirty="0">
-                <a:effectLst/>
-                <a:latin typeface="-apple-system"/>
-                <a:hlinkClick r:id="rId6"/>
-              </a:rPr>
-              <a:t>C# SDK</a:t>
-            </a:r>
-            <a:endParaRPr lang="en-US" altLang="zh-CN" sz="2400" dirty="0"/>
-          </a:p>
-          <a:p>
-            <a:r>
-              <a:rPr lang="en-US" altLang="zh-CN" dirty="0"/>
-              <a:t>Tooling</a:t>
-            </a:r>
-          </a:p>
-          <a:p>
-            <a:pPr lvl="1"/>
-            <a:r>
-              <a:rPr lang="en-US" dirty="0">
-                <a:hlinkClick r:id="rId7"/>
-              </a:rPr>
-              <a:t>MCP Inspector</a:t>
-            </a:r>
-            <a:r>
-              <a:rPr lang="en-US" dirty="0"/>
-              <a:t>: </a:t>
-            </a:r>
-            <a:r>
-              <a:rPr lang="en-US" dirty="0" err="1"/>
-              <a:t>Herramienta</a:t>
-            </a:r>
-            <a:r>
-              <a:rPr lang="en-US" dirty="0"/>
-              <a:t> de </a:t>
-            </a:r>
-            <a:r>
-              <a:rPr lang="en-US" dirty="0" err="1"/>
-              <a:t>desarrollo</a:t>
-            </a:r>
-            <a:r>
-              <a:rPr lang="en-US" dirty="0"/>
-              <a:t> </a:t>
-            </a:r>
-            <a:r>
-              <a:rPr lang="en-US" dirty="0" err="1"/>
-              <a:t>interactiva</a:t>
-            </a:r>
-            <a:r>
-              <a:rPr lang="en-US" dirty="0"/>
-              <a:t> para </a:t>
-            </a:r>
-            <a:r>
-              <a:rPr lang="en-US" dirty="0" err="1"/>
-              <a:t>probar</a:t>
-            </a:r>
-            <a:r>
-              <a:rPr lang="en-US" dirty="0"/>
-              <a:t> y </a:t>
-            </a:r>
-            <a:r>
-              <a:rPr lang="en-US" dirty="0" err="1"/>
-              <a:t>depurar</a:t>
-            </a:r>
-            <a:r>
-              <a:rPr lang="en-US" dirty="0"/>
-              <a:t> MCP Server</a:t>
-            </a:r>
-          </a:p>
-          <a:p>
-            <a:pPr lvl="1"/>
-            <a:r>
-              <a:rPr lang="en-US" dirty="0">
-                <a:hlinkClick r:id="rId8"/>
-              </a:rPr>
-              <a:t>generator-mcp</a:t>
-            </a:r>
-            <a:r>
-              <a:rPr lang="en-US" dirty="0"/>
-              <a:t>: </a:t>
-            </a:r>
-            <a:r>
-              <a:rPr lang="en-US" i="0" dirty="0">
-                <a:solidFill>
-                  <a:srgbClr val="1F2328"/>
-                </a:solidFill>
-                <a:effectLst/>
-              </a:rPr>
-              <a:t>Yeoman Generator para MCP Server</a:t>
-            </a:r>
-            <a:endParaRPr lang="en-US" dirty="0"/>
-          </a:p>
-          <a:p>
-            <a:pPr lvl="1"/>
-            <a:endParaRPr lang="en-US" dirty="0"/>
-          </a:p>
-        </p:txBody>
-      </p:sp>
-    </p:spTree>
-    <p:extLst>
-      <p:ext uri="{BB962C8B-B14F-4D97-AF65-F5344CB8AC3E}">
-        <p14:creationId xmlns:p14="http://schemas.microsoft.com/office/powerpoint/2010/main" val="884710536"/>
       </p:ext>
     </p:extLst>
   </p:cSld>
@@ -14264,6 +14374,322 @@
           <p:cNvPr id="2" name="Title 1">
             <a:extLst>
               <a:ext uri="{FF2B5EF4-FFF2-40B4-BE49-F238E27FC236}">
+                <a16:creationId xmlns:a16="http://schemas.microsoft.com/office/drawing/2014/main" id="{B0424D21-276A-B5EC-59D5-3B2F475CE16E}"/>
+              </a:ext>
+            </a:extLst>
+          </p:cNvPr>
+          <p:cNvSpPr>
+            <a:spLocks noGrp="1"/>
+          </p:cNvSpPr>
+          <p:nvPr>
+            <p:ph type="title"/>
+          </p:nvPr>
+        </p:nvSpPr>
+        <p:spPr>
+          <a:xfrm>
+            <a:off x="838200" y="185510"/>
+            <a:ext cx="10515600" cy="1325563"/>
+          </a:xfrm>
+        </p:spPr>
+        <p:txBody>
+          <a:bodyPr/>
+          <a:lstStyle/>
+          <a:p>
+            <a:r>
+              <a:rPr lang="en-US" dirty="0" err="1">
+                <a:solidFill>
+                  <a:schemeClr val="accent2"/>
+                </a:solidFill>
+              </a:rPr>
+              <a:t>Implementando</a:t>
+            </a:r>
+            <a:r>
+              <a:rPr lang="en-US" dirty="0">
+                <a:solidFill>
+                  <a:schemeClr val="accent2"/>
+                </a:solidFill>
+              </a:rPr>
+              <a:t> MCP</a:t>
+            </a:r>
+          </a:p>
+        </p:txBody>
+      </p:sp>
+      <p:sp>
+        <p:nvSpPr>
+          <p:cNvPr id="3" name="Content Placeholder 2">
+            <a:extLst>
+              <a:ext uri="{FF2B5EF4-FFF2-40B4-BE49-F238E27FC236}">
+                <a16:creationId xmlns:a16="http://schemas.microsoft.com/office/drawing/2014/main" id="{25A02314-F96F-FE47-CAF3-8A58D0C63BC2}"/>
+              </a:ext>
+            </a:extLst>
+          </p:cNvPr>
+          <p:cNvSpPr>
+            <a:spLocks noGrp="1"/>
+          </p:cNvSpPr>
+          <p:nvPr>
+            <p:ph idx="1"/>
+          </p:nvPr>
+        </p:nvSpPr>
+        <p:spPr>
+          <a:xfrm>
+            <a:off x="527957" y="1511073"/>
+            <a:ext cx="11473543" cy="5020356"/>
+          </a:xfrm>
+        </p:spPr>
+        <p:txBody>
+          <a:bodyPr>
+            <a:normAutofit/>
+          </a:bodyPr>
+          <a:lstStyle/>
+          <a:p>
+            <a:r>
+              <a:rPr lang="en-US" altLang="zh-CN" dirty="0"/>
+              <a:t>SDKs para </a:t>
+            </a:r>
+            <a:r>
+              <a:rPr lang="en-US" altLang="zh-CN" dirty="0" err="1"/>
+              <a:t>crear</a:t>
+            </a:r>
+            <a:r>
+              <a:rPr lang="en-US" altLang="zh-CN" dirty="0"/>
+              <a:t> </a:t>
+            </a:r>
+            <a:r>
+              <a:rPr lang="en-US" altLang="zh-CN" dirty="0" err="1"/>
+              <a:t>clientes</a:t>
+            </a:r>
+            <a:r>
+              <a:rPr lang="en-US" altLang="zh-CN" dirty="0"/>
+              <a:t> MCP y </a:t>
+            </a:r>
+            <a:r>
+              <a:rPr lang="en-US" altLang="zh-CN" dirty="0" err="1"/>
+              <a:t>servidores</a:t>
+            </a:r>
+            <a:r>
+              <a:rPr lang="en-US" altLang="zh-CN" dirty="0"/>
+              <a:t> MCP</a:t>
+            </a:r>
+          </a:p>
+          <a:p>
+            <a:pPr lvl="1"/>
+            <a:r>
+              <a:rPr lang="en-US" sz="2400" b="0" i="0" u="sng" dirty="0">
+                <a:solidFill>
+                  <a:srgbClr val="1F2328"/>
+                </a:solidFill>
+                <a:effectLst/>
+                <a:latin typeface="-apple-system"/>
+                <a:hlinkClick r:id="rId2"/>
+              </a:rPr>
+              <a:t>TypeScript SDK</a:t>
+            </a:r>
+            <a:endParaRPr lang="en-US" sz="2400" b="0" i="0" dirty="0">
+              <a:solidFill>
+                <a:srgbClr val="1F2328"/>
+              </a:solidFill>
+              <a:effectLst/>
+              <a:latin typeface="-apple-system"/>
+            </a:endParaRPr>
+          </a:p>
+          <a:p>
+            <a:pPr lvl="1"/>
+            <a:r>
+              <a:rPr lang="en-US" sz="2400" b="0" i="0" u="sng" dirty="0">
+                <a:solidFill>
+                  <a:srgbClr val="1F2328"/>
+                </a:solidFill>
+                <a:effectLst/>
+                <a:latin typeface="-apple-system"/>
+                <a:hlinkClick r:id="rId3"/>
+              </a:rPr>
+              <a:t>Python SDK</a:t>
+            </a:r>
+            <a:endParaRPr lang="en-US" sz="2400" b="0" i="0" dirty="0">
+              <a:solidFill>
+                <a:srgbClr val="1F2328"/>
+              </a:solidFill>
+              <a:effectLst/>
+              <a:latin typeface="-apple-system"/>
+            </a:endParaRPr>
+          </a:p>
+          <a:p>
+            <a:pPr lvl="1"/>
+            <a:r>
+              <a:rPr lang="en-US" sz="2400" b="0" i="0" u="sng" dirty="0">
+                <a:solidFill>
+                  <a:srgbClr val="1F2328"/>
+                </a:solidFill>
+                <a:effectLst/>
+                <a:latin typeface="-apple-system"/>
+                <a:hlinkClick r:id="rId4"/>
+              </a:rPr>
+              <a:t>Java SDK</a:t>
+            </a:r>
+            <a:endParaRPr lang="en-US" sz="2400" b="0" i="0" dirty="0">
+              <a:solidFill>
+                <a:srgbClr val="1F2328"/>
+              </a:solidFill>
+              <a:effectLst/>
+              <a:latin typeface="-apple-system"/>
+            </a:endParaRPr>
+          </a:p>
+          <a:p>
+            <a:pPr lvl="1"/>
+            <a:r>
+              <a:rPr lang="en-US" sz="2400" b="0" i="0" u="sng" dirty="0">
+                <a:solidFill>
+                  <a:srgbClr val="1F2328"/>
+                </a:solidFill>
+                <a:effectLst/>
+                <a:latin typeface="-apple-system"/>
+                <a:hlinkClick r:id="rId5"/>
+              </a:rPr>
+              <a:t>Kotlin SDK</a:t>
+            </a:r>
+            <a:endParaRPr lang="en-US" sz="2400" b="0" i="0" u="sng" dirty="0">
+              <a:solidFill>
+                <a:srgbClr val="1F2328"/>
+              </a:solidFill>
+              <a:effectLst/>
+              <a:latin typeface="-apple-system"/>
+            </a:endParaRPr>
+          </a:p>
+          <a:p>
+            <a:pPr lvl="1"/>
+            <a:r>
+              <a:rPr lang="en-US" sz="2400" b="0" i="0" u="sng" dirty="0">
+                <a:effectLst/>
+                <a:latin typeface="-apple-system"/>
+                <a:hlinkClick r:id="rId6"/>
+              </a:rPr>
+              <a:t>C# SDK</a:t>
+            </a:r>
+            <a:endParaRPr lang="en-US" altLang="zh-CN" sz="2400" dirty="0"/>
+          </a:p>
+          <a:p>
+            <a:r>
+              <a:rPr lang="en-US" altLang="zh-CN" dirty="0"/>
+              <a:t>Tooling</a:t>
+            </a:r>
+          </a:p>
+          <a:p>
+            <a:pPr lvl="1"/>
+            <a:r>
+              <a:rPr lang="en-US" dirty="0">
+                <a:hlinkClick r:id="rId7"/>
+              </a:rPr>
+              <a:t>MCP Inspector</a:t>
+            </a:r>
+            <a:r>
+              <a:rPr lang="en-US" dirty="0"/>
+              <a:t>: </a:t>
+            </a:r>
+            <a:r>
+              <a:rPr lang="en-US" dirty="0" err="1"/>
+              <a:t>Herramienta</a:t>
+            </a:r>
+            <a:r>
+              <a:rPr lang="en-US" dirty="0"/>
+              <a:t> de </a:t>
+            </a:r>
+            <a:r>
+              <a:rPr lang="en-US" dirty="0" err="1"/>
+              <a:t>desarrollo</a:t>
+            </a:r>
+            <a:r>
+              <a:rPr lang="en-US" dirty="0"/>
+              <a:t> </a:t>
+            </a:r>
+            <a:r>
+              <a:rPr lang="en-US" dirty="0" err="1"/>
+              <a:t>interactiva</a:t>
+            </a:r>
+            <a:r>
+              <a:rPr lang="en-US" dirty="0"/>
+              <a:t> para </a:t>
+            </a:r>
+            <a:r>
+              <a:rPr lang="en-US" dirty="0" err="1"/>
+              <a:t>probar</a:t>
+            </a:r>
+            <a:r>
+              <a:rPr lang="en-US" dirty="0"/>
+              <a:t> y </a:t>
+            </a:r>
+            <a:r>
+              <a:rPr lang="en-US" dirty="0" err="1"/>
+              <a:t>depurar</a:t>
+            </a:r>
+            <a:r>
+              <a:rPr lang="en-US" dirty="0"/>
+              <a:t> MCP Server</a:t>
+            </a:r>
+          </a:p>
+          <a:p>
+            <a:pPr lvl="1"/>
+            <a:r>
+              <a:rPr lang="en-US" dirty="0">
+                <a:hlinkClick r:id="rId8"/>
+              </a:rPr>
+              <a:t>generator-mcp</a:t>
+            </a:r>
+            <a:r>
+              <a:rPr lang="en-US" dirty="0"/>
+              <a:t>: </a:t>
+            </a:r>
+            <a:r>
+              <a:rPr lang="en-US" i="0" dirty="0">
+                <a:solidFill>
+                  <a:srgbClr val="1F2328"/>
+                </a:solidFill>
+                <a:effectLst/>
+              </a:rPr>
+              <a:t>Yeoman Generator para MCP Server</a:t>
+            </a:r>
+            <a:endParaRPr lang="en-US" dirty="0"/>
+          </a:p>
+          <a:p>
+            <a:pPr lvl="1"/>
+            <a:endParaRPr lang="en-US" dirty="0"/>
+          </a:p>
+        </p:txBody>
+      </p:sp>
+    </p:spTree>
+    <p:extLst>
+      <p:ext uri="{BB962C8B-B14F-4D97-AF65-F5344CB8AC3E}">
+        <p14:creationId xmlns:p14="http://schemas.microsoft.com/office/powerpoint/2010/main" val="884710536"/>
+      </p:ext>
+    </p:extLst>
+  </p:cSld>
+  <p:clrMapOvr>
+    <a:masterClrMapping/>
+  </p:clrMapOvr>
+</p:sld>
+</file>
+
+<file path=ppt/slides/slide31.xml><?xml version="1.0" encoding="utf-8"?>
+<p:sld xmlns:a="http://schemas.openxmlformats.org/drawingml/2006/main" xmlns:r="http://schemas.openxmlformats.org/officeDocument/2006/relationships" xmlns:p="http://schemas.openxmlformats.org/presentationml/2006/main">
+  <p:cSld>
+    <p:spTree>
+      <p:nvGrpSpPr>
+        <p:cNvPr id="1" name=""/>
+        <p:cNvGrpSpPr/>
+        <p:nvPr/>
+      </p:nvGrpSpPr>
+      <p:grpSpPr>
+        <a:xfrm>
+          <a:off x="0" y="0"/>
+          <a:ext cx="0" cy="0"/>
+          <a:chOff x="0" y="0"/>
+          <a:chExt cx="0" cy="0"/>
+        </a:xfrm>
+      </p:grpSpPr>
+      <p:sp>
+        <p:nvSpPr>
+          <p:cNvPr id="2" name="Title 1">
+            <a:extLst>
+              <a:ext uri="{FF2B5EF4-FFF2-40B4-BE49-F238E27FC236}">
                 <a16:creationId xmlns:a16="http://schemas.microsoft.com/office/drawing/2014/main" id="{3245FB63-7EA1-E289-14C3-FAF89BA75547}"/>
               </a:ext>
             </a:extLst>
@@ -14790,7 +15216,7 @@
 </p:sld>
 </file>
 
-<file path=ppt/slides/slide31.xml><?xml version="1.0" encoding="utf-8"?>
+<file path=ppt/slides/slide32.xml><?xml version="1.0" encoding="utf-8"?>
 <p:sld xmlns:a="http://schemas.openxmlformats.org/drawingml/2006/main" xmlns:r="http://schemas.openxmlformats.org/officeDocument/2006/relationships" xmlns:p="http://schemas.openxmlformats.org/presentationml/2006/main">
   <p:cSld>
     <p:bg>
@@ -14904,7 +15330,7 @@
 </p:sld>
 </file>
 
-<file path=ppt/slides/slide32.xml><?xml version="1.0" encoding="utf-8"?>
+<file path=ppt/slides/slide33.xml><?xml version="1.0" encoding="utf-8"?>
 <p:sld xmlns:a="http://schemas.openxmlformats.org/drawingml/2006/main" xmlns:r="http://schemas.openxmlformats.org/officeDocument/2006/relationships" xmlns:p="http://schemas.openxmlformats.org/presentationml/2006/main">
   <p:cSld>
     <p:spTree>
@@ -15564,7 +15990,206 @@
 </p:sld>
 </file>
 
-<file path=ppt/slides/slide33.xml><?xml version="1.0" encoding="utf-8"?>
+<file path=ppt/slides/slide34.xml><?xml version="1.0" encoding="utf-8"?>
+<p:sld xmlns:a="http://schemas.openxmlformats.org/drawingml/2006/main" xmlns:r="http://schemas.openxmlformats.org/officeDocument/2006/relationships" xmlns:p="http://schemas.openxmlformats.org/presentationml/2006/main">
+  <p:cSld>
+    <p:spTree>
+      <p:nvGrpSpPr>
+        <p:cNvPr id="1" name="">
+          <a:extLst>
+            <a:ext uri="{FF2B5EF4-FFF2-40B4-BE49-F238E27FC236}">
+              <a16:creationId xmlns:a16="http://schemas.microsoft.com/office/drawing/2014/main" id="{8831D6CC-E80E-A891-AA18-A6A41000C90D}"/>
+            </a:ext>
+          </a:extLst>
+        </p:cNvPr>
+        <p:cNvGrpSpPr/>
+        <p:nvPr/>
+      </p:nvGrpSpPr>
+      <p:grpSpPr>
+        <a:xfrm>
+          <a:off x="0" y="0"/>
+          <a:ext cx="0" cy="0"/>
+          <a:chOff x="0" y="0"/>
+          <a:chExt cx="0" cy="0"/>
+        </a:xfrm>
+      </p:grpSpPr>
+      <p:sp>
+        <p:nvSpPr>
+          <p:cNvPr id="2" name="Title 1">
+            <a:extLst>
+              <a:ext uri="{FF2B5EF4-FFF2-40B4-BE49-F238E27FC236}">
+                <a16:creationId xmlns:a16="http://schemas.microsoft.com/office/drawing/2014/main" id="{4ACFC45C-F95E-EF56-8E7B-EC8F79AB364A}"/>
+              </a:ext>
+            </a:extLst>
+          </p:cNvPr>
+          <p:cNvSpPr>
+            <a:spLocks noGrp="1"/>
+          </p:cNvSpPr>
+          <p:nvPr>
+            <p:ph type="title"/>
+          </p:nvPr>
+        </p:nvSpPr>
+        <p:spPr/>
+        <p:txBody>
+          <a:bodyPr/>
+          <a:lstStyle/>
+          <a:p>
+            <a:r>
+              <a:rPr lang="en-US" altLang="zh-CN" dirty="0">
+                <a:solidFill>
+                  <a:schemeClr val="accent2"/>
+                </a:solidFill>
+              </a:rPr>
+              <a:t>Tools</a:t>
+            </a:r>
+            <a:endParaRPr lang="en-US" dirty="0">
+              <a:solidFill>
+                <a:schemeClr val="accent2"/>
+              </a:solidFill>
+            </a:endParaRPr>
+          </a:p>
+        </p:txBody>
+      </p:sp>
+      <p:sp>
+        <p:nvSpPr>
+          <p:cNvPr id="3" name="Content Placeholder 2">
+            <a:extLst>
+              <a:ext uri="{FF2B5EF4-FFF2-40B4-BE49-F238E27FC236}">
+                <a16:creationId xmlns:a16="http://schemas.microsoft.com/office/drawing/2014/main" id="{1CAA8F84-2381-907F-10B4-77EE9CBA7AD3}"/>
+              </a:ext>
+            </a:extLst>
+          </p:cNvPr>
+          <p:cNvSpPr>
+            <a:spLocks noGrp="1"/>
+          </p:cNvSpPr>
+          <p:nvPr>
+            <p:ph idx="1"/>
+          </p:nvPr>
+        </p:nvSpPr>
+        <p:spPr>
+          <a:xfrm>
+            <a:off x="269241" y="1189179"/>
+            <a:ext cx="11653521" cy="4794526"/>
+          </a:xfrm>
+        </p:spPr>
+        <p:txBody>
+          <a:bodyPr>
+            <a:normAutofit/>
+          </a:bodyPr>
+          <a:lstStyle/>
+          <a:p>
+            <a:pPr marL="0" indent="0">
+              <a:buNone/>
+            </a:pPr>
+            <a:r>
+              <a:rPr lang="es-ES" sz="3200" dirty="0">
+                <a:latin typeface="Segoe UI" panose="020B0502040204020203" pitchFamily="34" charset="0"/>
+                <a:cs typeface="Segoe UI" panose="020B0502040204020203" pitchFamily="34" charset="0"/>
+              </a:rPr>
+              <a:t>Las herramientas permiten que la IA haga más que hablar: le permiten actuar.</a:t>
+            </a:r>
+          </a:p>
+          <a:p>
+            <a:pPr marL="0" indent="0">
+              <a:buNone/>
+            </a:pPr>
+            <a:endParaRPr lang="es-ES" sz="3200" dirty="0">
+              <a:latin typeface="Segoe UI" panose="020B0502040204020203" pitchFamily="34" charset="0"/>
+              <a:cs typeface="Segoe UI" panose="020B0502040204020203" pitchFamily="34" charset="0"/>
+            </a:endParaRPr>
+          </a:p>
+          <a:p>
+            <a:r>
+              <a:rPr lang="es-ES" sz="3200" dirty="0">
+                <a:latin typeface="Segoe UI" panose="020B0502040204020203" pitchFamily="34" charset="0"/>
+                <a:cs typeface="Segoe UI" panose="020B0502040204020203" pitchFamily="34" charset="0"/>
+              </a:rPr>
+              <a:t>Ejemplos: Concertar una reunión, enviar un correo electrónico, generar un informe.</a:t>
+            </a:r>
+          </a:p>
+          <a:p>
+            <a:r>
+              <a:rPr lang="es-ES" sz="3200" b="1" dirty="0">
+                <a:latin typeface="Segoe UI" panose="020B0502040204020203" pitchFamily="34" charset="0"/>
+                <a:cs typeface="Segoe UI" panose="020B0502040204020203" pitchFamily="34" charset="0"/>
+              </a:rPr>
+              <a:t>Propósito</a:t>
+            </a:r>
+            <a:r>
+              <a:rPr lang="es-ES" sz="3200" dirty="0">
+                <a:latin typeface="Segoe UI" panose="020B0502040204020203" pitchFamily="34" charset="0"/>
+                <a:cs typeface="Segoe UI" panose="020B0502040204020203" pitchFamily="34" charset="0"/>
+              </a:rPr>
+              <a:t>: Actuar en su nombre.</a:t>
+            </a:r>
+          </a:p>
+          <a:p>
+            <a:r>
+              <a:rPr lang="es-ES" sz="3200" dirty="0">
+                <a:latin typeface="Segoe UI" panose="020B0502040204020203" pitchFamily="34" charset="0"/>
+                <a:cs typeface="Segoe UI" panose="020B0502040204020203" pitchFamily="34" charset="0"/>
+              </a:rPr>
+              <a:t>En conjunto, los </a:t>
+            </a:r>
+            <a:r>
+              <a:rPr lang="es-ES" sz="3200" dirty="0" err="1">
+                <a:latin typeface="Segoe UI" panose="020B0502040204020203" pitchFamily="34" charset="0"/>
+                <a:cs typeface="Segoe UI" panose="020B0502040204020203" pitchFamily="34" charset="0"/>
+              </a:rPr>
+              <a:t>prompts</a:t>
+            </a:r>
+            <a:r>
+              <a:rPr lang="es-ES" sz="3200" dirty="0">
+                <a:latin typeface="Segoe UI" panose="020B0502040204020203" pitchFamily="34" charset="0"/>
+                <a:cs typeface="Segoe UI" panose="020B0502040204020203" pitchFamily="34" charset="0"/>
+              </a:rPr>
+              <a:t>, los </a:t>
+            </a:r>
+            <a:r>
+              <a:rPr lang="es-ES" sz="3200" dirty="0" err="1">
+                <a:latin typeface="Segoe UI" panose="020B0502040204020203" pitchFamily="34" charset="0"/>
+                <a:cs typeface="Segoe UI" panose="020B0502040204020203" pitchFamily="34" charset="0"/>
+              </a:rPr>
+              <a:t>resources</a:t>
+            </a:r>
+            <a:r>
+              <a:rPr lang="es-ES" sz="3200" dirty="0">
+                <a:latin typeface="Segoe UI" panose="020B0502040204020203" pitchFamily="34" charset="0"/>
+                <a:cs typeface="Segoe UI" panose="020B0502040204020203" pitchFamily="34" charset="0"/>
+              </a:rPr>
+              <a:t> y las </a:t>
+            </a:r>
+            <a:r>
+              <a:rPr lang="es-ES" sz="3200" dirty="0" err="1">
+                <a:latin typeface="Segoe UI" panose="020B0502040204020203" pitchFamily="34" charset="0"/>
+                <a:cs typeface="Segoe UI" panose="020B0502040204020203" pitchFamily="34" charset="0"/>
+              </a:rPr>
+              <a:t>tools</a:t>
+            </a:r>
+            <a:r>
+              <a:rPr lang="es-ES" sz="3200" dirty="0">
+                <a:latin typeface="Segoe UI" panose="020B0502040204020203" pitchFamily="34" charset="0"/>
+                <a:cs typeface="Segoe UI" panose="020B0502040204020203" pitchFamily="34" charset="0"/>
+              </a:rPr>
+              <a:t> le dan a MCP su potencial real.</a:t>
+            </a:r>
+          </a:p>
+        </p:txBody>
+      </p:sp>
+    </p:spTree>
+    <p:extLst>
+      <p:ext uri="{BB962C8B-B14F-4D97-AF65-F5344CB8AC3E}">
+        <p14:creationId xmlns:p14="http://schemas.microsoft.com/office/powerpoint/2010/main" val="1918747019"/>
+      </p:ext>
+    </p:extLst>
+  </p:cSld>
+  <p:clrMapOvr>
+    <a:masterClrMapping/>
+  </p:clrMapOvr>
+</p:sld>
+</file>
+
+<file path=ppt/slides/slide35.xml><?xml version="1.0" encoding="utf-8"?>
 <p:sld xmlns:a="http://schemas.openxmlformats.org/drawingml/2006/main" xmlns:r="http://schemas.openxmlformats.org/officeDocument/2006/relationships" xmlns:p="http://schemas.openxmlformats.org/presentationml/2006/main">
   <p:cSld>
     <p:spTree>
@@ -16661,7 +17286,7 @@
 </p:sld>
 </file>
 
-<file path=ppt/slides/slide34.xml><?xml version="1.0" encoding="utf-8"?>
+<file path=ppt/slides/slide36.xml><?xml version="1.0" encoding="utf-8"?>
 <p:sld xmlns:a="http://schemas.openxmlformats.org/drawingml/2006/main" xmlns:r="http://schemas.openxmlformats.org/officeDocument/2006/relationships" xmlns:p="http://schemas.openxmlformats.org/presentationml/2006/main">
   <p:cSld>
     <p:spTree>
@@ -17210,7 +17835,7 @@
 </p:sld>
 </file>
 
-<file path=ppt/slides/slide35.xml><?xml version="1.0" encoding="utf-8"?>
+<file path=ppt/slides/slide37.xml><?xml version="1.0" encoding="utf-8"?>
 <p:sld xmlns:a="http://schemas.openxmlformats.org/drawingml/2006/main" xmlns:r="http://schemas.openxmlformats.org/officeDocument/2006/relationships" xmlns:p="http://schemas.openxmlformats.org/presentationml/2006/main">
   <p:cSld>
     <p:spTree>
@@ -17402,7 +18027,7 @@
 </p:sld>
 </file>
 
-<file path=ppt/slides/slide36.xml><?xml version="1.0" encoding="utf-8"?>
+<file path=ppt/slides/slide38.xml><?xml version="1.0" encoding="utf-8"?>
 <p:sld xmlns:a="http://schemas.openxmlformats.org/drawingml/2006/main" xmlns:r="http://schemas.openxmlformats.org/officeDocument/2006/relationships" xmlns:p="http://schemas.openxmlformats.org/presentationml/2006/main">
   <p:cSld>
     <p:bg>
@@ -17532,7 +18157,346 @@
 </p:sld>
 </file>
 
-<file path=ppt/slides/slide37.xml><?xml version="1.0" encoding="utf-8"?>
+<file path=ppt/slides/slide39.xml><?xml version="1.0" encoding="utf-8"?>
+<p:sld xmlns:a="http://schemas.openxmlformats.org/drawingml/2006/main" xmlns:r="http://schemas.openxmlformats.org/officeDocument/2006/relationships" xmlns:p="http://schemas.openxmlformats.org/presentationml/2006/main">
+  <p:cSld>
+    <p:spTree>
+      <p:nvGrpSpPr>
+        <p:cNvPr id="1" name="">
+          <a:extLst>
+            <a:ext uri="{FF2B5EF4-FFF2-40B4-BE49-F238E27FC236}">
+              <a16:creationId xmlns:a16="http://schemas.microsoft.com/office/drawing/2014/main" id="{A1243046-CFE2-FACC-DFDA-907578B2504D}"/>
+            </a:ext>
+          </a:extLst>
+        </p:cNvPr>
+        <p:cNvGrpSpPr/>
+        <p:nvPr/>
+      </p:nvGrpSpPr>
+      <p:grpSpPr>
+        <a:xfrm>
+          <a:off x="0" y="0"/>
+          <a:ext cx="0" cy="0"/>
+          <a:chOff x="0" y="0"/>
+          <a:chExt cx="0" cy="0"/>
+        </a:xfrm>
+      </p:grpSpPr>
+      <p:sp>
+        <p:nvSpPr>
+          <p:cNvPr id="2" name="Title 1">
+            <a:extLst>
+              <a:ext uri="{FF2B5EF4-FFF2-40B4-BE49-F238E27FC236}">
+                <a16:creationId xmlns:a16="http://schemas.microsoft.com/office/drawing/2014/main" id="{0FE15B77-3E29-784A-C342-BC37173F5234}"/>
+              </a:ext>
+            </a:extLst>
+          </p:cNvPr>
+          <p:cNvSpPr>
+            <a:spLocks noGrp="1"/>
+          </p:cNvSpPr>
+          <p:nvPr>
+            <p:ph type="title"/>
+          </p:nvPr>
+        </p:nvSpPr>
+        <p:spPr/>
+        <p:txBody>
+          <a:bodyPr/>
+          <a:lstStyle/>
+          <a:p>
+            <a:r>
+              <a:rPr lang="en-US" altLang="zh-CN" dirty="0">
+                <a:solidFill>
+                  <a:schemeClr val="accent2"/>
+                </a:solidFill>
+              </a:rPr>
+              <a:t>Prompts</a:t>
+            </a:r>
+            <a:endParaRPr lang="en-US" dirty="0">
+              <a:solidFill>
+                <a:schemeClr val="accent2"/>
+              </a:solidFill>
+            </a:endParaRPr>
+          </a:p>
+        </p:txBody>
+      </p:sp>
+      <p:sp>
+        <p:nvSpPr>
+          <p:cNvPr id="3" name="Content Placeholder 2">
+            <a:extLst>
+              <a:ext uri="{FF2B5EF4-FFF2-40B4-BE49-F238E27FC236}">
+                <a16:creationId xmlns:a16="http://schemas.microsoft.com/office/drawing/2014/main" id="{E76C9432-0211-415A-DD1D-4FF9D43F4E9B}"/>
+              </a:ext>
+            </a:extLst>
+          </p:cNvPr>
+          <p:cNvSpPr>
+            <a:spLocks noGrp="1"/>
+          </p:cNvSpPr>
+          <p:nvPr>
+            <p:ph idx="1"/>
+          </p:nvPr>
+        </p:nvSpPr>
+        <p:spPr>
+          <a:xfrm>
+            <a:off x="269241" y="1189179"/>
+            <a:ext cx="11653521" cy="4794526"/>
+          </a:xfrm>
+        </p:spPr>
+        <p:txBody>
+          <a:bodyPr>
+            <a:normAutofit/>
+          </a:bodyPr>
+          <a:lstStyle/>
+          <a:p>
+            <a:pPr marL="0" indent="0">
+              <a:buNone/>
+            </a:pPr>
+            <a:r>
+              <a:rPr lang="es-ES" sz="3200" dirty="0">
+                <a:latin typeface="Segoe UI" panose="020B0502040204020203" pitchFamily="34" charset="0"/>
+                <a:cs typeface="Segoe UI" panose="020B0502040204020203" pitchFamily="34" charset="0"/>
+              </a:rPr>
+              <a:t>Los </a:t>
+            </a:r>
+            <a:r>
+              <a:rPr lang="es-ES" sz="3200" dirty="0" err="1">
+                <a:latin typeface="Segoe UI" panose="020B0502040204020203" pitchFamily="34" charset="0"/>
+                <a:cs typeface="Segoe UI" panose="020B0502040204020203" pitchFamily="34" charset="0"/>
+              </a:rPr>
+              <a:t>Prompts</a:t>
+            </a:r>
+            <a:r>
+              <a:rPr lang="es-ES" sz="3200" dirty="0">
+                <a:latin typeface="Segoe UI" panose="020B0502040204020203" pitchFamily="34" charset="0"/>
+                <a:cs typeface="Segoe UI" panose="020B0502040204020203" pitchFamily="34" charset="0"/>
+              </a:rPr>
+              <a:t> guían la respuesta de la IA y permiten a los usuarios activar tareas específicas con clics simples.</a:t>
+            </a:r>
+          </a:p>
+          <a:p>
+            <a:pPr marL="0" indent="0">
+              <a:buNone/>
+            </a:pPr>
+            <a:endParaRPr lang="es-ES" sz="3200" dirty="0">
+              <a:latin typeface="Segoe UI" panose="020B0502040204020203" pitchFamily="34" charset="0"/>
+              <a:cs typeface="Segoe UI" panose="020B0502040204020203" pitchFamily="34" charset="0"/>
+            </a:endParaRPr>
+          </a:p>
+          <a:p>
+            <a:r>
+              <a:rPr lang="es-ES" sz="3200" b="1" dirty="0">
+                <a:latin typeface="Segoe UI" panose="020B0502040204020203" pitchFamily="34" charset="0"/>
+                <a:cs typeface="Segoe UI" panose="020B0502040204020203" pitchFamily="34" charset="0"/>
+              </a:rPr>
+              <a:t>Propósito</a:t>
+            </a:r>
+            <a:r>
+              <a:rPr lang="es-ES" sz="3200" dirty="0">
+                <a:latin typeface="Segoe UI" panose="020B0502040204020203" pitchFamily="34" charset="0"/>
+                <a:cs typeface="Segoe UI" panose="020B0502040204020203" pitchFamily="34" charset="0"/>
+              </a:rPr>
+              <a:t>: Mantiene las conversaciones enfocadas.</a:t>
+            </a:r>
+          </a:p>
+          <a:p>
+            <a:r>
+              <a:rPr lang="es-ES" sz="3200" b="1" dirty="0">
+                <a:latin typeface="Segoe UI" panose="020B0502040204020203" pitchFamily="34" charset="0"/>
+                <a:cs typeface="Segoe UI" panose="020B0502040204020203" pitchFamily="34" charset="0"/>
+              </a:rPr>
+              <a:t>Control del usuario</a:t>
+            </a:r>
+            <a:r>
+              <a:rPr lang="es-ES" sz="3200" dirty="0">
+                <a:latin typeface="Segoe UI" panose="020B0502040204020203" pitchFamily="34" charset="0"/>
+                <a:cs typeface="Segoe UI" panose="020B0502040204020203" pitchFamily="34" charset="0"/>
+              </a:rPr>
+              <a:t>: Tú eliges las indicaciones; la IA las sigue.</a:t>
+            </a:r>
+          </a:p>
+          <a:p>
+            <a:r>
+              <a:rPr lang="es-ES" sz="3200" b="1" dirty="0">
+                <a:latin typeface="Segoe UI" panose="020B0502040204020203" pitchFamily="34" charset="0"/>
+                <a:cs typeface="Segoe UI" panose="020B0502040204020203" pitchFamily="34" charset="0"/>
+              </a:rPr>
+              <a:t>Personalización</a:t>
+            </a:r>
+            <a:r>
+              <a:rPr lang="es-ES" sz="3200" dirty="0">
+                <a:latin typeface="Segoe UI" panose="020B0502040204020203" pitchFamily="34" charset="0"/>
+                <a:cs typeface="Segoe UI" panose="020B0502040204020203" pitchFamily="34" charset="0"/>
+              </a:rPr>
+              <a:t>: Adapta fácilmente las indicaciones a diferentes necesidades.</a:t>
+            </a:r>
+          </a:p>
+        </p:txBody>
+      </p:sp>
+    </p:spTree>
+    <p:extLst>
+      <p:ext uri="{BB962C8B-B14F-4D97-AF65-F5344CB8AC3E}">
+        <p14:creationId xmlns:p14="http://schemas.microsoft.com/office/powerpoint/2010/main" val="865044053"/>
+      </p:ext>
+    </p:extLst>
+  </p:cSld>
+  <p:clrMapOvr>
+    <a:masterClrMapping/>
+  </p:clrMapOvr>
+</p:sld>
+</file>
+
+<file path=ppt/slides/slide4.xml><?xml version="1.0" encoding="utf-8"?>
+<p:sld xmlns:a="http://schemas.openxmlformats.org/drawingml/2006/main" xmlns:r="http://schemas.openxmlformats.org/officeDocument/2006/relationships" xmlns:p="http://schemas.openxmlformats.org/presentationml/2006/main">
+  <p:cSld>
+    <p:spTree>
+      <p:nvGrpSpPr>
+        <p:cNvPr id="1" name=""/>
+        <p:cNvGrpSpPr/>
+        <p:nvPr/>
+      </p:nvGrpSpPr>
+      <p:grpSpPr>
+        <a:xfrm>
+          <a:off x="0" y="0"/>
+          <a:ext cx="0" cy="0"/>
+          <a:chOff x="0" y="0"/>
+          <a:chExt cx="0" cy="0"/>
+        </a:xfrm>
+      </p:grpSpPr>
+      <p:sp>
+        <p:nvSpPr>
+          <p:cNvPr id="2" name="Title 1"/>
+          <p:cNvSpPr>
+            <a:spLocks noGrp="1"/>
+          </p:cNvSpPr>
+          <p:nvPr>
+            <p:ph type="title"/>
+          </p:nvPr>
+        </p:nvSpPr>
+        <p:spPr/>
+        <p:txBody>
+          <a:bodyPr/>
+          <a:lstStyle/>
+          <a:p>
+            <a:r>
+              <a:rPr lang="es-ES" dirty="0">
+                <a:solidFill>
+                  <a:schemeClr val="accent2"/>
+                </a:solidFill>
+              </a:rPr>
+              <a:t>La agenda</a:t>
+            </a:r>
+          </a:p>
+        </p:txBody>
+      </p:sp>
+      <p:sp>
+        <p:nvSpPr>
+          <p:cNvPr id="3" name="Text Placeholder 2"/>
+          <p:cNvSpPr>
+            <a:spLocks noGrp="1"/>
+          </p:cNvSpPr>
+          <p:nvPr>
+            <p:ph type="body" sz="quarter" idx="11"/>
+          </p:nvPr>
+        </p:nvSpPr>
+        <p:spPr>
+          <a:xfrm>
+            <a:off x="269240" y="1403351"/>
+            <a:ext cx="11647496" cy="5262144"/>
+          </a:xfrm>
+        </p:spPr>
+        <p:txBody>
+          <a:bodyPr/>
+          <a:lstStyle/>
+          <a:p>
+            <a:pPr marL="514350" indent="-514350">
+              <a:buFont typeface="+mj-lt"/>
+              <a:buAutoNum type="arabicPeriod"/>
+            </a:pPr>
+            <a:r>
+              <a:rPr lang="en-US" sz="2800" b="1" dirty="0"/>
+              <a:t>¿Por </a:t>
+            </a:r>
+            <a:r>
+              <a:rPr lang="en-US" sz="2800" b="1" dirty="0" err="1"/>
+              <a:t>qué</a:t>
+            </a:r>
+            <a:r>
+              <a:rPr lang="en-US" sz="2800" b="1" dirty="0"/>
+              <a:t>? </a:t>
+            </a:r>
+            <a:r>
+              <a:rPr lang="en-US" sz="2800" dirty="0"/>
+              <a:t>– La </a:t>
+            </a:r>
+            <a:r>
+              <a:rPr lang="en-US" sz="2800" dirty="0" err="1"/>
+              <a:t>necesidad</a:t>
+            </a:r>
+            <a:r>
+              <a:rPr lang="en-US" sz="2800" dirty="0"/>
+              <a:t> que </a:t>
+            </a:r>
+            <a:r>
+              <a:rPr lang="en-US" sz="2800" dirty="0" err="1"/>
+              <a:t>resuelve</a:t>
+            </a:r>
+            <a:r>
+              <a:rPr lang="en-US" sz="2800" dirty="0"/>
+              <a:t> MCP</a:t>
+            </a:r>
+          </a:p>
+          <a:p>
+            <a:pPr marL="514350" indent="-514350">
+              <a:buFont typeface="+mj-lt"/>
+              <a:buAutoNum type="arabicPeriod"/>
+            </a:pPr>
+            <a:r>
+              <a:rPr lang="es-ES" sz="2800" b="1" dirty="0"/>
+              <a:t>¿Qué es? </a:t>
+            </a:r>
+            <a:r>
+              <a:rPr lang="es-ES" sz="2800" dirty="0"/>
+              <a:t>– Conociendo todo lo necesario de MCP</a:t>
+            </a:r>
+          </a:p>
+          <a:p>
+            <a:pPr marL="514350" indent="-514350">
+              <a:buFont typeface="+mj-lt"/>
+              <a:buAutoNum type="arabicPeriod"/>
+            </a:pPr>
+            <a:r>
+              <a:rPr lang="es-ES" sz="2800" b="1" dirty="0"/>
+              <a:t>¿Cómo? </a:t>
+            </a:r>
+            <a:r>
+              <a:rPr lang="es-ES" sz="2800" dirty="0"/>
+              <a:t>Usando </a:t>
+            </a:r>
+            <a:r>
+              <a:rPr lang="es-ES" sz="2800" dirty="0" err="1"/>
+              <a:t>MCPs</a:t>
+            </a:r>
+            <a:r>
+              <a:rPr lang="es-ES" sz="2800" dirty="0"/>
+              <a:t> y desarrollando nuestro propio cliente, servidor, etc. Además, aprenderemos a usar herramientas como MCP Inspector y veremos casos prácticos.</a:t>
+            </a:r>
+          </a:p>
+        </p:txBody>
+      </p:sp>
+    </p:spTree>
+    <p:extLst>
+      <p:ext uri="{BB962C8B-B14F-4D97-AF65-F5344CB8AC3E}">
+        <p14:creationId xmlns:p14="http://schemas.microsoft.com/office/powerpoint/2010/main" val="2201445214"/>
+      </p:ext>
+    </p:extLst>
+  </p:cSld>
+  <p:clrMapOvr>
+    <a:masterClrMapping/>
+  </p:clrMapOvr>
+  <p:transition>
+    <p:fade/>
+  </p:transition>
+</p:sld>
+</file>
+
+<file path=ppt/slides/slide40.xml><?xml version="1.0" encoding="utf-8"?>
 <p:sld xmlns:a="http://schemas.openxmlformats.org/drawingml/2006/main" xmlns:r="http://schemas.openxmlformats.org/officeDocument/2006/relationships" xmlns:p="http://schemas.openxmlformats.org/presentationml/2006/main">
   <p:cSld>
     <p:spTree>
@@ -18221,7 +19185,7 @@
 </p:sld>
 </file>
 
-<file path=ppt/slides/slide38.xml><?xml version="1.0" encoding="utf-8"?>
+<file path=ppt/slides/slide41.xml><?xml version="1.0" encoding="utf-8"?>
 <p:sld xmlns:a="http://schemas.openxmlformats.org/drawingml/2006/main" xmlns:r="http://schemas.openxmlformats.org/officeDocument/2006/relationships" xmlns:p="http://schemas.openxmlformats.org/presentationml/2006/main">
   <p:cSld>
     <p:spTree>
@@ -18644,7 +19608,7 @@
 </p:sld>
 </file>
 
-<file path=ppt/slides/slide39.xml><?xml version="1.0" encoding="utf-8"?>
+<file path=ppt/slides/slide42.xml><?xml version="1.0" encoding="utf-8"?>
 <p:sld xmlns:a="http://schemas.openxmlformats.org/drawingml/2006/main" xmlns:r="http://schemas.openxmlformats.org/officeDocument/2006/relationships" xmlns:p="http://schemas.openxmlformats.org/presentationml/2006/main">
   <p:cSld>
     <p:bg>
@@ -18934,12 +19898,18 @@
 </p:sld>
 </file>
 
-<file path=ppt/slides/slide4.xml><?xml version="1.0" encoding="utf-8"?>
+<file path=ppt/slides/slide43.xml><?xml version="1.0" encoding="utf-8"?>
 <p:sld xmlns:a="http://schemas.openxmlformats.org/drawingml/2006/main" xmlns:r="http://schemas.openxmlformats.org/officeDocument/2006/relationships" xmlns:p="http://schemas.openxmlformats.org/presentationml/2006/main">
   <p:cSld>
     <p:spTree>
       <p:nvGrpSpPr>
-        <p:cNvPr id="1" name=""/>
+        <p:cNvPr id="1" name="">
+          <a:extLst>
+            <a:ext uri="{FF2B5EF4-FFF2-40B4-BE49-F238E27FC236}">
+              <a16:creationId xmlns:a16="http://schemas.microsoft.com/office/drawing/2014/main" id="{6535B9B0-E0B4-C5C9-E756-C5FB320A7511}"/>
+            </a:ext>
+          </a:extLst>
+        </p:cNvPr>
         <p:cNvGrpSpPr/>
         <p:nvPr/>
       </p:nvGrpSpPr>
@@ -18953,7 +19923,13 @@
       </p:grpSpPr>
       <p:sp>
         <p:nvSpPr>
-          <p:cNvPr id="2" name="Title 1"/>
+          <p:cNvPr id="2" name="Title 1">
+            <a:extLst>
+              <a:ext uri="{FF2B5EF4-FFF2-40B4-BE49-F238E27FC236}">
+                <a16:creationId xmlns:a16="http://schemas.microsoft.com/office/drawing/2014/main" id="{45FAC978-9B37-25D0-1365-076D1BD993C8}"/>
+              </a:ext>
+            </a:extLst>
+          </p:cNvPr>
           <p:cNvSpPr>
             <a:spLocks noGrp="1"/>
           </p:cNvSpPr>
@@ -18967,107 +19943,115 @@
           <a:lstStyle/>
           <a:p>
             <a:r>
-              <a:rPr lang="es-ES" dirty="0">
+              <a:rPr lang="en-US" altLang="zh-CN" dirty="0" err="1">
                 <a:solidFill>
                   <a:schemeClr val="accent2"/>
                 </a:solidFill>
               </a:rPr>
-              <a:t>La agenda</a:t>
-            </a:r>
+              <a:t>Recursos</a:t>
+            </a:r>
+            <a:endParaRPr lang="en-US" dirty="0">
+              <a:solidFill>
+                <a:schemeClr val="accent2"/>
+              </a:solidFill>
+            </a:endParaRPr>
           </a:p>
         </p:txBody>
       </p:sp>
       <p:sp>
         <p:nvSpPr>
-          <p:cNvPr id="3" name="Text Placeholder 2"/>
+          <p:cNvPr id="3" name="Content Placeholder 2">
+            <a:extLst>
+              <a:ext uri="{FF2B5EF4-FFF2-40B4-BE49-F238E27FC236}">
+                <a16:creationId xmlns:a16="http://schemas.microsoft.com/office/drawing/2014/main" id="{A96013FD-1ABA-4881-7EE8-C195B1B18F2E}"/>
+              </a:ext>
+            </a:extLst>
+          </p:cNvPr>
           <p:cNvSpPr>
             <a:spLocks noGrp="1"/>
           </p:cNvSpPr>
           <p:nvPr>
-            <p:ph type="body" sz="quarter" idx="11"/>
+            <p:ph idx="1"/>
           </p:nvPr>
         </p:nvSpPr>
         <p:spPr>
           <a:xfrm>
-            <a:off x="269240" y="1403351"/>
-            <a:ext cx="11647496" cy="5262144"/>
+            <a:off x="269241" y="1189179"/>
+            <a:ext cx="11653521" cy="4794526"/>
           </a:xfrm>
         </p:spPr>
         <p:txBody>
-          <a:bodyPr/>
+          <a:bodyPr>
+            <a:normAutofit/>
+          </a:bodyPr>
           <a:lstStyle/>
           <a:p>
-            <a:pPr marL="514350" indent="-514350">
-              <a:buFont typeface="+mj-lt"/>
-              <a:buAutoNum type="arabicPeriod"/>
+            <a:pPr marL="0" indent="0">
+              <a:buNone/>
             </a:pPr>
             <a:r>
-              <a:rPr lang="en-US" sz="2800" b="1" dirty="0"/>
-              <a:t>¿Por </a:t>
-            </a:r>
-            <a:r>
-              <a:rPr lang="en-US" sz="2800" b="1" dirty="0" err="1"/>
-              <a:t>qué</a:t>
-            </a:r>
-            <a:r>
-              <a:rPr lang="en-US" sz="2800" b="1" dirty="0"/>
-              <a:t>? </a:t>
-            </a:r>
-            <a:r>
-              <a:rPr lang="en-US" sz="2800" dirty="0"/>
-              <a:t>– La </a:t>
-            </a:r>
-            <a:r>
-              <a:rPr lang="en-US" sz="2800" dirty="0" err="1"/>
-              <a:t>necesidad</a:t>
-            </a:r>
-            <a:r>
-              <a:rPr lang="en-US" sz="2800" dirty="0"/>
-              <a:t> que </a:t>
-            </a:r>
-            <a:r>
-              <a:rPr lang="en-US" sz="2800" dirty="0" err="1"/>
-              <a:t>resuelve</a:t>
-            </a:r>
-            <a:r>
-              <a:rPr lang="en-US" sz="2800" dirty="0"/>
-              <a:t> MCP</a:t>
-            </a:r>
-          </a:p>
-          <a:p>
-            <a:pPr marL="514350" indent="-514350">
-              <a:buFont typeface="+mj-lt"/>
-              <a:buAutoNum type="arabicPeriod"/>
+              <a:rPr lang="es-ES" sz="3200" dirty="0">
+                <a:latin typeface="Segoe UI" panose="020B0502040204020203" pitchFamily="34" charset="0"/>
+                <a:cs typeface="Segoe UI" panose="020B0502040204020203" pitchFamily="34" charset="0"/>
+              </a:rPr>
+              <a:t>Esta es la base de conocimientos de tu IA. Documentos, archivos, conjuntos de datos: todo lo que el sistema necesita para comprender tu entorno.</a:t>
+            </a:r>
+          </a:p>
+          <a:p>
+            <a:pPr marL="0" indent="0">
+              <a:buNone/>
             </a:pPr>
-            <a:r>
-              <a:rPr lang="es-ES" sz="2800" b="1" dirty="0"/>
-              <a:t>¿Qué es? </a:t>
-            </a:r>
-            <a:r>
-              <a:rPr lang="es-ES" sz="2800" dirty="0"/>
-              <a:t>– Conociendo todo lo necesario de MCP</a:t>
-            </a:r>
-          </a:p>
-          <a:p>
-            <a:pPr marL="514350" indent="-514350">
-              <a:buFont typeface="+mj-lt"/>
-              <a:buAutoNum type="arabicPeriod"/>
-            </a:pPr>
-            <a:r>
-              <a:rPr lang="es-ES" sz="2800" b="1" dirty="0"/>
-              <a:t>¿Cómo? </a:t>
-            </a:r>
-            <a:r>
-              <a:rPr lang="es-ES" sz="2800" dirty="0"/>
-              <a:t>Usando </a:t>
-            </a:r>
-            <a:r>
-              <a:rPr lang="es-ES" sz="2800" dirty="0" err="1"/>
-              <a:t>MCPs</a:t>
-            </a:r>
-            <a:r>
-              <a:rPr lang="es-ES" sz="2800" dirty="0"/>
-              <a:t> y desarrollando nuestro propio cliente, servidor, etc. Además, aprenderemos a usar herramientas como MCP Inspector y veremos casos prácticos.</a:t>
+            <a:endParaRPr lang="es-ES" sz="3200" dirty="0">
+              <a:latin typeface="Segoe UI" panose="020B0502040204020203" pitchFamily="34" charset="0"/>
+              <a:cs typeface="Segoe UI" panose="020B0502040204020203" pitchFamily="34" charset="0"/>
+            </a:endParaRPr>
+          </a:p>
+          <a:p>
+            <a:r>
+              <a:rPr lang="es-ES" sz="3200" b="1" dirty="0">
+                <a:latin typeface="Segoe UI" panose="020B0502040204020203" pitchFamily="34" charset="0"/>
+                <a:cs typeface="Segoe UI" panose="020B0502040204020203" pitchFamily="34" charset="0"/>
+              </a:rPr>
+              <a:t>Propósito</a:t>
+            </a:r>
+            <a:r>
+              <a:rPr lang="es-ES" sz="3200" dirty="0">
+                <a:latin typeface="Segoe UI" panose="020B0502040204020203" pitchFamily="34" charset="0"/>
+                <a:cs typeface="Segoe UI" panose="020B0502040204020203" pitchFamily="34" charset="0"/>
+              </a:rPr>
+              <a:t>: Proporciona contexto a la IA.</a:t>
+            </a:r>
+          </a:p>
+          <a:p>
+            <a:r>
+              <a:rPr lang="es-ES" sz="3200" b="1" dirty="0">
+                <a:latin typeface="Segoe UI" panose="020B0502040204020203" pitchFamily="34" charset="0"/>
+                <a:cs typeface="Segoe UI" panose="020B0502040204020203" pitchFamily="34" charset="0"/>
+              </a:rPr>
+              <a:t>Flexibilidad</a:t>
+            </a:r>
+            <a:r>
+              <a:rPr lang="es-ES" sz="3200" dirty="0">
+                <a:latin typeface="Segoe UI" panose="020B0502040204020203" pitchFamily="34" charset="0"/>
+                <a:cs typeface="Segoe UI" panose="020B0502040204020203" pitchFamily="34" charset="0"/>
+              </a:rPr>
+              <a:t>: Muestra los recursos en listas, herramientas de búsqueda o visualización automática.</a:t>
+            </a:r>
+          </a:p>
+          <a:p>
+            <a:r>
+              <a:rPr lang="es-ES" sz="3200" b="1" dirty="0">
+                <a:latin typeface="Segoe UI" panose="020B0502040204020203" pitchFamily="34" charset="0"/>
+                <a:cs typeface="Segoe UI" panose="020B0502040204020203" pitchFamily="34" charset="0"/>
+              </a:rPr>
+              <a:t>Actualizaciones en tiempo real</a:t>
+            </a:r>
+            <a:r>
+              <a:rPr lang="es-ES" sz="3200" dirty="0">
+                <a:latin typeface="Segoe UI" panose="020B0502040204020203" pitchFamily="34" charset="0"/>
+                <a:cs typeface="Segoe UI" panose="020B0502040204020203" pitchFamily="34" charset="0"/>
+              </a:rPr>
+              <a:t>: La IA se mantiene actualizada a medida que cambian los recursos.</a:t>
             </a:r>
           </a:p>
         </p:txBody>
@@ -19075,20 +20059,17 @@
     </p:spTree>
     <p:extLst>
       <p:ext uri="{BB962C8B-B14F-4D97-AF65-F5344CB8AC3E}">
-        <p14:creationId xmlns:p14="http://schemas.microsoft.com/office/powerpoint/2010/main" val="2201445214"/>
+        <p14:creationId xmlns:p14="http://schemas.microsoft.com/office/powerpoint/2010/main" val="1439565094"/>
       </p:ext>
     </p:extLst>
   </p:cSld>
   <p:clrMapOvr>
     <a:masterClrMapping/>
   </p:clrMapOvr>
-  <p:transition>
-    <p:fade/>
-  </p:transition>
 </p:sld>
 </file>
 
-<file path=ppt/slides/slide40.xml><?xml version="1.0" encoding="utf-8"?>
+<file path=ppt/slides/slide44.xml><?xml version="1.0" encoding="utf-8"?>
 <p:sld xmlns:a="http://schemas.openxmlformats.org/drawingml/2006/main" xmlns:r="http://schemas.openxmlformats.org/officeDocument/2006/relationships" xmlns:p="http://schemas.openxmlformats.org/presentationml/2006/main">
   <p:cSld>
     <p:spTree>
@@ -19784,7 +20765,7 @@
 </p:sld>
 </file>
 
-<file path=ppt/slides/slide41.xml><?xml version="1.0" encoding="utf-8"?>
+<file path=ppt/slides/slide45.xml><?xml version="1.0" encoding="utf-8"?>
 <p:sld xmlns:a="http://schemas.openxmlformats.org/drawingml/2006/main" xmlns:r="http://schemas.openxmlformats.org/officeDocument/2006/relationships" xmlns:p="http://schemas.openxmlformats.org/presentationml/2006/main">
   <p:cSld>
     <p:spTree>
@@ -20343,7 +21324,401 @@
 </p:sld>
 </file>
 
-<file path=ppt/slides/slide42.xml><?xml version="1.0" encoding="utf-8"?>
+<file path=ppt/slides/slide46.xml><?xml version="1.0" encoding="utf-8"?>
+<p:sld xmlns:a="http://schemas.openxmlformats.org/drawingml/2006/main" xmlns:r="http://schemas.openxmlformats.org/officeDocument/2006/relationships" xmlns:p="http://schemas.openxmlformats.org/presentationml/2006/main">
+  <p:cSld>
+    <p:spTree>
+      <p:nvGrpSpPr>
+        <p:cNvPr id="1" name="">
+          <a:extLst>
+            <a:ext uri="{FF2B5EF4-FFF2-40B4-BE49-F238E27FC236}">
+              <a16:creationId xmlns:a16="http://schemas.microsoft.com/office/drawing/2014/main" id="{869EB1C3-DE97-FE37-4EB7-379161C6E5F0}"/>
+            </a:ext>
+          </a:extLst>
+        </p:cNvPr>
+        <p:cNvGrpSpPr/>
+        <p:nvPr/>
+      </p:nvGrpSpPr>
+      <p:grpSpPr>
+        <a:xfrm>
+          <a:off x="0" y="0"/>
+          <a:ext cx="0" cy="0"/>
+          <a:chOff x="0" y="0"/>
+          <a:chExt cx="0" cy="0"/>
+        </a:xfrm>
+      </p:grpSpPr>
+      <p:sp>
+        <p:nvSpPr>
+          <p:cNvPr id="2" name="Title 1">
+            <a:extLst>
+              <a:ext uri="{FF2B5EF4-FFF2-40B4-BE49-F238E27FC236}">
+                <a16:creationId xmlns:a16="http://schemas.microsoft.com/office/drawing/2014/main" id="{F137C3DA-0E2E-1E6A-2285-D4C2B8A780F1}"/>
+              </a:ext>
+            </a:extLst>
+          </p:cNvPr>
+          <p:cNvSpPr>
+            <a:spLocks noGrp="1"/>
+          </p:cNvSpPr>
+          <p:nvPr>
+            <p:ph type="title"/>
+          </p:nvPr>
+        </p:nvSpPr>
+        <p:spPr/>
+        <p:txBody>
+          <a:bodyPr/>
+          <a:lstStyle/>
+          <a:p>
+            <a:r>
+              <a:rPr lang="en-US" altLang="zh-CN" dirty="0" err="1">
+                <a:solidFill>
+                  <a:schemeClr val="accent2"/>
+                </a:solidFill>
+              </a:rPr>
+              <a:t>Beneficios</a:t>
+            </a:r>
+            <a:r>
+              <a:rPr lang="en-US" altLang="zh-CN" dirty="0">
+                <a:solidFill>
+                  <a:schemeClr val="accent2"/>
+                </a:solidFill>
+              </a:rPr>
+              <a:t> de MCP</a:t>
+            </a:r>
+            <a:endParaRPr lang="en-US" dirty="0">
+              <a:solidFill>
+                <a:schemeClr val="accent2"/>
+              </a:solidFill>
+            </a:endParaRPr>
+          </a:p>
+        </p:txBody>
+      </p:sp>
+      <p:sp>
+        <p:nvSpPr>
+          <p:cNvPr id="3" name="Content Placeholder 2">
+            <a:extLst>
+              <a:ext uri="{FF2B5EF4-FFF2-40B4-BE49-F238E27FC236}">
+                <a16:creationId xmlns:a16="http://schemas.microsoft.com/office/drawing/2014/main" id="{DC938B31-F8EE-C03A-88D9-A57FB1B1D0B1}"/>
+              </a:ext>
+            </a:extLst>
+          </p:cNvPr>
+          <p:cNvSpPr>
+            <a:spLocks noGrp="1"/>
+          </p:cNvSpPr>
+          <p:nvPr>
+            <p:ph idx="1"/>
+          </p:nvPr>
+        </p:nvSpPr>
+        <p:spPr>
+          <a:xfrm>
+            <a:off x="269241" y="1189178"/>
+            <a:ext cx="11653521" cy="5179537"/>
+          </a:xfrm>
+        </p:spPr>
+        <p:txBody>
+          <a:bodyPr>
+            <a:normAutofit/>
+          </a:bodyPr>
+          <a:lstStyle/>
+          <a:p>
+            <a:r>
+              <a:rPr lang="es-ES" sz="2400" b="1" dirty="0">
+                <a:latin typeface="Segoe UI" panose="020B0502040204020203" pitchFamily="34" charset="0"/>
+                <a:cs typeface="Segoe UI" panose="020B0502040204020203" pitchFamily="34" charset="0"/>
+              </a:rPr>
+              <a:t>Conversaciones más inteligentes</a:t>
+            </a:r>
+            <a:r>
+              <a:rPr lang="es-ES" sz="2400" dirty="0">
+                <a:latin typeface="Segoe UI" panose="020B0502040204020203" pitchFamily="34" charset="0"/>
+                <a:cs typeface="Segoe UI" panose="020B0502040204020203" pitchFamily="34" charset="0"/>
+              </a:rPr>
+              <a:t>:  MCP hace que la IA se sienta más humana. Recuerda tu última conversación y lo que te importa. Esto se traduce en respuestas más relevantes.</a:t>
+            </a:r>
+          </a:p>
+          <a:p>
+            <a:r>
+              <a:rPr lang="es-ES" sz="2400" b="1" dirty="0">
+                <a:latin typeface="Segoe UI" panose="020B0502040204020203" pitchFamily="34" charset="0"/>
+                <a:cs typeface="Segoe UI" panose="020B0502040204020203" pitchFamily="34" charset="0"/>
+              </a:rPr>
+              <a:t>Integración con apps</a:t>
+            </a:r>
+            <a:r>
+              <a:rPr lang="es-ES" sz="2400" dirty="0">
+                <a:latin typeface="Segoe UI" panose="020B0502040204020203" pitchFamily="34" charset="0"/>
+                <a:cs typeface="Segoe UI" panose="020B0502040204020203" pitchFamily="34" charset="0"/>
+              </a:rPr>
+              <a:t>: MCP se comunica con tu calendario, correos electrónicos y herramientas de gestión de proyectos, manteniendo todo sincronizado. Se acabó el saltar de una app a otra.</a:t>
+            </a:r>
+          </a:p>
+          <a:p>
+            <a:r>
+              <a:rPr lang="es-ES" sz="2400" b="1" dirty="0">
+                <a:latin typeface="Segoe UI" panose="020B0502040204020203" pitchFamily="34" charset="0"/>
+                <a:cs typeface="Segoe UI" panose="020B0502040204020203" pitchFamily="34" charset="0"/>
+              </a:rPr>
+              <a:t>Mejor trabajo en equipo entre agentes de IA</a:t>
+            </a:r>
+            <a:r>
+              <a:rPr lang="es-ES" sz="2400" dirty="0">
+                <a:latin typeface="Segoe UI" panose="020B0502040204020203" pitchFamily="34" charset="0"/>
+                <a:cs typeface="Segoe UI" panose="020B0502040204020203" pitchFamily="34" charset="0"/>
+              </a:rPr>
+              <a:t>: ¿Tienes varios agentes de IA haciendo diferentes cosas? MCP les ayuda a compartir información y colaborar sin interferir entre sí.</a:t>
+            </a:r>
+          </a:p>
+          <a:p>
+            <a:r>
+              <a:rPr lang="es-ES" sz="2400" b="1" dirty="0">
+                <a:latin typeface="Segoe UI" panose="020B0502040204020203" pitchFamily="34" charset="0"/>
+                <a:cs typeface="Segoe UI" panose="020B0502040204020203" pitchFamily="34" charset="0"/>
+              </a:rPr>
+              <a:t>Multitarea sin esfuerzo</a:t>
+            </a:r>
+            <a:r>
+              <a:rPr lang="es-ES" sz="2400" dirty="0">
+                <a:latin typeface="Segoe UI" panose="020B0502040204020203" pitchFamily="34" charset="0"/>
+                <a:cs typeface="Segoe UI" panose="020B0502040204020203" pitchFamily="34" charset="0"/>
+              </a:rPr>
+              <a:t>: Pregunta sobre el tiempo mientras programas una reunión. No hay problema. MCP mantiene ambas tareas bajo control y retoma justo donde la dejaste.</a:t>
+            </a:r>
+          </a:p>
+        </p:txBody>
+      </p:sp>
+    </p:spTree>
+    <p:extLst>
+      <p:ext uri="{BB962C8B-B14F-4D97-AF65-F5344CB8AC3E}">
+        <p14:creationId xmlns:p14="http://schemas.microsoft.com/office/powerpoint/2010/main" val="1460728392"/>
+      </p:ext>
+    </p:extLst>
+  </p:cSld>
+  <p:clrMapOvr>
+    <a:masterClrMapping/>
+  </p:clrMapOvr>
+</p:sld>
+</file>
+
+<file path=ppt/slides/slide47.xml><?xml version="1.0" encoding="utf-8"?>
+<p:sld xmlns:a="http://schemas.openxmlformats.org/drawingml/2006/main" xmlns:r="http://schemas.openxmlformats.org/officeDocument/2006/relationships" xmlns:p="http://schemas.openxmlformats.org/presentationml/2006/main">
+  <p:cSld>
+    <p:spTree>
+      <p:nvGrpSpPr>
+        <p:cNvPr id="1" name="">
+          <a:extLst>
+            <a:ext uri="{FF2B5EF4-FFF2-40B4-BE49-F238E27FC236}">
+              <a16:creationId xmlns:a16="http://schemas.microsoft.com/office/drawing/2014/main" id="{3440C710-E36D-07FE-4089-C536935283AC}"/>
+            </a:ext>
+          </a:extLst>
+        </p:cNvPr>
+        <p:cNvGrpSpPr/>
+        <p:nvPr/>
+      </p:nvGrpSpPr>
+      <p:grpSpPr>
+        <a:xfrm>
+          <a:off x="0" y="0"/>
+          <a:ext cx="0" cy="0"/>
+          <a:chOff x="0" y="0"/>
+          <a:chExt cx="0" cy="0"/>
+        </a:xfrm>
+      </p:grpSpPr>
+      <p:sp>
+        <p:nvSpPr>
+          <p:cNvPr id="2" name="Title 1">
+            <a:extLst>
+              <a:ext uri="{FF2B5EF4-FFF2-40B4-BE49-F238E27FC236}">
+                <a16:creationId xmlns:a16="http://schemas.microsoft.com/office/drawing/2014/main" id="{E7ADB57A-4A3B-2B24-39D4-58DE8435967D}"/>
+              </a:ext>
+            </a:extLst>
+          </p:cNvPr>
+          <p:cNvSpPr>
+            <a:spLocks noGrp="1"/>
+          </p:cNvSpPr>
+          <p:nvPr>
+            <p:ph type="title"/>
+          </p:nvPr>
+        </p:nvSpPr>
+        <p:spPr/>
+        <p:txBody>
+          <a:bodyPr/>
+          <a:lstStyle/>
+          <a:p>
+            <a:r>
+              <a:rPr lang="en-US" dirty="0" err="1">
+                <a:solidFill>
+                  <a:schemeClr val="accent2"/>
+                </a:solidFill>
+              </a:rPr>
+              <a:t>Combinando</a:t>
+            </a:r>
+            <a:r>
+              <a:rPr lang="en-US" dirty="0">
+                <a:solidFill>
+                  <a:schemeClr val="accent2"/>
+                </a:solidFill>
+              </a:rPr>
+              <a:t> MCPs</a:t>
+            </a:r>
+          </a:p>
+        </p:txBody>
+      </p:sp>
+      <p:sp>
+        <p:nvSpPr>
+          <p:cNvPr id="3" name="Content Placeholder 2">
+            <a:extLst>
+              <a:ext uri="{FF2B5EF4-FFF2-40B4-BE49-F238E27FC236}">
+                <a16:creationId xmlns:a16="http://schemas.microsoft.com/office/drawing/2014/main" id="{24C7F8A9-7354-8BFD-383B-FEF20BE75901}"/>
+              </a:ext>
+            </a:extLst>
+          </p:cNvPr>
+          <p:cNvSpPr>
+            <a:spLocks noGrp="1"/>
+          </p:cNvSpPr>
+          <p:nvPr>
+            <p:ph idx="1"/>
+          </p:nvPr>
+        </p:nvSpPr>
+        <p:spPr>
+          <a:xfrm>
+            <a:off x="269241" y="1189178"/>
+            <a:ext cx="11653521" cy="5379311"/>
+          </a:xfrm>
+        </p:spPr>
+        <p:txBody>
+          <a:bodyPr>
+            <a:normAutofit fontScale="92500"/>
+          </a:bodyPr>
+          <a:lstStyle/>
+          <a:p>
+            <a:pPr marL="0" indent="0">
+              <a:buNone/>
+            </a:pPr>
+            <a:r>
+              <a:rPr lang="es-ES" sz="2400" dirty="0">
+                <a:latin typeface="Segoe UI" panose="020B0502040204020203" pitchFamily="34" charset="0"/>
+                <a:cs typeface="Segoe UI" panose="020B0502040204020203" pitchFamily="34" charset="0"/>
+              </a:rPr>
+              <a:t>Una de las mayores ventajas de MCP reside en su capacidad para encadenar múltiples servidores sin problemas, lo que permite flujos de trabajo complejos.</a:t>
+            </a:r>
+          </a:p>
+          <a:p>
+            <a:pPr marL="0" indent="0">
+              <a:buNone/>
+            </a:pPr>
+            <a:endParaRPr lang="es-ES" sz="2400" dirty="0">
+              <a:latin typeface="Segoe UI" panose="020B0502040204020203" pitchFamily="34" charset="0"/>
+              <a:cs typeface="Segoe UI" panose="020B0502040204020203" pitchFamily="34" charset="0"/>
+            </a:endParaRPr>
+          </a:p>
+          <a:p>
+            <a:pPr marL="0" indent="0">
+              <a:buNone/>
+            </a:pPr>
+            <a:r>
+              <a:rPr lang="es-ES" sz="2400" dirty="0">
+                <a:latin typeface="Segoe UI" panose="020B0502040204020203" pitchFamily="34" charset="0"/>
+                <a:cs typeface="Segoe UI" panose="020B0502040204020203" pitchFamily="34" charset="0"/>
+              </a:rPr>
+              <a:t>Supongamos que quieres que tu IA organice una quedada presencial de </a:t>
+            </a:r>
+            <a:r>
+              <a:rPr lang="es-ES" sz="2400" dirty="0" err="1">
+                <a:latin typeface="Segoe UI" panose="020B0502040204020203" pitchFamily="34" charset="0"/>
+                <a:cs typeface="Segoe UI" panose="020B0502040204020203" pitchFamily="34" charset="0"/>
+              </a:rPr>
+              <a:t>SevillaDotNet</a:t>
+            </a:r>
+            <a:r>
+              <a:rPr lang="es-ES" sz="2400" dirty="0">
+                <a:latin typeface="Segoe UI" panose="020B0502040204020203" pitchFamily="34" charset="0"/>
+                <a:cs typeface="Segoe UI" panose="020B0502040204020203" pitchFamily="34" charset="0"/>
+              </a:rPr>
+              <a:t>. Con servidores MCP encadenados, podría:</a:t>
+            </a:r>
+          </a:p>
+          <a:p>
+            <a:pPr marL="0" indent="0">
+              <a:buNone/>
+            </a:pPr>
+            <a:endParaRPr lang="es-ES" sz="2400" dirty="0">
+              <a:latin typeface="Segoe UI" panose="020B0502040204020203" pitchFamily="34" charset="0"/>
+              <a:cs typeface="Segoe UI" panose="020B0502040204020203" pitchFamily="34" charset="0"/>
+            </a:endParaRPr>
+          </a:p>
+          <a:p>
+            <a:r>
+              <a:rPr lang="es-ES" sz="2400" dirty="0">
+                <a:latin typeface="Segoe UI" panose="020B0502040204020203" pitchFamily="34" charset="0"/>
+                <a:cs typeface="Segoe UI" panose="020B0502040204020203" pitchFamily="34" charset="0"/>
+              </a:rPr>
+              <a:t>Obtener datos del calendario Google de las comunidades (servidor MCP de Calendario).</a:t>
+            </a:r>
+          </a:p>
+          <a:p>
+            <a:r>
+              <a:rPr lang="es-ES" sz="2400" dirty="0">
+                <a:latin typeface="Segoe UI" panose="020B0502040204020203" pitchFamily="34" charset="0"/>
+                <a:cs typeface="Segoe UI" panose="020B0502040204020203" pitchFamily="34" charset="0"/>
+              </a:rPr>
+              <a:t>Usar el servidor MCP de Tiempo para encontrar fechas ideales con cielos despejados.</a:t>
+            </a:r>
+          </a:p>
+          <a:p>
+            <a:r>
+              <a:rPr lang="es-ES" sz="2400" dirty="0">
+                <a:latin typeface="Segoe UI" panose="020B0502040204020203" pitchFamily="34" charset="0"/>
+                <a:cs typeface="Segoe UI" panose="020B0502040204020203" pitchFamily="34" charset="0"/>
+              </a:rPr>
+              <a:t>Consultar opciones de viaje con mejores condiciones mediante un servidor de trenes o Mapas.</a:t>
+            </a:r>
+          </a:p>
+          <a:p>
+            <a:r>
+              <a:rPr lang="es-ES" sz="2400" dirty="0">
+                <a:latin typeface="Segoe UI" panose="020B0502040204020203" pitchFamily="34" charset="0"/>
+                <a:cs typeface="Segoe UI" panose="020B0502040204020203" pitchFamily="34" charset="0"/>
+              </a:rPr>
+              <a:t>Después, resumir el plan y publicarlo en un canal de </a:t>
+            </a:r>
+            <a:r>
+              <a:rPr lang="es-ES" sz="2400" dirty="0" err="1">
+                <a:latin typeface="Segoe UI" panose="020B0502040204020203" pitchFamily="34" charset="0"/>
+                <a:cs typeface="Segoe UI" panose="020B0502040204020203" pitchFamily="34" charset="0"/>
+              </a:rPr>
+              <a:t>Telegram</a:t>
+            </a:r>
+            <a:r>
+              <a:rPr lang="es-ES" sz="2400" dirty="0">
+                <a:latin typeface="Segoe UI" panose="020B0502040204020203" pitchFamily="34" charset="0"/>
+                <a:cs typeface="Segoe UI" panose="020B0502040204020203" pitchFamily="34" charset="0"/>
+              </a:rPr>
+              <a:t>.</a:t>
+            </a:r>
+          </a:p>
+          <a:p>
+            <a:r>
+              <a:rPr lang="es-ES" sz="2400" dirty="0">
+                <a:latin typeface="Segoe UI" panose="020B0502040204020203" pitchFamily="34" charset="0"/>
+                <a:cs typeface="Segoe UI" panose="020B0502040204020203" pitchFamily="34" charset="0"/>
+              </a:rPr>
+              <a:t>Se gestiona todo el proceso con un lenguaje sencillo, sin necesidad de codificación ni configuraciones complejas. Es un gran paso hacia una IA capaz de gestionar tareas complejas con mínima ayuda.</a:t>
+            </a:r>
+          </a:p>
+        </p:txBody>
+      </p:sp>
+    </p:spTree>
+    <p:extLst>
+      <p:ext uri="{BB962C8B-B14F-4D97-AF65-F5344CB8AC3E}">
+        <p14:creationId xmlns:p14="http://schemas.microsoft.com/office/powerpoint/2010/main" val="3962965045"/>
+      </p:ext>
+    </p:extLst>
+  </p:cSld>
+  <p:clrMapOvr>
+    <a:masterClrMapping/>
+  </p:clrMapOvr>
+</p:sld>
+</file>
+
+<file path=ppt/slides/slide48.xml><?xml version="1.0" encoding="utf-8"?>
 <p:sld xmlns:a="http://schemas.openxmlformats.org/drawingml/2006/main" xmlns:r="http://schemas.openxmlformats.org/officeDocument/2006/relationships" xmlns:p="http://schemas.openxmlformats.org/presentationml/2006/main">
   <p:cSld>
     <p:spTree>
@@ -20628,7 +22003,7 @@
 </p:sld>
 </file>
 
-<file path=ppt/slides/slide43.xml><?xml version="1.0" encoding="utf-8"?>
+<file path=ppt/slides/slide49.xml><?xml version="1.0" encoding="utf-8"?>
 <p:sld xmlns:a="http://schemas.openxmlformats.org/drawingml/2006/main" xmlns:r="http://schemas.openxmlformats.org/officeDocument/2006/relationships" xmlns:p="http://schemas.openxmlformats.org/presentationml/2006/main">
   <p:cSld>
     <p:spTree>
@@ -21022,71 +22397,6 @@
       <p:transition/>
     </mc:Fallback>
   </mc:AlternateContent>
-</p:sld>
-</file>
-
-<file path=ppt/slides/slide44.xml><?xml version="1.0" encoding="utf-8"?>
-<p:sld xmlns:a="http://schemas.openxmlformats.org/drawingml/2006/main" xmlns:r="http://schemas.openxmlformats.org/officeDocument/2006/relationships" xmlns:p="http://schemas.openxmlformats.org/presentationml/2006/main">
-  <p:cSld>
-    <p:spTree>
-      <p:nvGrpSpPr>
-        <p:cNvPr id="1" name=""/>
-        <p:cNvGrpSpPr/>
-        <p:nvPr/>
-      </p:nvGrpSpPr>
-      <p:grpSpPr>
-        <a:xfrm>
-          <a:off x="0" y="0"/>
-          <a:ext cx="0" cy="0"/>
-          <a:chOff x="0" y="0"/>
-          <a:chExt cx="0" cy="0"/>
-        </a:xfrm>
-      </p:grpSpPr>
-      <p:sp>
-        <p:nvSpPr>
-          <p:cNvPr id="2" name="Text Placeholder 1"/>
-          <p:cNvSpPr>
-            <a:spLocks noGrp="1"/>
-          </p:cNvSpPr>
-          <p:nvPr>
-            <p:ph type="body" sz="quarter" idx="10"/>
-          </p:nvPr>
-        </p:nvSpPr>
-        <p:spPr>
-          <a:xfrm>
-            <a:off x="1873023" y="2825841"/>
-            <a:ext cx="8445954" cy="1206318"/>
-          </a:xfrm>
-        </p:spPr>
-        <p:txBody>
-          <a:bodyPr/>
-          <a:lstStyle/>
-          <a:p>
-            <a:r>
-              <a:rPr lang="es-ES" sz="8000" b="1" dirty="0">
-                <a:latin typeface="Segoe UI "/>
-              </a:rPr>
-              <a:t>¡Gracias a todos!</a:t>
-            </a:r>
-            <a:endParaRPr lang="es-ES" sz="8000" dirty="0">
-              <a:latin typeface="Segoe UI "/>
-            </a:endParaRPr>
-          </a:p>
-        </p:txBody>
-      </p:sp>
-    </p:spTree>
-    <p:extLst>
-      <p:ext uri="{BB962C8B-B14F-4D97-AF65-F5344CB8AC3E}">
-        <p14:creationId xmlns:p14="http://schemas.microsoft.com/office/powerpoint/2010/main" val="3323946167"/>
-      </p:ext>
-    </p:extLst>
-  </p:cSld>
-  <p:clrMapOvr>
-    <a:masterClrMapping/>
-  </p:clrMapOvr>
-  <p:transition>
-    <p:fade/>
-  </p:transition>
 </p:sld>
 </file>
 
@@ -21218,6 +22528,71 @@
   <p:clrMapOvr>
     <a:masterClrMapping/>
   </p:clrMapOvr>
+</p:sld>
+</file>
+
+<file path=ppt/slides/slide50.xml><?xml version="1.0" encoding="utf-8"?>
+<p:sld xmlns:a="http://schemas.openxmlformats.org/drawingml/2006/main" xmlns:r="http://schemas.openxmlformats.org/officeDocument/2006/relationships" xmlns:p="http://schemas.openxmlformats.org/presentationml/2006/main">
+  <p:cSld>
+    <p:spTree>
+      <p:nvGrpSpPr>
+        <p:cNvPr id="1" name=""/>
+        <p:cNvGrpSpPr/>
+        <p:nvPr/>
+      </p:nvGrpSpPr>
+      <p:grpSpPr>
+        <a:xfrm>
+          <a:off x="0" y="0"/>
+          <a:ext cx="0" cy="0"/>
+          <a:chOff x="0" y="0"/>
+          <a:chExt cx="0" cy="0"/>
+        </a:xfrm>
+      </p:grpSpPr>
+      <p:sp>
+        <p:nvSpPr>
+          <p:cNvPr id="2" name="Text Placeholder 1"/>
+          <p:cNvSpPr>
+            <a:spLocks noGrp="1"/>
+          </p:cNvSpPr>
+          <p:nvPr>
+            <p:ph type="body" sz="quarter" idx="10"/>
+          </p:nvPr>
+        </p:nvSpPr>
+        <p:spPr>
+          <a:xfrm>
+            <a:off x="1873023" y="2825841"/>
+            <a:ext cx="8445954" cy="1206318"/>
+          </a:xfrm>
+        </p:spPr>
+        <p:txBody>
+          <a:bodyPr/>
+          <a:lstStyle/>
+          <a:p>
+            <a:r>
+              <a:rPr lang="es-ES" sz="8000" b="1" dirty="0">
+                <a:latin typeface="Segoe UI "/>
+              </a:rPr>
+              <a:t>¡Gracias a todos!</a:t>
+            </a:r>
+            <a:endParaRPr lang="es-ES" sz="8000" dirty="0">
+              <a:latin typeface="Segoe UI "/>
+            </a:endParaRPr>
+          </a:p>
+        </p:txBody>
+      </p:sp>
+    </p:spTree>
+    <p:extLst>
+      <p:ext uri="{BB962C8B-B14F-4D97-AF65-F5344CB8AC3E}">
+        <p14:creationId xmlns:p14="http://schemas.microsoft.com/office/powerpoint/2010/main" val="3323946167"/>
+      </p:ext>
+    </p:extLst>
+  </p:cSld>
+  <p:clrMapOvr>
+    <a:masterClrMapping/>
+  </p:clrMapOvr>
+  <p:transition>
+    <p:fade/>
+  </p:transition>
 </p:sld>
 </file>
 

--- a/introduccion-mcp.pptx
+++ b/introduccion-mcp.pptx
@@ -327,7 +327,7 @@
           <a:p>
             <a:fld id="{A334C884-B1D7-A043-A4AA-521744755A4B}" type="datetimeFigureOut">
               <a:rPr lang="en-US" smtClean="0"/>
-              <a:t>5/10/25</a:t>
+              <a:t>5/11/25</a:t>
             </a:fld>
             <a:endParaRPr lang="en-US"/>
           </a:p>
@@ -2587,7 +2587,7 @@
           <a:p>
             <a:fld id="{6DD3B76A-C5DE-4B9A-BEAE-BBF0DC17AAA8}" type="datetime1">
               <a:rPr lang="en-US" smtClean="0"/>
-              <a:t>5/10/25</a:t>
+              <a:t>5/11/25</a:t>
             </a:fld>
             <a:endParaRPr lang="en-US" dirty="0"/>
           </a:p>
@@ -2806,7 +2806,7 @@
           <a:p>
             <a:fld id="{3F25CFCD-21CC-41A6-8052-0E0AFB2593B9}" type="datetimeFigureOut">
               <a:rPr lang="en-US" smtClean="0"/>
-              <a:t>5/10/25</a:t>
+              <a:t>5/11/25</a:t>
             </a:fld>
             <a:endParaRPr lang="en-US"/>
           </a:p>
@@ -17924,8 +17924,8 @@
         </p:blipFill>
         <p:spPr bwMode="auto">
           <a:xfrm>
-            <a:off x="266920" y="1063767"/>
-            <a:ext cx="9374385" cy="5286169"/>
+            <a:off x="1902883" y="1537431"/>
+            <a:ext cx="8386231" cy="4728954"/>
           </a:xfrm>
           <a:prstGeom prst="rect">
             <a:avLst/>
@@ -17957,7 +17957,7 @@
         <p:spPr>
           <a:xfrm>
             <a:off x="2719137" y="6224526"/>
-            <a:ext cx="6753726" cy="400110"/>
+            <a:ext cx="6753726" cy="369332"/>
           </a:xfrm>
           <a:prstGeom prst="rect">
             <a:avLst/>
@@ -17972,7 +17972,7 @@
           <a:p>
             <a:pPr algn="ctr"/>
             <a:r>
-              <a:rPr lang="es-ES" sz="2000" dirty="0">
+              <a:rPr lang="es-ES" dirty="0">
                 <a:solidFill>
                   <a:schemeClr val="accent2"/>
                 </a:solidFill>
@@ -17980,7 +17980,7 @@
               <a:t>https://</a:t>
             </a:r>
             <a:r>
-              <a:rPr lang="es-ES" sz="2000" dirty="0" err="1">
+              <a:rPr lang="es-ES" dirty="0" err="1">
                 <a:solidFill>
                   <a:schemeClr val="accent2"/>
                 </a:solidFill>
@@ -17988,7 +17988,7 @@
               <a:t>github.com</a:t>
             </a:r>
             <a:r>
-              <a:rPr lang="es-ES" sz="2000" dirty="0">
+              <a:rPr lang="es-ES" dirty="0">
                 <a:solidFill>
                   <a:schemeClr val="accent2"/>
                 </a:solidFill>
@@ -17996,7 +17996,7 @@
               <a:t>/</a:t>
             </a:r>
             <a:r>
-              <a:rPr lang="es-ES" sz="2000" dirty="0" err="1">
+              <a:rPr lang="es-ES" dirty="0" err="1">
                 <a:solidFill>
                   <a:schemeClr val="accent2"/>
                 </a:solidFill>
@@ -18004,13 +18004,110 @@
               <a:t>modelcontextprotocol</a:t>
             </a:r>
             <a:r>
-              <a:rPr lang="es-ES" sz="2000" dirty="0">
+              <a:rPr lang="es-ES" dirty="0">
                 <a:solidFill>
                   <a:schemeClr val="accent2"/>
                 </a:solidFill>
               </a:rPr>
               <a:t>/inspector</a:t>
             </a:r>
+          </a:p>
+        </p:txBody>
+      </p:sp>
+      <p:sp>
+        <p:nvSpPr>
+          <p:cNvPr id="4" name="CuadroTexto 3">
+            <a:extLst>
+              <a:ext uri="{FF2B5EF4-FFF2-40B4-BE49-F238E27FC236}">
+                <a16:creationId xmlns:a16="http://schemas.microsoft.com/office/drawing/2014/main" id="{D0051CF4-F922-50E5-0463-F3B34069CE03}"/>
+              </a:ext>
+            </a:extLst>
+          </p:cNvPr>
+          <p:cNvSpPr txBox="1"/>
+          <p:nvPr/>
+        </p:nvSpPr>
+        <p:spPr>
+          <a:xfrm>
+            <a:off x="3046268" y="1168099"/>
+            <a:ext cx="6099462" cy="369332"/>
+          </a:xfrm>
+          <a:prstGeom prst="rect">
+            <a:avLst/>
+          </a:prstGeom>
+          <a:noFill/>
+        </p:spPr>
+        <p:txBody>
+          <a:bodyPr wrap="square">
+            <a:spAutoFit/>
+          </a:bodyPr>
+          <a:lstStyle/>
+          <a:p>
+            <a:pPr algn="ctr"/>
+            <a:r>
+              <a:rPr lang="es-ES" b="0" i="0" u="none" strike="noStrike" dirty="0" err="1">
+                <a:solidFill>
+                  <a:schemeClr val="accent2"/>
+                </a:solidFill>
+                <a:effectLst/>
+                <a:latin typeface="ui-monospace"/>
+              </a:rPr>
+              <a:t>npx</a:t>
+            </a:r>
+            <a:r>
+              <a:rPr lang="es-ES" b="0" i="0" u="none" strike="noStrike" dirty="0">
+                <a:solidFill>
+                  <a:schemeClr val="accent2"/>
+                </a:solidFill>
+                <a:effectLst/>
+                <a:latin typeface="ui-monospace"/>
+              </a:rPr>
+              <a:t> @</a:t>
+            </a:r>
+            <a:r>
+              <a:rPr lang="es-ES" b="0" i="0" u="none" strike="noStrike" dirty="0" err="1">
+                <a:solidFill>
+                  <a:schemeClr val="accent2"/>
+                </a:solidFill>
+                <a:effectLst/>
+                <a:latin typeface="ui-monospace"/>
+              </a:rPr>
+              <a:t>modelcontextprotocol</a:t>
+            </a:r>
+            <a:r>
+              <a:rPr lang="es-ES" b="0" i="0" u="none" strike="noStrike" dirty="0">
+                <a:solidFill>
+                  <a:schemeClr val="accent2"/>
+                </a:solidFill>
+                <a:effectLst/>
+                <a:latin typeface="ui-monospace"/>
+              </a:rPr>
+              <a:t>/inspector </a:t>
+            </a:r>
+            <a:r>
+              <a:rPr lang="es-ES" b="0" i="0" u="none" strike="noStrike" dirty="0" err="1">
+                <a:solidFill>
+                  <a:schemeClr val="accent2"/>
+                </a:solidFill>
+                <a:effectLst/>
+                <a:latin typeface="ui-monospace"/>
+              </a:rPr>
+              <a:t>dotnet</a:t>
+            </a:r>
+            <a:r>
+              <a:rPr lang="es-ES" b="0" i="0" u="none" strike="noStrike" dirty="0">
+                <a:solidFill>
+                  <a:schemeClr val="accent2"/>
+                </a:solidFill>
+                <a:effectLst/>
+                <a:latin typeface="ui-monospace"/>
+              </a:rPr>
+              <a:t> run</a:t>
+            </a:r>
+            <a:endParaRPr lang="es-ES" dirty="0">
+              <a:solidFill>
+                <a:schemeClr val="accent2"/>
+              </a:solidFill>
+            </a:endParaRPr>
           </a:p>
         </p:txBody>
       </p:sp>
@@ -19779,7 +19876,7 @@
         </p:nvSpPr>
         <p:spPr>
           <a:xfrm>
-            <a:off x="3043403" y="6087796"/>
+            <a:off x="3043403" y="5952714"/>
             <a:ext cx="6096000" cy="369332"/>
           </a:xfrm>
           <a:prstGeom prst="rect">
@@ -19857,6 +19954,126 @@
                 </a:solidFill>
               </a:rPr>
               <a:t>dev</a:t>
+            </a:r>
+            <a:r>
+              <a:rPr lang="es-ES" dirty="0">
+                <a:solidFill>
+                  <a:schemeClr val="bg1"/>
+                </a:solidFill>
+              </a:rPr>
+              <a:t>-</a:t>
+            </a:r>
+            <a:r>
+              <a:rPr lang="es-ES" dirty="0" err="1">
+                <a:solidFill>
+                  <a:schemeClr val="bg1"/>
+                </a:solidFill>
+              </a:rPr>
+              <a:t>mcp</a:t>
+            </a:r>
+            <a:r>
+              <a:rPr lang="es-ES" dirty="0">
+                <a:solidFill>
+                  <a:schemeClr val="bg1"/>
+                </a:solidFill>
+              </a:rPr>
+              <a:t>-server</a:t>
+            </a:r>
+          </a:p>
+        </p:txBody>
+      </p:sp>
+      <p:sp>
+        <p:nvSpPr>
+          <p:cNvPr id="7" name="CuadroTexto 6">
+            <a:extLst>
+              <a:ext uri="{FF2B5EF4-FFF2-40B4-BE49-F238E27FC236}">
+                <a16:creationId xmlns:a16="http://schemas.microsoft.com/office/drawing/2014/main" id="{A9D333FD-D9BC-59EC-4A10-87C2CA109150}"/>
+              </a:ext>
+            </a:extLst>
+          </p:cNvPr>
+          <p:cNvSpPr txBox="1"/>
+          <p:nvPr/>
+        </p:nvSpPr>
+        <p:spPr>
+          <a:xfrm>
+            <a:off x="3043403" y="6322046"/>
+            <a:ext cx="6099462" cy="369332"/>
+          </a:xfrm>
+          <a:prstGeom prst="rect">
+            <a:avLst/>
+          </a:prstGeom>
+          <a:noFill/>
+        </p:spPr>
+        <p:txBody>
+          <a:bodyPr wrap="square">
+            <a:spAutoFit/>
+          </a:bodyPr>
+          <a:lstStyle/>
+          <a:p>
+            <a:pPr algn="ctr"/>
+            <a:r>
+              <a:rPr lang="es-ES" dirty="0">
+                <a:solidFill>
+                  <a:schemeClr val="bg1"/>
+                </a:solidFill>
+              </a:rPr>
+              <a:t>https://</a:t>
+            </a:r>
+            <a:r>
+              <a:rPr lang="es-ES" dirty="0" err="1">
+                <a:solidFill>
+                  <a:schemeClr val="bg1"/>
+                </a:solidFill>
+              </a:rPr>
+              <a:t>github.com</a:t>
+            </a:r>
+            <a:r>
+              <a:rPr lang="es-ES" dirty="0">
+                <a:solidFill>
+                  <a:schemeClr val="bg1"/>
+                </a:solidFill>
+              </a:rPr>
+              <a:t>/</a:t>
+            </a:r>
+            <a:r>
+              <a:rPr lang="es-ES" dirty="0" err="1">
+                <a:solidFill>
+                  <a:schemeClr val="bg1"/>
+                </a:solidFill>
+              </a:rPr>
+              <a:t>jsuarezruiz</a:t>
+            </a:r>
+            <a:r>
+              <a:rPr lang="es-ES" dirty="0">
+                <a:solidFill>
+                  <a:schemeClr val="bg1"/>
+                </a:solidFill>
+              </a:rPr>
+              <a:t>/</a:t>
+            </a:r>
+            <a:r>
+              <a:rPr lang="es-ES" dirty="0" err="1">
+                <a:solidFill>
+                  <a:schemeClr val="bg1"/>
+                </a:solidFill>
+              </a:rPr>
+              <a:t>maui</a:t>
+            </a:r>
+            <a:r>
+              <a:rPr lang="es-ES" dirty="0">
+                <a:solidFill>
+                  <a:schemeClr val="bg1"/>
+                </a:solidFill>
+              </a:rPr>
+              <a:t>-</a:t>
+            </a:r>
+            <a:r>
+              <a:rPr lang="es-ES" dirty="0" err="1">
+                <a:solidFill>
+                  <a:schemeClr val="bg1"/>
+                </a:solidFill>
+              </a:rPr>
+              <a:t>graphics</a:t>
             </a:r>
             <a:r>
               <a:rPr lang="es-ES" dirty="0">

--- a/introduccion-mcp.pptx
+++ b/introduccion-mcp.pptx
@@ -5,7 +5,7 @@
     <p:sldMasterId id="2147483660" r:id="rId1"/>
   </p:sldMasterIdLst>
   <p:notesMasterIdLst>
-    <p:notesMasterId r:id="rId52"/>
+    <p:notesMasterId r:id="rId53"/>
   </p:notesMasterIdLst>
   <p:sldIdLst>
     <p:sldId id="380" r:id="rId2"/>
@@ -55,9 +55,10 @@
     <p:sldId id="2076136807" r:id="rId46"/>
     <p:sldId id="2076136822" r:id="rId47"/>
     <p:sldId id="2076136823" r:id="rId48"/>
-    <p:sldId id="379" r:id="rId49"/>
-    <p:sldId id="318" r:id="rId50"/>
-    <p:sldId id="2030" r:id="rId51"/>
+    <p:sldId id="2076136825" r:id="rId49"/>
+    <p:sldId id="379" r:id="rId50"/>
+    <p:sldId id="318" r:id="rId51"/>
+    <p:sldId id="2030" r:id="rId52"/>
   </p:sldIdLst>
   <p:sldSz cx="12192000" cy="6858000"/>
   <p:notesSz cx="6858000" cy="9144000"/>
@@ -220,6 +221,7 @@
             <p14:sldId id="2076136807"/>
             <p14:sldId id="2076136822"/>
             <p14:sldId id="2076136823"/>
+            <p14:sldId id="2076136825"/>
             <p14:sldId id="379"/>
             <p14:sldId id="318"/>
             <p14:sldId id="2030"/>
@@ -327,7 +329,7 @@
           <a:p>
             <a:fld id="{A334C884-B1D7-A043-A4AA-521744755A4B}" type="datetimeFigureOut">
               <a:rPr lang="en-US" smtClean="0"/>
-              <a:t>5/11/25</a:t>
+              <a:t>5/15/25</a:t>
             </a:fld>
             <a:endParaRPr lang="en-US"/>
           </a:p>
@@ -1491,7 +1493,7 @@
           <a:p>
             <a:fld id="{B59DFEC3-DDF1-47FC-A429-F37F4C396648}" type="slidenum">
               <a:rPr lang="en-US" smtClean="0"/>
-              <a:t>49</a:t>
+              <a:t>50</a:t>
             </a:fld>
             <a:endParaRPr lang="en-US"/>
           </a:p>
@@ -2587,7 +2589,7 @@
           <a:p>
             <a:fld id="{6DD3B76A-C5DE-4B9A-BEAE-BBF0DC17AAA8}" type="datetime1">
               <a:rPr lang="en-US" smtClean="0"/>
-              <a:t>5/11/25</a:t>
+              <a:t>5/15/25</a:t>
             </a:fld>
             <a:endParaRPr lang="en-US" dirty="0"/>
           </a:p>
@@ -2806,7 +2808,7 @@
           <a:p>
             <a:fld id="{3F25CFCD-21CC-41A6-8052-0E0AFB2593B9}" type="datetimeFigureOut">
               <a:rPr lang="en-US" smtClean="0"/>
-              <a:t>5/11/25</a:t>
+              <a:t>5/15/25</a:t>
             </a:fld>
             <a:endParaRPr lang="en-US"/>
           </a:p>
@@ -8900,7 +8902,7 @@
         <p:spPr>
           <a:xfrm>
             <a:off x="269240" y="1189495"/>
-            <a:ext cx="11655841" cy="1292662"/>
+            <a:ext cx="5826759" cy="1292662"/>
           </a:xfrm>
         </p:spPr>
         <p:txBody>
@@ -8932,7 +8934,12 @@
             <p:ph type="title"/>
           </p:nvPr>
         </p:nvSpPr>
-        <p:spPr/>
+        <p:spPr>
+          <a:xfrm>
+            <a:off x="269240" y="289511"/>
+            <a:ext cx="5826759" cy="899665"/>
+          </a:xfrm>
+        </p:spPr>
         <p:txBody>
           <a:bodyPr/>
           <a:lstStyle/>
@@ -8955,7 +8962,7 @@
         <p:spPr>
           <a:xfrm>
             <a:off x="269240" y="4377014"/>
-            <a:ext cx="11369585" cy="1383541"/>
+            <a:ext cx="5826759" cy="1383541"/>
           </a:xfrm>
           <a:prstGeom prst="rect">
             <a:avLst/>
@@ -8963,7 +8970,7 @@
         </p:spPr>
         <p:txBody>
           <a:bodyPr vert="horz" lIns="119507" tIns="0" rIns="119507" bIns="59755" rtlCol="0">
-            <a:normAutofit/>
+            <a:normAutofit fontScale="85000" lnSpcReduction="20000"/>
           </a:bodyPr>
           <a:lstStyle>
             <a:lvl1pPr marL="0" indent="0" algn="l" defTabSz="914400" rtl="0" eaLnBrk="1" latinLnBrk="0" hangingPunct="1">
@@ -9159,7 +9166,7 @@
                   </a:schemeClr>
                 </a:solidFill>
               </a:rPr>
-              <a:t>Twitter: @</a:t>
+              <a:t>X: @</a:t>
             </a:r>
             <a:r>
               <a:rPr lang="en-US" sz="3600" dirty="0" err="1">
@@ -9188,6 +9195,36 @@
           </a:p>
         </p:txBody>
       </p:sp>
+      <p:pic>
+        <p:nvPicPr>
+          <p:cNvPr id="5" name="Imagen 4" descr="Hombre parado junto a una roca&#10;&#10;El contenido generado por IA puede ser incorrecto.">
+            <a:extLst>
+              <a:ext uri="{FF2B5EF4-FFF2-40B4-BE49-F238E27FC236}">
+                <a16:creationId xmlns:a16="http://schemas.microsoft.com/office/drawing/2014/main" id="{A0BDCEEE-5877-FF1B-108F-7DC4B87C0071}"/>
+              </a:ext>
+            </a:extLst>
+          </p:cNvPr>
+          <p:cNvPicPr>
+            <a:picLocks noChangeAspect="1"/>
+          </p:cNvPicPr>
+          <p:nvPr/>
+        </p:nvPicPr>
+        <p:blipFill>
+          <a:blip r:embed="rId4"/>
+          <a:stretch>
+            <a:fillRect/>
+          </a:stretch>
+        </p:blipFill>
+        <p:spPr>
+          <a:xfrm>
+            <a:off x="6497782" y="0"/>
+            <a:ext cx="6858000" cy="6858000"/>
+          </a:xfrm>
+          <a:prstGeom prst="rect">
+            <a:avLst/>
+          </a:prstGeom>
+        </p:spPr>
+      </p:pic>
     </p:spTree>
     <p:extLst>
       <p:ext uri="{BB962C8B-B14F-4D97-AF65-F5344CB8AC3E}">
@@ -21876,7 +21913,7 @@
                 <a:latin typeface="Segoe UI" panose="020B0502040204020203" pitchFamily="34" charset="0"/>
                 <a:cs typeface="Segoe UI" panose="020B0502040204020203" pitchFamily="34" charset="0"/>
               </a:rPr>
-              <a:t>Usar el servidor MCP de Tiempo para encontrar fechas ideales con cielos despejados.</a:t>
+              <a:t>Usar el servidor MCP del tiempo para encontrar fechas ideales con cielos despejados.</a:t>
             </a:r>
           </a:p>
           <a:p>
@@ -21885,7 +21922,7 @@
                 <a:latin typeface="Segoe UI" panose="020B0502040204020203" pitchFamily="34" charset="0"/>
                 <a:cs typeface="Segoe UI" panose="020B0502040204020203" pitchFamily="34" charset="0"/>
               </a:rPr>
-              <a:t>Consultar opciones de viaje con mejores condiciones mediante un servidor de trenes o Mapas.</a:t>
+              <a:t>Consultar opciones de viaje con mejores condiciones mediante un servidor de trenes o mapas.</a:t>
             </a:r>
           </a:p>
           <a:p>
@@ -21936,6 +21973,164 @@
 </file>
 
 <file path=ppt/slides/slide48.xml><?xml version="1.0" encoding="utf-8"?>
+<p:sld xmlns:a="http://schemas.openxmlformats.org/drawingml/2006/main" xmlns:r="http://schemas.openxmlformats.org/officeDocument/2006/relationships" xmlns:p="http://schemas.openxmlformats.org/presentationml/2006/main">
+  <p:cSld>
+    <p:spTree>
+      <p:nvGrpSpPr>
+        <p:cNvPr id="1" name="">
+          <a:extLst>
+            <a:ext uri="{FF2B5EF4-FFF2-40B4-BE49-F238E27FC236}">
+              <a16:creationId xmlns:a16="http://schemas.microsoft.com/office/drawing/2014/main" id="{604C90FA-014F-D725-206E-3CD8F8B67251}"/>
+            </a:ext>
+          </a:extLst>
+        </p:cNvPr>
+        <p:cNvGrpSpPr/>
+        <p:nvPr/>
+      </p:nvGrpSpPr>
+      <p:grpSpPr>
+        <a:xfrm>
+          <a:off x="0" y="0"/>
+          <a:ext cx="0" cy="0"/>
+          <a:chOff x="0" y="0"/>
+          <a:chExt cx="0" cy="0"/>
+        </a:xfrm>
+      </p:grpSpPr>
+      <p:sp>
+        <p:nvSpPr>
+          <p:cNvPr id="2" name="Title 1">
+            <a:extLst>
+              <a:ext uri="{FF2B5EF4-FFF2-40B4-BE49-F238E27FC236}">
+                <a16:creationId xmlns:a16="http://schemas.microsoft.com/office/drawing/2014/main" id="{5DC80ED3-C73C-59FC-8ED7-340FFB06F298}"/>
+              </a:ext>
+            </a:extLst>
+          </p:cNvPr>
+          <p:cNvSpPr>
+            <a:spLocks noGrp="1"/>
+          </p:cNvSpPr>
+          <p:nvPr>
+            <p:ph type="title"/>
+          </p:nvPr>
+        </p:nvSpPr>
+        <p:spPr/>
+        <p:txBody>
+          <a:bodyPr/>
+          <a:lstStyle/>
+          <a:p>
+            <a:r>
+              <a:rPr lang="en-US" dirty="0" err="1">
+                <a:solidFill>
+                  <a:schemeClr val="accent2"/>
+                </a:solidFill>
+              </a:rPr>
+              <a:t>Recursos</a:t>
+            </a:r>
+            <a:endParaRPr lang="en-US" dirty="0">
+              <a:solidFill>
+                <a:schemeClr val="accent2"/>
+              </a:solidFill>
+            </a:endParaRPr>
+          </a:p>
+        </p:txBody>
+      </p:sp>
+      <p:sp>
+        <p:nvSpPr>
+          <p:cNvPr id="7" name="CuadroTexto 6">
+            <a:extLst>
+              <a:ext uri="{FF2B5EF4-FFF2-40B4-BE49-F238E27FC236}">
+                <a16:creationId xmlns:a16="http://schemas.microsoft.com/office/drawing/2014/main" id="{2E4D1CF9-6DE3-2CB8-8EBF-480107B027F8}"/>
+              </a:ext>
+            </a:extLst>
+          </p:cNvPr>
+          <p:cNvSpPr txBox="1"/>
+          <p:nvPr/>
+        </p:nvSpPr>
+        <p:spPr>
+          <a:xfrm>
+            <a:off x="269240" y="3136612"/>
+            <a:ext cx="11655840" cy="584775"/>
+          </a:xfrm>
+          <a:prstGeom prst="rect">
+            <a:avLst/>
+          </a:prstGeom>
+          <a:noFill/>
+        </p:spPr>
+        <p:txBody>
+          <a:bodyPr wrap="square">
+            <a:spAutoFit/>
+          </a:bodyPr>
+          <a:lstStyle/>
+          <a:p>
+            <a:pPr algn="ctr"/>
+            <a:r>
+              <a:rPr lang="es-ES" sz="3200" dirty="0">
+                <a:solidFill>
+                  <a:schemeClr val="accent2"/>
+                </a:solidFill>
+              </a:rPr>
+              <a:t>https://</a:t>
+            </a:r>
+            <a:r>
+              <a:rPr lang="es-ES" sz="3200" dirty="0" err="1">
+                <a:solidFill>
+                  <a:schemeClr val="accent2"/>
+                </a:solidFill>
+              </a:rPr>
+              <a:t>github.com</a:t>
+            </a:r>
+            <a:r>
+              <a:rPr lang="es-ES" sz="3200" dirty="0">
+                <a:solidFill>
+                  <a:schemeClr val="accent2"/>
+                </a:solidFill>
+              </a:rPr>
+              <a:t>/</a:t>
+            </a:r>
+            <a:r>
+              <a:rPr lang="es-ES" sz="3200" dirty="0" err="1">
+                <a:solidFill>
+                  <a:schemeClr val="accent2"/>
+                </a:solidFill>
+              </a:rPr>
+              <a:t>jsuarezruiz</a:t>
+            </a:r>
+            <a:r>
+              <a:rPr lang="es-ES" sz="3200" dirty="0">
+                <a:solidFill>
+                  <a:schemeClr val="accent2"/>
+                </a:solidFill>
+              </a:rPr>
+              <a:t>/</a:t>
+            </a:r>
+            <a:r>
+              <a:rPr lang="es-ES" sz="3200" dirty="0" err="1">
+                <a:solidFill>
+                  <a:schemeClr val="accent2"/>
+                </a:solidFill>
+              </a:rPr>
+              <a:t>sevilladotnet-mcp-materials</a:t>
+            </a:r>
+            <a:endParaRPr lang="es-ES" sz="3200" dirty="0">
+              <a:solidFill>
+                <a:schemeClr val="accent2"/>
+              </a:solidFill>
+            </a:endParaRPr>
+          </a:p>
+        </p:txBody>
+      </p:sp>
+    </p:spTree>
+    <p:extLst>
+      <p:ext uri="{BB962C8B-B14F-4D97-AF65-F5344CB8AC3E}">
+        <p14:creationId xmlns:p14="http://schemas.microsoft.com/office/powerpoint/2010/main" val="3826006080"/>
+      </p:ext>
+    </p:extLst>
+  </p:cSld>
+  <p:clrMapOvr>
+    <a:masterClrMapping/>
+  </p:clrMapOvr>
+</p:sld>
+</file>
+
+<file path=ppt/slides/slide49.xml><?xml version="1.0" encoding="utf-8"?>
 <p:sld xmlns:a="http://schemas.openxmlformats.org/drawingml/2006/main" xmlns:r="http://schemas.openxmlformats.org/officeDocument/2006/relationships" xmlns:p="http://schemas.openxmlformats.org/presentationml/2006/main">
   <p:cSld>
     <p:spTree>
@@ -22217,403 +22412,6 @@
   <p:clrMapOvr>
     <a:masterClrMapping/>
   </p:clrMapOvr>
-</p:sld>
-</file>
-
-<file path=ppt/slides/slide49.xml><?xml version="1.0" encoding="utf-8"?>
-<p:sld xmlns:a="http://schemas.openxmlformats.org/drawingml/2006/main" xmlns:r="http://schemas.openxmlformats.org/officeDocument/2006/relationships" xmlns:p="http://schemas.openxmlformats.org/presentationml/2006/main">
-  <p:cSld>
-    <p:spTree>
-      <p:nvGrpSpPr>
-        <p:cNvPr id="1" name=""/>
-        <p:cNvGrpSpPr/>
-        <p:nvPr/>
-      </p:nvGrpSpPr>
-      <p:grpSpPr>
-        <a:xfrm>
-          <a:off x="0" y="0"/>
-          <a:ext cx="0" cy="0"/>
-          <a:chOff x="0" y="0"/>
-          <a:chExt cx="0" cy="0"/>
-        </a:xfrm>
-      </p:grpSpPr>
-      <p:sp>
-        <p:nvSpPr>
-          <p:cNvPr id="2" name="Title 3"/>
-          <p:cNvSpPr txBox="1">
-            <a:spLocks/>
-          </p:cNvSpPr>
-          <p:nvPr/>
-        </p:nvSpPr>
-        <p:spPr>
-          <a:xfrm>
-            <a:off x="279187" y="405856"/>
-            <a:ext cx="11531543" cy="480709"/>
-          </a:xfrm>
-          <a:prstGeom prst="rect">
-            <a:avLst/>
-          </a:prstGeom>
-        </p:spPr>
-        <p:txBody>
-          <a:bodyPr vert="horz" wrap="square" lIns="0" tIns="0" rIns="0" bIns="0" rtlCol="0" anchor="t" anchorCtr="0">
-            <a:spAutoFit/>
-          </a:bodyPr>
-          <a:lstStyle>
-            <a:lvl1pPr algn="l" defTabSz="914400" rtl="0" eaLnBrk="1" latinLnBrk="0" hangingPunct="1">
-              <a:lnSpc>
-                <a:spcPct val="105000"/>
-              </a:lnSpc>
-              <a:spcBef>
-                <a:spcPct val="0"/>
-              </a:spcBef>
-              <a:buNone/>
-              <a:defRPr sz="2400" kern="1200" spc="0" baseline="0">
-                <a:solidFill>
-                  <a:schemeClr val="accent1"/>
-                </a:solidFill>
-                <a:latin typeface="+mj-lt"/>
-                <a:ea typeface="+mj-ea"/>
-                <a:cs typeface="+mj-cs"/>
-              </a:defRPr>
-            </a:lvl1pPr>
-          </a:lstStyle>
-          <a:p>
-            <a:r>
-              <a:rPr lang="en-US" sz="3200" dirty="0" err="1">
-                <a:solidFill>
-                  <a:schemeClr val="tx1">
-                    <a:lumMod val="50000"/>
-                  </a:schemeClr>
-                </a:solidFill>
-                <a:latin typeface="Segoe UI" panose="020B0502040204020203" pitchFamily="34" charset="0"/>
-                <a:cs typeface="Segoe UI" panose="020B0502040204020203" pitchFamily="34" charset="0"/>
-              </a:rPr>
-              <a:t>Preguntas</a:t>
-            </a:r>
-            <a:r>
-              <a:rPr lang="en-US" sz="3200" dirty="0">
-                <a:solidFill>
-                  <a:schemeClr val="tx1">
-                    <a:lumMod val="50000"/>
-                  </a:schemeClr>
-                </a:solidFill>
-                <a:latin typeface="Segoe UI" panose="020B0502040204020203" pitchFamily="34" charset="0"/>
-                <a:cs typeface="Segoe UI" panose="020B0502040204020203" pitchFamily="34" charset="0"/>
-              </a:rPr>
-              <a:t> &amp; </a:t>
-            </a:r>
-            <a:r>
-              <a:rPr lang="en-US" sz="3200" dirty="0" err="1">
-                <a:solidFill>
-                  <a:schemeClr val="tx1">
-                    <a:lumMod val="50000"/>
-                  </a:schemeClr>
-                </a:solidFill>
-                <a:latin typeface="Segoe UI" panose="020B0502040204020203" pitchFamily="34" charset="0"/>
-                <a:cs typeface="Segoe UI" panose="020B0502040204020203" pitchFamily="34" charset="0"/>
-              </a:rPr>
-              <a:t>Respuestas</a:t>
-            </a:r>
-            <a:endParaRPr lang="ru-RU" sz="3200" dirty="0">
-              <a:solidFill>
-                <a:schemeClr val="tx1">
-                  <a:lumMod val="50000"/>
-                </a:schemeClr>
-              </a:solidFill>
-              <a:latin typeface="Segoe UI" panose="020B0502040204020203" pitchFamily="34" charset="0"/>
-              <a:cs typeface="Segoe UI" panose="020B0502040204020203" pitchFamily="34" charset="0"/>
-            </a:endParaRPr>
-          </a:p>
-        </p:txBody>
-      </p:sp>
-      <p:sp>
-        <p:nvSpPr>
-          <p:cNvPr id="3" name="Text Placeholder 1"/>
-          <p:cNvSpPr>
-            <a:spLocks noGrp="1"/>
-          </p:cNvSpPr>
-          <p:nvPr>
-            <p:ph type="body" sz="quarter" idx="20"/>
-          </p:nvPr>
-        </p:nvSpPr>
-        <p:spPr>
-          <a:xfrm>
-            <a:off x="336180" y="1435386"/>
-            <a:ext cx="11459569" cy="841652"/>
-          </a:xfrm>
-        </p:spPr>
-        <p:txBody>
-          <a:bodyPr/>
-          <a:lstStyle/>
-          <a:p>
-            <a:r>
-              <a:rPr lang="en-US" sz="3733" dirty="0">
-                <a:solidFill>
-                  <a:schemeClr val="accent2"/>
-                </a:solidFill>
-                <a:latin typeface="Segoe UI" panose="020B0502040204020203" pitchFamily="34" charset="0"/>
-                <a:cs typeface="Segoe UI" panose="020B0502040204020203" pitchFamily="34" charset="0"/>
-              </a:rPr>
-              <a:t>¿</a:t>
-            </a:r>
-            <a:r>
-              <a:rPr lang="en-US" sz="3733" dirty="0" err="1">
-                <a:solidFill>
-                  <a:schemeClr val="accent2"/>
-                </a:solidFill>
-                <a:latin typeface="Segoe UI" panose="020B0502040204020203" pitchFamily="34" charset="0"/>
-                <a:cs typeface="Segoe UI" panose="020B0502040204020203" pitchFamily="34" charset="0"/>
-              </a:rPr>
-              <a:t>Preguntas</a:t>
-            </a:r>
-            <a:r>
-              <a:rPr lang="en-US" sz="3733" dirty="0">
-                <a:solidFill>
-                  <a:schemeClr val="accent2"/>
-                </a:solidFill>
-                <a:latin typeface="Segoe UI" panose="020B0502040204020203" pitchFamily="34" charset="0"/>
-                <a:cs typeface="Segoe UI" panose="020B0502040204020203" pitchFamily="34" charset="0"/>
-              </a:rPr>
-              <a:t>?</a:t>
-            </a:r>
-            <a:endParaRPr lang="ru-RU" sz="3733" dirty="0">
-              <a:solidFill>
-                <a:schemeClr val="accent2"/>
-              </a:solidFill>
-              <a:latin typeface="Segoe UI" panose="020B0502040204020203" pitchFamily="34" charset="0"/>
-              <a:cs typeface="Segoe UI" panose="020B0502040204020203" pitchFamily="34" charset="0"/>
-            </a:endParaRPr>
-          </a:p>
-        </p:txBody>
-      </p:sp>
-      <p:sp>
-        <p:nvSpPr>
-          <p:cNvPr id="4" name="Text Placeholder 1"/>
-          <p:cNvSpPr txBox="1">
-            <a:spLocks/>
-          </p:cNvSpPr>
-          <p:nvPr/>
-        </p:nvSpPr>
-        <p:spPr>
-          <a:xfrm>
-            <a:off x="432175" y="2085041"/>
-            <a:ext cx="11260075" cy="3071907"/>
-          </a:xfrm>
-          <a:prstGeom prst="rect">
-            <a:avLst/>
-          </a:prstGeom>
-        </p:spPr>
-        <p:txBody>
-          <a:bodyPr vert="horz" lIns="121903" tIns="0" rIns="121903" bIns="60952" rtlCol="0">
-            <a:noAutofit/>
-          </a:bodyPr>
-          <a:lstStyle>
-            <a:lvl1pPr marL="0" indent="0" algn="l" defTabSz="914400" rtl="0" eaLnBrk="1" latinLnBrk="0" hangingPunct="1">
-              <a:spcBef>
-                <a:spcPct val="20000"/>
-              </a:spcBef>
-              <a:buFont typeface="Arial" pitchFamily="34" charset="0"/>
-              <a:buNone/>
-              <a:defRPr sz="2800" kern="1200">
-                <a:solidFill>
-                  <a:schemeClr val="bg1"/>
-                </a:solidFill>
-                <a:latin typeface="+mn-lt"/>
-                <a:ea typeface="+mn-ea"/>
-                <a:cs typeface="+mn-cs"/>
-              </a:defRPr>
-            </a:lvl1pPr>
-            <a:lvl2pPr marL="0" indent="0" algn="l" defTabSz="914400" rtl="0" eaLnBrk="1" latinLnBrk="0" hangingPunct="1">
-              <a:spcBef>
-                <a:spcPct val="20000"/>
-              </a:spcBef>
-              <a:buFont typeface="Arial" pitchFamily="34" charset="0"/>
-              <a:buNone/>
-              <a:defRPr sz="1600" kern="1200">
-                <a:solidFill>
-                  <a:schemeClr val="tx2"/>
-                </a:solidFill>
-                <a:latin typeface="+mn-lt"/>
-                <a:ea typeface="+mn-ea"/>
-                <a:cs typeface="+mn-cs"/>
-              </a:defRPr>
-            </a:lvl2pPr>
-            <a:lvl3pPr marL="447675" indent="-180975" algn="l" defTabSz="914400" rtl="0" eaLnBrk="1" latinLnBrk="0" hangingPunct="1">
-              <a:spcBef>
-                <a:spcPct val="20000"/>
-              </a:spcBef>
-              <a:buClr>
-                <a:schemeClr val="accent1"/>
-              </a:buClr>
-              <a:buSzPct val="120000"/>
-              <a:buFont typeface="Arial" pitchFamily="34" charset="0"/>
-              <a:buChar char="•"/>
-              <a:defRPr sz="1600" kern="1200">
-                <a:solidFill>
-                  <a:schemeClr val="tx2"/>
-                </a:solidFill>
-                <a:latin typeface="+mn-lt"/>
-                <a:ea typeface="+mn-ea"/>
-                <a:cs typeface="+mn-cs"/>
-              </a:defRPr>
-            </a:lvl3pPr>
-            <a:lvl4pPr marL="714375" indent="-266700" algn="l" defTabSz="914400" rtl="0" eaLnBrk="1" latinLnBrk="0" hangingPunct="1">
-              <a:spcBef>
-                <a:spcPct val="20000"/>
-              </a:spcBef>
-              <a:buClr>
-                <a:schemeClr val="accent1"/>
-              </a:buClr>
-              <a:buFont typeface="Arial" pitchFamily="34" charset="0"/>
-              <a:buChar char="–"/>
-              <a:defRPr sz="1600" kern="1200">
-                <a:solidFill>
-                  <a:schemeClr val="tx2"/>
-                </a:solidFill>
-                <a:latin typeface="+mn-lt"/>
-                <a:ea typeface="+mn-ea"/>
-                <a:cs typeface="+mn-cs"/>
-              </a:defRPr>
-            </a:lvl4pPr>
-            <a:lvl5pPr marL="990600" indent="-276225" algn="l" defTabSz="914400" rtl="0" eaLnBrk="1" latinLnBrk="0" hangingPunct="1">
-              <a:spcBef>
-                <a:spcPct val="20000"/>
-              </a:spcBef>
-              <a:buClr>
-                <a:schemeClr val="accent1"/>
-              </a:buClr>
-              <a:buFont typeface="Arial" pitchFamily="34" charset="0"/>
-              <a:buChar char="»"/>
-              <a:defRPr sz="1600" kern="1200">
-                <a:solidFill>
-                  <a:schemeClr val="tx2"/>
-                </a:solidFill>
-                <a:latin typeface="+mn-lt"/>
-                <a:ea typeface="+mn-ea"/>
-                <a:cs typeface="+mn-cs"/>
-              </a:defRPr>
-            </a:lvl5pPr>
-            <a:lvl6pPr marL="2514600" indent="-228600" algn="l" defTabSz="914400" rtl="0" eaLnBrk="1" latinLnBrk="0" hangingPunct="1">
-              <a:spcBef>
-                <a:spcPct val="20000"/>
-              </a:spcBef>
-              <a:buFont typeface="Arial" pitchFamily="34" charset="0"/>
-              <a:buChar char="•"/>
-              <a:defRPr sz="2000" kern="1200">
-                <a:solidFill>
-                  <a:schemeClr val="tx1"/>
-                </a:solidFill>
-                <a:latin typeface="+mn-lt"/>
-                <a:ea typeface="+mn-ea"/>
-                <a:cs typeface="+mn-cs"/>
-              </a:defRPr>
-            </a:lvl6pPr>
-            <a:lvl7pPr marL="2971800" indent="-228600" algn="l" defTabSz="914400" rtl="0" eaLnBrk="1" latinLnBrk="0" hangingPunct="1">
-              <a:spcBef>
-                <a:spcPct val="20000"/>
-              </a:spcBef>
-              <a:buFont typeface="Arial" pitchFamily="34" charset="0"/>
-              <a:buChar char="•"/>
-              <a:defRPr sz="2000" kern="1200">
-                <a:solidFill>
-                  <a:schemeClr val="tx1"/>
-                </a:solidFill>
-                <a:latin typeface="+mn-lt"/>
-                <a:ea typeface="+mn-ea"/>
-                <a:cs typeface="+mn-cs"/>
-              </a:defRPr>
-            </a:lvl7pPr>
-            <a:lvl8pPr marL="3429000" indent="-228600" algn="l" defTabSz="914400" rtl="0" eaLnBrk="1" latinLnBrk="0" hangingPunct="1">
-              <a:spcBef>
-                <a:spcPct val="20000"/>
-              </a:spcBef>
-              <a:buFont typeface="Arial" pitchFamily="34" charset="0"/>
-              <a:buChar char="•"/>
-              <a:defRPr sz="2000" kern="1200">
-                <a:solidFill>
-                  <a:schemeClr val="tx1"/>
-                </a:solidFill>
-                <a:latin typeface="+mn-lt"/>
-                <a:ea typeface="+mn-ea"/>
-                <a:cs typeface="+mn-cs"/>
-              </a:defRPr>
-            </a:lvl8pPr>
-            <a:lvl9pPr marL="3886200" indent="-228600" algn="l" defTabSz="914400" rtl="0" eaLnBrk="1" latinLnBrk="0" hangingPunct="1">
-              <a:spcBef>
-                <a:spcPct val="20000"/>
-              </a:spcBef>
-              <a:buFont typeface="Arial" pitchFamily="34" charset="0"/>
-              <a:buChar char="•"/>
-              <a:defRPr sz="2000" kern="1200">
-                <a:solidFill>
-                  <a:schemeClr val="tx1"/>
-                </a:solidFill>
-                <a:latin typeface="+mn-lt"/>
-                <a:ea typeface="+mn-ea"/>
-                <a:cs typeface="+mn-cs"/>
-              </a:defRPr>
-            </a:lvl9pPr>
-          </a:lstStyle>
-          <a:p>
-            <a:pPr algn="ctr"/>
-            <a:r>
-              <a:rPr lang="en-US" sz="22129" dirty="0">
-                <a:solidFill>
-                  <a:schemeClr val="accent2"/>
-                </a:solidFill>
-                <a:latin typeface="Segoe UI" panose="020B0502040204020203" pitchFamily="34" charset="0"/>
-                <a:cs typeface="Segoe UI" panose="020B0502040204020203" pitchFamily="34" charset="0"/>
-              </a:rPr>
-              <a:t>P</a:t>
-            </a:r>
-            <a:r>
-              <a:rPr lang="en-US" sz="11730" dirty="0">
-                <a:solidFill>
-                  <a:schemeClr val="accent2"/>
-                </a:solidFill>
-                <a:latin typeface="Segoe UI" panose="020B0502040204020203" pitchFamily="34" charset="0"/>
-                <a:cs typeface="Segoe UI" panose="020B0502040204020203" pitchFamily="34" charset="0"/>
-              </a:rPr>
-              <a:t>&amp;</a:t>
-            </a:r>
-            <a:r>
-              <a:rPr lang="en-US" sz="22129" dirty="0">
-                <a:solidFill>
-                  <a:schemeClr val="accent2"/>
-                </a:solidFill>
-                <a:latin typeface="Segoe UI" panose="020B0502040204020203" pitchFamily="34" charset="0"/>
-                <a:cs typeface="Segoe UI" panose="020B0502040204020203" pitchFamily="34" charset="0"/>
-              </a:rPr>
-              <a:t>R</a:t>
-            </a:r>
-            <a:endParaRPr lang="ru-RU" sz="22129" dirty="0">
-              <a:solidFill>
-                <a:schemeClr val="accent2"/>
-              </a:solidFill>
-              <a:latin typeface="Segoe UI" panose="020B0502040204020203" pitchFamily="34" charset="0"/>
-              <a:cs typeface="Segoe UI" panose="020B0502040204020203" pitchFamily="34" charset="0"/>
-            </a:endParaRPr>
-          </a:p>
-        </p:txBody>
-      </p:sp>
-    </p:spTree>
-    <p:extLst>
-      <p:ext uri="{BB962C8B-B14F-4D97-AF65-F5344CB8AC3E}">
-        <p14:creationId xmlns:p14="http://schemas.microsoft.com/office/powerpoint/2010/main" val="944819563"/>
-      </p:ext>
-    </p:extLst>
-  </p:cSld>
-  <p:clrMapOvr>
-    <a:masterClrMapping/>
-  </p:clrMapOvr>
-  <mc:AlternateContent xmlns:mc="http://schemas.openxmlformats.org/markup-compatibility/2006" xmlns:p14="http://schemas.microsoft.com/office/powerpoint/2010/main">
-    <mc:Choice Requires="p14">
-      <p:transition p14:dur="0"/>
-    </mc:Choice>
-    <mc:Fallback xmlns="">
-      <p:transition/>
-    </mc:Fallback>
-  </mc:AlternateContent>
 </p:sld>
 </file>
 
@@ -22749,6 +22547,403 @@
 </file>
 
 <file path=ppt/slides/slide50.xml><?xml version="1.0" encoding="utf-8"?>
+<p:sld xmlns:a="http://schemas.openxmlformats.org/drawingml/2006/main" xmlns:r="http://schemas.openxmlformats.org/officeDocument/2006/relationships" xmlns:p="http://schemas.openxmlformats.org/presentationml/2006/main">
+  <p:cSld>
+    <p:spTree>
+      <p:nvGrpSpPr>
+        <p:cNvPr id="1" name=""/>
+        <p:cNvGrpSpPr/>
+        <p:nvPr/>
+      </p:nvGrpSpPr>
+      <p:grpSpPr>
+        <a:xfrm>
+          <a:off x="0" y="0"/>
+          <a:ext cx="0" cy="0"/>
+          <a:chOff x="0" y="0"/>
+          <a:chExt cx="0" cy="0"/>
+        </a:xfrm>
+      </p:grpSpPr>
+      <p:sp>
+        <p:nvSpPr>
+          <p:cNvPr id="2" name="Title 3"/>
+          <p:cNvSpPr txBox="1">
+            <a:spLocks/>
+          </p:cNvSpPr>
+          <p:nvPr/>
+        </p:nvSpPr>
+        <p:spPr>
+          <a:xfrm>
+            <a:off x="279187" y="405856"/>
+            <a:ext cx="11531543" cy="480709"/>
+          </a:xfrm>
+          <a:prstGeom prst="rect">
+            <a:avLst/>
+          </a:prstGeom>
+        </p:spPr>
+        <p:txBody>
+          <a:bodyPr vert="horz" wrap="square" lIns="0" tIns="0" rIns="0" bIns="0" rtlCol="0" anchor="t" anchorCtr="0">
+            <a:spAutoFit/>
+          </a:bodyPr>
+          <a:lstStyle>
+            <a:lvl1pPr algn="l" defTabSz="914400" rtl="0" eaLnBrk="1" latinLnBrk="0" hangingPunct="1">
+              <a:lnSpc>
+                <a:spcPct val="105000"/>
+              </a:lnSpc>
+              <a:spcBef>
+                <a:spcPct val="0"/>
+              </a:spcBef>
+              <a:buNone/>
+              <a:defRPr sz="2400" kern="1200" spc="0" baseline="0">
+                <a:solidFill>
+                  <a:schemeClr val="accent1"/>
+                </a:solidFill>
+                <a:latin typeface="+mj-lt"/>
+                <a:ea typeface="+mj-ea"/>
+                <a:cs typeface="+mj-cs"/>
+              </a:defRPr>
+            </a:lvl1pPr>
+          </a:lstStyle>
+          <a:p>
+            <a:r>
+              <a:rPr lang="en-US" sz="3200" dirty="0" err="1">
+                <a:solidFill>
+                  <a:schemeClr val="tx1">
+                    <a:lumMod val="50000"/>
+                  </a:schemeClr>
+                </a:solidFill>
+                <a:latin typeface="Segoe UI" panose="020B0502040204020203" pitchFamily="34" charset="0"/>
+                <a:cs typeface="Segoe UI" panose="020B0502040204020203" pitchFamily="34" charset="0"/>
+              </a:rPr>
+              <a:t>Preguntas</a:t>
+            </a:r>
+            <a:r>
+              <a:rPr lang="en-US" sz="3200" dirty="0">
+                <a:solidFill>
+                  <a:schemeClr val="tx1">
+                    <a:lumMod val="50000"/>
+                  </a:schemeClr>
+                </a:solidFill>
+                <a:latin typeface="Segoe UI" panose="020B0502040204020203" pitchFamily="34" charset="0"/>
+                <a:cs typeface="Segoe UI" panose="020B0502040204020203" pitchFamily="34" charset="0"/>
+              </a:rPr>
+              <a:t> &amp; </a:t>
+            </a:r>
+            <a:r>
+              <a:rPr lang="en-US" sz="3200" dirty="0" err="1">
+                <a:solidFill>
+                  <a:schemeClr val="tx1">
+                    <a:lumMod val="50000"/>
+                  </a:schemeClr>
+                </a:solidFill>
+                <a:latin typeface="Segoe UI" panose="020B0502040204020203" pitchFamily="34" charset="0"/>
+                <a:cs typeface="Segoe UI" panose="020B0502040204020203" pitchFamily="34" charset="0"/>
+              </a:rPr>
+              <a:t>Respuestas</a:t>
+            </a:r>
+            <a:endParaRPr lang="ru-RU" sz="3200" dirty="0">
+              <a:solidFill>
+                <a:schemeClr val="tx1">
+                  <a:lumMod val="50000"/>
+                </a:schemeClr>
+              </a:solidFill>
+              <a:latin typeface="Segoe UI" panose="020B0502040204020203" pitchFamily="34" charset="0"/>
+              <a:cs typeface="Segoe UI" panose="020B0502040204020203" pitchFamily="34" charset="0"/>
+            </a:endParaRPr>
+          </a:p>
+        </p:txBody>
+      </p:sp>
+      <p:sp>
+        <p:nvSpPr>
+          <p:cNvPr id="3" name="Text Placeholder 1"/>
+          <p:cNvSpPr>
+            <a:spLocks noGrp="1"/>
+          </p:cNvSpPr>
+          <p:nvPr>
+            <p:ph type="body" sz="quarter" idx="20"/>
+          </p:nvPr>
+        </p:nvSpPr>
+        <p:spPr>
+          <a:xfrm>
+            <a:off x="336180" y="1435386"/>
+            <a:ext cx="11459569" cy="841652"/>
+          </a:xfrm>
+        </p:spPr>
+        <p:txBody>
+          <a:bodyPr/>
+          <a:lstStyle/>
+          <a:p>
+            <a:r>
+              <a:rPr lang="en-US" sz="3733" dirty="0">
+                <a:solidFill>
+                  <a:schemeClr val="accent2"/>
+                </a:solidFill>
+                <a:latin typeface="Segoe UI" panose="020B0502040204020203" pitchFamily="34" charset="0"/>
+                <a:cs typeface="Segoe UI" panose="020B0502040204020203" pitchFamily="34" charset="0"/>
+              </a:rPr>
+              <a:t>¿</a:t>
+            </a:r>
+            <a:r>
+              <a:rPr lang="en-US" sz="3733" dirty="0" err="1">
+                <a:solidFill>
+                  <a:schemeClr val="accent2"/>
+                </a:solidFill>
+                <a:latin typeface="Segoe UI" panose="020B0502040204020203" pitchFamily="34" charset="0"/>
+                <a:cs typeface="Segoe UI" panose="020B0502040204020203" pitchFamily="34" charset="0"/>
+              </a:rPr>
+              <a:t>Preguntas</a:t>
+            </a:r>
+            <a:r>
+              <a:rPr lang="en-US" sz="3733" dirty="0">
+                <a:solidFill>
+                  <a:schemeClr val="accent2"/>
+                </a:solidFill>
+                <a:latin typeface="Segoe UI" panose="020B0502040204020203" pitchFamily="34" charset="0"/>
+                <a:cs typeface="Segoe UI" panose="020B0502040204020203" pitchFamily="34" charset="0"/>
+              </a:rPr>
+              <a:t>?</a:t>
+            </a:r>
+            <a:endParaRPr lang="ru-RU" sz="3733" dirty="0">
+              <a:solidFill>
+                <a:schemeClr val="accent2"/>
+              </a:solidFill>
+              <a:latin typeface="Segoe UI" panose="020B0502040204020203" pitchFamily="34" charset="0"/>
+              <a:cs typeface="Segoe UI" panose="020B0502040204020203" pitchFamily="34" charset="0"/>
+            </a:endParaRPr>
+          </a:p>
+        </p:txBody>
+      </p:sp>
+      <p:sp>
+        <p:nvSpPr>
+          <p:cNvPr id="4" name="Text Placeholder 1"/>
+          <p:cNvSpPr txBox="1">
+            <a:spLocks/>
+          </p:cNvSpPr>
+          <p:nvPr/>
+        </p:nvSpPr>
+        <p:spPr>
+          <a:xfrm>
+            <a:off x="432175" y="2085041"/>
+            <a:ext cx="11260075" cy="3071907"/>
+          </a:xfrm>
+          <a:prstGeom prst="rect">
+            <a:avLst/>
+          </a:prstGeom>
+        </p:spPr>
+        <p:txBody>
+          <a:bodyPr vert="horz" lIns="121903" tIns="0" rIns="121903" bIns="60952" rtlCol="0">
+            <a:noAutofit/>
+          </a:bodyPr>
+          <a:lstStyle>
+            <a:lvl1pPr marL="0" indent="0" algn="l" defTabSz="914400" rtl="0" eaLnBrk="1" latinLnBrk="0" hangingPunct="1">
+              <a:spcBef>
+                <a:spcPct val="20000"/>
+              </a:spcBef>
+              <a:buFont typeface="Arial" pitchFamily="34" charset="0"/>
+              <a:buNone/>
+              <a:defRPr sz="2800" kern="1200">
+                <a:solidFill>
+                  <a:schemeClr val="bg1"/>
+                </a:solidFill>
+                <a:latin typeface="+mn-lt"/>
+                <a:ea typeface="+mn-ea"/>
+                <a:cs typeface="+mn-cs"/>
+              </a:defRPr>
+            </a:lvl1pPr>
+            <a:lvl2pPr marL="0" indent="0" algn="l" defTabSz="914400" rtl="0" eaLnBrk="1" latinLnBrk="0" hangingPunct="1">
+              <a:spcBef>
+                <a:spcPct val="20000"/>
+              </a:spcBef>
+              <a:buFont typeface="Arial" pitchFamily="34" charset="0"/>
+              <a:buNone/>
+              <a:defRPr sz="1600" kern="1200">
+                <a:solidFill>
+                  <a:schemeClr val="tx2"/>
+                </a:solidFill>
+                <a:latin typeface="+mn-lt"/>
+                <a:ea typeface="+mn-ea"/>
+                <a:cs typeface="+mn-cs"/>
+              </a:defRPr>
+            </a:lvl2pPr>
+            <a:lvl3pPr marL="447675" indent="-180975" algn="l" defTabSz="914400" rtl="0" eaLnBrk="1" latinLnBrk="0" hangingPunct="1">
+              <a:spcBef>
+                <a:spcPct val="20000"/>
+              </a:spcBef>
+              <a:buClr>
+                <a:schemeClr val="accent1"/>
+              </a:buClr>
+              <a:buSzPct val="120000"/>
+              <a:buFont typeface="Arial" pitchFamily="34" charset="0"/>
+              <a:buChar char="•"/>
+              <a:defRPr sz="1600" kern="1200">
+                <a:solidFill>
+                  <a:schemeClr val="tx2"/>
+                </a:solidFill>
+                <a:latin typeface="+mn-lt"/>
+                <a:ea typeface="+mn-ea"/>
+                <a:cs typeface="+mn-cs"/>
+              </a:defRPr>
+            </a:lvl3pPr>
+            <a:lvl4pPr marL="714375" indent="-266700" algn="l" defTabSz="914400" rtl="0" eaLnBrk="1" latinLnBrk="0" hangingPunct="1">
+              <a:spcBef>
+                <a:spcPct val="20000"/>
+              </a:spcBef>
+              <a:buClr>
+                <a:schemeClr val="accent1"/>
+              </a:buClr>
+              <a:buFont typeface="Arial" pitchFamily="34" charset="0"/>
+              <a:buChar char="–"/>
+              <a:defRPr sz="1600" kern="1200">
+                <a:solidFill>
+                  <a:schemeClr val="tx2"/>
+                </a:solidFill>
+                <a:latin typeface="+mn-lt"/>
+                <a:ea typeface="+mn-ea"/>
+                <a:cs typeface="+mn-cs"/>
+              </a:defRPr>
+            </a:lvl4pPr>
+            <a:lvl5pPr marL="990600" indent="-276225" algn="l" defTabSz="914400" rtl="0" eaLnBrk="1" latinLnBrk="0" hangingPunct="1">
+              <a:spcBef>
+                <a:spcPct val="20000"/>
+              </a:spcBef>
+              <a:buClr>
+                <a:schemeClr val="accent1"/>
+              </a:buClr>
+              <a:buFont typeface="Arial" pitchFamily="34" charset="0"/>
+              <a:buChar char="»"/>
+              <a:defRPr sz="1600" kern="1200">
+                <a:solidFill>
+                  <a:schemeClr val="tx2"/>
+                </a:solidFill>
+                <a:latin typeface="+mn-lt"/>
+                <a:ea typeface="+mn-ea"/>
+                <a:cs typeface="+mn-cs"/>
+              </a:defRPr>
+            </a:lvl5pPr>
+            <a:lvl6pPr marL="2514600" indent="-228600" algn="l" defTabSz="914400" rtl="0" eaLnBrk="1" latinLnBrk="0" hangingPunct="1">
+              <a:spcBef>
+                <a:spcPct val="20000"/>
+              </a:spcBef>
+              <a:buFont typeface="Arial" pitchFamily="34" charset="0"/>
+              <a:buChar char="•"/>
+              <a:defRPr sz="2000" kern="1200">
+                <a:solidFill>
+                  <a:schemeClr val="tx1"/>
+                </a:solidFill>
+                <a:latin typeface="+mn-lt"/>
+                <a:ea typeface="+mn-ea"/>
+                <a:cs typeface="+mn-cs"/>
+              </a:defRPr>
+            </a:lvl6pPr>
+            <a:lvl7pPr marL="2971800" indent="-228600" algn="l" defTabSz="914400" rtl="0" eaLnBrk="1" latinLnBrk="0" hangingPunct="1">
+              <a:spcBef>
+                <a:spcPct val="20000"/>
+              </a:spcBef>
+              <a:buFont typeface="Arial" pitchFamily="34" charset="0"/>
+              <a:buChar char="•"/>
+              <a:defRPr sz="2000" kern="1200">
+                <a:solidFill>
+                  <a:schemeClr val="tx1"/>
+                </a:solidFill>
+                <a:latin typeface="+mn-lt"/>
+                <a:ea typeface="+mn-ea"/>
+                <a:cs typeface="+mn-cs"/>
+              </a:defRPr>
+            </a:lvl7pPr>
+            <a:lvl8pPr marL="3429000" indent="-228600" algn="l" defTabSz="914400" rtl="0" eaLnBrk="1" latinLnBrk="0" hangingPunct="1">
+              <a:spcBef>
+                <a:spcPct val="20000"/>
+              </a:spcBef>
+              <a:buFont typeface="Arial" pitchFamily="34" charset="0"/>
+              <a:buChar char="•"/>
+              <a:defRPr sz="2000" kern="1200">
+                <a:solidFill>
+                  <a:schemeClr val="tx1"/>
+                </a:solidFill>
+                <a:latin typeface="+mn-lt"/>
+                <a:ea typeface="+mn-ea"/>
+                <a:cs typeface="+mn-cs"/>
+              </a:defRPr>
+            </a:lvl8pPr>
+            <a:lvl9pPr marL="3886200" indent="-228600" algn="l" defTabSz="914400" rtl="0" eaLnBrk="1" latinLnBrk="0" hangingPunct="1">
+              <a:spcBef>
+                <a:spcPct val="20000"/>
+              </a:spcBef>
+              <a:buFont typeface="Arial" pitchFamily="34" charset="0"/>
+              <a:buChar char="•"/>
+              <a:defRPr sz="2000" kern="1200">
+                <a:solidFill>
+                  <a:schemeClr val="tx1"/>
+                </a:solidFill>
+                <a:latin typeface="+mn-lt"/>
+                <a:ea typeface="+mn-ea"/>
+                <a:cs typeface="+mn-cs"/>
+              </a:defRPr>
+            </a:lvl9pPr>
+          </a:lstStyle>
+          <a:p>
+            <a:pPr algn="ctr"/>
+            <a:r>
+              <a:rPr lang="en-US" sz="22129" dirty="0">
+                <a:solidFill>
+                  <a:schemeClr val="accent2"/>
+                </a:solidFill>
+                <a:latin typeface="Segoe UI" panose="020B0502040204020203" pitchFamily="34" charset="0"/>
+                <a:cs typeface="Segoe UI" panose="020B0502040204020203" pitchFamily="34" charset="0"/>
+              </a:rPr>
+              <a:t>P</a:t>
+            </a:r>
+            <a:r>
+              <a:rPr lang="en-US" sz="11730" dirty="0">
+                <a:solidFill>
+                  <a:schemeClr val="accent2"/>
+                </a:solidFill>
+                <a:latin typeface="Segoe UI" panose="020B0502040204020203" pitchFamily="34" charset="0"/>
+                <a:cs typeface="Segoe UI" panose="020B0502040204020203" pitchFamily="34" charset="0"/>
+              </a:rPr>
+              <a:t>&amp;</a:t>
+            </a:r>
+            <a:r>
+              <a:rPr lang="en-US" sz="22129" dirty="0">
+                <a:solidFill>
+                  <a:schemeClr val="accent2"/>
+                </a:solidFill>
+                <a:latin typeface="Segoe UI" panose="020B0502040204020203" pitchFamily="34" charset="0"/>
+                <a:cs typeface="Segoe UI" panose="020B0502040204020203" pitchFamily="34" charset="0"/>
+              </a:rPr>
+              <a:t>R</a:t>
+            </a:r>
+            <a:endParaRPr lang="ru-RU" sz="22129" dirty="0">
+              <a:solidFill>
+                <a:schemeClr val="accent2"/>
+              </a:solidFill>
+              <a:latin typeface="Segoe UI" panose="020B0502040204020203" pitchFamily="34" charset="0"/>
+              <a:cs typeface="Segoe UI" panose="020B0502040204020203" pitchFamily="34" charset="0"/>
+            </a:endParaRPr>
+          </a:p>
+        </p:txBody>
+      </p:sp>
+    </p:spTree>
+    <p:extLst>
+      <p:ext uri="{BB962C8B-B14F-4D97-AF65-F5344CB8AC3E}">
+        <p14:creationId xmlns:p14="http://schemas.microsoft.com/office/powerpoint/2010/main" val="944819563"/>
+      </p:ext>
+    </p:extLst>
+  </p:cSld>
+  <p:clrMapOvr>
+    <a:masterClrMapping/>
+  </p:clrMapOvr>
+  <mc:AlternateContent xmlns:mc="http://schemas.openxmlformats.org/markup-compatibility/2006" xmlns:p14="http://schemas.microsoft.com/office/powerpoint/2010/main">
+    <mc:Choice Requires="p14">
+      <p:transition p14:dur="0"/>
+    </mc:Choice>
+    <mc:Fallback xmlns="">
+      <p:transition/>
+    </mc:Fallback>
+  </mc:AlternateContent>
+</p:sld>
+</file>
+
+<file path=ppt/slides/slide51.xml><?xml version="1.0" encoding="utf-8"?>
 <p:sld xmlns:a="http://schemas.openxmlformats.org/drawingml/2006/main" xmlns:r="http://schemas.openxmlformats.org/officeDocument/2006/relationships" xmlns:p="http://schemas.openxmlformats.org/presentationml/2006/main">
   <p:cSld>
     <p:spTree>
